--- a/Advanced NGS Analysis (Day 2).pptx
+++ b/Advanced NGS Analysis (Day 2).pptx
@@ -13,6 +13,10 @@
     <p:sldId id="262" r:id="rId7"/>
     <p:sldId id="260" r:id="rId8"/>
     <p:sldId id="261" r:id="rId9"/>
+    <p:sldId id="263" r:id="rId10"/>
+    <p:sldId id="264" r:id="rId11"/>
+    <p:sldId id="265" r:id="rId12"/>
+    <p:sldId id="266" r:id="rId13"/>
   </p:sldIdLst>
   <p:sldSz cx="12192000" cy="6858000"/>
   <p:notesSz cx="6858000" cy="9144000"/>
@@ -250,7 +254,7 @@
           <a:p>
             <a:fld id="{89421B79-D0FB-4DBF-8858-4E3A3DAF1728}" type="datetimeFigureOut">
               <a:rPr lang="en-US" smtClean="0"/>
-              <a:t>6/7/2022</a:t>
+              <a:t>6/16/2022</a:t>
             </a:fld>
             <a:endParaRPr lang="en-US"/>
           </a:p>
@@ -420,7 +424,7 @@
           <a:p>
             <a:fld id="{89421B79-D0FB-4DBF-8858-4E3A3DAF1728}" type="datetimeFigureOut">
               <a:rPr lang="en-US" smtClean="0"/>
-              <a:t>6/7/2022</a:t>
+              <a:t>6/16/2022</a:t>
             </a:fld>
             <a:endParaRPr lang="en-US"/>
           </a:p>
@@ -600,7 +604,7 @@
           <a:p>
             <a:fld id="{89421B79-D0FB-4DBF-8858-4E3A3DAF1728}" type="datetimeFigureOut">
               <a:rPr lang="en-US" smtClean="0"/>
-              <a:t>6/7/2022</a:t>
+              <a:t>6/16/2022</a:t>
             </a:fld>
             <a:endParaRPr lang="en-US"/>
           </a:p>
@@ -883,7 +887,7 @@
             <a:fld id="{32338A89-9E82-4046-8247-794AEC633712}" type="datetimeFigureOut">
               <a:rPr lang="en-US" smtClean="0"/>
               <a:pPr/>
-              <a:t>6/7/2022</a:t>
+              <a:t>6/16/2022</a:t>
             </a:fld>
             <a:endParaRPr lang="en-US" dirty="0"/>
           </a:p>
@@ -1269,7 +1273,7 @@
           <a:p>
             <a:fld id="{32338A89-9E82-4046-8247-794AEC633712}" type="datetimeFigureOut">
               <a:rPr lang="en-US" smtClean="0"/>
-              <a:t>6/7/2022</a:t>
+              <a:t>6/16/2022</a:t>
             </a:fld>
             <a:endParaRPr lang="en-US" dirty="0"/>
           </a:p>
@@ -1919,7 +1923,7 @@
           <a:p>
             <a:fld id="{32338A89-9E82-4046-8247-794AEC633712}" type="datetimeFigureOut">
               <a:rPr lang="en-US" smtClean="0"/>
-              <a:t>6/7/2022</a:t>
+              <a:t>6/16/2022</a:t>
             </a:fld>
             <a:endParaRPr lang="en-US" dirty="0"/>
           </a:p>
@@ -2493,7 +2497,7 @@
           <a:p>
             <a:fld id="{32338A89-9E82-4046-8247-794AEC633712}" type="datetimeFigureOut">
               <a:rPr lang="en-US" smtClean="0"/>
-              <a:t>6/7/2022</a:t>
+              <a:t>6/16/2022</a:t>
             </a:fld>
             <a:endParaRPr lang="en-US" dirty="0"/>
           </a:p>
@@ -2719,7 +2723,7 @@
           <a:p>
             <a:fld id="{32338A89-9E82-4046-8247-794AEC633712}" type="datetimeFigureOut">
               <a:rPr lang="en-US" smtClean="0"/>
-              <a:t>6/7/2022</a:t>
+              <a:t>6/16/2022</a:t>
             </a:fld>
             <a:endParaRPr lang="en-US" dirty="0"/>
           </a:p>
@@ -2956,7 +2960,7 @@
           <a:p>
             <a:fld id="{89421B79-D0FB-4DBF-8858-4E3A3DAF1728}" type="datetimeFigureOut">
               <a:rPr lang="en-US" smtClean="0"/>
-              <a:t>6/7/2022</a:t>
+              <a:t>6/16/2022</a:t>
             </a:fld>
             <a:endParaRPr lang="en-US"/>
           </a:p>
@@ -3202,7 +3206,7 @@
           <a:p>
             <a:fld id="{89421B79-D0FB-4DBF-8858-4E3A3DAF1728}" type="datetimeFigureOut">
               <a:rPr lang="en-US" smtClean="0"/>
-              <a:t>6/7/2022</a:t>
+              <a:t>6/16/2022</a:t>
             </a:fld>
             <a:endParaRPr lang="en-US"/>
           </a:p>
@@ -3434,7 +3438,7 @@
           <a:p>
             <a:fld id="{89421B79-D0FB-4DBF-8858-4E3A3DAF1728}" type="datetimeFigureOut">
               <a:rPr lang="en-US" smtClean="0"/>
-              <a:t>6/7/2022</a:t>
+              <a:t>6/16/2022</a:t>
             </a:fld>
             <a:endParaRPr lang="en-US"/>
           </a:p>
@@ -3801,7 +3805,7 @@
           <a:p>
             <a:fld id="{89421B79-D0FB-4DBF-8858-4E3A3DAF1728}" type="datetimeFigureOut">
               <a:rPr lang="en-US" smtClean="0"/>
-              <a:t>6/7/2022</a:t>
+              <a:t>6/16/2022</a:t>
             </a:fld>
             <a:endParaRPr lang="en-US"/>
           </a:p>
@@ -3919,7 +3923,7 @@
           <a:p>
             <a:fld id="{89421B79-D0FB-4DBF-8858-4E3A3DAF1728}" type="datetimeFigureOut">
               <a:rPr lang="en-US" smtClean="0"/>
-              <a:t>6/7/2022</a:t>
+              <a:t>6/16/2022</a:t>
             </a:fld>
             <a:endParaRPr lang="en-US"/>
           </a:p>
@@ -4014,7 +4018,7 @@
           <a:p>
             <a:fld id="{89421B79-D0FB-4DBF-8858-4E3A3DAF1728}" type="datetimeFigureOut">
               <a:rPr lang="en-US" smtClean="0"/>
-              <a:t>6/7/2022</a:t>
+              <a:t>6/16/2022</a:t>
             </a:fld>
             <a:endParaRPr lang="en-US"/>
           </a:p>
@@ -4291,7 +4295,7 @@
           <a:p>
             <a:fld id="{89421B79-D0FB-4DBF-8858-4E3A3DAF1728}" type="datetimeFigureOut">
               <a:rPr lang="en-US" smtClean="0"/>
-              <a:t>6/7/2022</a:t>
+              <a:t>6/16/2022</a:t>
             </a:fld>
             <a:endParaRPr lang="en-US"/>
           </a:p>
@@ -4544,7 +4548,7 @@
           <a:p>
             <a:fld id="{89421B79-D0FB-4DBF-8858-4E3A3DAF1728}" type="datetimeFigureOut">
               <a:rPr lang="en-US" smtClean="0"/>
-              <a:t>6/7/2022</a:t>
+              <a:t>6/16/2022</a:t>
             </a:fld>
             <a:endParaRPr lang="en-US"/>
           </a:p>
@@ -4757,7 +4761,7 @@
           <a:p>
             <a:fld id="{89421B79-D0FB-4DBF-8858-4E3A3DAF1728}" type="datetimeFigureOut">
               <a:rPr lang="en-US" smtClean="0"/>
-              <a:t>6/7/2022</a:t>
+              <a:t>6/16/2022</a:t>
             </a:fld>
             <a:endParaRPr lang="en-US"/>
           </a:p>
@@ -5315,7 +5319,7 @@
             <a:fld id="{32338A89-9E82-4046-8247-794AEC633712}" type="datetimeFigureOut">
               <a:rPr lang="en-US" smtClean="0"/>
               <a:pPr/>
-              <a:t>6/7/2022</a:t>
+              <a:t>6/16/2022</a:t>
             </a:fld>
             <a:endParaRPr lang="en-US" dirty="0"/>
           </a:p>
@@ -5719,14 +5723,28 @@
                 <a:latin typeface="Times New Roman" panose="02020603050405020304" pitchFamily="18" charset="0"/>
                 <a:cs typeface="Times New Roman" panose="02020603050405020304" pitchFamily="18" charset="0"/>
               </a:rPr>
-              <a:t>Analysis (Day 2</a:t>
+              <a:t>Analysis (</a:t>
+            </a:r>
+            <a:r>
+              <a:rPr lang="en-US">
+                <a:latin typeface="Times New Roman" panose="02020603050405020304" pitchFamily="18" charset="0"/>
+                <a:cs typeface="Times New Roman" panose="02020603050405020304" pitchFamily="18" charset="0"/>
+              </a:rPr>
+              <a:t>Day </a:t>
+            </a:r>
+            <a:r>
+              <a:rPr lang="en-US" smtClean="0">
+                <a:latin typeface="Times New Roman" panose="02020603050405020304" pitchFamily="18" charset="0"/>
+                <a:cs typeface="Times New Roman" panose="02020603050405020304" pitchFamily="18" charset="0"/>
+              </a:rPr>
+              <a:t>1)</a:t>
             </a:r>
             <a:r>
               <a:rPr lang="en-US" dirty="0" smtClean="0">
                 <a:latin typeface="Times New Roman" panose="02020603050405020304" pitchFamily="18" charset="0"/>
                 <a:cs typeface="Times New Roman" panose="02020603050405020304" pitchFamily="18" charset="0"/>
               </a:rPr>
-              <a:t>)</a:t>
+              <a:t/>
             </a:r>
             <a:br>
               <a:rPr lang="en-US" dirty="0" smtClean="0">
@@ -5735,11 +5753,11 @@
               </a:rPr>
             </a:br>
             <a:r>
-              <a:rPr lang="en-US" dirty="0" smtClean="0">
+              <a:rPr lang="en-US" smtClean="0">
                 <a:latin typeface="Times New Roman" panose="02020603050405020304" pitchFamily="18" charset="0"/>
                 <a:cs typeface="Times New Roman" panose="02020603050405020304" pitchFamily="18" charset="0"/>
               </a:rPr>
-              <a:t>Session IV</a:t>
+              <a:t>Session II</a:t>
             </a:r>
             <a:endParaRPr lang="en-US" dirty="0"/>
           </a:p>
@@ -5875,6 +5893,5455 @@
     <p:extLst>
       <p:ext uri="{BB962C8B-B14F-4D97-AF65-F5344CB8AC3E}">
         <p14:creationId xmlns:p14="http://schemas.microsoft.com/office/powerpoint/2010/main" val="2726527689"/>
+      </p:ext>
+    </p:extLst>
+  </p:cSld>
+  <p:clrMapOvr>
+    <a:masterClrMapping/>
+  </p:clrMapOvr>
+</p:sld>
+</file>
+
+<file path=ppt/slides/slide10.xml><?xml version="1.0" encoding="utf-8"?>
+<p:sld xmlns:a="http://schemas.openxmlformats.org/drawingml/2006/main" xmlns:r="http://schemas.openxmlformats.org/officeDocument/2006/relationships" xmlns:p="http://schemas.openxmlformats.org/presentationml/2006/main">
+  <p:cSld>
+    <p:spTree>
+      <p:nvGrpSpPr>
+        <p:cNvPr id="1" name=""/>
+        <p:cNvGrpSpPr/>
+        <p:nvPr/>
+      </p:nvGrpSpPr>
+      <p:grpSpPr>
+        <a:xfrm>
+          <a:off x="0" y="0"/>
+          <a:ext cx="0" cy="0"/>
+          <a:chOff x="0" y="0"/>
+          <a:chExt cx="0" cy="0"/>
+        </a:xfrm>
+      </p:grpSpPr>
+      <p:sp>
+        <p:nvSpPr>
+          <p:cNvPr id="2" name="Title 1">
+            <a:extLst>
+              <a:ext uri="{FF2B5EF4-FFF2-40B4-BE49-F238E27FC236}">
+                <a16:creationId xmlns:a16="http://schemas.microsoft.com/office/drawing/2014/main" id="{636FB483-8A01-854E-9BBE-55E0C355A79B}"/>
+              </a:ext>
+            </a:extLst>
+          </p:cNvPr>
+          <p:cNvSpPr txBox="1">
+            <a:spLocks/>
+          </p:cNvSpPr>
+          <p:nvPr/>
+        </p:nvSpPr>
+        <p:spPr>
+          <a:xfrm>
+            <a:off x="273508" y="216546"/>
+            <a:ext cx="10089692" cy="656493"/>
+          </a:xfrm>
+          <a:prstGeom prst="rect">
+            <a:avLst/>
+          </a:prstGeom>
+        </p:spPr>
+        <p:txBody>
+          <a:bodyPr/>
+          <a:lstStyle>
+            <a:lvl1pPr algn="l" defTabSz="914400" rtl="0" eaLnBrk="1" latinLnBrk="0" hangingPunct="1">
+              <a:lnSpc>
+                <a:spcPct val="90000"/>
+              </a:lnSpc>
+              <a:spcBef>
+                <a:spcPct val="0"/>
+              </a:spcBef>
+              <a:buNone/>
+              <a:defRPr sz="2800" b="1" kern="1200">
+                <a:solidFill>
+                  <a:schemeClr val="tx1"/>
+                </a:solidFill>
+                <a:latin typeface="Helvetica" pitchFamily="2" charset="0"/>
+                <a:ea typeface="+mj-ea"/>
+                <a:cs typeface="+mj-cs"/>
+              </a:defRPr>
+            </a:lvl1pPr>
+          </a:lstStyle>
+          <a:p>
+            <a:pPr marL="0" marR="0" lvl="0" indent="0" algn="l" defTabSz="914400" rtl="0" eaLnBrk="1" fontAlgn="auto" latinLnBrk="0" hangingPunct="1">
+              <a:lnSpc>
+                <a:spcPct val="90000"/>
+              </a:lnSpc>
+              <a:spcBef>
+                <a:spcPct val="0"/>
+              </a:spcBef>
+              <a:spcAft>
+                <a:spcPts val="0"/>
+              </a:spcAft>
+              <a:buClrTx/>
+              <a:buSzTx/>
+              <a:buFontTx/>
+              <a:buNone/>
+              <a:tabLst/>
+              <a:defRPr/>
+            </a:pPr>
+            <a:r>
+              <a:rPr kumimoji="0" lang="en-US" sz="2800" b="1" i="0" strike="noStrike" kern="1200" cap="none" spc="0" normalizeH="0" baseline="0" noProof="0" dirty="0" smtClean="0">
+                <a:ln>
+                  <a:noFill/>
+                </a:ln>
+                <a:solidFill>
+                  <a:srgbClr val="626462"/>
+                </a:solidFill>
+                <a:effectLst/>
+                <a:uLnTx/>
+                <a:uFillTx/>
+                <a:latin typeface="Times New Roman" panose="02020603050405020304" pitchFamily="18" charset="0"/>
+                <a:ea typeface="+mj-ea"/>
+                <a:cs typeface="Times New Roman" panose="02020603050405020304" pitchFamily="18" charset="0"/>
+              </a:rPr>
+              <a:t>Expectation Maximization (in general) – A Multinomial Example</a:t>
+            </a:r>
+            <a:endParaRPr kumimoji="0" lang="en-US" sz="2800" b="1" i="0" strike="noStrike" kern="1200" cap="none" spc="0" normalizeH="0" baseline="0" noProof="0" dirty="0">
+              <a:ln>
+                <a:noFill/>
+              </a:ln>
+              <a:solidFill>
+                <a:srgbClr val="626462"/>
+              </a:solidFill>
+              <a:effectLst/>
+              <a:uLnTx/>
+              <a:uFillTx/>
+              <a:latin typeface="Times New Roman" panose="02020603050405020304" pitchFamily="18" charset="0"/>
+              <a:ea typeface="+mj-ea"/>
+              <a:cs typeface="Times New Roman" panose="02020603050405020304" pitchFamily="18" charset="0"/>
+            </a:endParaRPr>
+          </a:p>
+        </p:txBody>
+      </p:sp>
+      <p:sp>
+        <p:nvSpPr>
+          <p:cNvPr id="3" name="TextBox 2"/>
+          <p:cNvSpPr txBox="1"/>
+          <p:nvPr/>
+        </p:nvSpPr>
+        <p:spPr>
+          <a:xfrm>
+            <a:off x="0" y="6211669"/>
+            <a:ext cx="9629775" cy="646331"/>
+          </a:xfrm>
+          <a:prstGeom prst="rect">
+            <a:avLst/>
+          </a:prstGeom>
+          <a:noFill/>
+        </p:spPr>
+        <p:txBody>
+          <a:bodyPr wrap="square" rtlCol="0">
+            <a:spAutoFit/>
+          </a:bodyPr>
+          <a:lstStyle/>
+          <a:p>
+            <a:r>
+              <a:rPr lang="en-US" dirty="0" smtClean="0">
+                <a:latin typeface="Times New Roman" panose="02020603050405020304" pitchFamily="18" charset="0"/>
+                <a:cs typeface="Times New Roman" panose="02020603050405020304" pitchFamily="18" charset="0"/>
+              </a:rPr>
+              <a:t>These Expectation Maximization Notes Draw Heavily from “Maximum Likelihood from Incomplete Data via the EM Algorithm” by </a:t>
+            </a:r>
+            <a:r>
+              <a:rPr lang="en-US" dirty="0" err="1" smtClean="0">
+                <a:latin typeface="Times New Roman" panose="02020603050405020304" pitchFamily="18" charset="0"/>
+                <a:cs typeface="Times New Roman" panose="02020603050405020304" pitchFamily="18" charset="0"/>
+              </a:rPr>
+              <a:t>Dempster</a:t>
+            </a:r>
+            <a:r>
+              <a:rPr lang="en-US" dirty="0">
+                <a:latin typeface="Times New Roman" panose="02020603050405020304" pitchFamily="18" charset="0"/>
+                <a:cs typeface="Times New Roman" panose="02020603050405020304" pitchFamily="18" charset="0"/>
+              </a:rPr>
+              <a:t> Rubin and Laird (</a:t>
+            </a:r>
+            <a:r>
+              <a:rPr lang="en-US" dirty="0">
+                <a:latin typeface="Times New Roman" panose="02020603050405020304" pitchFamily="18" charset="0"/>
+                <a:cs typeface="Times New Roman" panose="02020603050405020304" pitchFamily="18" charset="0"/>
+                <a:hlinkClick r:id="rId2"/>
+              </a:rPr>
+              <a:t>https://</a:t>
+            </a:r>
+            <a:r>
+              <a:rPr lang="en-US" dirty="0" smtClean="0">
+                <a:latin typeface="Times New Roman" panose="02020603050405020304" pitchFamily="18" charset="0"/>
+                <a:cs typeface="Times New Roman" panose="02020603050405020304" pitchFamily="18" charset="0"/>
+                <a:hlinkClick r:id="rId2"/>
+              </a:rPr>
+              <a:t>www.jstor.org/stable/2984875</a:t>
+            </a:r>
+            <a:r>
+              <a:rPr lang="en-US" dirty="0" smtClean="0">
+                <a:latin typeface="Times New Roman" panose="02020603050405020304" pitchFamily="18" charset="0"/>
+                <a:cs typeface="Times New Roman" panose="02020603050405020304" pitchFamily="18" charset="0"/>
+              </a:rPr>
+              <a:t>) </a:t>
+            </a:r>
+            <a:endParaRPr lang="en-US" dirty="0">
+              <a:latin typeface="Times New Roman" panose="02020603050405020304" pitchFamily="18" charset="0"/>
+              <a:cs typeface="Times New Roman" panose="02020603050405020304" pitchFamily="18" charset="0"/>
+            </a:endParaRPr>
+          </a:p>
+        </p:txBody>
+      </p:sp>
+      <mc:AlternateContent xmlns:mc="http://schemas.openxmlformats.org/markup-compatibility/2006">
+        <mc:Choice xmlns:a14="http://schemas.microsoft.com/office/drawing/2010/main" Requires="a14">
+          <p:sp>
+            <p:nvSpPr>
+              <p:cNvPr id="4" name="TextBox 3"/>
+              <p:cNvSpPr txBox="1"/>
+              <p:nvPr/>
+            </p:nvSpPr>
+            <p:spPr>
+              <a:xfrm>
+                <a:off x="218035" y="618779"/>
+                <a:ext cx="11707265" cy="5570179"/>
+              </a:xfrm>
+              <a:prstGeom prst="rect">
+                <a:avLst/>
+              </a:prstGeom>
+              <a:noFill/>
+            </p:spPr>
+            <p:txBody>
+              <a:bodyPr wrap="square" rtlCol="0">
+                <a:spAutoFit/>
+              </a:bodyPr>
+              <a:lstStyle/>
+              <a:p>
+                <a:pPr marL="285750" indent="-285750">
+                  <a:buFont typeface="Arial" panose="020B0604020202020204" pitchFamily="34" charset="0"/>
+                  <a:buChar char="•"/>
+                </a:pPr>
+                <a:r>
+                  <a:rPr lang="en-US" dirty="0" smtClean="0">
+                    <a:latin typeface="Times New Roman" panose="02020603050405020304" pitchFamily="18" charset="0"/>
+                    <a:cs typeface="Times New Roman" panose="02020603050405020304" pitchFamily="18" charset="0"/>
+                  </a:rPr>
+                  <a:t>Suppose that there are marbles of five colors in a bag. </a:t>
+                </a:r>
+              </a:p>
+              <a:p>
+                <a:pPr marL="742950" lvl="1" indent="-285750">
+                  <a:buFont typeface="Arial" panose="020B0604020202020204" pitchFamily="34" charset="0"/>
+                  <a:buChar char="•"/>
+                </a:pPr>
+                <a:r>
+                  <a:rPr lang="en-US" dirty="0" smtClean="0">
+                    <a:latin typeface="Times New Roman" panose="02020603050405020304" pitchFamily="18" charset="0"/>
+                    <a:cs typeface="Times New Roman" panose="02020603050405020304" pitchFamily="18" charset="0"/>
+                  </a:rPr>
+                  <a:t>Red marbles are denoted by ‘R’</a:t>
+                </a:r>
+              </a:p>
+              <a:p>
+                <a:pPr marL="742950" lvl="1" indent="-285750">
+                  <a:buFont typeface="Arial" panose="020B0604020202020204" pitchFamily="34" charset="0"/>
+                  <a:buChar char="•"/>
+                </a:pPr>
+                <a:r>
+                  <a:rPr lang="en-US" dirty="0" smtClean="0">
+                    <a:latin typeface="Times New Roman" panose="02020603050405020304" pitchFamily="18" charset="0"/>
+                    <a:cs typeface="Times New Roman" panose="02020603050405020304" pitchFamily="18" charset="0"/>
+                  </a:rPr>
+                  <a:t>Orange marbles are denoted by ‘O’</a:t>
+                </a:r>
+              </a:p>
+              <a:p>
+                <a:pPr marL="742950" lvl="1" indent="-285750">
+                  <a:buFont typeface="Arial" panose="020B0604020202020204" pitchFamily="34" charset="0"/>
+                  <a:buChar char="•"/>
+                </a:pPr>
+                <a:r>
+                  <a:rPr lang="en-US" dirty="0" smtClean="0">
+                    <a:latin typeface="Times New Roman" panose="02020603050405020304" pitchFamily="18" charset="0"/>
+                    <a:cs typeface="Times New Roman" panose="02020603050405020304" pitchFamily="18" charset="0"/>
+                  </a:rPr>
+                  <a:t>Yellow marbles by ‘Y’</a:t>
+                </a:r>
+              </a:p>
+              <a:p>
+                <a:pPr marL="742950" lvl="1" indent="-285750">
+                  <a:buFont typeface="Arial" panose="020B0604020202020204" pitchFamily="34" charset="0"/>
+                  <a:buChar char="•"/>
+                </a:pPr>
+                <a:r>
+                  <a:rPr lang="en-US" dirty="0" smtClean="0">
+                    <a:latin typeface="Times New Roman" panose="02020603050405020304" pitchFamily="18" charset="0"/>
+                    <a:cs typeface="Times New Roman" panose="02020603050405020304" pitchFamily="18" charset="0"/>
+                  </a:rPr>
+                  <a:t>Green marbles by ‘G’</a:t>
+                </a:r>
+              </a:p>
+              <a:p>
+                <a:pPr marL="742950" lvl="1" indent="-285750">
+                  <a:buFont typeface="Arial" panose="020B0604020202020204" pitchFamily="34" charset="0"/>
+                  <a:buChar char="•"/>
+                </a:pPr>
+                <a:r>
+                  <a:rPr lang="en-US" dirty="0" smtClean="0">
+                    <a:latin typeface="Times New Roman" panose="02020603050405020304" pitchFamily="18" charset="0"/>
+                    <a:cs typeface="Times New Roman" panose="02020603050405020304" pitchFamily="18" charset="0"/>
+                  </a:rPr>
+                  <a:t>Blue marbles by ‘B’</a:t>
+                </a:r>
+              </a:p>
+              <a:p>
+                <a:pPr marL="285750" indent="-285750">
+                  <a:buFont typeface="Arial" panose="020B0604020202020204" pitchFamily="34" charset="0"/>
+                  <a:buChar char="•"/>
+                </a:pPr>
+                <a:r>
+                  <a:rPr lang="en-US" dirty="0" smtClean="0">
+                    <a:latin typeface="Times New Roman" panose="02020603050405020304" pitchFamily="18" charset="0"/>
+                    <a:cs typeface="Times New Roman" panose="02020603050405020304" pitchFamily="18" charset="0"/>
+                  </a:rPr>
+                  <a:t>Now, you personally cannot tell a difference between the orange and the yellow marbles by eye, and therefore are able to produce counts of four categories of marbles only (that is: “Red”, “Orange or Yellow”, “Green”, and “Blue”).</a:t>
+                </a:r>
+              </a:p>
+              <a:p>
+                <a:pPr marL="285750" indent="-285750">
+                  <a:buFont typeface="Arial" panose="020B0604020202020204" pitchFamily="34" charset="0"/>
+                  <a:buChar char="•"/>
+                </a:pPr>
+                <a:endParaRPr lang="en-US" dirty="0">
+                  <a:latin typeface="Times New Roman" panose="02020603050405020304" pitchFamily="18" charset="0"/>
+                  <a:cs typeface="Times New Roman" panose="02020603050405020304" pitchFamily="18" charset="0"/>
+                </a:endParaRPr>
+              </a:p>
+              <a:p>
+                <a:r>
+                  <a:rPr lang="en-US" dirty="0" smtClean="0">
+                    <a:latin typeface="Times New Roman" panose="02020603050405020304" pitchFamily="18" charset="0"/>
+                    <a:cs typeface="Times New Roman" panose="02020603050405020304" pitchFamily="18" charset="0"/>
+                  </a:rPr>
+                  <a:t>[EXAMPLE]</a:t>
+                </a:r>
+              </a:p>
+              <a:p>
+                <a:endParaRPr lang="en-US" dirty="0">
+                  <a:latin typeface="Times New Roman" panose="02020603050405020304" pitchFamily="18" charset="0"/>
+                  <a:cs typeface="Times New Roman" panose="02020603050405020304" pitchFamily="18" charset="0"/>
+                </a:endParaRPr>
+              </a:p>
+              <a:p>
+                <a:pPr marL="285750" indent="-285750">
+                  <a:buFont typeface="Arial" panose="020B0604020202020204" pitchFamily="34" charset="0"/>
+                  <a:buChar char="•"/>
+                </a:pPr>
+                <a:r>
+                  <a:rPr lang="en-US" dirty="0" smtClean="0">
+                    <a:latin typeface="Times New Roman" panose="02020603050405020304" pitchFamily="18" charset="0"/>
+                    <a:cs typeface="Times New Roman" panose="02020603050405020304" pitchFamily="18" charset="0"/>
+                  </a:rPr>
+                  <a:t>Suppose it is known ahead of time that the proportions of the </a:t>
+                </a:r>
+                <a:r>
+                  <a:rPr lang="en-US" i="1" dirty="0" smtClean="0">
+                    <a:latin typeface="Times New Roman" panose="02020603050405020304" pitchFamily="18" charset="0"/>
+                    <a:cs typeface="Times New Roman" panose="02020603050405020304" pitchFamily="18" charset="0"/>
+                  </a:rPr>
+                  <a:t>actual </a:t>
+                </a:r>
+                <a:r>
+                  <a:rPr lang="en-US" dirty="0" smtClean="0">
+                    <a:latin typeface="Times New Roman" panose="02020603050405020304" pitchFamily="18" charset="0"/>
+                    <a:cs typeface="Times New Roman" panose="02020603050405020304" pitchFamily="18" charset="0"/>
+                  </a:rPr>
+                  <a:t>colors of each of the marbles are related via an unknown parameter </a:t>
+                </a:r>
+                <a14:m>
+                  <m:oMath xmlns:m="http://schemas.openxmlformats.org/officeDocument/2006/math">
+                    <m:r>
+                      <a:rPr lang="en-US" b="0" i="1" smtClean="0">
+                        <a:latin typeface="Cambria Math" panose="02040503050406030204" pitchFamily="18" charset="0"/>
+                        <a:cs typeface="Times New Roman" panose="02020603050405020304" pitchFamily="18" charset="0"/>
+                      </a:rPr>
+                      <m:t>𝜋</m:t>
+                    </m:r>
+                  </m:oMath>
+                </a14:m>
+                <a:r>
+                  <a:rPr lang="en-US" dirty="0" smtClean="0">
+                    <a:latin typeface="Times New Roman" panose="02020603050405020304" pitchFamily="18" charset="0"/>
+                    <a:cs typeface="Times New Roman" panose="02020603050405020304" pitchFamily="18" charset="0"/>
+                  </a:rPr>
+                  <a:t>, such that for the color of an arbitrarily selected marble </a:t>
+                </a:r>
+                <a14:m>
+                  <m:oMath xmlns:m="http://schemas.openxmlformats.org/officeDocument/2006/math">
+                    <m:r>
+                      <a:rPr lang="en-US" b="0" i="1" smtClean="0">
+                        <a:latin typeface="Cambria Math" panose="02040503050406030204" pitchFamily="18" charset="0"/>
+                        <a:cs typeface="Times New Roman" panose="02020603050405020304" pitchFamily="18" charset="0"/>
+                      </a:rPr>
+                      <m:t>𝑖</m:t>
+                    </m:r>
+                  </m:oMath>
+                </a14:m>
+                <a:r>
+                  <a:rPr lang="en-US" dirty="0" smtClean="0">
+                    <a:latin typeface="Times New Roman" panose="02020603050405020304" pitchFamily="18" charset="0"/>
+                    <a:cs typeface="Times New Roman" panose="02020603050405020304" pitchFamily="18" charset="0"/>
+                  </a:rPr>
+                  <a:t>, denoted </a:t>
+                </a:r>
+                <a14:m>
+                  <m:oMath xmlns:m="http://schemas.openxmlformats.org/officeDocument/2006/math">
+                    <m:sSub>
+                      <m:sSubPr>
+                        <m:ctrlPr>
+                          <a:rPr lang="en-US" b="0" i="1" smtClean="0">
+                            <a:latin typeface="Cambria Math" panose="02040503050406030204" pitchFamily="18" charset="0"/>
+                            <a:cs typeface="Times New Roman" panose="02020603050405020304" pitchFamily="18" charset="0"/>
+                          </a:rPr>
+                        </m:ctrlPr>
+                      </m:sSubPr>
+                      <m:e>
+                        <m:r>
+                          <a:rPr lang="en-US" b="0" i="1" smtClean="0">
+                            <a:latin typeface="Cambria Math" panose="02040503050406030204" pitchFamily="18" charset="0"/>
+                            <a:cs typeface="Times New Roman" panose="02020603050405020304" pitchFamily="18" charset="0"/>
+                          </a:rPr>
+                          <m:t>𝑐</m:t>
+                        </m:r>
+                      </m:e>
+                      <m:sub>
+                        <m:r>
+                          <a:rPr lang="en-US" b="0" i="1" smtClean="0">
+                            <a:latin typeface="Cambria Math" panose="02040503050406030204" pitchFamily="18" charset="0"/>
+                            <a:cs typeface="Times New Roman" panose="02020603050405020304" pitchFamily="18" charset="0"/>
+                          </a:rPr>
+                          <m:t>𝑖</m:t>
+                        </m:r>
+                      </m:sub>
+                    </m:sSub>
+                  </m:oMath>
+                </a14:m>
+                <a:r>
+                  <a:rPr lang="en-US" dirty="0" smtClean="0">
+                    <a:latin typeface="Times New Roman" panose="02020603050405020304" pitchFamily="18" charset="0"/>
+                    <a:cs typeface="Times New Roman" panose="02020603050405020304" pitchFamily="18" charset="0"/>
+                  </a:rPr>
+                  <a:t> follows this distribution: </a:t>
+                </a:r>
+              </a:p>
+              <a:p>
+                <a:endParaRPr lang="en-US" dirty="0" smtClean="0">
+                  <a:latin typeface="Times New Roman" panose="02020603050405020304" pitchFamily="18" charset="0"/>
+                  <a:cs typeface="Times New Roman" panose="02020603050405020304" pitchFamily="18" charset="0"/>
+                </a:endParaRPr>
+              </a:p>
+              <a:p>
+                <a14:m>
+                  <m:oMathPara xmlns:m="http://schemas.openxmlformats.org/officeDocument/2006/math">
+                    <m:oMathParaPr>
+                      <m:jc m:val="centerGroup"/>
+                    </m:oMathParaPr>
+                    <m:oMath xmlns:m="http://schemas.openxmlformats.org/officeDocument/2006/math">
+                      <m:r>
+                        <a:rPr lang="en-US" b="0" i="1" smtClean="0">
+                          <a:latin typeface="Cambria Math" panose="02040503050406030204" pitchFamily="18" charset="0"/>
+                          <a:cs typeface="Times New Roman" panose="02020603050405020304" pitchFamily="18" charset="0"/>
+                        </a:rPr>
+                        <m:t>𝑃</m:t>
+                      </m:r>
+                      <m:d>
+                        <m:dPr>
+                          <m:ctrlPr>
+                            <a:rPr lang="en-US" b="0" i="1" smtClean="0">
+                              <a:latin typeface="Cambria Math" panose="02040503050406030204" pitchFamily="18" charset="0"/>
+                              <a:cs typeface="Times New Roman" panose="02020603050405020304" pitchFamily="18" charset="0"/>
+                            </a:rPr>
+                          </m:ctrlPr>
+                        </m:dPr>
+                        <m:e>
+                          <m:sSub>
+                            <m:sSubPr>
+                              <m:ctrlPr>
+                                <a:rPr lang="en-US" b="0" i="1" smtClean="0">
+                                  <a:latin typeface="Cambria Math" panose="02040503050406030204" pitchFamily="18" charset="0"/>
+                                  <a:cs typeface="Times New Roman" panose="02020603050405020304" pitchFamily="18" charset="0"/>
+                                </a:rPr>
+                              </m:ctrlPr>
+                            </m:sSubPr>
+                            <m:e>
+                              <m:r>
+                                <a:rPr lang="en-US" b="0" i="1" smtClean="0">
+                                  <a:latin typeface="Cambria Math" panose="02040503050406030204" pitchFamily="18" charset="0"/>
+                                  <a:cs typeface="Times New Roman" panose="02020603050405020304" pitchFamily="18" charset="0"/>
+                                </a:rPr>
+                                <m:t>𝑐</m:t>
+                              </m:r>
+                            </m:e>
+                            <m:sub>
+                              <m:r>
+                                <a:rPr lang="en-US" b="0" i="1" smtClean="0">
+                                  <a:latin typeface="Cambria Math" panose="02040503050406030204" pitchFamily="18" charset="0"/>
+                                  <a:cs typeface="Times New Roman" panose="02020603050405020304" pitchFamily="18" charset="0"/>
+                                </a:rPr>
+                                <m:t>𝑖</m:t>
+                              </m:r>
+                            </m:sub>
+                          </m:sSub>
+                          <m:r>
+                            <a:rPr lang="en-US" b="0" i="1" smtClean="0">
+                              <a:latin typeface="Cambria Math" panose="02040503050406030204" pitchFamily="18" charset="0"/>
+                              <a:cs typeface="Times New Roman" panose="02020603050405020304" pitchFamily="18" charset="0"/>
+                            </a:rPr>
+                            <m:t>=</m:t>
+                          </m:r>
+                          <m:d>
+                            <m:dPr>
+                              <m:ctrlPr>
+                                <a:rPr lang="en-US" b="0" i="1" smtClean="0">
+                                  <a:latin typeface="Cambria Math" panose="02040503050406030204" pitchFamily="18" charset="0"/>
+                                  <a:cs typeface="Times New Roman" panose="02020603050405020304" pitchFamily="18" charset="0"/>
+                                </a:rPr>
+                              </m:ctrlPr>
+                            </m:dPr>
+                            <m:e>
+                              <m:m>
+                                <m:mPr>
+                                  <m:mcs>
+                                    <m:mc>
+                                      <m:mcPr>
+                                        <m:count m:val="1"/>
+                                        <m:mcJc m:val="center"/>
+                                      </m:mcPr>
+                                    </m:mc>
+                                  </m:mcs>
+                                  <m:ctrlPr>
+                                    <a:rPr lang="en-US" b="0" i="1" smtClean="0">
+                                      <a:latin typeface="Cambria Math" panose="02040503050406030204" pitchFamily="18" charset="0"/>
+                                      <a:cs typeface="Times New Roman" panose="02020603050405020304" pitchFamily="18" charset="0"/>
+                                    </a:rPr>
+                                  </m:ctrlPr>
+                                </m:mPr>
+                                <m:mr>
+                                  <m:e>
+                                    <m:r>
+                                      <m:rPr>
+                                        <m:nor/>
+                                      </m:rPr>
+                                      <a:rPr lang="en-US" dirty="0">
+                                        <a:solidFill>
+                                          <a:srgbClr val="FF0000"/>
+                                        </a:solidFill>
+                                        <a:latin typeface="Times New Roman" panose="02020603050405020304" pitchFamily="18" charset="0"/>
+                                        <a:cs typeface="Times New Roman" panose="02020603050405020304" pitchFamily="18" charset="0"/>
+                                      </a:rPr>
+                                      <m:t>Red</m:t>
+                                    </m:r>
+                                    <m:r>
+                                      <m:rPr>
+                                        <m:nor/>
+                                      </m:rPr>
+                                      <a:rPr lang="en-US" dirty="0">
+                                        <a:solidFill>
+                                          <a:srgbClr val="FF0000"/>
+                                        </a:solidFill>
+                                      </a:rPr>
+                                      <m:t> </m:t>
+                                    </m:r>
+                                  </m:e>
+                                </m:mr>
+                                <m:mr>
+                                  <m:e>
+                                    <m:r>
+                                      <m:rPr>
+                                        <m:nor/>
+                                      </m:rPr>
+                                      <a:rPr lang="en-US" dirty="0">
+                                        <a:solidFill>
+                                          <a:srgbClr val="FF6600"/>
+                                        </a:solidFill>
+                                        <a:latin typeface="Times New Roman" panose="02020603050405020304" pitchFamily="18" charset="0"/>
+                                        <a:cs typeface="Times New Roman" panose="02020603050405020304" pitchFamily="18" charset="0"/>
+                                      </a:rPr>
+                                      <m:t>Orange</m:t>
+                                    </m:r>
+                                    <m:r>
+                                      <m:rPr>
+                                        <m:nor/>
+                                      </m:rPr>
+                                      <a:rPr lang="en-US" dirty="0">
+                                        <a:solidFill>
+                                          <a:srgbClr val="FF6600"/>
+                                        </a:solidFill>
+                                      </a:rPr>
+                                      <m:t> </m:t>
+                                    </m:r>
+                                  </m:e>
+                                </m:mr>
+                                <m:mr>
+                                  <m:e>
+                                    <m:r>
+                                      <m:rPr>
+                                        <m:nor/>
+                                      </m:rPr>
+                                      <a:rPr lang="en-US" dirty="0">
+                                        <a:solidFill>
+                                          <a:srgbClr val="FFFF00"/>
+                                        </a:solidFill>
+                                        <a:latin typeface="Times New Roman" panose="02020603050405020304" pitchFamily="18" charset="0"/>
+                                        <a:cs typeface="Times New Roman" panose="02020603050405020304" pitchFamily="18" charset="0"/>
+                                      </a:rPr>
+                                      <m:t>Yellow</m:t>
+                                    </m:r>
+                                    <m:r>
+                                      <m:rPr>
+                                        <m:nor/>
+                                      </m:rPr>
+                                      <a:rPr lang="en-US" dirty="0">
+                                        <a:solidFill>
+                                          <a:srgbClr val="FFFF00"/>
+                                        </a:solidFill>
+                                      </a:rPr>
+                                      <m:t> </m:t>
+                                    </m:r>
+                                  </m:e>
+                                </m:mr>
+                                <m:mr>
+                                  <m:e>
+                                    <m:r>
+                                      <m:rPr>
+                                        <m:nor/>
+                                      </m:rPr>
+                                      <a:rPr lang="en-US" dirty="0">
+                                        <a:solidFill>
+                                          <a:srgbClr val="3CAF2C"/>
+                                        </a:solidFill>
+                                        <a:latin typeface="Times New Roman" panose="02020603050405020304" pitchFamily="18" charset="0"/>
+                                        <a:cs typeface="Times New Roman" panose="02020603050405020304" pitchFamily="18" charset="0"/>
+                                      </a:rPr>
+                                      <m:t>Green</m:t>
+                                    </m:r>
+                                    <m:r>
+                                      <m:rPr>
+                                        <m:nor/>
+                                      </m:rPr>
+                                      <a:rPr lang="en-US" dirty="0">
+                                        <a:solidFill>
+                                          <a:srgbClr val="3CAF2C"/>
+                                        </a:solidFill>
+                                        <a:latin typeface="Times New Roman" panose="02020603050405020304" pitchFamily="18" charset="0"/>
+                                        <a:cs typeface="Times New Roman" panose="02020603050405020304" pitchFamily="18" charset="0"/>
+                                      </a:rPr>
+                                      <m:t> </m:t>
+                                    </m:r>
+                                  </m:e>
+                                </m:mr>
+                                <m:mr>
+                                  <m:e>
+                                    <m:r>
+                                      <m:rPr>
+                                        <m:nor/>
+                                      </m:rPr>
+                                      <a:rPr lang="en-US" dirty="0">
+                                        <a:solidFill>
+                                          <a:schemeClr val="accent1">
+                                            <a:lumMod val="50000"/>
+                                          </a:schemeClr>
+                                        </a:solidFill>
+                                        <a:latin typeface="Times New Roman" panose="02020603050405020304" pitchFamily="18" charset="0"/>
+                                        <a:cs typeface="Times New Roman" panose="02020603050405020304" pitchFamily="18" charset="0"/>
+                                      </a:rPr>
+                                      <m:t>Blue</m:t>
+                                    </m:r>
+                                    <m:r>
+                                      <m:rPr>
+                                        <m:nor/>
+                                      </m:rPr>
+                                      <a:rPr lang="en-US" dirty="0">
+                                        <a:solidFill>
+                                          <a:schemeClr val="accent1">
+                                            <a:lumMod val="50000"/>
+                                          </a:schemeClr>
+                                        </a:solidFill>
+                                      </a:rPr>
+                                      <m:t> </m:t>
+                                    </m:r>
+                                  </m:e>
+                                </m:mr>
+                              </m:m>
+                            </m:e>
+                          </m:d>
+                        </m:e>
+                      </m:d>
+                      <m:r>
+                        <a:rPr lang="en-US" b="0" i="1" smtClean="0">
+                          <a:latin typeface="Cambria Math" panose="02040503050406030204" pitchFamily="18" charset="0"/>
+                          <a:cs typeface="Times New Roman" panose="02020603050405020304" pitchFamily="18" charset="0"/>
+                        </a:rPr>
+                        <m:t>=</m:t>
+                      </m:r>
+                      <m:d>
+                        <m:dPr>
+                          <m:ctrlPr>
+                            <a:rPr lang="en-US" i="1">
+                              <a:latin typeface="Cambria Math" panose="02040503050406030204" pitchFamily="18" charset="0"/>
+                              <a:cs typeface="Times New Roman" panose="02020603050405020304" pitchFamily="18" charset="0"/>
+                            </a:rPr>
+                          </m:ctrlPr>
+                        </m:dPr>
+                        <m:e>
+                          <m:m>
+                            <m:mPr>
+                              <m:mcs>
+                                <m:mc>
+                                  <m:mcPr>
+                                    <m:count m:val="1"/>
+                                    <m:mcJc m:val="center"/>
+                                  </m:mcPr>
+                                </m:mc>
+                              </m:mcs>
+                              <m:ctrlPr>
+                                <a:rPr lang="en-US" i="1">
+                                  <a:latin typeface="Cambria Math" panose="02040503050406030204" pitchFamily="18" charset="0"/>
+                                  <a:cs typeface="Times New Roman" panose="02020603050405020304" pitchFamily="18" charset="0"/>
+                                </a:rPr>
+                              </m:ctrlPr>
+                            </m:mPr>
+                            <m:mr>
+                              <m:e>
+                                <m:r>
+                                  <a:rPr lang="en-US" i="1">
+                                    <a:latin typeface="Cambria Math" panose="02040503050406030204" pitchFamily="18" charset="0"/>
+                                    <a:cs typeface="Times New Roman" panose="02020603050405020304" pitchFamily="18" charset="0"/>
+                                  </a:rPr>
+                                  <m:t>(1−</m:t>
+                                </m:r>
+                                <m:r>
+                                  <a:rPr lang="en-US" i="1">
+                                    <a:latin typeface="Cambria Math" panose="02040503050406030204" pitchFamily="18" charset="0"/>
+                                    <a:cs typeface="Times New Roman" panose="02020603050405020304" pitchFamily="18" charset="0"/>
+                                  </a:rPr>
+                                  <m:t>𝜋</m:t>
+                                </m:r>
+                                <m:r>
+                                  <a:rPr lang="en-US" i="1">
+                                    <a:latin typeface="Cambria Math" panose="02040503050406030204" pitchFamily="18" charset="0"/>
+                                    <a:cs typeface="Times New Roman" panose="02020603050405020304" pitchFamily="18" charset="0"/>
+                                  </a:rPr>
+                                  <m:t>)/4</m:t>
+                                </m:r>
+                              </m:e>
+                            </m:mr>
+                            <m:mr>
+                              <m:e>
+                                <m:r>
+                                  <a:rPr lang="en-US" b="0" i="1" smtClean="0">
+                                    <a:latin typeface="Cambria Math" panose="02040503050406030204" pitchFamily="18" charset="0"/>
+                                    <a:cs typeface="Times New Roman" panose="02020603050405020304" pitchFamily="18" charset="0"/>
+                                  </a:rPr>
+                                  <m:t>𝜋</m:t>
+                                </m:r>
+                                <m:r>
+                                  <a:rPr lang="en-US" b="0" i="1" smtClean="0">
+                                    <a:latin typeface="Cambria Math" panose="02040503050406030204" pitchFamily="18" charset="0"/>
+                                    <a:cs typeface="Times New Roman" panose="02020603050405020304" pitchFamily="18" charset="0"/>
+                                  </a:rPr>
+                                  <m:t>/4</m:t>
+                                </m:r>
+                              </m:e>
+                            </m:mr>
+                            <m:mr>
+                              <m:e>
+                                <m:r>
+                                  <a:rPr lang="en-US" b="0" i="1" smtClean="0">
+                                    <a:latin typeface="Cambria Math" panose="02040503050406030204" pitchFamily="18" charset="0"/>
+                                    <a:cs typeface="Times New Roman" panose="02020603050405020304" pitchFamily="18" charset="0"/>
+                                  </a:rPr>
+                                  <m:t>1/2</m:t>
+                                </m:r>
+                              </m:e>
+                            </m:mr>
+                            <m:mr>
+                              <m:e>
+                                <m:r>
+                                  <a:rPr lang="en-US" b="0" i="1" smtClean="0">
+                                    <a:latin typeface="Cambria Math" panose="02040503050406030204" pitchFamily="18" charset="0"/>
+                                    <a:cs typeface="Times New Roman" panose="02020603050405020304" pitchFamily="18" charset="0"/>
+                                  </a:rPr>
+                                  <m:t>(1−</m:t>
+                                </m:r>
+                                <m:r>
+                                  <a:rPr lang="en-US" b="0" i="1" smtClean="0">
+                                    <a:latin typeface="Cambria Math" panose="02040503050406030204" pitchFamily="18" charset="0"/>
+                                    <a:cs typeface="Times New Roman" panose="02020603050405020304" pitchFamily="18" charset="0"/>
+                                  </a:rPr>
+                                  <m:t>𝜋</m:t>
+                                </m:r>
+                                <m:r>
+                                  <a:rPr lang="en-US" b="0" i="1" smtClean="0">
+                                    <a:latin typeface="Cambria Math" panose="02040503050406030204" pitchFamily="18" charset="0"/>
+                                    <a:cs typeface="Times New Roman" panose="02020603050405020304" pitchFamily="18" charset="0"/>
+                                  </a:rPr>
+                                  <m:t>)/4</m:t>
+                                </m:r>
+                              </m:e>
+                            </m:mr>
+                            <m:mr>
+                              <m:e>
+                                <m:r>
+                                  <a:rPr lang="en-US" b="0" i="1" smtClean="0">
+                                    <a:latin typeface="Cambria Math" panose="02040503050406030204" pitchFamily="18" charset="0"/>
+                                    <a:cs typeface="Times New Roman" panose="02020603050405020304" pitchFamily="18" charset="0"/>
+                                  </a:rPr>
+                                  <m:t>𝜋</m:t>
+                                </m:r>
+                                <m:r>
+                                  <a:rPr lang="en-US" b="0" i="1" smtClean="0">
+                                    <a:latin typeface="Cambria Math" panose="02040503050406030204" pitchFamily="18" charset="0"/>
+                                    <a:cs typeface="Times New Roman" panose="02020603050405020304" pitchFamily="18" charset="0"/>
+                                  </a:rPr>
+                                  <m:t>/4</m:t>
+                                </m:r>
+                              </m:e>
+                            </m:mr>
+                          </m:m>
+                        </m:e>
+                      </m:d>
+                      <m:r>
+                        <a:rPr lang="en-US" b="0" i="1" smtClean="0">
+                          <a:latin typeface="Cambria Math" panose="02040503050406030204" pitchFamily="18" charset="0"/>
+                          <a:cs typeface="Times New Roman" panose="02020603050405020304" pitchFamily="18" charset="0"/>
+                        </a:rPr>
+                        <m:t>⇒</m:t>
+                      </m:r>
+                      <m:r>
+                        <a:rPr lang="en-US" i="1">
+                          <a:latin typeface="Cambria Math" panose="02040503050406030204" pitchFamily="18" charset="0"/>
+                          <a:cs typeface="Times New Roman" panose="02020603050405020304" pitchFamily="18" charset="0"/>
+                        </a:rPr>
+                        <m:t>𝑃</m:t>
+                      </m:r>
+                      <m:d>
+                        <m:dPr>
+                          <m:ctrlPr>
+                            <a:rPr lang="en-US" i="1">
+                              <a:latin typeface="Cambria Math" panose="02040503050406030204" pitchFamily="18" charset="0"/>
+                              <a:cs typeface="Times New Roman" panose="02020603050405020304" pitchFamily="18" charset="0"/>
+                            </a:rPr>
+                          </m:ctrlPr>
+                        </m:dPr>
+                        <m:e>
+                          <m:sSub>
+                            <m:sSubPr>
+                              <m:ctrlPr>
+                                <a:rPr lang="en-US" i="1">
+                                  <a:latin typeface="Cambria Math" panose="02040503050406030204" pitchFamily="18" charset="0"/>
+                                  <a:cs typeface="Times New Roman" panose="02020603050405020304" pitchFamily="18" charset="0"/>
+                                </a:rPr>
+                              </m:ctrlPr>
+                            </m:sSubPr>
+                            <m:e>
+                              <m:r>
+                                <a:rPr lang="en-US" i="1">
+                                  <a:latin typeface="Cambria Math" panose="02040503050406030204" pitchFamily="18" charset="0"/>
+                                  <a:cs typeface="Times New Roman" panose="02020603050405020304" pitchFamily="18" charset="0"/>
+                                </a:rPr>
+                                <m:t>𝑐</m:t>
+                              </m:r>
+                            </m:e>
+                            <m:sub>
+                              <m:r>
+                                <a:rPr lang="en-US" i="1">
+                                  <a:latin typeface="Cambria Math" panose="02040503050406030204" pitchFamily="18" charset="0"/>
+                                  <a:cs typeface="Times New Roman" panose="02020603050405020304" pitchFamily="18" charset="0"/>
+                                </a:rPr>
+                                <m:t>𝑖</m:t>
+                              </m:r>
+                            </m:sub>
+                          </m:sSub>
+                          <m:r>
+                            <a:rPr lang="en-US" i="1">
+                              <a:latin typeface="Cambria Math" panose="02040503050406030204" pitchFamily="18" charset="0"/>
+                              <a:cs typeface="Times New Roman" panose="02020603050405020304" pitchFamily="18" charset="0"/>
+                            </a:rPr>
+                            <m:t>=</m:t>
+                          </m:r>
+                          <m:d>
+                            <m:dPr>
+                              <m:ctrlPr>
+                                <a:rPr lang="en-US" i="1">
+                                  <a:latin typeface="Cambria Math" panose="02040503050406030204" pitchFamily="18" charset="0"/>
+                                  <a:cs typeface="Times New Roman" panose="02020603050405020304" pitchFamily="18" charset="0"/>
+                                </a:rPr>
+                              </m:ctrlPr>
+                            </m:dPr>
+                            <m:e>
+                              <m:m>
+                                <m:mPr>
+                                  <m:mcs>
+                                    <m:mc>
+                                      <m:mcPr>
+                                        <m:count m:val="1"/>
+                                        <m:mcJc m:val="center"/>
+                                      </m:mcPr>
+                                    </m:mc>
+                                  </m:mcs>
+                                  <m:ctrlPr>
+                                    <a:rPr lang="en-US" i="1" dirty="0">
+                                      <a:solidFill>
+                                        <a:srgbClr val="FF0000"/>
+                                      </a:solidFill>
+                                      <a:latin typeface="Cambria Math" panose="02040503050406030204" pitchFamily="18" charset="0"/>
+                                      <a:cs typeface="Times New Roman" panose="02020603050405020304" pitchFamily="18" charset="0"/>
+                                    </a:rPr>
+                                  </m:ctrlPr>
+                                </m:mPr>
+                                <m:mr>
+                                  <m:e>
+                                    <m:r>
+                                      <m:rPr>
+                                        <m:nor/>
+                                      </m:rPr>
+                                      <a:rPr lang="en-US" dirty="0">
+                                        <a:solidFill>
+                                          <a:srgbClr val="FF0000"/>
+                                        </a:solidFill>
+                                        <a:latin typeface="Times New Roman" panose="02020603050405020304" pitchFamily="18" charset="0"/>
+                                        <a:cs typeface="Times New Roman" panose="02020603050405020304" pitchFamily="18" charset="0"/>
+                                      </a:rPr>
+                                      <m:t>Red</m:t>
+                                    </m:r>
+                                    <m:r>
+                                      <m:rPr>
+                                        <m:nor/>
+                                      </m:rPr>
+                                      <a:rPr lang="en-US" dirty="0">
+                                        <a:solidFill>
+                                          <a:srgbClr val="FF0000"/>
+                                        </a:solidFill>
+                                      </a:rPr>
+                                      <m:t> </m:t>
+                                    </m:r>
+                                  </m:e>
+                                </m:mr>
+                                <m:mr>
+                                  <m:e>
+                                    <m:r>
+                                      <m:rPr>
+                                        <m:nor/>
+                                      </m:rPr>
+                                      <a:rPr lang="en-US" dirty="0">
+                                        <a:solidFill>
+                                          <a:srgbClr val="FFC000"/>
+                                        </a:solidFill>
+                                        <a:latin typeface="Times New Roman" panose="02020603050405020304" pitchFamily="18" charset="0"/>
+                                        <a:cs typeface="Times New Roman" panose="02020603050405020304" pitchFamily="18" charset="0"/>
+                                      </a:rPr>
+                                      <m:t>Orange</m:t>
+                                    </m:r>
+                                    <m:r>
+                                      <m:rPr>
+                                        <m:nor/>
+                                      </m:rPr>
+                                      <a:rPr lang="en-US" dirty="0">
+                                        <a:solidFill>
+                                          <a:srgbClr val="FFC000"/>
+                                        </a:solidFill>
+                                        <a:latin typeface="Times New Roman" panose="02020603050405020304" pitchFamily="18" charset="0"/>
+                                        <a:cs typeface="Times New Roman" panose="02020603050405020304" pitchFamily="18" charset="0"/>
+                                      </a:rPr>
+                                      <m:t> </m:t>
+                                    </m:r>
+                                    <m:r>
+                                      <m:rPr>
+                                        <m:nor/>
+                                      </m:rPr>
+                                      <a:rPr lang="en-US" dirty="0">
+                                        <a:solidFill>
+                                          <a:srgbClr val="FFC000"/>
+                                        </a:solidFill>
+                                        <a:latin typeface="Times New Roman" panose="02020603050405020304" pitchFamily="18" charset="0"/>
+                                        <a:cs typeface="Times New Roman" panose="02020603050405020304" pitchFamily="18" charset="0"/>
+                                      </a:rPr>
+                                      <m:t>or</m:t>
+                                    </m:r>
+                                    <m:r>
+                                      <m:rPr>
+                                        <m:nor/>
+                                      </m:rPr>
+                                      <a:rPr lang="en-US" dirty="0">
+                                        <a:solidFill>
+                                          <a:srgbClr val="FFC000"/>
+                                        </a:solidFill>
+                                        <a:latin typeface="Times New Roman" panose="02020603050405020304" pitchFamily="18" charset="0"/>
+                                        <a:cs typeface="Times New Roman" panose="02020603050405020304" pitchFamily="18" charset="0"/>
+                                      </a:rPr>
+                                      <m:t> </m:t>
+                                    </m:r>
+                                    <m:r>
+                                      <m:rPr>
+                                        <m:nor/>
+                                      </m:rPr>
+                                      <a:rPr lang="en-US" dirty="0">
+                                        <a:solidFill>
+                                          <a:srgbClr val="FFC000"/>
+                                        </a:solidFill>
+                                        <a:latin typeface="Times New Roman" panose="02020603050405020304" pitchFamily="18" charset="0"/>
+                                        <a:cs typeface="Times New Roman" panose="02020603050405020304" pitchFamily="18" charset="0"/>
+                                      </a:rPr>
+                                      <m:t>Yellow</m:t>
+                                    </m:r>
+                                    <m:r>
+                                      <m:rPr>
+                                        <m:nor/>
+                                      </m:rPr>
+                                      <a:rPr lang="en-US" dirty="0">
+                                        <a:solidFill>
+                                          <a:srgbClr val="FFC000"/>
+                                        </a:solidFill>
+                                      </a:rPr>
+                                      <m:t> </m:t>
+                                    </m:r>
+                                  </m:e>
+                                </m:mr>
+                                <m:mr>
+                                  <m:e>
+                                    <m:r>
+                                      <m:rPr>
+                                        <m:nor/>
+                                      </m:rPr>
+                                      <a:rPr lang="en-US" dirty="0">
+                                        <a:solidFill>
+                                          <a:srgbClr val="3CAF2C"/>
+                                        </a:solidFill>
+                                        <a:latin typeface="Times New Roman" panose="02020603050405020304" pitchFamily="18" charset="0"/>
+                                        <a:cs typeface="Times New Roman" panose="02020603050405020304" pitchFamily="18" charset="0"/>
+                                      </a:rPr>
+                                      <m:t>Green</m:t>
+                                    </m:r>
+                                    <m:r>
+                                      <m:rPr>
+                                        <m:nor/>
+                                      </m:rPr>
+                                      <a:rPr lang="en-US" dirty="0">
+                                        <a:solidFill>
+                                          <a:srgbClr val="3CAF2C"/>
+                                        </a:solidFill>
+                                        <a:latin typeface="Times New Roman" panose="02020603050405020304" pitchFamily="18" charset="0"/>
+                                        <a:cs typeface="Times New Roman" panose="02020603050405020304" pitchFamily="18" charset="0"/>
+                                      </a:rPr>
+                                      <m:t> </m:t>
+                                    </m:r>
+                                  </m:e>
+                                </m:mr>
+                                <m:mr>
+                                  <m:e>
+                                    <m:r>
+                                      <m:rPr>
+                                        <m:nor/>
+                                      </m:rPr>
+                                      <a:rPr lang="en-US" dirty="0">
+                                        <a:solidFill>
+                                          <a:schemeClr val="accent1">
+                                            <a:lumMod val="50000"/>
+                                          </a:schemeClr>
+                                        </a:solidFill>
+                                        <a:latin typeface="Times New Roman" panose="02020603050405020304" pitchFamily="18" charset="0"/>
+                                        <a:cs typeface="Times New Roman" panose="02020603050405020304" pitchFamily="18" charset="0"/>
+                                      </a:rPr>
+                                      <m:t>Blue</m:t>
+                                    </m:r>
+                                    <m:r>
+                                      <m:rPr>
+                                        <m:nor/>
+                                      </m:rPr>
+                                      <a:rPr lang="en-US" dirty="0">
+                                        <a:solidFill>
+                                          <a:schemeClr val="accent1">
+                                            <a:lumMod val="50000"/>
+                                          </a:schemeClr>
+                                        </a:solidFill>
+                                      </a:rPr>
+                                      <m:t> </m:t>
+                                    </m:r>
+                                  </m:e>
+                                </m:mr>
+                              </m:m>
+                            </m:e>
+                          </m:d>
+                        </m:e>
+                      </m:d>
+                      <m:r>
+                        <a:rPr lang="en-US" i="1">
+                          <a:latin typeface="Cambria Math" panose="02040503050406030204" pitchFamily="18" charset="0"/>
+                          <a:cs typeface="Times New Roman" panose="02020603050405020304" pitchFamily="18" charset="0"/>
+                        </a:rPr>
+                        <m:t>=</m:t>
+                      </m:r>
+                      <m:d>
+                        <m:dPr>
+                          <m:ctrlPr>
+                            <a:rPr lang="en-US" i="1">
+                              <a:latin typeface="Cambria Math" panose="02040503050406030204" pitchFamily="18" charset="0"/>
+                              <a:cs typeface="Times New Roman" panose="02020603050405020304" pitchFamily="18" charset="0"/>
+                            </a:rPr>
+                          </m:ctrlPr>
+                        </m:dPr>
+                        <m:e>
+                          <m:m>
+                            <m:mPr>
+                              <m:mcs>
+                                <m:mc>
+                                  <m:mcPr>
+                                    <m:count m:val="1"/>
+                                    <m:mcJc m:val="center"/>
+                                  </m:mcPr>
+                                </m:mc>
+                              </m:mcs>
+                              <m:ctrlPr>
+                                <a:rPr lang="en-US" i="1" smtClean="0">
+                                  <a:latin typeface="Cambria Math" panose="02040503050406030204" pitchFamily="18" charset="0"/>
+                                  <a:cs typeface="Times New Roman" panose="02020603050405020304" pitchFamily="18" charset="0"/>
+                                </a:rPr>
+                              </m:ctrlPr>
+                            </m:mPr>
+                            <m:mr>
+                              <m:e>
+                                <m:r>
+                                  <a:rPr lang="en-US" i="1" smtClean="0">
+                                    <a:latin typeface="Cambria Math" panose="02040503050406030204" pitchFamily="18" charset="0"/>
+                                    <a:cs typeface="Times New Roman" panose="02020603050405020304" pitchFamily="18" charset="0"/>
+                                  </a:rPr>
+                                  <m:t>(</m:t>
+                                </m:r>
+                                <m:r>
+                                  <a:rPr lang="en-US" i="1">
+                                    <a:latin typeface="Cambria Math" panose="02040503050406030204" pitchFamily="18" charset="0"/>
+                                    <a:cs typeface="Times New Roman" panose="02020603050405020304" pitchFamily="18" charset="0"/>
+                                  </a:rPr>
+                                  <m:t>1−</m:t>
+                                </m:r>
+                                <m:r>
+                                  <a:rPr lang="en-US" i="1">
+                                    <a:latin typeface="Cambria Math" panose="02040503050406030204" pitchFamily="18" charset="0"/>
+                                    <a:cs typeface="Times New Roman" panose="02020603050405020304" pitchFamily="18" charset="0"/>
+                                  </a:rPr>
+                                  <m:t>𝜋</m:t>
+                                </m:r>
+                                <m:r>
+                                  <a:rPr lang="en-US" i="1">
+                                    <a:latin typeface="Cambria Math" panose="02040503050406030204" pitchFamily="18" charset="0"/>
+                                    <a:cs typeface="Times New Roman" panose="02020603050405020304" pitchFamily="18" charset="0"/>
+                                  </a:rPr>
+                                  <m:t>)/</m:t>
+                                </m:r>
+                                <m:r>
+                                  <a:rPr lang="en-US" i="1">
+                                    <a:latin typeface="Cambria Math" panose="02040503050406030204" pitchFamily="18" charset="0"/>
+                                    <a:cs typeface="Times New Roman" panose="02020603050405020304" pitchFamily="18" charset="0"/>
+                                  </a:rPr>
+                                  <m:t>4</m:t>
+                                </m:r>
+                              </m:e>
+                            </m:mr>
+                            <m:mr>
+                              <m:e>
+                                <m:r>
+                                  <a:rPr lang="en-US" b="0" i="1" smtClean="0">
+                                    <a:latin typeface="Cambria Math" panose="02040503050406030204" pitchFamily="18" charset="0"/>
+                                    <a:cs typeface="Times New Roman" panose="02020603050405020304" pitchFamily="18" charset="0"/>
+                                  </a:rPr>
+                                  <m:t>1</m:t>
+                                </m:r>
+                                <m:r>
+                                  <a:rPr lang="en-US" b="0" i="1" smtClean="0">
+                                    <a:latin typeface="Cambria Math" panose="02040503050406030204" pitchFamily="18" charset="0"/>
+                                    <a:cs typeface="Times New Roman" panose="02020603050405020304" pitchFamily="18" charset="0"/>
+                                  </a:rPr>
+                                  <m:t>/</m:t>
+                                </m:r>
+                                <m:r>
+                                  <a:rPr lang="en-US" b="0" i="1" smtClean="0">
+                                    <a:latin typeface="Cambria Math" panose="02040503050406030204" pitchFamily="18" charset="0"/>
+                                    <a:cs typeface="Times New Roman" panose="02020603050405020304" pitchFamily="18" charset="0"/>
+                                  </a:rPr>
+                                  <m:t>2+</m:t>
+                                </m:r>
+                                <m:r>
+                                  <a:rPr lang="en-US" i="1">
+                                    <a:latin typeface="Cambria Math" panose="02040503050406030204" pitchFamily="18" charset="0"/>
+                                    <a:cs typeface="Times New Roman" panose="02020603050405020304" pitchFamily="18" charset="0"/>
+                                  </a:rPr>
+                                  <m:t>𝜋</m:t>
+                                </m:r>
+                                <m:r>
+                                  <a:rPr lang="en-US" b="0" i="1" smtClean="0">
+                                    <a:latin typeface="Cambria Math" panose="02040503050406030204" pitchFamily="18" charset="0"/>
+                                    <a:cs typeface="Times New Roman" panose="02020603050405020304" pitchFamily="18" charset="0"/>
+                                  </a:rPr>
+                                  <m:t>/</m:t>
+                                </m:r>
+                                <m:r>
+                                  <a:rPr lang="en-US" i="1">
+                                    <a:latin typeface="Cambria Math" panose="02040503050406030204" pitchFamily="18" charset="0"/>
+                                    <a:cs typeface="Times New Roman" panose="02020603050405020304" pitchFamily="18" charset="0"/>
+                                  </a:rPr>
+                                  <m:t>4</m:t>
+                                </m:r>
+                              </m:e>
+                            </m:mr>
+                            <m:mr>
+                              <m:e>
+                                <m:r>
+                                  <a:rPr lang="en-US" i="1" smtClean="0">
+                                    <a:latin typeface="Cambria Math" panose="02040503050406030204" pitchFamily="18" charset="0"/>
+                                    <a:cs typeface="Times New Roman" panose="02020603050405020304" pitchFamily="18" charset="0"/>
+                                  </a:rPr>
+                                  <m:t>(</m:t>
+                                </m:r>
+                                <m:r>
+                                  <a:rPr lang="en-US" i="1">
+                                    <a:latin typeface="Cambria Math" panose="02040503050406030204" pitchFamily="18" charset="0"/>
+                                    <a:cs typeface="Times New Roman" panose="02020603050405020304" pitchFamily="18" charset="0"/>
+                                  </a:rPr>
+                                  <m:t>1−</m:t>
+                                </m:r>
+                                <m:r>
+                                  <a:rPr lang="en-US" i="1">
+                                    <a:latin typeface="Cambria Math" panose="02040503050406030204" pitchFamily="18" charset="0"/>
+                                    <a:cs typeface="Times New Roman" panose="02020603050405020304" pitchFamily="18" charset="0"/>
+                                  </a:rPr>
+                                  <m:t>𝜋</m:t>
+                                </m:r>
+                                <m:r>
+                                  <a:rPr lang="en-US" i="1">
+                                    <a:latin typeface="Cambria Math" panose="02040503050406030204" pitchFamily="18" charset="0"/>
+                                    <a:cs typeface="Times New Roman" panose="02020603050405020304" pitchFamily="18" charset="0"/>
+                                  </a:rPr>
+                                  <m:t>)/</m:t>
+                                </m:r>
+                                <m:r>
+                                  <a:rPr lang="en-US" i="1">
+                                    <a:latin typeface="Cambria Math" panose="02040503050406030204" pitchFamily="18" charset="0"/>
+                                    <a:cs typeface="Times New Roman" panose="02020603050405020304" pitchFamily="18" charset="0"/>
+                                  </a:rPr>
+                                  <m:t>4</m:t>
+                                </m:r>
+                              </m:e>
+                            </m:mr>
+                            <m:mr>
+                              <m:e>
+                                <m:r>
+                                  <a:rPr lang="en-US" i="1" smtClean="0">
+                                    <a:latin typeface="Cambria Math" panose="02040503050406030204" pitchFamily="18" charset="0"/>
+                                    <a:cs typeface="Times New Roman" panose="02020603050405020304" pitchFamily="18" charset="0"/>
+                                  </a:rPr>
+                                  <m:t>𝜋</m:t>
+                                </m:r>
+                                <m:r>
+                                  <a:rPr lang="en-US" i="1">
+                                    <a:latin typeface="Cambria Math" panose="02040503050406030204" pitchFamily="18" charset="0"/>
+                                    <a:cs typeface="Times New Roman" panose="02020603050405020304" pitchFamily="18" charset="0"/>
+                                  </a:rPr>
+                                  <m:t>/</m:t>
+                                </m:r>
+                                <m:r>
+                                  <a:rPr lang="en-US" i="1">
+                                    <a:latin typeface="Cambria Math" panose="02040503050406030204" pitchFamily="18" charset="0"/>
+                                    <a:cs typeface="Times New Roman" panose="02020603050405020304" pitchFamily="18" charset="0"/>
+                                  </a:rPr>
+                                  <m:t>4</m:t>
+                                </m:r>
+                              </m:e>
+                            </m:mr>
+                          </m:m>
+                        </m:e>
+                      </m:d>
+                    </m:oMath>
+                  </m:oMathPara>
+                </a14:m>
+                <a:endParaRPr lang="en-US" dirty="0" smtClean="0">
+                  <a:latin typeface="Times New Roman" panose="02020603050405020304" pitchFamily="18" charset="0"/>
+                  <a:cs typeface="Times New Roman" panose="02020603050405020304" pitchFamily="18" charset="0"/>
+                </a:endParaRPr>
+              </a:p>
+            </p:txBody>
+          </p:sp>
+        </mc:Choice>
+        <mc:Fallback>
+          <p:sp>
+            <p:nvSpPr>
+              <p:cNvPr id="4" name="TextBox 3"/>
+              <p:cNvSpPr txBox="1">
+                <a:spLocks noRot="1" noChangeAspect="1" noMove="1" noResize="1" noEditPoints="1" noAdjustHandles="1" noChangeArrowheads="1" noChangeShapeType="1" noTextEdit="1"/>
+              </p:cNvSpPr>
+              <p:nvPr/>
+            </p:nvSpPr>
+            <p:spPr>
+              <a:xfrm>
+                <a:off x="218035" y="618779"/>
+                <a:ext cx="11707265" cy="5570179"/>
+              </a:xfrm>
+              <a:prstGeom prst="rect">
+                <a:avLst/>
+              </a:prstGeom>
+              <a:blipFill>
+                <a:blip r:embed="rId3"/>
+                <a:stretch>
+                  <a:fillRect l="-469" t="-657"/>
+                </a:stretch>
+              </a:blipFill>
+            </p:spPr>
+            <p:txBody>
+              <a:bodyPr/>
+              <a:lstStyle/>
+              <a:p>
+                <a:r>
+                  <a:rPr lang="en-US">
+                    <a:noFill/>
+                  </a:rPr>
+                  <a:t> </a:t>
+                </a:r>
+              </a:p>
+            </p:txBody>
+          </p:sp>
+        </mc:Fallback>
+      </mc:AlternateContent>
+      <p:grpSp>
+        <p:nvGrpSpPr>
+          <p:cNvPr id="27" name="Group 26"/>
+          <p:cNvGrpSpPr/>
+          <p:nvPr/>
+        </p:nvGrpSpPr>
+        <p:grpSpPr>
+          <a:xfrm>
+            <a:off x="8410576" y="600074"/>
+            <a:ext cx="3133724" cy="1771651"/>
+            <a:chOff x="6534151" y="828674"/>
+            <a:chExt cx="3133724" cy="1771651"/>
+          </a:xfrm>
+        </p:grpSpPr>
+        <p:sp>
+          <p:nvSpPr>
+            <p:cNvPr id="5" name="Oval 4"/>
+            <p:cNvSpPr/>
+            <p:nvPr/>
+          </p:nvSpPr>
+          <p:spPr>
+            <a:xfrm>
+              <a:off x="6534151" y="904875"/>
+              <a:ext cx="1238250" cy="1695450"/>
+            </a:xfrm>
+            <a:prstGeom prst="ellipse">
+              <a:avLst/>
+            </a:prstGeom>
+          </p:spPr>
+          <p:style>
+            <a:lnRef idx="2">
+              <a:schemeClr val="accent1">
+                <a:shade val="50000"/>
+              </a:schemeClr>
+            </a:lnRef>
+            <a:fillRef idx="1">
+              <a:schemeClr val="accent1"/>
+            </a:fillRef>
+            <a:effectRef idx="0">
+              <a:schemeClr val="accent1"/>
+            </a:effectRef>
+            <a:fontRef idx="minor">
+              <a:schemeClr val="lt1"/>
+            </a:fontRef>
+          </p:style>
+          <p:txBody>
+            <a:bodyPr rtlCol="0" anchor="ctr"/>
+            <a:lstStyle/>
+            <a:p>
+              <a:pPr algn="ctr"/>
+              <a:endParaRPr lang="en-US"/>
+            </a:p>
+          </p:txBody>
+        </p:sp>
+        <p:sp>
+          <p:nvSpPr>
+            <p:cNvPr id="6" name="Oval 5"/>
+            <p:cNvSpPr/>
+            <p:nvPr/>
+          </p:nvSpPr>
+          <p:spPr>
+            <a:xfrm>
+              <a:off x="8372475" y="828674"/>
+              <a:ext cx="1295400" cy="1704975"/>
+            </a:xfrm>
+            <a:prstGeom prst="ellipse">
+              <a:avLst/>
+            </a:prstGeom>
+          </p:spPr>
+          <p:style>
+            <a:lnRef idx="2">
+              <a:schemeClr val="accent1">
+                <a:shade val="50000"/>
+              </a:schemeClr>
+            </a:lnRef>
+            <a:fillRef idx="1">
+              <a:schemeClr val="accent1"/>
+            </a:fillRef>
+            <a:effectRef idx="0">
+              <a:schemeClr val="accent1"/>
+            </a:effectRef>
+            <a:fontRef idx="minor">
+              <a:schemeClr val="lt1"/>
+            </a:fontRef>
+          </p:style>
+          <p:txBody>
+            <a:bodyPr rtlCol="0" anchor="ctr"/>
+            <a:lstStyle/>
+            <a:p>
+              <a:pPr algn="ctr"/>
+              <a:endParaRPr lang="en-US"/>
+            </a:p>
+          </p:txBody>
+        </p:sp>
+        <p:sp>
+          <p:nvSpPr>
+            <p:cNvPr id="7" name="Rectangle 6"/>
+            <p:cNvSpPr/>
+            <p:nvPr/>
+          </p:nvSpPr>
+          <p:spPr>
+            <a:xfrm>
+              <a:off x="8732368" y="853559"/>
+              <a:ext cx="556563" cy="369332"/>
+            </a:xfrm>
+            <a:prstGeom prst="rect">
+              <a:avLst/>
+            </a:prstGeom>
+          </p:spPr>
+          <p:txBody>
+            <a:bodyPr wrap="none">
+              <a:spAutoFit/>
+            </a:bodyPr>
+            <a:lstStyle/>
+            <a:p>
+              <a:r>
+                <a:rPr lang="en-US" dirty="0">
+                  <a:solidFill>
+                    <a:srgbClr val="FF0000"/>
+                  </a:solidFill>
+                  <a:latin typeface="Times New Roman" panose="02020603050405020304" pitchFamily="18" charset="0"/>
+                  <a:cs typeface="Times New Roman" panose="02020603050405020304" pitchFamily="18" charset="0"/>
+                </a:rPr>
+                <a:t>Red</a:t>
+              </a:r>
+              <a:endParaRPr lang="en-US" dirty="0">
+                <a:solidFill>
+                  <a:srgbClr val="FF0000"/>
+                </a:solidFill>
+              </a:endParaRPr>
+            </a:p>
+          </p:txBody>
+        </p:sp>
+        <p:sp>
+          <p:nvSpPr>
+            <p:cNvPr id="8" name="Rectangle 7"/>
+            <p:cNvSpPr/>
+            <p:nvPr/>
+          </p:nvSpPr>
+          <p:spPr>
+            <a:xfrm>
+              <a:off x="8500643" y="1139308"/>
+              <a:ext cx="1110082" cy="646331"/>
+            </a:xfrm>
+            <a:prstGeom prst="rect">
+              <a:avLst/>
+            </a:prstGeom>
+          </p:spPr>
+          <p:txBody>
+            <a:bodyPr wrap="square">
+              <a:spAutoFit/>
+            </a:bodyPr>
+            <a:lstStyle/>
+            <a:p>
+              <a:r>
+                <a:rPr lang="en-US" dirty="0">
+                  <a:solidFill>
+                    <a:srgbClr val="FFC000"/>
+                  </a:solidFill>
+                  <a:latin typeface="Times New Roman" panose="02020603050405020304" pitchFamily="18" charset="0"/>
+                  <a:cs typeface="Times New Roman" panose="02020603050405020304" pitchFamily="18" charset="0"/>
+                </a:rPr>
+                <a:t>Orange or Yellow</a:t>
+              </a:r>
+              <a:endParaRPr lang="en-US" dirty="0">
+                <a:solidFill>
+                  <a:srgbClr val="FFC000"/>
+                </a:solidFill>
+              </a:endParaRPr>
+            </a:p>
+          </p:txBody>
+        </p:sp>
+        <p:sp>
+          <p:nvSpPr>
+            <p:cNvPr id="9" name="Rectangle 8"/>
+            <p:cNvSpPr/>
+            <p:nvPr/>
+          </p:nvSpPr>
+          <p:spPr>
+            <a:xfrm>
+              <a:off x="8627593" y="1691759"/>
+              <a:ext cx="748923" cy="369332"/>
+            </a:xfrm>
+            <a:prstGeom prst="rect">
+              <a:avLst/>
+            </a:prstGeom>
+          </p:spPr>
+          <p:txBody>
+            <a:bodyPr wrap="none">
+              <a:spAutoFit/>
+            </a:bodyPr>
+            <a:lstStyle/>
+            <a:p>
+              <a:r>
+                <a:rPr lang="en-US" dirty="0" smtClean="0">
+                  <a:solidFill>
+                    <a:srgbClr val="3CAF2C"/>
+                  </a:solidFill>
+                  <a:latin typeface="Times New Roman" panose="02020603050405020304" pitchFamily="18" charset="0"/>
+                  <a:cs typeface="Times New Roman" panose="02020603050405020304" pitchFamily="18" charset="0"/>
+                </a:rPr>
+                <a:t>Green</a:t>
+              </a:r>
+            </a:p>
+          </p:txBody>
+        </p:sp>
+        <p:sp>
+          <p:nvSpPr>
+            <p:cNvPr id="10" name="Rectangle 9"/>
+            <p:cNvSpPr/>
+            <p:nvPr/>
+          </p:nvSpPr>
+          <p:spPr>
+            <a:xfrm>
+              <a:off x="8665693" y="1996559"/>
+              <a:ext cx="620683" cy="369332"/>
+            </a:xfrm>
+            <a:prstGeom prst="rect">
+              <a:avLst/>
+            </a:prstGeom>
+          </p:spPr>
+          <p:txBody>
+            <a:bodyPr wrap="none">
+              <a:spAutoFit/>
+            </a:bodyPr>
+            <a:lstStyle/>
+            <a:p>
+              <a:r>
+                <a:rPr lang="en-US" dirty="0" smtClean="0">
+                  <a:solidFill>
+                    <a:schemeClr val="accent1">
+                      <a:lumMod val="50000"/>
+                    </a:schemeClr>
+                  </a:solidFill>
+                  <a:latin typeface="Times New Roman" panose="02020603050405020304" pitchFamily="18" charset="0"/>
+                  <a:cs typeface="Times New Roman" panose="02020603050405020304" pitchFamily="18" charset="0"/>
+                </a:rPr>
+                <a:t>Blue</a:t>
+              </a:r>
+              <a:endParaRPr lang="en-US" dirty="0">
+                <a:solidFill>
+                  <a:schemeClr val="accent1">
+                    <a:lumMod val="50000"/>
+                  </a:schemeClr>
+                </a:solidFill>
+              </a:endParaRPr>
+            </a:p>
+          </p:txBody>
+        </p:sp>
+        <p:sp>
+          <p:nvSpPr>
+            <p:cNvPr id="11" name="Rectangle 10"/>
+            <p:cNvSpPr/>
+            <p:nvPr/>
+          </p:nvSpPr>
+          <p:spPr>
+            <a:xfrm>
+              <a:off x="6884518" y="967859"/>
+              <a:ext cx="556563" cy="369332"/>
+            </a:xfrm>
+            <a:prstGeom prst="rect">
+              <a:avLst/>
+            </a:prstGeom>
+          </p:spPr>
+          <p:txBody>
+            <a:bodyPr wrap="none">
+              <a:spAutoFit/>
+            </a:bodyPr>
+            <a:lstStyle/>
+            <a:p>
+              <a:r>
+                <a:rPr lang="en-US" dirty="0">
+                  <a:solidFill>
+                    <a:srgbClr val="FF0000"/>
+                  </a:solidFill>
+                  <a:latin typeface="Times New Roman" panose="02020603050405020304" pitchFamily="18" charset="0"/>
+                  <a:cs typeface="Times New Roman" panose="02020603050405020304" pitchFamily="18" charset="0"/>
+                </a:rPr>
+                <a:t>Red</a:t>
+              </a:r>
+              <a:endParaRPr lang="en-US" dirty="0">
+                <a:solidFill>
+                  <a:srgbClr val="FF0000"/>
+                </a:solidFill>
+              </a:endParaRPr>
+            </a:p>
+          </p:txBody>
+        </p:sp>
+        <p:sp>
+          <p:nvSpPr>
+            <p:cNvPr id="12" name="Rectangle 11"/>
+            <p:cNvSpPr/>
+            <p:nvPr/>
+          </p:nvSpPr>
+          <p:spPr>
+            <a:xfrm>
+              <a:off x="6779743" y="1806059"/>
+              <a:ext cx="748923" cy="369332"/>
+            </a:xfrm>
+            <a:prstGeom prst="rect">
+              <a:avLst/>
+            </a:prstGeom>
+          </p:spPr>
+          <p:txBody>
+            <a:bodyPr wrap="none">
+              <a:spAutoFit/>
+            </a:bodyPr>
+            <a:lstStyle/>
+            <a:p>
+              <a:r>
+                <a:rPr lang="en-US" dirty="0" smtClean="0">
+                  <a:solidFill>
+                    <a:srgbClr val="3CAF2C"/>
+                  </a:solidFill>
+                  <a:latin typeface="Times New Roman" panose="02020603050405020304" pitchFamily="18" charset="0"/>
+                  <a:cs typeface="Times New Roman" panose="02020603050405020304" pitchFamily="18" charset="0"/>
+                </a:rPr>
+                <a:t>Green</a:t>
+              </a:r>
+            </a:p>
+          </p:txBody>
+        </p:sp>
+        <p:sp>
+          <p:nvSpPr>
+            <p:cNvPr id="13" name="Rectangle 12"/>
+            <p:cNvSpPr/>
+            <p:nvPr/>
+          </p:nvSpPr>
+          <p:spPr>
+            <a:xfrm>
+              <a:off x="6817843" y="2110859"/>
+              <a:ext cx="620683" cy="369332"/>
+            </a:xfrm>
+            <a:prstGeom prst="rect">
+              <a:avLst/>
+            </a:prstGeom>
+          </p:spPr>
+          <p:txBody>
+            <a:bodyPr wrap="none">
+              <a:spAutoFit/>
+            </a:bodyPr>
+            <a:lstStyle/>
+            <a:p>
+              <a:r>
+                <a:rPr lang="en-US" dirty="0" smtClean="0">
+                  <a:solidFill>
+                    <a:schemeClr val="accent1">
+                      <a:lumMod val="50000"/>
+                    </a:schemeClr>
+                  </a:solidFill>
+                  <a:latin typeface="Times New Roman" panose="02020603050405020304" pitchFamily="18" charset="0"/>
+                  <a:cs typeface="Times New Roman" panose="02020603050405020304" pitchFamily="18" charset="0"/>
+                </a:rPr>
+                <a:t>Blue</a:t>
+              </a:r>
+              <a:endParaRPr lang="en-US" dirty="0">
+                <a:solidFill>
+                  <a:schemeClr val="accent1">
+                    <a:lumMod val="50000"/>
+                  </a:schemeClr>
+                </a:solidFill>
+              </a:endParaRPr>
+            </a:p>
+          </p:txBody>
+        </p:sp>
+        <p:sp>
+          <p:nvSpPr>
+            <p:cNvPr id="14" name="Rectangle 13"/>
+            <p:cNvSpPr/>
+            <p:nvPr/>
+          </p:nvSpPr>
+          <p:spPr>
+            <a:xfrm>
+              <a:off x="6711580" y="1225034"/>
+              <a:ext cx="864339" cy="369332"/>
+            </a:xfrm>
+            <a:prstGeom prst="rect">
+              <a:avLst/>
+            </a:prstGeom>
+          </p:spPr>
+          <p:txBody>
+            <a:bodyPr wrap="none">
+              <a:spAutoFit/>
+            </a:bodyPr>
+            <a:lstStyle/>
+            <a:p>
+              <a:r>
+                <a:rPr lang="en-US" dirty="0">
+                  <a:solidFill>
+                    <a:srgbClr val="FF6600"/>
+                  </a:solidFill>
+                  <a:latin typeface="Times New Roman" panose="02020603050405020304" pitchFamily="18" charset="0"/>
+                  <a:cs typeface="Times New Roman" panose="02020603050405020304" pitchFamily="18" charset="0"/>
+                </a:rPr>
+                <a:t>Orange</a:t>
+              </a:r>
+              <a:endParaRPr lang="en-US" dirty="0">
+                <a:solidFill>
+                  <a:srgbClr val="FF6600"/>
+                </a:solidFill>
+              </a:endParaRPr>
+            </a:p>
+          </p:txBody>
+        </p:sp>
+        <p:sp>
+          <p:nvSpPr>
+            <p:cNvPr id="15" name="Rectangle 14"/>
+            <p:cNvSpPr/>
+            <p:nvPr/>
+          </p:nvSpPr>
+          <p:spPr>
+            <a:xfrm>
+              <a:off x="6730630" y="1520309"/>
+              <a:ext cx="841256" cy="369332"/>
+            </a:xfrm>
+            <a:prstGeom prst="rect">
+              <a:avLst/>
+            </a:prstGeom>
+          </p:spPr>
+          <p:txBody>
+            <a:bodyPr wrap="none">
+              <a:spAutoFit/>
+            </a:bodyPr>
+            <a:lstStyle/>
+            <a:p>
+              <a:r>
+                <a:rPr lang="en-US" dirty="0" smtClean="0">
+                  <a:solidFill>
+                    <a:srgbClr val="FFFF00"/>
+                  </a:solidFill>
+                  <a:latin typeface="Times New Roman" panose="02020603050405020304" pitchFamily="18" charset="0"/>
+                  <a:cs typeface="Times New Roman" panose="02020603050405020304" pitchFamily="18" charset="0"/>
+                </a:rPr>
+                <a:t>Yellow</a:t>
+              </a:r>
+              <a:endParaRPr lang="en-US" dirty="0">
+                <a:solidFill>
+                  <a:srgbClr val="FFFF00"/>
+                </a:solidFill>
+              </a:endParaRPr>
+            </a:p>
+          </p:txBody>
+        </p:sp>
+        <p:cxnSp>
+          <p:nvCxnSpPr>
+            <p:cNvPr id="17" name="Straight Arrow Connector 16"/>
+            <p:cNvCxnSpPr/>
+            <p:nvPr/>
+          </p:nvCxnSpPr>
+          <p:spPr>
+            <a:xfrm flipV="1">
+              <a:off x="7391400" y="1038226"/>
+              <a:ext cx="1457325" cy="114299"/>
+            </a:xfrm>
+            <a:prstGeom prst="straightConnector1">
+              <a:avLst/>
+            </a:prstGeom>
+            <a:ln w="19050">
+              <a:solidFill>
+                <a:schemeClr val="bg1">
+                  <a:lumMod val="10000"/>
+                </a:schemeClr>
+              </a:solidFill>
+              <a:tailEnd type="triangle"/>
+            </a:ln>
+          </p:spPr>
+          <p:style>
+            <a:lnRef idx="1">
+              <a:schemeClr val="accent1"/>
+            </a:lnRef>
+            <a:fillRef idx="0">
+              <a:schemeClr val="accent1"/>
+            </a:fillRef>
+            <a:effectRef idx="0">
+              <a:schemeClr val="accent1"/>
+            </a:effectRef>
+            <a:fontRef idx="minor">
+              <a:schemeClr val="tx1"/>
+            </a:fontRef>
+          </p:style>
+        </p:cxnSp>
+        <p:cxnSp>
+          <p:nvCxnSpPr>
+            <p:cNvPr id="19" name="Straight Arrow Connector 18"/>
+            <p:cNvCxnSpPr/>
+            <p:nvPr/>
+          </p:nvCxnSpPr>
+          <p:spPr>
+            <a:xfrm>
+              <a:off x="7458075" y="1409701"/>
+              <a:ext cx="1123950" cy="38099"/>
+            </a:xfrm>
+            <a:prstGeom prst="straightConnector1">
+              <a:avLst/>
+            </a:prstGeom>
+            <a:ln w="19050">
+              <a:solidFill>
+                <a:schemeClr val="bg1">
+                  <a:lumMod val="10000"/>
+                </a:schemeClr>
+              </a:solidFill>
+              <a:tailEnd type="triangle"/>
+            </a:ln>
+          </p:spPr>
+          <p:style>
+            <a:lnRef idx="1">
+              <a:schemeClr val="accent1"/>
+            </a:lnRef>
+            <a:fillRef idx="0">
+              <a:schemeClr val="accent1"/>
+            </a:fillRef>
+            <a:effectRef idx="0">
+              <a:schemeClr val="accent1"/>
+            </a:effectRef>
+            <a:fontRef idx="minor">
+              <a:schemeClr val="tx1"/>
+            </a:fontRef>
+          </p:style>
+        </p:cxnSp>
+        <p:cxnSp>
+          <p:nvCxnSpPr>
+            <p:cNvPr id="21" name="Straight Arrow Connector 20"/>
+            <p:cNvCxnSpPr/>
+            <p:nvPr/>
+          </p:nvCxnSpPr>
+          <p:spPr>
+            <a:xfrm flipV="1">
+              <a:off x="7496175" y="1514475"/>
+              <a:ext cx="1019175" cy="200026"/>
+            </a:xfrm>
+            <a:prstGeom prst="straightConnector1">
+              <a:avLst/>
+            </a:prstGeom>
+            <a:ln w="19050">
+              <a:solidFill>
+                <a:schemeClr val="bg1">
+                  <a:lumMod val="10000"/>
+                </a:schemeClr>
+              </a:solidFill>
+              <a:tailEnd type="triangle"/>
+            </a:ln>
+          </p:spPr>
+          <p:style>
+            <a:lnRef idx="1">
+              <a:schemeClr val="accent1"/>
+            </a:lnRef>
+            <a:fillRef idx="0">
+              <a:schemeClr val="accent1"/>
+            </a:fillRef>
+            <a:effectRef idx="0">
+              <a:schemeClr val="accent1"/>
+            </a:effectRef>
+            <a:fontRef idx="minor">
+              <a:schemeClr val="tx1"/>
+            </a:fontRef>
+          </p:style>
+        </p:cxnSp>
+        <p:cxnSp>
+          <p:nvCxnSpPr>
+            <p:cNvPr id="23" name="Straight Arrow Connector 22"/>
+            <p:cNvCxnSpPr/>
+            <p:nvPr/>
+          </p:nvCxnSpPr>
+          <p:spPr>
+            <a:xfrm flipV="1">
+              <a:off x="7496175" y="1876425"/>
+              <a:ext cx="1152525" cy="123826"/>
+            </a:xfrm>
+            <a:prstGeom prst="straightConnector1">
+              <a:avLst/>
+            </a:prstGeom>
+            <a:ln w="19050">
+              <a:solidFill>
+                <a:schemeClr val="bg1">
+                  <a:lumMod val="10000"/>
+                </a:schemeClr>
+              </a:solidFill>
+              <a:tailEnd type="triangle"/>
+            </a:ln>
+          </p:spPr>
+          <p:style>
+            <a:lnRef idx="1">
+              <a:schemeClr val="accent1"/>
+            </a:lnRef>
+            <a:fillRef idx="0">
+              <a:schemeClr val="accent1"/>
+            </a:fillRef>
+            <a:effectRef idx="0">
+              <a:schemeClr val="accent1"/>
+            </a:effectRef>
+            <a:fontRef idx="minor">
+              <a:schemeClr val="tx1"/>
+            </a:fontRef>
+          </p:style>
+        </p:cxnSp>
+        <p:cxnSp>
+          <p:nvCxnSpPr>
+            <p:cNvPr id="25" name="Straight Arrow Connector 24"/>
+            <p:cNvCxnSpPr/>
+            <p:nvPr/>
+          </p:nvCxnSpPr>
+          <p:spPr>
+            <a:xfrm flipV="1">
+              <a:off x="7381875" y="2190750"/>
+              <a:ext cx="1323975" cy="104776"/>
+            </a:xfrm>
+            <a:prstGeom prst="straightConnector1">
+              <a:avLst/>
+            </a:prstGeom>
+            <a:ln w="19050">
+              <a:solidFill>
+                <a:schemeClr val="bg1">
+                  <a:lumMod val="10000"/>
+                </a:schemeClr>
+              </a:solidFill>
+              <a:tailEnd type="triangle"/>
+            </a:ln>
+          </p:spPr>
+          <p:style>
+            <a:lnRef idx="1">
+              <a:schemeClr val="accent1"/>
+            </a:lnRef>
+            <a:fillRef idx="0">
+              <a:schemeClr val="accent1"/>
+            </a:fillRef>
+            <a:effectRef idx="0">
+              <a:schemeClr val="accent1"/>
+            </a:effectRef>
+            <a:fontRef idx="minor">
+              <a:schemeClr val="tx1"/>
+            </a:fontRef>
+          </p:style>
+        </p:cxnSp>
+      </p:grpSp>
+    </p:spTree>
+    <p:extLst>
+      <p:ext uri="{BB962C8B-B14F-4D97-AF65-F5344CB8AC3E}">
+        <p14:creationId xmlns:p14="http://schemas.microsoft.com/office/powerpoint/2010/main" val="3678148599"/>
+      </p:ext>
+    </p:extLst>
+  </p:cSld>
+  <p:clrMapOvr>
+    <a:masterClrMapping/>
+  </p:clrMapOvr>
+</p:sld>
+</file>
+
+<file path=ppt/slides/slide11.xml><?xml version="1.0" encoding="utf-8"?>
+<p:sld xmlns:a="http://schemas.openxmlformats.org/drawingml/2006/main" xmlns:r="http://schemas.openxmlformats.org/officeDocument/2006/relationships" xmlns:p="http://schemas.openxmlformats.org/presentationml/2006/main">
+  <p:cSld>
+    <p:spTree>
+      <p:nvGrpSpPr>
+        <p:cNvPr id="1" name=""/>
+        <p:cNvGrpSpPr/>
+        <p:nvPr/>
+      </p:nvGrpSpPr>
+      <p:grpSpPr>
+        <a:xfrm>
+          <a:off x="0" y="0"/>
+          <a:ext cx="0" cy="0"/>
+          <a:chOff x="0" y="0"/>
+          <a:chExt cx="0" cy="0"/>
+        </a:xfrm>
+      </p:grpSpPr>
+      <p:sp>
+        <p:nvSpPr>
+          <p:cNvPr id="2" name="Title 1">
+            <a:extLst>
+              <a:ext uri="{FF2B5EF4-FFF2-40B4-BE49-F238E27FC236}">
+                <a16:creationId xmlns:a16="http://schemas.microsoft.com/office/drawing/2014/main" id="{636FB483-8A01-854E-9BBE-55E0C355A79B}"/>
+              </a:ext>
+            </a:extLst>
+          </p:cNvPr>
+          <p:cNvSpPr txBox="1">
+            <a:spLocks/>
+          </p:cNvSpPr>
+          <p:nvPr/>
+        </p:nvSpPr>
+        <p:spPr>
+          <a:xfrm>
+            <a:off x="83008" y="178446"/>
+            <a:ext cx="12013742" cy="656493"/>
+          </a:xfrm>
+          <a:prstGeom prst="rect">
+            <a:avLst/>
+          </a:prstGeom>
+        </p:spPr>
+        <p:txBody>
+          <a:bodyPr/>
+          <a:lstStyle>
+            <a:lvl1pPr algn="l" defTabSz="914400" rtl="0" eaLnBrk="1" latinLnBrk="0" hangingPunct="1">
+              <a:lnSpc>
+                <a:spcPct val="90000"/>
+              </a:lnSpc>
+              <a:spcBef>
+                <a:spcPct val="0"/>
+              </a:spcBef>
+              <a:buNone/>
+              <a:defRPr sz="2800" b="1" kern="1200">
+                <a:solidFill>
+                  <a:schemeClr val="tx1"/>
+                </a:solidFill>
+                <a:latin typeface="Helvetica" pitchFamily="2" charset="0"/>
+                <a:ea typeface="+mj-ea"/>
+                <a:cs typeface="+mj-cs"/>
+              </a:defRPr>
+            </a:lvl1pPr>
+          </a:lstStyle>
+          <a:p>
+            <a:pPr marL="0" marR="0" lvl="0" indent="0" algn="l" defTabSz="914400" rtl="0" eaLnBrk="1" fontAlgn="auto" latinLnBrk="0" hangingPunct="1">
+              <a:lnSpc>
+                <a:spcPct val="90000"/>
+              </a:lnSpc>
+              <a:spcBef>
+                <a:spcPct val="0"/>
+              </a:spcBef>
+              <a:spcAft>
+                <a:spcPts val="0"/>
+              </a:spcAft>
+              <a:buClrTx/>
+              <a:buSzTx/>
+              <a:buFontTx/>
+              <a:buNone/>
+              <a:tabLst/>
+              <a:defRPr/>
+            </a:pPr>
+            <a:r>
+              <a:rPr kumimoji="0" lang="en-US" sz="2800" b="1" i="0" strike="noStrike" kern="1200" cap="none" spc="0" normalizeH="0" baseline="0" noProof="0" dirty="0" smtClean="0">
+                <a:ln>
+                  <a:noFill/>
+                </a:ln>
+                <a:solidFill>
+                  <a:srgbClr val="626462"/>
+                </a:solidFill>
+                <a:effectLst/>
+                <a:uLnTx/>
+                <a:uFillTx/>
+                <a:latin typeface="Times New Roman" panose="02020603050405020304" pitchFamily="18" charset="0"/>
+                <a:ea typeface="+mj-ea"/>
+                <a:cs typeface="Times New Roman" panose="02020603050405020304" pitchFamily="18" charset="0"/>
+              </a:rPr>
+              <a:t>Expectation Maximization (in general) – A Multinomial Example (Continued)</a:t>
+            </a:r>
+            <a:endParaRPr kumimoji="0" lang="en-US" sz="2800" b="1" i="0" strike="noStrike" kern="1200" cap="none" spc="0" normalizeH="0" baseline="0" noProof="0" dirty="0">
+              <a:ln>
+                <a:noFill/>
+              </a:ln>
+              <a:solidFill>
+                <a:srgbClr val="626462"/>
+              </a:solidFill>
+              <a:effectLst/>
+              <a:uLnTx/>
+              <a:uFillTx/>
+              <a:latin typeface="Times New Roman" panose="02020603050405020304" pitchFamily="18" charset="0"/>
+              <a:ea typeface="+mj-ea"/>
+              <a:cs typeface="Times New Roman" panose="02020603050405020304" pitchFamily="18" charset="0"/>
+            </a:endParaRPr>
+          </a:p>
+        </p:txBody>
+      </p:sp>
+      <mc:AlternateContent xmlns:mc="http://schemas.openxmlformats.org/markup-compatibility/2006">
+        <mc:Choice xmlns:a14="http://schemas.microsoft.com/office/drawing/2010/main" Requires="a14">
+          <p:sp>
+            <p:nvSpPr>
+              <p:cNvPr id="3" name="Rectangle 2"/>
+              <p:cNvSpPr/>
+              <p:nvPr/>
+            </p:nvSpPr>
+            <p:spPr>
+              <a:xfrm>
+                <a:off x="3095624" y="650601"/>
+                <a:ext cx="8991601" cy="1479508"/>
+              </a:xfrm>
+              <a:prstGeom prst="rect">
+                <a:avLst/>
+              </a:prstGeom>
+              <a:ln>
+                <a:solidFill>
+                  <a:schemeClr val="bg1">
+                    <a:lumMod val="10000"/>
+                  </a:schemeClr>
+                </a:solidFill>
+              </a:ln>
+            </p:spPr>
+            <p:txBody>
+              <a:bodyPr wrap="square">
+                <a:spAutoFit/>
+              </a:bodyPr>
+              <a:lstStyle/>
+              <a:p>
+                <a14:m>
+                  <m:oMathPara xmlns:m="http://schemas.openxmlformats.org/officeDocument/2006/math">
+                    <m:oMathParaPr>
+                      <m:jc m:val="centerGroup"/>
+                    </m:oMathParaPr>
+                    <m:oMath xmlns:m="http://schemas.openxmlformats.org/officeDocument/2006/math">
+                      <m:r>
+                        <a:rPr lang="en-US" i="1">
+                          <a:latin typeface="Cambria Math" panose="02040503050406030204" pitchFamily="18" charset="0"/>
+                          <a:cs typeface="Times New Roman" panose="02020603050405020304" pitchFamily="18" charset="0"/>
+                        </a:rPr>
+                        <m:t>𝑃</m:t>
+                      </m:r>
+                      <m:d>
+                        <m:dPr>
+                          <m:ctrlPr>
+                            <a:rPr lang="en-US" i="1">
+                              <a:latin typeface="Cambria Math" panose="02040503050406030204" pitchFamily="18" charset="0"/>
+                              <a:cs typeface="Times New Roman" panose="02020603050405020304" pitchFamily="18" charset="0"/>
+                            </a:rPr>
+                          </m:ctrlPr>
+                        </m:dPr>
+                        <m:e>
+                          <m:sSub>
+                            <m:sSubPr>
+                              <m:ctrlPr>
+                                <a:rPr lang="en-US" i="1">
+                                  <a:latin typeface="Cambria Math" panose="02040503050406030204" pitchFamily="18" charset="0"/>
+                                  <a:cs typeface="Times New Roman" panose="02020603050405020304" pitchFamily="18" charset="0"/>
+                                </a:rPr>
+                              </m:ctrlPr>
+                            </m:sSubPr>
+                            <m:e>
+                              <m:r>
+                                <a:rPr lang="en-US" i="1">
+                                  <a:latin typeface="Cambria Math" panose="02040503050406030204" pitchFamily="18" charset="0"/>
+                                  <a:cs typeface="Times New Roman" panose="02020603050405020304" pitchFamily="18" charset="0"/>
+                                </a:rPr>
+                                <m:t>𝑐</m:t>
+                              </m:r>
+                            </m:e>
+                            <m:sub>
+                              <m:r>
+                                <a:rPr lang="en-US" i="1">
+                                  <a:latin typeface="Cambria Math" panose="02040503050406030204" pitchFamily="18" charset="0"/>
+                                  <a:cs typeface="Times New Roman" panose="02020603050405020304" pitchFamily="18" charset="0"/>
+                                </a:rPr>
+                                <m:t>𝑖</m:t>
+                              </m:r>
+                            </m:sub>
+                          </m:sSub>
+                          <m:r>
+                            <a:rPr lang="en-US" i="1">
+                              <a:latin typeface="Cambria Math" panose="02040503050406030204" pitchFamily="18" charset="0"/>
+                              <a:cs typeface="Times New Roman" panose="02020603050405020304" pitchFamily="18" charset="0"/>
+                            </a:rPr>
+                            <m:t>=</m:t>
+                          </m:r>
+                          <m:d>
+                            <m:dPr>
+                              <m:ctrlPr>
+                                <a:rPr lang="en-US" i="1">
+                                  <a:latin typeface="Cambria Math" panose="02040503050406030204" pitchFamily="18" charset="0"/>
+                                  <a:cs typeface="Times New Roman" panose="02020603050405020304" pitchFamily="18" charset="0"/>
+                                </a:rPr>
+                              </m:ctrlPr>
+                            </m:dPr>
+                            <m:e>
+                              <m:m>
+                                <m:mPr>
+                                  <m:mcs>
+                                    <m:mc>
+                                      <m:mcPr>
+                                        <m:count m:val="1"/>
+                                        <m:mcJc m:val="center"/>
+                                      </m:mcPr>
+                                    </m:mc>
+                                  </m:mcs>
+                                  <m:ctrlPr>
+                                    <a:rPr lang="en-US" i="1">
+                                      <a:latin typeface="Cambria Math" panose="02040503050406030204" pitchFamily="18" charset="0"/>
+                                      <a:cs typeface="Times New Roman" panose="02020603050405020304" pitchFamily="18" charset="0"/>
+                                    </a:rPr>
+                                  </m:ctrlPr>
+                                </m:mPr>
+                                <m:mr>
+                                  <m:e>
+                                    <m:r>
+                                      <m:rPr>
+                                        <m:nor/>
+                                      </m:rPr>
+                                      <a:rPr lang="en-US" dirty="0">
+                                        <a:solidFill>
+                                          <a:srgbClr val="FF0000"/>
+                                        </a:solidFill>
+                                        <a:latin typeface="Times New Roman" panose="02020603050405020304" pitchFamily="18" charset="0"/>
+                                        <a:cs typeface="Times New Roman" panose="02020603050405020304" pitchFamily="18" charset="0"/>
+                                      </a:rPr>
+                                      <m:t>Red</m:t>
+                                    </m:r>
+                                    <m:r>
+                                      <m:rPr>
+                                        <m:nor/>
+                                      </m:rPr>
+                                      <a:rPr lang="en-US" dirty="0">
+                                        <a:solidFill>
+                                          <a:srgbClr val="FF0000"/>
+                                        </a:solidFill>
+                                      </a:rPr>
+                                      <m:t> </m:t>
+                                    </m:r>
+                                  </m:e>
+                                </m:mr>
+                                <m:mr>
+                                  <m:e>
+                                    <m:r>
+                                      <m:rPr>
+                                        <m:nor/>
+                                      </m:rPr>
+                                      <a:rPr lang="en-US" dirty="0">
+                                        <a:solidFill>
+                                          <a:srgbClr val="FF6600"/>
+                                        </a:solidFill>
+                                        <a:latin typeface="Times New Roman" panose="02020603050405020304" pitchFamily="18" charset="0"/>
+                                        <a:cs typeface="Times New Roman" panose="02020603050405020304" pitchFamily="18" charset="0"/>
+                                      </a:rPr>
+                                      <m:t>Orange</m:t>
+                                    </m:r>
+                                    <m:r>
+                                      <m:rPr>
+                                        <m:nor/>
+                                      </m:rPr>
+                                      <a:rPr lang="en-US" dirty="0">
+                                        <a:solidFill>
+                                          <a:srgbClr val="FF6600"/>
+                                        </a:solidFill>
+                                      </a:rPr>
+                                      <m:t> </m:t>
+                                    </m:r>
+                                  </m:e>
+                                </m:mr>
+                                <m:mr>
+                                  <m:e>
+                                    <m:r>
+                                      <m:rPr>
+                                        <m:nor/>
+                                      </m:rPr>
+                                      <a:rPr lang="en-US" dirty="0">
+                                        <a:solidFill>
+                                          <a:srgbClr val="FFFF00"/>
+                                        </a:solidFill>
+                                        <a:latin typeface="Times New Roman" panose="02020603050405020304" pitchFamily="18" charset="0"/>
+                                        <a:cs typeface="Times New Roman" panose="02020603050405020304" pitchFamily="18" charset="0"/>
+                                      </a:rPr>
+                                      <m:t>Yellow</m:t>
+                                    </m:r>
+                                    <m:r>
+                                      <m:rPr>
+                                        <m:nor/>
+                                      </m:rPr>
+                                      <a:rPr lang="en-US" dirty="0">
+                                        <a:solidFill>
+                                          <a:srgbClr val="FFFF00"/>
+                                        </a:solidFill>
+                                      </a:rPr>
+                                      <m:t> </m:t>
+                                    </m:r>
+                                  </m:e>
+                                </m:mr>
+                                <m:mr>
+                                  <m:e>
+                                    <m:r>
+                                      <m:rPr>
+                                        <m:nor/>
+                                      </m:rPr>
+                                      <a:rPr lang="en-US" dirty="0">
+                                        <a:solidFill>
+                                          <a:srgbClr val="3CAF2C"/>
+                                        </a:solidFill>
+                                        <a:latin typeface="Times New Roman" panose="02020603050405020304" pitchFamily="18" charset="0"/>
+                                        <a:cs typeface="Times New Roman" panose="02020603050405020304" pitchFamily="18" charset="0"/>
+                                      </a:rPr>
+                                      <m:t>Green</m:t>
+                                    </m:r>
+                                    <m:r>
+                                      <m:rPr>
+                                        <m:nor/>
+                                      </m:rPr>
+                                      <a:rPr lang="en-US" dirty="0">
+                                        <a:solidFill>
+                                          <a:srgbClr val="3CAF2C"/>
+                                        </a:solidFill>
+                                        <a:latin typeface="Times New Roman" panose="02020603050405020304" pitchFamily="18" charset="0"/>
+                                        <a:cs typeface="Times New Roman" panose="02020603050405020304" pitchFamily="18" charset="0"/>
+                                      </a:rPr>
+                                      <m:t> </m:t>
+                                    </m:r>
+                                  </m:e>
+                                </m:mr>
+                                <m:mr>
+                                  <m:e>
+                                    <m:r>
+                                      <m:rPr>
+                                        <m:nor/>
+                                      </m:rPr>
+                                      <a:rPr lang="en-US" dirty="0">
+                                        <a:solidFill>
+                                          <a:schemeClr val="accent1">
+                                            <a:lumMod val="50000"/>
+                                          </a:schemeClr>
+                                        </a:solidFill>
+                                        <a:latin typeface="Times New Roman" panose="02020603050405020304" pitchFamily="18" charset="0"/>
+                                        <a:cs typeface="Times New Roman" panose="02020603050405020304" pitchFamily="18" charset="0"/>
+                                      </a:rPr>
+                                      <m:t>Blue</m:t>
+                                    </m:r>
+                                    <m:r>
+                                      <m:rPr>
+                                        <m:nor/>
+                                      </m:rPr>
+                                      <a:rPr lang="en-US" dirty="0">
+                                        <a:solidFill>
+                                          <a:schemeClr val="accent1">
+                                            <a:lumMod val="50000"/>
+                                          </a:schemeClr>
+                                        </a:solidFill>
+                                      </a:rPr>
+                                      <m:t> </m:t>
+                                    </m:r>
+                                  </m:e>
+                                </m:mr>
+                              </m:m>
+                            </m:e>
+                          </m:d>
+                        </m:e>
+                      </m:d>
+                      <m:r>
+                        <a:rPr lang="en-US" i="1">
+                          <a:latin typeface="Cambria Math" panose="02040503050406030204" pitchFamily="18" charset="0"/>
+                          <a:cs typeface="Times New Roman" panose="02020603050405020304" pitchFamily="18" charset="0"/>
+                        </a:rPr>
+                        <m:t>=</m:t>
+                      </m:r>
+                      <m:d>
+                        <m:dPr>
+                          <m:ctrlPr>
+                            <a:rPr lang="en-US" i="1">
+                              <a:latin typeface="Cambria Math" panose="02040503050406030204" pitchFamily="18" charset="0"/>
+                              <a:cs typeface="Times New Roman" panose="02020603050405020304" pitchFamily="18" charset="0"/>
+                            </a:rPr>
+                          </m:ctrlPr>
+                        </m:dPr>
+                        <m:e>
+                          <m:m>
+                            <m:mPr>
+                              <m:mcs>
+                                <m:mc>
+                                  <m:mcPr>
+                                    <m:count m:val="1"/>
+                                    <m:mcJc m:val="center"/>
+                                  </m:mcPr>
+                                </m:mc>
+                              </m:mcs>
+                              <m:ctrlPr>
+                                <a:rPr lang="en-US" i="1">
+                                  <a:latin typeface="Cambria Math" panose="02040503050406030204" pitchFamily="18" charset="0"/>
+                                  <a:cs typeface="Times New Roman" panose="02020603050405020304" pitchFamily="18" charset="0"/>
+                                </a:rPr>
+                              </m:ctrlPr>
+                            </m:mPr>
+                            <m:mr>
+                              <m:e>
+                                <m:r>
+                                  <a:rPr lang="en-US" i="1">
+                                    <a:latin typeface="Cambria Math" panose="02040503050406030204" pitchFamily="18" charset="0"/>
+                                    <a:cs typeface="Times New Roman" panose="02020603050405020304" pitchFamily="18" charset="0"/>
+                                  </a:rPr>
+                                  <m:t>(1−</m:t>
+                                </m:r>
+                                <m:r>
+                                  <a:rPr lang="en-US" i="1">
+                                    <a:latin typeface="Cambria Math" panose="02040503050406030204" pitchFamily="18" charset="0"/>
+                                    <a:cs typeface="Times New Roman" panose="02020603050405020304" pitchFamily="18" charset="0"/>
+                                  </a:rPr>
+                                  <m:t>𝜋</m:t>
+                                </m:r>
+                                <m:r>
+                                  <a:rPr lang="en-US" i="1">
+                                    <a:latin typeface="Cambria Math" panose="02040503050406030204" pitchFamily="18" charset="0"/>
+                                    <a:cs typeface="Times New Roman" panose="02020603050405020304" pitchFamily="18" charset="0"/>
+                                  </a:rPr>
+                                  <m:t>)/4</m:t>
+                                </m:r>
+                              </m:e>
+                            </m:mr>
+                            <m:mr>
+                              <m:e>
+                                <m:r>
+                                  <a:rPr lang="en-US" i="1">
+                                    <a:latin typeface="Cambria Math" panose="02040503050406030204" pitchFamily="18" charset="0"/>
+                                    <a:cs typeface="Times New Roman" panose="02020603050405020304" pitchFamily="18" charset="0"/>
+                                  </a:rPr>
+                                  <m:t>𝜋</m:t>
+                                </m:r>
+                                <m:r>
+                                  <a:rPr lang="en-US" i="1">
+                                    <a:latin typeface="Cambria Math" panose="02040503050406030204" pitchFamily="18" charset="0"/>
+                                    <a:cs typeface="Times New Roman" panose="02020603050405020304" pitchFamily="18" charset="0"/>
+                                  </a:rPr>
+                                  <m:t>/4</m:t>
+                                </m:r>
+                              </m:e>
+                            </m:mr>
+                            <m:mr>
+                              <m:e>
+                                <m:r>
+                                  <a:rPr lang="en-US" i="1">
+                                    <a:latin typeface="Cambria Math" panose="02040503050406030204" pitchFamily="18" charset="0"/>
+                                    <a:cs typeface="Times New Roman" panose="02020603050405020304" pitchFamily="18" charset="0"/>
+                                  </a:rPr>
+                                  <m:t>1/2</m:t>
+                                </m:r>
+                              </m:e>
+                            </m:mr>
+                            <m:mr>
+                              <m:e>
+                                <m:r>
+                                  <a:rPr lang="en-US" i="1">
+                                    <a:latin typeface="Cambria Math" panose="02040503050406030204" pitchFamily="18" charset="0"/>
+                                    <a:cs typeface="Times New Roman" panose="02020603050405020304" pitchFamily="18" charset="0"/>
+                                  </a:rPr>
+                                  <m:t>(1−</m:t>
+                                </m:r>
+                                <m:r>
+                                  <a:rPr lang="en-US" i="1">
+                                    <a:latin typeface="Cambria Math" panose="02040503050406030204" pitchFamily="18" charset="0"/>
+                                    <a:cs typeface="Times New Roman" panose="02020603050405020304" pitchFamily="18" charset="0"/>
+                                  </a:rPr>
+                                  <m:t>𝜋</m:t>
+                                </m:r>
+                                <m:r>
+                                  <a:rPr lang="en-US" i="1">
+                                    <a:latin typeface="Cambria Math" panose="02040503050406030204" pitchFamily="18" charset="0"/>
+                                    <a:cs typeface="Times New Roman" panose="02020603050405020304" pitchFamily="18" charset="0"/>
+                                  </a:rPr>
+                                  <m:t>)/4</m:t>
+                                </m:r>
+                              </m:e>
+                            </m:mr>
+                            <m:mr>
+                              <m:e>
+                                <m:r>
+                                  <a:rPr lang="en-US" i="1">
+                                    <a:latin typeface="Cambria Math" panose="02040503050406030204" pitchFamily="18" charset="0"/>
+                                    <a:cs typeface="Times New Roman" panose="02020603050405020304" pitchFamily="18" charset="0"/>
+                                  </a:rPr>
+                                  <m:t>𝜋</m:t>
+                                </m:r>
+                                <m:r>
+                                  <a:rPr lang="en-US" i="1">
+                                    <a:latin typeface="Cambria Math" panose="02040503050406030204" pitchFamily="18" charset="0"/>
+                                    <a:cs typeface="Times New Roman" panose="02020603050405020304" pitchFamily="18" charset="0"/>
+                                  </a:rPr>
+                                  <m:t>/4</m:t>
+                                </m:r>
+                              </m:e>
+                            </m:mr>
+                          </m:m>
+                        </m:e>
+                      </m:d>
+                      <m:r>
+                        <a:rPr lang="en-US" i="1">
+                          <a:latin typeface="Cambria Math" panose="02040503050406030204" pitchFamily="18" charset="0"/>
+                          <a:cs typeface="Times New Roman" panose="02020603050405020304" pitchFamily="18" charset="0"/>
+                        </a:rPr>
+                        <m:t>⇒</m:t>
+                      </m:r>
+                      <m:r>
+                        <a:rPr lang="en-US" i="1">
+                          <a:latin typeface="Cambria Math" panose="02040503050406030204" pitchFamily="18" charset="0"/>
+                          <a:cs typeface="Times New Roman" panose="02020603050405020304" pitchFamily="18" charset="0"/>
+                        </a:rPr>
+                        <m:t>𝑃</m:t>
+                      </m:r>
+                      <m:d>
+                        <m:dPr>
+                          <m:ctrlPr>
+                            <a:rPr lang="en-US" i="1">
+                              <a:latin typeface="Cambria Math" panose="02040503050406030204" pitchFamily="18" charset="0"/>
+                              <a:cs typeface="Times New Roman" panose="02020603050405020304" pitchFamily="18" charset="0"/>
+                            </a:rPr>
+                          </m:ctrlPr>
+                        </m:dPr>
+                        <m:e>
+                          <m:sSub>
+                            <m:sSubPr>
+                              <m:ctrlPr>
+                                <a:rPr lang="en-US" i="1">
+                                  <a:latin typeface="Cambria Math" panose="02040503050406030204" pitchFamily="18" charset="0"/>
+                                  <a:cs typeface="Times New Roman" panose="02020603050405020304" pitchFamily="18" charset="0"/>
+                                </a:rPr>
+                              </m:ctrlPr>
+                            </m:sSubPr>
+                            <m:e>
+                              <m:r>
+                                <a:rPr lang="en-US" i="1">
+                                  <a:latin typeface="Cambria Math" panose="02040503050406030204" pitchFamily="18" charset="0"/>
+                                  <a:cs typeface="Times New Roman" panose="02020603050405020304" pitchFamily="18" charset="0"/>
+                                </a:rPr>
+                                <m:t>𝑐</m:t>
+                              </m:r>
+                            </m:e>
+                            <m:sub>
+                              <m:r>
+                                <a:rPr lang="en-US" i="1">
+                                  <a:latin typeface="Cambria Math" panose="02040503050406030204" pitchFamily="18" charset="0"/>
+                                  <a:cs typeface="Times New Roman" panose="02020603050405020304" pitchFamily="18" charset="0"/>
+                                </a:rPr>
+                                <m:t>𝑖</m:t>
+                              </m:r>
+                            </m:sub>
+                          </m:sSub>
+                          <m:r>
+                            <a:rPr lang="en-US" i="1">
+                              <a:latin typeface="Cambria Math" panose="02040503050406030204" pitchFamily="18" charset="0"/>
+                              <a:cs typeface="Times New Roman" panose="02020603050405020304" pitchFamily="18" charset="0"/>
+                            </a:rPr>
+                            <m:t>=</m:t>
+                          </m:r>
+                          <m:d>
+                            <m:dPr>
+                              <m:ctrlPr>
+                                <a:rPr lang="en-US" i="1">
+                                  <a:latin typeface="Cambria Math" panose="02040503050406030204" pitchFamily="18" charset="0"/>
+                                  <a:cs typeface="Times New Roman" panose="02020603050405020304" pitchFamily="18" charset="0"/>
+                                </a:rPr>
+                              </m:ctrlPr>
+                            </m:dPr>
+                            <m:e>
+                              <m:m>
+                                <m:mPr>
+                                  <m:mcs>
+                                    <m:mc>
+                                      <m:mcPr>
+                                        <m:count m:val="1"/>
+                                        <m:mcJc m:val="center"/>
+                                      </m:mcPr>
+                                    </m:mc>
+                                  </m:mcs>
+                                  <m:ctrlPr>
+                                    <a:rPr lang="en-US" i="1" dirty="0">
+                                      <a:solidFill>
+                                        <a:srgbClr val="FF0000"/>
+                                      </a:solidFill>
+                                      <a:latin typeface="Cambria Math" panose="02040503050406030204" pitchFamily="18" charset="0"/>
+                                      <a:cs typeface="Times New Roman" panose="02020603050405020304" pitchFamily="18" charset="0"/>
+                                    </a:rPr>
+                                  </m:ctrlPr>
+                                </m:mPr>
+                                <m:mr>
+                                  <m:e>
+                                    <m:r>
+                                      <m:rPr>
+                                        <m:nor/>
+                                      </m:rPr>
+                                      <a:rPr lang="en-US" dirty="0">
+                                        <a:solidFill>
+                                          <a:srgbClr val="FF0000"/>
+                                        </a:solidFill>
+                                        <a:latin typeface="Times New Roman" panose="02020603050405020304" pitchFamily="18" charset="0"/>
+                                        <a:cs typeface="Times New Roman" panose="02020603050405020304" pitchFamily="18" charset="0"/>
+                                      </a:rPr>
+                                      <m:t>Red</m:t>
+                                    </m:r>
+                                    <m:r>
+                                      <m:rPr>
+                                        <m:nor/>
+                                      </m:rPr>
+                                      <a:rPr lang="en-US" dirty="0">
+                                        <a:solidFill>
+                                          <a:srgbClr val="FF0000"/>
+                                        </a:solidFill>
+                                      </a:rPr>
+                                      <m:t> </m:t>
+                                    </m:r>
+                                  </m:e>
+                                </m:mr>
+                                <m:mr>
+                                  <m:e>
+                                    <m:r>
+                                      <m:rPr>
+                                        <m:nor/>
+                                      </m:rPr>
+                                      <a:rPr lang="en-US" dirty="0">
+                                        <a:solidFill>
+                                          <a:srgbClr val="FFC000"/>
+                                        </a:solidFill>
+                                        <a:latin typeface="Times New Roman" panose="02020603050405020304" pitchFamily="18" charset="0"/>
+                                        <a:cs typeface="Times New Roman" panose="02020603050405020304" pitchFamily="18" charset="0"/>
+                                      </a:rPr>
+                                      <m:t>Orange</m:t>
+                                    </m:r>
+                                    <m:r>
+                                      <m:rPr>
+                                        <m:nor/>
+                                      </m:rPr>
+                                      <a:rPr lang="en-US" dirty="0">
+                                        <a:solidFill>
+                                          <a:srgbClr val="FFC000"/>
+                                        </a:solidFill>
+                                        <a:latin typeface="Times New Roman" panose="02020603050405020304" pitchFamily="18" charset="0"/>
+                                        <a:cs typeface="Times New Roman" panose="02020603050405020304" pitchFamily="18" charset="0"/>
+                                      </a:rPr>
+                                      <m:t> </m:t>
+                                    </m:r>
+                                    <m:r>
+                                      <m:rPr>
+                                        <m:nor/>
+                                      </m:rPr>
+                                      <a:rPr lang="en-US" dirty="0">
+                                        <a:solidFill>
+                                          <a:srgbClr val="FFC000"/>
+                                        </a:solidFill>
+                                        <a:latin typeface="Times New Roman" panose="02020603050405020304" pitchFamily="18" charset="0"/>
+                                        <a:cs typeface="Times New Roman" panose="02020603050405020304" pitchFamily="18" charset="0"/>
+                                      </a:rPr>
+                                      <m:t>or</m:t>
+                                    </m:r>
+                                    <m:r>
+                                      <m:rPr>
+                                        <m:nor/>
+                                      </m:rPr>
+                                      <a:rPr lang="en-US" dirty="0">
+                                        <a:solidFill>
+                                          <a:srgbClr val="FFC000"/>
+                                        </a:solidFill>
+                                        <a:latin typeface="Times New Roman" panose="02020603050405020304" pitchFamily="18" charset="0"/>
+                                        <a:cs typeface="Times New Roman" panose="02020603050405020304" pitchFamily="18" charset="0"/>
+                                      </a:rPr>
+                                      <m:t> </m:t>
+                                    </m:r>
+                                    <m:r>
+                                      <m:rPr>
+                                        <m:nor/>
+                                      </m:rPr>
+                                      <a:rPr lang="en-US" dirty="0">
+                                        <a:solidFill>
+                                          <a:srgbClr val="FFC000"/>
+                                        </a:solidFill>
+                                        <a:latin typeface="Times New Roman" panose="02020603050405020304" pitchFamily="18" charset="0"/>
+                                        <a:cs typeface="Times New Roman" panose="02020603050405020304" pitchFamily="18" charset="0"/>
+                                      </a:rPr>
+                                      <m:t>Yellow</m:t>
+                                    </m:r>
+                                    <m:r>
+                                      <m:rPr>
+                                        <m:nor/>
+                                      </m:rPr>
+                                      <a:rPr lang="en-US" dirty="0">
+                                        <a:solidFill>
+                                          <a:srgbClr val="FFC000"/>
+                                        </a:solidFill>
+                                      </a:rPr>
+                                      <m:t> </m:t>
+                                    </m:r>
+                                  </m:e>
+                                </m:mr>
+                                <m:mr>
+                                  <m:e>
+                                    <m:r>
+                                      <m:rPr>
+                                        <m:nor/>
+                                      </m:rPr>
+                                      <a:rPr lang="en-US" dirty="0">
+                                        <a:solidFill>
+                                          <a:srgbClr val="3CAF2C"/>
+                                        </a:solidFill>
+                                        <a:latin typeface="Times New Roman" panose="02020603050405020304" pitchFamily="18" charset="0"/>
+                                        <a:cs typeface="Times New Roman" panose="02020603050405020304" pitchFamily="18" charset="0"/>
+                                      </a:rPr>
+                                      <m:t>Green</m:t>
+                                    </m:r>
+                                    <m:r>
+                                      <m:rPr>
+                                        <m:nor/>
+                                      </m:rPr>
+                                      <a:rPr lang="en-US" dirty="0">
+                                        <a:solidFill>
+                                          <a:srgbClr val="3CAF2C"/>
+                                        </a:solidFill>
+                                        <a:latin typeface="Times New Roman" panose="02020603050405020304" pitchFamily="18" charset="0"/>
+                                        <a:cs typeface="Times New Roman" panose="02020603050405020304" pitchFamily="18" charset="0"/>
+                                      </a:rPr>
+                                      <m:t> </m:t>
+                                    </m:r>
+                                  </m:e>
+                                </m:mr>
+                                <m:mr>
+                                  <m:e>
+                                    <m:r>
+                                      <m:rPr>
+                                        <m:nor/>
+                                      </m:rPr>
+                                      <a:rPr lang="en-US" dirty="0">
+                                        <a:solidFill>
+                                          <a:schemeClr val="accent1">
+                                            <a:lumMod val="50000"/>
+                                          </a:schemeClr>
+                                        </a:solidFill>
+                                        <a:latin typeface="Times New Roman" panose="02020603050405020304" pitchFamily="18" charset="0"/>
+                                        <a:cs typeface="Times New Roman" panose="02020603050405020304" pitchFamily="18" charset="0"/>
+                                      </a:rPr>
+                                      <m:t>Blue</m:t>
+                                    </m:r>
+                                    <m:r>
+                                      <m:rPr>
+                                        <m:nor/>
+                                      </m:rPr>
+                                      <a:rPr lang="en-US" dirty="0">
+                                        <a:solidFill>
+                                          <a:schemeClr val="accent1">
+                                            <a:lumMod val="50000"/>
+                                          </a:schemeClr>
+                                        </a:solidFill>
+                                      </a:rPr>
+                                      <m:t> </m:t>
+                                    </m:r>
+                                  </m:e>
+                                </m:mr>
+                              </m:m>
+                            </m:e>
+                          </m:d>
+                        </m:e>
+                      </m:d>
+                      <m:r>
+                        <a:rPr lang="en-US" i="1">
+                          <a:latin typeface="Cambria Math" panose="02040503050406030204" pitchFamily="18" charset="0"/>
+                          <a:cs typeface="Times New Roman" panose="02020603050405020304" pitchFamily="18" charset="0"/>
+                        </a:rPr>
+                        <m:t>=</m:t>
+                      </m:r>
+                      <m:d>
+                        <m:dPr>
+                          <m:ctrlPr>
+                            <a:rPr lang="en-US" i="1">
+                              <a:latin typeface="Cambria Math" panose="02040503050406030204" pitchFamily="18" charset="0"/>
+                              <a:cs typeface="Times New Roman" panose="02020603050405020304" pitchFamily="18" charset="0"/>
+                            </a:rPr>
+                          </m:ctrlPr>
+                        </m:dPr>
+                        <m:e>
+                          <m:m>
+                            <m:mPr>
+                              <m:mcs>
+                                <m:mc>
+                                  <m:mcPr>
+                                    <m:count m:val="1"/>
+                                    <m:mcJc m:val="center"/>
+                                  </m:mcPr>
+                                </m:mc>
+                              </m:mcs>
+                              <m:ctrlPr>
+                                <a:rPr lang="en-US" i="1">
+                                  <a:latin typeface="Cambria Math" panose="02040503050406030204" pitchFamily="18" charset="0"/>
+                                  <a:cs typeface="Times New Roman" panose="02020603050405020304" pitchFamily="18" charset="0"/>
+                                </a:rPr>
+                              </m:ctrlPr>
+                            </m:mPr>
+                            <m:mr>
+                              <m:e>
+                                <m:r>
+                                  <a:rPr lang="en-US" i="1">
+                                    <a:latin typeface="Cambria Math" panose="02040503050406030204" pitchFamily="18" charset="0"/>
+                                    <a:cs typeface="Times New Roman" panose="02020603050405020304" pitchFamily="18" charset="0"/>
+                                  </a:rPr>
+                                  <m:t>(</m:t>
+                                </m:r>
+                                <m:r>
+                                  <a:rPr lang="en-US" i="1">
+                                    <a:latin typeface="Cambria Math" panose="02040503050406030204" pitchFamily="18" charset="0"/>
+                                    <a:cs typeface="Times New Roman" panose="02020603050405020304" pitchFamily="18" charset="0"/>
+                                  </a:rPr>
+                                  <m:t>1−</m:t>
+                                </m:r>
+                                <m:r>
+                                  <a:rPr lang="en-US" i="1">
+                                    <a:latin typeface="Cambria Math" panose="02040503050406030204" pitchFamily="18" charset="0"/>
+                                    <a:cs typeface="Times New Roman" panose="02020603050405020304" pitchFamily="18" charset="0"/>
+                                  </a:rPr>
+                                  <m:t>𝜋</m:t>
+                                </m:r>
+                                <m:r>
+                                  <a:rPr lang="en-US" i="1">
+                                    <a:latin typeface="Cambria Math" panose="02040503050406030204" pitchFamily="18" charset="0"/>
+                                    <a:cs typeface="Times New Roman" panose="02020603050405020304" pitchFamily="18" charset="0"/>
+                                  </a:rPr>
+                                  <m:t>)/4</m:t>
+                                </m:r>
+                              </m:e>
+                            </m:mr>
+                            <m:mr>
+                              <m:e>
+                                <m:r>
+                                  <a:rPr lang="en-US" i="1">
+                                    <a:latin typeface="Cambria Math" panose="02040503050406030204" pitchFamily="18" charset="0"/>
+                                    <a:cs typeface="Times New Roman" panose="02020603050405020304" pitchFamily="18" charset="0"/>
+                                  </a:rPr>
+                                  <m:t>1/2+</m:t>
+                                </m:r>
+                                <m:r>
+                                  <a:rPr lang="en-US" i="1">
+                                    <a:latin typeface="Cambria Math" panose="02040503050406030204" pitchFamily="18" charset="0"/>
+                                    <a:cs typeface="Times New Roman" panose="02020603050405020304" pitchFamily="18" charset="0"/>
+                                  </a:rPr>
+                                  <m:t>𝜋</m:t>
+                                </m:r>
+                                <m:r>
+                                  <a:rPr lang="en-US" i="1">
+                                    <a:latin typeface="Cambria Math" panose="02040503050406030204" pitchFamily="18" charset="0"/>
+                                    <a:cs typeface="Times New Roman" panose="02020603050405020304" pitchFamily="18" charset="0"/>
+                                  </a:rPr>
+                                  <m:t>/</m:t>
+                                </m:r>
+                                <m:r>
+                                  <a:rPr lang="en-US" i="1">
+                                    <a:latin typeface="Cambria Math" panose="02040503050406030204" pitchFamily="18" charset="0"/>
+                                    <a:cs typeface="Times New Roman" panose="02020603050405020304" pitchFamily="18" charset="0"/>
+                                  </a:rPr>
+                                  <m:t>4</m:t>
+                                </m:r>
+                              </m:e>
+                            </m:mr>
+                            <m:mr>
+                              <m:e>
+                                <m:r>
+                                  <a:rPr lang="en-US" i="1">
+                                    <a:latin typeface="Cambria Math" panose="02040503050406030204" pitchFamily="18" charset="0"/>
+                                    <a:cs typeface="Times New Roman" panose="02020603050405020304" pitchFamily="18" charset="0"/>
+                                  </a:rPr>
+                                  <m:t>(</m:t>
+                                </m:r>
+                                <m:r>
+                                  <a:rPr lang="en-US" i="1">
+                                    <a:latin typeface="Cambria Math" panose="02040503050406030204" pitchFamily="18" charset="0"/>
+                                    <a:cs typeface="Times New Roman" panose="02020603050405020304" pitchFamily="18" charset="0"/>
+                                  </a:rPr>
+                                  <m:t>1−</m:t>
+                                </m:r>
+                                <m:r>
+                                  <a:rPr lang="en-US" i="1">
+                                    <a:latin typeface="Cambria Math" panose="02040503050406030204" pitchFamily="18" charset="0"/>
+                                    <a:cs typeface="Times New Roman" panose="02020603050405020304" pitchFamily="18" charset="0"/>
+                                  </a:rPr>
+                                  <m:t>𝜋</m:t>
+                                </m:r>
+                                <m:r>
+                                  <a:rPr lang="en-US" i="1">
+                                    <a:latin typeface="Cambria Math" panose="02040503050406030204" pitchFamily="18" charset="0"/>
+                                    <a:cs typeface="Times New Roman" panose="02020603050405020304" pitchFamily="18" charset="0"/>
+                                  </a:rPr>
+                                  <m:t>)/4</m:t>
+                                </m:r>
+                              </m:e>
+                            </m:mr>
+                            <m:mr>
+                              <m:e>
+                                <m:r>
+                                  <a:rPr lang="en-US" i="1">
+                                    <a:latin typeface="Cambria Math" panose="02040503050406030204" pitchFamily="18" charset="0"/>
+                                    <a:cs typeface="Times New Roman" panose="02020603050405020304" pitchFamily="18" charset="0"/>
+                                  </a:rPr>
+                                  <m:t>𝜋</m:t>
+                                </m:r>
+                                <m:r>
+                                  <a:rPr lang="en-US" i="1">
+                                    <a:latin typeface="Cambria Math" panose="02040503050406030204" pitchFamily="18" charset="0"/>
+                                    <a:cs typeface="Times New Roman" panose="02020603050405020304" pitchFamily="18" charset="0"/>
+                                  </a:rPr>
+                                  <m:t>/4</m:t>
+                                </m:r>
+                              </m:e>
+                            </m:mr>
+                          </m:m>
+                        </m:e>
+                      </m:d>
+                    </m:oMath>
+                  </m:oMathPara>
+                </a14:m>
+                <a:endParaRPr lang="en-US" dirty="0"/>
+              </a:p>
+            </p:txBody>
+          </p:sp>
+        </mc:Choice>
+        <mc:Fallback>
+          <p:sp>
+            <p:nvSpPr>
+              <p:cNvPr id="3" name="Rectangle 2"/>
+              <p:cNvSpPr>
+                <a:spLocks noRot="1" noChangeAspect="1" noMove="1" noResize="1" noEditPoints="1" noAdjustHandles="1" noChangeArrowheads="1" noChangeShapeType="1" noTextEdit="1"/>
+              </p:cNvSpPr>
+              <p:nvPr/>
+            </p:nvSpPr>
+            <p:spPr>
+              <a:xfrm>
+                <a:off x="3095624" y="650601"/>
+                <a:ext cx="8991601" cy="1479508"/>
+              </a:xfrm>
+              <a:prstGeom prst="rect">
+                <a:avLst/>
+              </a:prstGeom>
+              <a:blipFill>
+                <a:blip r:embed="rId2"/>
+                <a:stretch>
+                  <a:fillRect/>
+                </a:stretch>
+              </a:blipFill>
+              <a:ln>
+                <a:solidFill>
+                  <a:schemeClr val="bg1">
+                    <a:lumMod val="10000"/>
+                  </a:schemeClr>
+                </a:solidFill>
+              </a:ln>
+            </p:spPr>
+            <p:txBody>
+              <a:bodyPr/>
+              <a:lstStyle/>
+              <a:p>
+                <a:r>
+                  <a:rPr lang="en-US">
+                    <a:noFill/>
+                  </a:rPr>
+                  <a:t> </a:t>
+                </a:r>
+              </a:p>
+            </p:txBody>
+          </p:sp>
+        </mc:Fallback>
+      </mc:AlternateContent>
+      <mc:AlternateContent xmlns:mc="http://schemas.openxmlformats.org/markup-compatibility/2006">
+        <mc:Choice xmlns:a14="http://schemas.microsoft.com/office/drawing/2010/main" Requires="a14">
+          <p:sp>
+            <p:nvSpPr>
+              <p:cNvPr id="4" name="TextBox 3"/>
+              <p:cNvSpPr txBox="1"/>
+              <p:nvPr/>
+            </p:nvSpPr>
+            <p:spPr>
+              <a:xfrm>
+                <a:off x="123825" y="695325"/>
+                <a:ext cx="3181350" cy="2511970"/>
+              </a:xfrm>
+              <a:prstGeom prst="rect">
+                <a:avLst/>
+              </a:prstGeom>
+              <a:noFill/>
+            </p:spPr>
+            <p:txBody>
+              <a:bodyPr wrap="square" rtlCol="0">
+                <a:spAutoFit/>
+              </a:bodyPr>
+              <a:lstStyle/>
+              <a:p>
+                <a:r>
+                  <a:rPr lang="en-US" dirty="0" smtClean="0"/>
+                  <a:t>Suppose that we observe 197 marbles, and arrive at the following counts:</a:t>
+                </a:r>
+              </a:p>
+              <a:p>
+                <a:endParaRPr lang="en-US" dirty="0"/>
+              </a:p>
+              <a:p>
+                <a14:m>
+                  <m:oMath xmlns:m="http://schemas.openxmlformats.org/officeDocument/2006/math">
+                    <m:d>
+                      <m:dPr>
+                        <m:ctrlPr>
+                          <a:rPr lang="en-US" i="1">
+                            <a:latin typeface="Cambria Math" panose="02040503050406030204" pitchFamily="18" charset="0"/>
+                            <a:cs typeface="Times New Roman" panose="02020603050405020304" pitchFamily="18" charset="0"/>
+                          </a:rPr>
+                        </m:ctrlPr>
+                      </m:dPr>
+                      <m:e>
+                        <m:m>
+                          <m:mPr>
+                            <m:mcs>
+                              <m:mc>
+                                <m:mcPr>
+                                  <m:count m:val="1"/>
+                                  <m:mcJc m:val="center"/>
+                                </m:mcPr>
+                              </m:mc>
+                            </m:mcs>
+                            <m:ctrlPr>
+                              <a:rPr lang="en-US" i="1" dirty="0">
+                                <a:solidFill>
+                                  <a:srgbClr val="FF0000"/>
+                                </a:solidFill>
+                                <a:latin typeface="Cambria Math" panose="02040503050406030204" pitchFamily="18" charset="0"/>
+                                <a:cs typeface="Times New Roman" panose="02020603050405020304" pitchFamily="18" charset="0"/>
+                              </a:rPr>
+                            </m:ctrlPr>
+                          </m:mPr>
+                          <m:mr>
+                            <m:e>
+                              <m:r>
+                                <m:rPr>
+                                  <m:nor/>
+                                </m:rPr>
+                                <a:rPr lang="en-US" b="0" i="0" dirty="0" smtClean="0">
+                                  <a:solidFill>
+                                    <a:srgbClr val="FF0000"/>
+                                  </a:solidFill>
+                                  <a:latin typeface="Cambria Math" panose="02040503050406030204" pitchFamily="18" charset="0"/>
+                                  <a:cs typeface="Times New Roman" panose="02020603050405020304" pitchFamily="18" charset="0"/>
+                                </a:rPr>
+                                <m:t>R</m:t>
+                              </m:r>
+                              <m:r>
+                                <m:rPr>
+                                  <m:nor/>
+                                </m:rPr>
+                                <a:rPr lang="en-US" b="0" i="0" dirty="0" smtClean="0">
+                                  <a:solidFill>
+                                    <a:srgbClr val="FF0000"/>
+                                  </a:solidFill>
+                                  <a:latin typeface="Cambria Math" panose="02040503050406030204" pitchFamily="18" charset="0"/>
+                                  <a:cs typeface="Times New Roman" panose="02020603050405020304" pitchFamily="18" charset="0"/>
+                                </a:rPr>
+                                <m:t>-</m:t>
+                              </m:r>
+                              <m:r>
+                                <m:rPr>
+                                  <m:nor/>
+                                </m:rPr>
+                                <a:rPr lang="en-US" dirty="0">
+                                  <a:solidFill>
+                                    <a:srgbClr val="FF0000"/>
+                                  </a:solidFill>
+                                  <a:latin typeface="Times New Roman" panose="02020603050405020304" pitchFamily="18" charset="0"/>
+                                  <a:cs typeface="Times New Roman" panose="02020603050405020304" pitchFamily="18" charset="0"/>
+                                </a:rPr>
+                                <m:t>Red</m:t>
+                              </m:r>
+                              <m:r>
+                                <m:rPr>
+                                  <m:nor/>
+                                </m:rPr>
+                                <a:rPr lang="en-US" b="0" i="0" dirty="0" smtClean="0">
+                                  <a:solidFill>
+                                    <a:srgbClr val="FF0000"/>
+                                  </a:solidFill>
+                                  <a:latin typeface="Times New Roman" panose="02020603050405020304" pitchFamily="18" charset="0"/>
+                                  <a:cs typeface="Times New Roman" panose="02020603050405020304" pitchFamily="18" charset="0"/>
+                                </a:rPr>
+                                <m:t>: 18</m:t>
+                              </m:r>
+                              <m:r>
+                                <m:rPr>
+                                  <m:nor/>
+                                </m:rPr>
+                                <a:rPr lang="en-US" dirty="0">
+                                  <a:solidFill>
+                                    <a:srgbClr val="FF0000"/>
+                                  </a:solidFill>
+                                </a:rPr>
+                                <m:t> </m:t>
+                              </m:r>
+                            </m:e>
+                          </m:mr>
+                          <m:mr>
+                            <m:e>
+                              <m:r>
+                                <m:rPr>
+                                  <m:nor/>
+                                </m:rPr>
+                                <a:rPr lang="en-US" b="0" i="0" dirty="0" smtClean="0">
+                                  <a:solidFill>
+                                    <a:srgbClr val="FFC000"/>
+                                  </a:solidFill>
+                                  <a:latin typeface="Cambria Math" panose="02040503050406030204" pitchFamily="18" charset="0"/>
+                                </a:rPr>
+                                <m:t>OY</m:t>
+                              </m:r>
+                              <m:r>
+                                <m:rPr>
+                                  <m:nor/>
+                                </m:rPr>
+                                <a:rPr lang="en-US" b="0" i="0" dirty="0" smtClean="0">
+                                  <a:solidFill>
+                                    <a:srgbClr val="FF0000"/>
+                                  </a:solidFill>
+                                  <a:latin typeface="Cambria Math" panose="02040503050406030204" pitchFamily="18" charset="0"/>
+                                </a:rPr>
+                                <m:t>-</m:t>
+                              </m:r>
+                              <m:r>
+                                <m:rPr>
+                                  <m:nor/>
+                                </m:rPr>
+                                <a:rPr lang="en-US" dirty="0">
+                                  <a:solidFill>
+                                    <a:srgbClr val="FFC000"/>
+                                  </a:solidFill>
+                                  <a:latin typeface="Times New Roman" panose="02020603050405020304" pitchFamily="18" charset="0"/>
+                                  <a:cs typeface="Times New Roman" panose="02020603050405020304" pitchFamily="18" charset="0"/>
+                                </a:rPr>
+                                <m:t>Orange</m:t>
+                              </m:r>
+                              <m:r>
+                                <m:rPr>
+                                  <m:nor/>
+                                </m:rPr>
+                                <a:rPr lang="en-US" dirty="0">
+                                  <a:solidFill>
+                                    <a:srgbClr val="FFC000"/>
+                                  </a:solidFill>
+                                  <a:latin typeface="Times New Roman" panose="02020603050405020304" pitchFamily="18" charset="0"/>
+                                  <a:cs typeface="Times New Roman" panose="02020603050405020304" pitchFamily="18" charset="0"/>
+                                </a:rPr>
+                                <m:t> </m:t>
+                              </m:r>
+                              <m:r>
+                                <m:rPr>
+                                  <m:nor/>
+                                </m:rPr>
+                                <a:rPr lang="en-US" dirty="0">
+                                  <a:solidFill>
+                                    <a:srgbClr val="FFC000"/>
+                                  </a:solidFill>
+                                  <a:latin typeface="Times New Roman" panose="02020603050405020304" pitchFamily="18" charset="0"/>
+                                  <a:cs typeface="Times New Roman" panose="02020603050405020304" pitchFamily="18" charset="0"/>
+                                </a:rPr>
+                                <m:t>or</m:t>
+                              </m:r>
+                              <m:r>
+                                <m:rPr>
+                                  <m:nor/>
+                                </m:rPr>
+                                <a:rPr lang="en-US" dirty="0">
+                                  <a:solidFill>
+                                    <a:srgbClr val="FFC000"/>
+                                  </a:solidFill>
+                                  <a:latin typeface="Times New Roman" panose="02020603050405020304" pitchFamily="18" charset="0"/>
+                                  <a:cs typeface="Times New Roman" panose="02020603050405020304" pitchFamily="18" charset="0"/>
+                                </a:rPr>
+                                <m:t> </m:t>
+                              </m:r>
+                              <m:r>
+                                <m:rPr>
+                                  <m:nor/>
+                                </m:rPr>
+                                <a:rPr lang="en-US" dirty="0">
+                                  <a:solidFill>
+                                    <a:srgbClr val="FFC000"/>
+                                  </a:solidFill>
+                                  <a:latin typeface="Times New Roman" panose="02020603050405020304" pitchFamily="18" charset="0"/>
+                                  <a:cs typeface="Times New Roman" panose="02020603050405020304" pitchFamily="18" charset="0"/>
+                                </a:rPr>
+                                <m:t>Yellow</m:t>
+                              </m:r>
+                              <m:r>
+                                <m:rPr>
+                                  <m:nor/>
+                                </m:rPr>
+                                <a:rPr lang="en-US" b="0" i="0" dirty="0" smtClean="0">
+                                  <a:solidFill>
+                                    <a:srgbClr val="FFC000"/>
+                                  </a:solidFill>
+                                  <a:latin typeface="Times New Roman" panose="02020603050405020304" pitchFamily="18" charset="0"/>
+                                  <a:cs typeface="Times New Roman" panose="02020603050405020304" pitchFamily="18" charset="0"/>
+                                </a:rPr>
+                                <m:t>:125</m:t>
+                              </m:r>
+                              <m:r>
+                                <m:rPr>
+                                  <m:nor/>
+                                </m:rPr>
+                                <a:rPr lang="en-US" dirty="0">
+                                  <a:solidFill>
+                                    <a:srgbClr val="FFC000"/>
+                                  </a:solidFill>
+                                </a:rPr>
+                                <m:t> </m:t>
+                              </m:r>
+                            </m:e>
+                          </m:mr>
+                          <m:mr>
+                            <m:e>
+                              <m:r>
+                                <m:rPr>
+                                  <m:nor/>
+                                </m:rPr>
+                                <a:rPr lang="en-US" b="0" i="0" dirty="0" smtClean="0">
+                                  <a:solidFill>
+                                    <a:srgbClr val="3CAF2C"/>
+                                  </a:solidFill>
+                                  <a:latin typeface="Cambria Math" panose="02040503050406030204" pitchFamily="18" charset="0"/>
+                                </a:rPr>
+                                <m:t>G</m:t>
+                              </m:r>
+                              <m:r>
+                                <m:rPr>
+                                  <m:nor/>
+                                </m:rPr>
+                                <a:rPr lang="en-US" b="0" i="0" dirty="0" smtClean="0">
+                                  <a:solidFill>
+                                    <a:srgbClr val="FFC000"/>
+                                  </a:solidFill>
+                                  <a:latin typeface="Cambria Math" panose="02040503050406030204" pitchFamily="18" charset="0"/>
+                                </a:rPr>
+                                <m:t>-</m:t>
+                              </m:r>
+                              <m:r>
+                                <m:rPr>
+                                  <m:nor/>
+                                </m:rPr>
+                                <a:rPr lang="en-US" dirty="0">
+                                  <a:solidFill>
+                                    <a:srgbClr val="3CAF2C"/>
+                                  </a:solidFill>
+                                  <a:latin typeface="Times New Roman" panose="02020603050405020304" pitchFamily="18" charset="0"/>
+                                  <a:cs typeface="Times New Roman" panose="02020603050405020304" pitchFamily="18" charset="0"/>
+                                </a:rPr>
+                                <m:t>Green</m:t>
+                              </m:r>
+                              <m:r>
+                                <m:rPr>
+                                  <m:nor/>
+                                </m:rPr>
+                                <a:rPr lang="en-US" b="0" i="0" dirty="0" smtClean="0">
+                                  <a:solidFill>
+                                    <a:srgbClr val="3CAF2C"/>
+                                  </a:solidFill>
+                                  <a:latin typeface="Times New Roman" panose="02020603050405020304" pitchFamily="18" charset="0"/>
+                                  <a:cs typeface="Times New Roman" panose="02020603050405020304" pitchFamily="18" charset="0"/>
+                                </a:rPr>
+                                <m:t>: 20</m:t>
+                              </m:r>
+                              <m:r>
+                                <m:rPr>
+                                  <m:nor/>
+                                </m:rPr>
+                                <a:rPr lang="en-US" dirty="0">
+                                  <a:solidFill>
+                                    <a:srgbClr val="3CAF2C"/>
+                                  </a:solidFill>
+                                  <a:latin typeface="Times New Roman" panose="02020603050405020304" pitchFamily="18" charset="0"/>
+                                  <a:cs typeface="Times New Roman" panose="02020603050405020304" pitchFamily="18" charset="0"/>
+                                </a:rPr>
+                                <m:t> </m:t>
+                              </m:r>
+                            </m:e>
+                          </m:mr>
+                          <m:mr>
+                            <m:e>
+                              <m:r>
+                                <m:rPr>
+                                  <m:sty m:val="p"/>
+                                </m:rPr>
+                                <a:rPr lang="en-US" b="0" i="0" dirty="0" smtClean="0">
+                                  <a:solidFill>
+                                    <a:srgbClr val="002942"/>
+                                  </a:solidFill>
+                                  <a:latin typeface="Cambria Math" panose="02040503050406030204" pitchFamily="18" charset="0"/>
+                                  <a:cs typeface="Times New Roman" panose="02020603050405020304" pitchFamily="18" charset="0"/>
+                                </a:rPr>
+                                <m:t>B</m:t>
+                              </m:r>
+                              <m:r>
+                                <a:rPr lang="en-US" b="0" i="1" dirty="0" smtClean="0">
+                                  <a:solidFill>
+                                    <a:srgbClr val="3CAF2C"/>
+                                  </a:solidFill>
+                                  <a:latin typeface="Cambria Math" panose="02040503050406030204" pitchFamily="18" charset="0"/>
+                                  <a:cs typeface="Times New Roman" panose="02020603050405020304" pitchFamily="18" charset="0"/>
+                                </a:rPr>
+                                <m:t>−</m:t>
+                              </m:r>
+                              <m:r>
+                                <m:rPr>
+                                  <m:nor/>
+                                </m:rPr>
+                                <a:rPr lang="en-US" dirty="0">
+                                  <a:solidFill>
+                                    <a:schemeClr val="accent1">
+                                      <a:lumMod val="50000"/>
+                                    </a:schemeClr>
+                                  </a:solidFill>
+                                  <a:latin typeface="Times New Roman" panose="02020603050405020304" pitchFamily="18" charset="0"/>
+                                  <a:cs typeface="Times New Roman" panose="02020603050405020304" pitchFamily="18" charset="0"/>
+                                </a:rPr>
+                                <m:t>Blue</m:t>
+                              </m:r>
+                              <m:r>
+                                <m:rPr>
+                                  <m:nor/>
+                                </m:rPr>
+                                <a:rPr lang="en-US" b="0" i="0" dirty="0" smtClean="0">
+                                  <a:solidFill>
+                                    <a:schemeClr val="accent1">
+                                      <a:lumMod val="50000"/>
+                                    </a:schemeClr>
+                                  </a:solidFill>
+                                  <a:latin typeface="Times New Roman" panose="02020603050405020304" pitchFamily="18" charset="0"/>
+                                  <a:cs typeface="Times New Roman" panose="02020603050405020304" pitchFamily="18" charset="0"/>
+                                </a:rPr>
+                                <m:t>: 34</m:t>
+                              </m:r>
+                              <m:r>
+                                <m:rPr>
+                                  <m:nor/>
+                                </m:rPr>
+                                <a:rPr lang="en-US" dirty="0">
+                                  <a:solidFill>
+                                    <a:schemeClr val="accent1">
+                                      <a:lumMod val="50000"/>
+                                    </a:schemeClr>
+                                  </a:solidFill>
+                                </a:rPr>
+                                <m:t> </m:t>
+                              </m:r>
+                            </m:e>
+                          </m:mr>
+                        </m:m>
+                      </m:e>
+                    </m:d>
+                  </m:oMath>
+                </a14:m>
+                <a:r>
+                  <a:rPr lang="en-US" dirty="0" smtClean="0"/>
+                  <a:t> </a:t>
+                </a:r>
+              </a:p>
+              <a:p>
+                <a:endParaRPr lang="en-US" dirty="0"/>
+              </a:p>
+            </p:txBody>
+          </p:sp>
+        </mc:Choice>
+        <mc:Fallback>
+          <p:sp>
+            <p:nvSpPr>
+              <p:cNvPr id="4" name="TextBox 3"/>
+              <p:cNvSpPr txBox="1">
+                <a:spLocks noRot="1" noChangeAspect="1" noMove="1" noResize="1" noEditPoints="1" noAdjustHandles="1" noChangeArrowheads="1" noChangeShapeType="1" noTextEdit="1"/>
+              </p:cNvSpPr>
+              <p:nvPr/>
+            </p:nvSpPr>
+            <p:spPr>
+              <a:xfrm>
+                <a:off x="123825" y="695325"/>
+                <a:ext cx="3181350" cy="2511970"/>
+              </a:xfrm>
+              <a:prstGeom prst="rect">
+                <a:avLst/>
+              </a:prstGeom>
+              <a:blipFill>
+                <a:blip r:embed="rId3"/>
+                <a:stretch>
+                  <a:fillRect l="-1533" t="-1214"/>
+                </a:stretch>
+              </a:blipFill>
+            </p:spPr>
+            <p:txBody>
+              <a:bodyPr/>
+              <a:lstStyle/>
+              <a:p>
+                <a:r>
+                  <a:rPr lang="en-US">
+                    <a:noFill/>
+                  </a:rPr>
+                  <a:t> </a:t>
+                </a:r>
+              </a:p>
+            </p:txBody>
+          </p:sp>
+        </mc:Fallback>
+      </mc:AlternateContent>
+      <mc:AlternateContent xmlns:mc="http://schemas.openxmlformats.org/markup-compatibility/2006">
+        <mc:Choice xmlns:a14="http://schemas.microsoft.com/office/drawing/2010/main" Requires="a14">
+          <p:sp>
+            <p:nvSpPr>
+              <p:cNvPr id="5" name="TextBox 4"/>
+              <p:cNvSpPr txBox="1"/>
+              <p:nvPr/>
+            </p:nvSpPr>
+            <p:spPr>
+              <a:xfrm>
+                <a:off x="3086100" y="2105025"/>
+                <a:ext cx="8743949" cy="2308324"/>
+              </a:xfrm>
+              <a:prstGeom prst="rect">
+                <a:avLst/>
+              </a:prstGeom>
+              <a:noFill/>
+            </p:spPr>
+            <p:txBody>
+              <a:bodyPr wrap="square" rtlCol="0">
+                <a:spAutoFit/>
+              </a:bodyPr>
+              <a:lstStyle/>
+              <a:p>
+                <a:r>
+                  <a:rPr lang="en-US" dirty="0" smtClean="0">
+                    <a:latin typeface="Times New Roman" panose="02020603050405020304" pitchFamily="18" charset="0"/>
+                    <a:cs typeface="Times New Roman" panose="02020603050405020304" pitchFamily="18" charset="0"/>
+                  </a:rPr>
+                  <a:t>Let the </a:t>
+                </a:r>
+                <a:r>
+                  <a:rPr lang="en-US" i="1" dirty="0" smtClean="0">
+                    <a:latin typeface="Times New Roman" panose="02020603050405020304" pitchFamily="18" charset="0"/>
+                    <a:cs typeface="Times New Roman" panose="02020603050405020304" pitchFamily="18" charset="0"/>
+                  </a:rPr>
+                  <a:t>actual </a:t>
+                </a:r>
+                <a:r>
+                  <a:rPr lang="en-US" dirty="0" smtClean="0">
+                    <a:latin typeface="Times New Roman" panose="02020603050405020304" pitchFamily="18" charset="0"/>
+                    <a:cs typeface="Times New Roman" panose="02020603050405020304" pitchFamily="18" charset="0"/>
+                  </a:rPr>
+                  <a:t>color counts be denoted by the values </a:t>
+                </a:r>
+                <a14:m>
+                  <m:oMath xmlns:m="http://schemas.openxmlformats.org/officeDocument/2006/math">
+                    <m:r>
+                      <a:rPr lang="en-US" b="0" i="1" smtClean="0">
+                        <a:latin typeface="Cambria Math" panose="02040503050406030204" pitchFamily="18" charset="0"/>
+                      </a:rPr>
+                      <m:t>(</m:t>
+                    </m:r>
+                    <m:sSub>
+                      <m:sSubPr>
+                        <m:ctrlPr>
+                          <a:rPr lang="en-US" b="0" i="1" smtClean="0">
+                            <a:latin typeface="Cambria Math" panose="02040503050406030204" pitchFamily="18" charset="0"/>
+                          </a:rPr>
+                        </m:ctrlPr>
+                      </m:sSubPr>
+                      <m:e>
+                        <m:r>
+                          <a:rPr lang="en-US" b="0" i="1" smtClean="0">
+                            <a:latin typeface="Cambria Math" panose="02040503050406030204" pitchFamily="18" charset="0"/>
+                          </a:rPr>
+                          <m:t>𝑥</m:t>
+                        </m:r>
+                      </m:e>
+                      <m:sub>
+                        <m:r>
+                          <a:rPr lang="en-US" b="0" i="1" smtClean="0">
+                            <a:latin typeface="Cambria Math" panose="02040503050406030204" pitchFamily="18" charset="0"/>
+                          </a:rPr>
+                          <m:t>1</m:t>
+                        </m:r>
+                      </m:sub>
+                    </m:sSub>
+                    <m:r>
+                      <a:rPr lang="en-US" b="0" i="1" smtClean="0">
+                        <a:latin typeface="Cambria Math" panose="02040503050406030204" pitchFamily="18" charset="0"/>
+                      </a:rPr>
+                      <m:t>,</m:t>
+                    </m:r>
+                    <m:sSub>
+                      <m:sSubPr>
+                        <m:ctrlPr>
+                          <a:rPr lang="en-US" b="0" i="1" smtClean="0">
+                            <a:latin typeface="Cambria Math" panose="02040503050406030204" pitchFamily="18" charset="0"/>
+                          </a:rPr>
+                        </m:ctrlPr>
+                      </m:sSubPr>
+                      <m:e>
+                        <m:r>
+                          <a:rPr lang="en-US" b="0" i="1" smtClean="0">
+                            <a:latin typeface="Cambria Math" panose="02040503050406030204" pitchFamily="18" charset="0"/>
+                          </a:rPr>
+                          <m:t>𝑥</m:t>
+                        </m:r>
+                      </m:e>
+                      <m:sub>
+                        <m:r>
+                          <a:rPr lang="en-US" b="0" i="1" smtClean="0">
+                            <a:latin typeface="Cambria Math" panose="02040503050406030204" pitchFamily="18" charset="0"/>
+                          </a:rPr>
+                          <m:t>2</m:t>
+                        </m:r>
+                      </m:sub>
+                    </m:sSub>
+                    <m:r>
+                      <a:rPr lang="en-US" b="0" i="1" smtClean="0">
+                        <a:latin typeface="Cambria Math" panose="02040503050406030204" pitchFamily="18" charset="0"/>
+                      </a:rPr>
+                      <m:t>,</m:t>
+                    </m:r>
+                    <m:sSub>
+                      <m:sSubPr>
+                        <m:ctrlPr>
+                          <a:rPr lang="en-US" b="0" i="1" smtClean="0">
+                            <a:latin typeface="Cambria Math" panose="02040503050406030204" pitchFamily="18" charset="0"/>
+                          </a:rPr>
+                        </m:ctrlPr>
+                      </m:sSubPr>
+                      <m:e>
+                        <m:r>
+                          <a:rPr lang="en-US" b="0" i="1" smtClean="0">
+                            <a:latin typeface="Cambria Math" panose="02040503050406030204" pitchFamily="18" charset="0"/>
+                          </a:rPr>
+                          <m:t>𝑥</m:t>
+                        </m:r>
+                      </m:e>
+                      <m:sub>
+                        <m:r>
+                          <a:rPr lang="en-US" b="0" i="1" smtClean="0">
+                            <a:latin typeface="Cambria Math" panose="02040503050406030204" pitchFamily="18" charset="0"/>
+                          </a:rPr>
+                          <m:t>3</m:t>
+                        </m:r>
+                      </m:sub>
+                    </m:sSub>
+                    <m:r>
+                      <a:rPr lang="en-US" b="0" i="1" smtClean="0">
+                        <a:latin typeface="Cambria Math" panose="02040503050406030204" pitchFamily="18" charset="0"/>
+                      </a:rPr>
+                      <m:t>,</m:t>
+                    </m:r>
+                    <m:sSub>
+                      <m:sSubPr>
+                        <m:ctrlPr>
+                          <a:rPr lang="en-US" b="0" i="1" smtClean="0">
+                            <a:latin typeface="Cambria Math" panose="02040503050406030204" pitchFamily="18" charset="0"/>
+                          </a:rPr>
+                        </m:ctrlPr>
+                      </m:sSubPr>
+                      <m:e>
+                        <m:r>
+                          <a:rPr lang="en-US" b="0" i="1" smtClean="0">
+                            <a:latin typeface="Cambria Math" panose="02040503050406030204" pitchFamily="18" charset="0"/>
+                          </a:rPr>
+                          <m:t>𝑥</m:t>
+                        </m:r>
+                      </m:e>
+                      <m:sub>
+                        <m:r>
+                          <a:rPr lang="en-US" b="0" i="1" smtClean="0">
+                            <a:latin typeface="Cambria Math" panose="02040503050406030204" pitchFamily="18" charset="0"/>
+                          </a:rPr>
+                          <m:t>4</m:t>
+                        </m:r>
+                      </m:sub>
+                    </m:sSub>
+                    <m:r>
+                      <a:rPr lang="en-US" b="0" i="1" smtClean="0">
+                        <a:latin typeface="Cambria Math" panose="02040503050406030204" pitchFamily="18" charset="0"/>
+                      </a:rPr>
+                      <m:t>,</m:t>
+                    </m:r>
+                    <m:sSub>
+                      <m:sSubPr>
+                        <m:ctrlPr>
+                          <a:rPr lang="en-US" b="0" i="1" smtClean="0">
+                            <a:latin typeface="Cambria Math" panose="02040503050406030204" pitchFamily="18" charset="0"/>
+                          </a:rPr>
+                        </m:ctrlPr>
+                      </m:sSubPr>
+                      <m:e>
+                        <m:r>
+                          <a:rPr lang="en-US" b="0" i="1" smtClean="0">
+                            <a:latin typeface="Cambria Math" panose="02040503050406030204" pitchFamily="18" charset="0"/>
+                          </a:rPr>
+                          <m:t>𝑥</m:t>
+                        </m:r>
+                      </m:e>
+                      <m:sub>
+                        <m:r>
+                          <a:rPr lang="en-US" b="0" i="1" smtClean="0">
+                            <a:latin typeface="Cambria Math" panose="02040503050406030204" pitchFamily="18" charset="0"/>
+                          </a:rPr>
+                          <m:t>5</m:t>
+                        </m:r>
+                      </m:sub>
+                    </m:sSub>
+                    <m:r>
+                      <a:rPr lang="en-US" b="0" i="1" smtClean="0">
+                        <a:latin typeface="Cambria Math" panose="02040503050406030204" pitchFamily="18" charset="0"/>
+                      </a:rPr>
+                      <m:t>)</m:t>
+                    </m:r>
+                  </m:oMath>
+                </a14:m>
+                <a:r>
+                  <a:rPr lang="en-US" dirty="0" smtClean="0">
+                    <a:latin typeface="Times New Roman" panose="02020603050405020304" pitchFamily="18" charset="0"/>
+                    <a:cs typeface="Times New Roman" panose="02020603050405020304" pitchFamily="18" charset="0"/>
+                  </a:rPr>
+                  <a:t> such that </a:t>
+                </a:r>
+                <a14:m>
+                  <m:oMath xmlns:m="http://schemas.openxmlformats.org/officeDocument/2006/math">
+                    <m:sSub>
+                      <m:sSubPr>
+                        <m:ctrlPr>
+                          <a:rPr lang="en-US" b="0" i="1" smtClean="0">
+                            <a:latin typeface="Cambria Math" panose="02040503050406030204" pitchFamily="18" charset="0"/>
+                          </a:rPr>
+                        </m:ctrlPr>
+                      </m:sSubPr>
+                      <m:e>
+                        <m:r>
+                          <a:rPr lang="en-US" b="0" i="1" smtClean="0">
+                            <a:latin typeface="Cambria Math" panose="02040503050406030204" pitchFamily="18" charset="0"/>
+                          </a:rPr>
+                          <m:t>𝑥</m:t>
+                        </m:r>
+                      </m:e>
+                      <m:sub>
+                        <m:r>
+                          <a:rPr lang="en-US" b="0" i="1" smtClean="0">
+                            <a:latin typeface="Cambria Math" panose="02040503050406030204" pitchFamily="18" charset="0"/>
+                          </a:rPr>
+                          <m:t>1</m:t>
+                        </m:r>
+                      </m:sub>
+                    </m:sSub>
+                  </m:oMath>
+                </a14:m>
+                <a:r>
+                  <a:rPr lang="en-US" dirty="0" smtClean="0">
+                    <a:latin typeface="Times New Roman" panose="02020603050405020304" pitchFamily="18" charset="0"/>
+                    <a:cs typeface="Times New Roman" panose="02020603050405020304" pitchFamily="18" charset="0"/>
+                  </a:rPr>
+                  <a:t> corresponds to the count of marbles which were actually red, </a:t>
+                </a:r>
+                <a14:m>
+                  <m:oMath xmlns:m="http://schemas.openxmlformats.org/officeDocument/2006/math">
+                    <m:sSub>
+                      <m:sSubPr>
+                        <m:ctrlPr>
+                          <a:rPr lang="en-US" b="0" i="1" smtClean="0">
+                            <a:latin typeface="Cambria Math" panose="02040503050406030204" pitchFamily="18" charset="0"/>
+                          </a:rPr>
+                        </m:ctrlPr>
+                      </m:sSubPr>
+                      <m:e>
+                        <m:r>
+                          <a:rPr lang="en-US" b="0" i="1" smtClean="0">
+                            <a:latin typeface="Cambria Math" panose="02040503050406030204" pitchFamily="18" charset="0"/>
+                          </a:rPr>
+                          <m:t>𝑥</m:t>
+                        </m:r>
+                      </m:e>
+                      <m:sub>
+                        <m:r>
+                          <a:rPr lang="en-US" b="0" i="1" smtClean="0">
+                            <a:latin typeface="Cambria Math" panose="02040503050406030204" pitchFamily="18" charset="0"/>
+                          </a:rPr>
+                          <m:t>2</m:t>
+                        </m:r>
+                      </m:sub>
+                    </m:sSub>
+                  </m:oMath>
+                </a14:m>
+                <a:r>
+                  <a:rPr lang="en-US" dirty="0" smtClean="0">
+                    <a:latin typeface="Times New Roman" panose="02020603050405020304" pitchFamily="18" charset="0"/>
+                    <a:cs typeface="Times New Roman" panose="02020603050405020304" pitchFamily="18" charset="0"/>
+                  </a:rPr>
+                  <a:t> to those which were Orange, and so on…</a:t>
+                </a:r>
+              </a:p>
+              <a:p>
+                <a:endParaRPr lang="en-US" dirty="0">
+                  <a:latin typeface="Times New Roman" panose="02020603050405020304" pitchFamily="18" charset="0"/>
+                  <a:cs typeface="Times New Roman" panose="02020603050405020304" pitchFamily="18" charset="0"/>
+                </a:endParaRPr>
+              </a:p>
+              <a:p>
+                <a:r>
+                  <a:rPr lang="en-US" dirty="0" smtClean="0">
+                    <a:latin typeface="Times New Roman" panose="02020603050405020304" pitchFamily="18" charset="0"/>
+                    <a:cs typeface="Times New Roman" panose="02020603050405020304" pitchFamily="18" charset="0"/>
+                  </a:rPr>
+                  <a:t>Let the observed color counts be denoted by the values (</a:t>
+                </a:r>
+                <a14:m>
+                  <m:oMath xmlns:m="http://schemas.openxmlformats.org/officeDocument/2006/math">
+                    <m:sSub>
+                      <m:sSubPr>
+                        <m:ctrlPr>
+                          <a:rPr lang="en-US" b="0" i="1" smtClean="0">
+                            <a:latin typeface="Cambria Math" panose="02040503050406030204" pitchFamily="18" charset="0"/>
+                          </a:rPr>
+                        </m:ctrlPr>
+                      </m:sSubPr>
+                      <m:e>
+                        <m:r>
+                          <a:rPr lang="en-US" b="0" i="1" smtClean="0">
+                            <a:latin typeface="Cambria Math" panose="02040503050406030204" pitchFamily="18" charset="0"/>
+                          </a:rPr>
+                          <m:t>𝑦</m:t>
+                        </m:r>
+                      </m:e>
+                      <m:sub>
+                        <m:r>
+                          <a:rPr lang="en-US" b="0" i="1" smtClean="0">
+                            <a:latin typeface="Cambria Math" panose="02040503050406030204" pitchFamily="18" charset="0"/>
+                          </a:rPr>
+                          <m:t>1</m:t>
+                        </m:r>
+                      </m:sub>
+                    </m:sSub>
+                    <m:r>
+                      <a:rPr lang="en-US" b="0" i="1" smtClean="0">
+                        <a:latin typeface="Cambria Math" panose="02040503050406030204" pitchFamily="18" charset="0"/>
+                      </a:rPr>
+                      <m:t>,</m:t>
+                    </m:r>
+                    <m:sSub>
+                      <m:sSubPr>
+                        <m:ctrlPr>
+                          <a:rPr lang="en-US" b="0" i="1" smtClean="0">
+                            <a:latin typeface="Cambria Math" panose="02040503050406030204" pitchFamily="18" charset="0"/>
+                          </a:rPr>
+                        </m:ctrlPr>
+                      </m:sSubPr>
+                      <m:e>
+                        <m:r>
+                          <a:rPr lang="en-US" b="0" i="1" smtClean="0">
+                            <a:latin typeface="Cambria Math" panose="02040503050406030204" pitchFamily="18" charset="0"/>
+                          </a:rPr>
+                          <m:t>𝑦</m:t>
+                        </m:r>
+                      </m:e>
+                      <m:sub>
+                        <m:r>
+                          <a:rPr lang="en-US" b="0" i="1" smtClean="0">
+                            <a:latin typeface="Cambria Math" panose="02040503050406030204" pitchFamily="18" charset="0"/>
+                          </a:rPr>
+                          <m:t>2</m:t>
+                        </m:r>
+                      </m:sub>
+                    </m:sSub>
+                    <m:r>
+                      <a:rPr lang="en-US" b="0" i="1" smtClean="0">
+                        <a:latin typeface="Cambria Math" panose="02040503050406030204" pitchFamily="18" charset="0"/>
+                      </a:rPr>
+                      <m:t>,</m:t>
+                    </m:r>
+                    <m:sSub>
+                      <m:sSubPr>
+                        <m:ctrlPr>
+                          <a:rPr lang="en-US" b="0" i="1" smtClean="0">
+                            <a:latin typeface="Cambria Math" panose="02040503050406030204" pitchFamily="18" charset="0"/>
+                          </a:rPr>
+                        </m:ctrlPr>
+                      </m:sSubPr>
+                      <m:e>
+                        <m:r>
+                          <a:rPr lang="en-US" b="0" i="1" smtClean="0">
+                            <a:latin typeface="Cambria Math" panose="02040503050406030204" pitchFamily="18" charset="0"/>
+                          </a:rPr>
+                          <m:t>𝑦</m:t>
+                        </m:r>
+                      </m:e>
+                      <m:sub>
+                        <m:r>
+                          <a:rPr lang="en-US" b="0" i="1" smtClean="0">
+                            <a:latin typeface="Cambria Math" panose="02040503050406030204" pitchFamily="18" charset="0"/>
+                          </a:rPr>
+                          <m:t>3</m:t>
+                        </m:r>
+                      </m:sub>
+                    </m:sSub>
+                    <m:r>
+                      <a:rPr lang="en-US" b="0" i="1" smtClean="0">
+                        <a:latin typeface="Cambria Math" panose="02040503050406030204" pitchFamily="18" charset="0"/>
+                      </a:rPr>
+                      <m:t>,</m:t>
+                    </m:r>
+                    <m:sSub>
+                      <m:sSubPr>
+                        <m:ctrlPr>
+                          <a:rPr lang="en-US" b="0" i="1" smtClean="0">
+                            <a:latin typeface="Cambria Math" panose="02040503050406030204" pitchFamily="18" charset="0"/>
+                          </a:rPr>
+                        </m:ctrlPr>
+                      </m:sSubPr>
+                      <m:e>
+                        <m:r>
+                          <a:rPr lang="en-US" b="0" i="1" smtClean="0">
+                            <a:latin typeface="Cambria Math" panose="02040503050406030204" pitchFamily="18" charset="0"/>
+                          </a:rPr>
+                          <m:t>𝑦</m:t>
+                        </m:r>
+                      </m:e>
+                      <m:sub>
+                        <m:r>
+                          <a:rPr lang="en-US" b="0" i="1" smtClean="0">
+                            <a:latin typeface="Cambria Math" panose="02040503050406030204" pitchFamily="18" charset="0"/>
+                          </a:rPr>
+                          <m:t>4</m:t>
+                        </m:r>
+                      </m:sub>
+                    </m:sSub>
+                    <m:r>
+                      <a:rPr lang="en-US" b="0" i="1" smtClean="0">
+                        <a:latin typeface="Cambria Math" panose="02040503050406030204" pitchFamily="18" charset="0"/>
+                      </a:rPr>
+                      <m:t>)</m:t>
+                    </m:r>
+                  </m:oMath>
+                </a14:m>
+                <a:r>
+                  <a:rPr lang="en-US" dirty="0" smtClean="0">
+                    <a:latin typeface="Times New Roman" panose="02020603050405020304" pitchFamily="18" charset="0"/>
+                    <a:cs typeface="Times New Roman" panose="02020603050405020304" pitchFamily="18" charset="0"/>
+                  </a:rPr>
+                  <a:t> which are given in this example as (18,125,20,34). </a:t>
+                </a:r>
+              </a:p>
+              <a:p>
+                <a:endParaRPr lang="en-US" dirty="0">
+                  <a:latin typeface="Times New Roman" panose="02020603050405020304" pitchFamily="18" charset="0"/>
+                  <a:cs typeface="Times New Roman" panose="02020603050405020304" pitchFamily="18" charset="0"/>
+                </a:endParaRPr>
+              </a:p>
+              <a:p>
+                <a:r>
+                  <a:rPr lang="en-US" dirty="0" smtClean="0">
+                    <a:latin typeface="Times New Roman" panose="02020603050405020304" pitchFamily="18" charset="0"/>
+                    <a:cs typeface="Times New Roman" panose="02020603050405020304" pitchFamily="18" charset="0"/>
+                  </a:rPr>
+                  <a:t>Furthermore, it is known that </a:t>
+                </a:r>
+                <a14:m>
+                  <m:oMath xmlns:m="http://schemas.openxmlformats.org/officeDocument/2006/math">
+                    <m:sSub>
+                      <m:sSubPr>
+                        <m:ctrlPr>
+                          <a:rPr lang="en-US" b="0" i="1" smtClean="0">
+                            <a:latin typeface="Cambria Math" panose="02040503050406030204" pitchFamily="18" charset="0"/>
+                          </a:rPr>
+                        </m:ctrlPr>
+                      </m:sSubPr>
+                      <m:e>
+                        <m:r>
+                          <a:rPr lang="en-US" b="0" i="1" smtClean="0">
+                            <a:latin typeface="Cambria Math" panose="02040503050406030204" pitchFamily="18" charset="0"/>
+                          </a:rPr>
+                          <m:t>𝑦</m:t>
+                        </m:r>
+                      </m:e>
+                      <m:sub>
+                        <m:r>
+                          <a:rPr lang="en-US" b="0" i="1" smtClean="0">
+                            <a:latin typeface="Cambria Math" panose="02040503050406030204" pitchFamily="18" charset="0"/>
+                          </a:rPr>
+                          <m:t>2</m:t>
+                        </m:r>
+                      </m:sub>
+                    </m:sSub>
+                    <m:r>
+                      <a:rPr lang="en-US" b="0" i="1" smtClean="0">
+                        <a:latin typeface="Cambria Math" panose="02040503050406030204" pitchFamily="18" charset="0"/>
+                      </a:rPr>
+                      <m:t>=</m:t>
+                    </m:r>
+                    <m:sSub>
+                      <m:sSubPr>
+                        <m:ctrlPr>
+                          <a:rPr lang="en-US" b="0" i="1" smtClean="0">
+                            <a:latin typeface="Cambria Math" panose="02040503050406030204" pitchFamily="18" charset="0"/>
+                          </a:rPr>
+                        </m:ctrlPr>
+                      </m:sSubPr>
+                      <m:e>
+                        <m:r>
+                          <a:rPr lang="en-US" b="0" i="1" smtClean="0">
+                            <a:latin typeface="Cambria Math" panose="02040503050406030204" pitchFamily="18" charset="0"/>
+                          </a:rPr>
+                          <m:t>𝑥</m:t>
+                        </m:r>
+                      </m:e>
+                      <m:sub>
+                        <m:r>
+                          <a:rPr lang="en-US" b="0" i="1" smtClean="0">
+                            <a:latin typeface="Cambria Math" panose="02040503050406030204" pitchFamily="18" charset="0"/>
+                          </a:rPr>
+                          <m:t>2</m:t>
+                        </m:r>
+                      </m:sub>
+                    </m:sSub>
+                    <m:r>
+                      <a:rPr lang="en-US" b="0" i="1" smtClean="0">
+                        <a:latin typeface="Cambria Math" panose="02040503050406030204" pitchFamily="18" charset="0"/>
+                      </a:rPr>
+                      <m:t>+</m:t>
+                    </m:r>
+                    <m:sSub>
+                      <m:sSubPr>
+                        <m:ctrlPr>
+                          <a:rPr lang="en-US" b="0" i="1" smtClean="0">
+                            <a:latin typeface="Cambria Math" panose="02040503050406030204" pitchFamily="18" charset="0"/>
+                          </a:rPr>
+                        </m:ctrlPr>
+                      </m:sSubPr>
+                      <m:e>
+                        <m:r>
+                          <a:rPr lang="en-US" b="0" i="1" smtClean="0">
+                            <a:latin typeface="Cambria Math" panose="02040503050406030204" pitchFamily="18" charset="0"/>
+                          </a:rPr>
+                          <m:t>𝑥</m:t>
+                        </m:r>
+                      </m:e>
+                      <m:sub>
+                        <m:r>
+                          <a:rPr lang="en-US" b="0" i="1" smtClean="0">
+                            <a:latin typeface="Cambria Math" panose="02040503050406030204" pitchFamily="18" charset="0"/>
+                          </a:rPr>
+                          <m:t>3</m:t>
+                        </m:r>
+                      </m:sub>
+                    </m:sSub>
+                  </m:oMath>
+                </a14:m>
+                <a:r>
+                  <a:rPr lang="en-US" dirty="0" smtClean="0">
+                    <a:latin typeface="Times New Roman" panose="02020603050405020304" pitchFamily="18" charset="0"/>
+                    <a:cs typeface="Times New Roman" panose="02020603050405020304" pitchFamily="18" charset="0"/>
+                  </a:rPr>
+                  <a:t>.</a:t>
+                </a:r>
+                <a:endParaRPr lang="en-US" dirty="0">
+                  <a:latin typeface="Times New Roman" panose="02020603050405020304" pitchFamily="18" charset="0"/>
+                  <a:cs typeface="Times New Roman" panose="02020603050405020304" pitchFamily="18" charset="0"/>
+                </a:endParaRPr>
+              </a:p>
+            </p:txBody>
+          </p:sp>
+        </mc:Choice>
+        <mc:Fallback>
+          <p:sp>
+            <p:nvSpPr>
+              <p:cNvPr id="5" name="TextBox 4"/>
+              <p:cNvSpPr txBox="1">
+                <a:spLocks noRot="1" noChangeAspect="1" noMove="1" noResize="1" noEditPoints="1" noAdjustHandles="1" noChangeArrowheads="1" noChangeShapeType="1" noTextEdit="1"/>
+              </p:cNvSpPr>
+              <p:nvPr/>
+            </p:nvSpPr>
+            <p:spPr>
+              <a:xfrm>
+                <a:off x="3086100" y="2105025"/>
+                <a:ext cx="8743949" cy="2308324"/>
+              </a:xfrm>
+              <a:prstGeom prst="rect">
+                <a:avLst/>
+              </a:prstGeom>
+              <a:blipFill>
+                <a:blip r:embed="rId4"/>
+                <a:stretch>
+                  <a:fillRect l="-557" t="-1319" r="-1045" b="-3166"/>
+                </a:stretch>
+              </a:blipFill>
+            </p:spPr>
+            <p:txBody>
+              <a:bodyPr/>
+              <a:lstStyle/>
+              <a:p>
+                <a:r>
+                  <a:rPr lang="en-US">
+                    <a:noFill/>
+                  </a:rPr>
+                  <a:t> </a:t>
+                </a:r>
+              </a:p>
+            </p:txBody>
+          </p:sp>
+        </mc:Fallback>
+      </mc:AlternateContent>
+      <mc:AlternateContent xmlns:mc="http://schemas.openxmlformats.org/markup-compatibility/2006">
+        <mc:Choice xmlns:a14="http://schemas.microsoft.com/office/drawing/2010/main" Requires="a14">
+          <p:sp>
+            <p:nvSpPr>
+              <p:cNvPr id="6" name="TextBox 5"/>
+              <p:cNvSpPr txBox="1"/>
+              <p:nvPr/>
+            </p:nvSpPr>
+            <p:spPr>
+              <a:xfrm>
+                <a:off x="95250" y="4391025"/>
+                <a:ext cx="11620500" cy="1308115"/>
+              </a:xfrm>
+              <a:prstGeom prst="rect">
+                <a:avLst/>
+              </a:prstGeom>
+              <a:noFill/>
+            </p:spPr>
+            <p:txBody>
+              <a:bodyPr wrap="square" rtlCol="0">
+                <a:spAutoFit/>
+              </a:bodyPr>
+              <a:lstStyle/>
+              <a:p>
+                <a:r>
+                  <a:rPr lang="en-US" dirty="0" smtClean="0">
+                    <a:latin typeface="Times New Roman" panose="02020603050405020304" pitchFamily="18" charset="0"/>
+                    <a:cs typeface="Times New Roman" panose="02020603050405020304" pitchFamily="18" charset="0"/>
+                  </a:rPr>
+                  <a:t>The Likelihood on </a:t>
+                </a:r>
+                <a14:m>
+                  <m:oMath xmlns:m="http://schemas.openxmlformats.org/officeDocument/2006/math">
+                    <m:r>
+                      <a:rPr lang="en-US" b="0" i="1" smtClean="0">
+                        <a:latin typeface="Cambria Math" panose="02040503050406030204" pitchFamily="18" charset="0"/>
+                      </a:rPr>
+                      <m:t>𝜋</m:t>
+                    </m:r>
+                  </m:oMath>
+                </a14:m>
+                <a:r>
+                  <a:rPr lang="en-US" dirty="0" smtClean="0">
+                    <a:latin typeface="Times New Roman" panose="02020603050405020304" pitchFamily="18" charset="0"/>
+                    <a:cs typeface="Times New Roman" panose="02020603050405020304" pitchFamily="18" charset="0"/>
+                  </a:rPr>
+                  <a:t> for the full data can be expressed as: </a:t>
+                </a:r>
+              </a:p>
+              <a:p>
+                <a:endParaRPr lang="en-US" dirty="0" smtClean="0"/>
+              </a:p>
+              <a:p>
+                <a14:m>
+                  <m:oMathPara xmlns:m="http://schemas.openxmlformats.org/officeDocument/2006/math">
+                    <m:oMathParaPr>
+                      <m:jc m:val="centerGroup"/>
+                    </m:oMathParaPr>
+                    <m:oMath xmlns:m="http://schemas.openxmlformats.org/officeDocument/2006/math">
+                      <m:r>
+                        <a:rPr lang="en-US" b="0" i="1" smtClean="0">
+                          <a:latin typeface="Cambria Math" panose="02040503050406030204" pitchFamily="18" charset="0"/>
+                        </a:rPr>
+                        <m:t>𝑓</m:t>
+                      </m:r>
+                      <m:d>
+                        <m:dPr>
+                          <m:ctrlPr>
+                            <a:rPr lang="en-US" b="0" i="1" smtClean="0">
+                              <a:latin typeface="Cambria Math" panose="02040503050406030204" pitchFamily="18" charset="0"/>
+                            </a:rPr>
+                          </m:ctrlPr>
+                        </m:dPr>
+                        <m:e>
+                          <m:r>
+                            <a:rPr lang="en-US" b="1" i="1" smtClean="0">
+                              <a:latin typeface="Cambria Math" panose="02040503050406030204" pitchFamily="18" charset="0"/>
+                            </a:rPr>
+                            <m:t>𝒙</m:t>
+                          </m:r>
+                        </m:e>
+                        <m:e>
+                          <m:r>
+                            <a:rPr lang="en-US" b="0" i="1" smtClean="0">
+                              <a:latin typeface="Cambria Math" panose="02040503050406030204" pitchFamily="18" charset="0"/>
+                            </a:rPr>
+                            <m:t>𝜋</m:t>
+                          </m:r>
+                        </m:e>
+                      </m:d>
+                      <m:r>
+                        <a:rPr lang="en-US" b="0" i="1" smtClean="0">
+                          <a:latin typeface="Cambria Math" panose="02040503050406030204" pitchFamily="18" charset="0"/>
+                        </a:rPr>
+                        <m:t>=</m:t>
+                      </m:r>
+                      <m:f>
+                        <m:fPr>
+                          <m:ctrlPr>
+                            <a:rPr lang="en-US" b="0" i="1" smtClean="0">
+                              <a:latin typeface="Cambria Math" panose="02040503050406030204" pitchFamily="18" charset="0"/>
+                            </a:rPr>
+                          </m:ctrlPr>
+                        </m:fPr>
+                        <m:num>
+                          <m:d>
+                            <m:dPr>
+                              <m:ctrlPr>
+                                <a:rPr lang="en-US" b="0" i="1" smtClean="0">
+                                  <a:latin typeface="Cambria Math" panose="02040503050406030204" pitchFamily="18" charset="0"/>
+                                </a:rPr>
+                              </m:ctrlPr>
+                            </m:dPr>
+                            <m:e>
+                              <m:nary>
+                                <m:naryPr>
+                                  <m:chr m:val="∑"/>
+                                  <m:ctrlPr>
+                                    <a:rPr lang="en-US" b="0" i="1" smtClean="0">
+                                      <a:latin typeface="Cambria Math" panose="02040503050406030204" pitchFamily="18" charset="0"/>
+                                    </a:rPr>
+                                  </m:ctrlPr>
+                                </m:naryPr>
+                                <m:sub>
+                                  <m:r>
+                                    <a:rPr lang="en-US" b="0" i="1" smtClean="0">
+                                      <a:latin typeface="Cambria Math" panose="02040503050406030204" pitchFamily="18" charset="0"/>
+                                    </a:rPr>
+                                    <m:t>𝑖</m:t>
+                                  </m:r>
+                                  <m:r>
+                                    <a:rPr lang="en-US" b="0" i="1" smtClean="0">
+                                      <a:latin typeface="Cambria Math" panose="02040503050406030204" pitchFamily="18" charset="0"/>
+                                    </a:rPr>
+                                    <m:t>=1</m:t>
+                                  </m:r>
+                                </m:sub>
+                                <m:sup>
+                                  <m:r>
+                                    <a:rPr lang="en-US" b="0" i="1" smtClean="0">
+                                      <a:latin typeface="Cambria Math" panose="02040503050406030204" pitchFamily="18" charset="0"/>
+                                    </a:rPr>
+                                    <m:t>5</m:t>
+                                  </m:r>
+                                </m:sup>
+                                <m:e>
+                                  <m:sSub>
+                                    <m:sSubPr>
+                                      <m:ctrlPr>
+                                        <a:rPr lang="en-US" b="0" i="1" smtClean="0">
+                                          <a:latin typeface="Cambria Math" panose="02040503050406030204" pitchFamily="18" charset="0"/>
+                                        </a:rPr>
+                                      </m:ctrlPr>
+                                    </m:sSubPr>
+                                    <m:e>
+                                      <m:r>
+                                        <a:rPr lang="en-US" b="0" i="1" smtClean="0">
+                                          <a:latin typeface="Cambria Math" panose="02040503050406030204" pitchFamily="18" charset="0"/>
+                                        </a:rPr>
+                                        <m:t>𝑥</m:t>
+                                      </m:r>
+                                    </m:e>
+                                    <m:sub>
+                                      <m:r>
+                                        <a:rPr lang="en-US" b="0" i="1" smtClean="0">
+                                          <a:latin typeface="Cambria Math" panose="02040503050406030204" pitchFamily="18" charset="0"/>
+                                        </a:rPr>
+                                        <m:t>𝑖</m:t>
+                                      </m:r>
+                                    </m:sub>
+                                  </m:sSub>
+                                </m:e>
+                              </m:nary>
+                            </m:e>
+                          </m:d>
+                          <m:r>
+                            <a:rPr lang="en-US" b="0" i="1" smtClean="0">
+                              <a:latin typeface="Cambria Math" panose="02040503050406030204" pitchFamily="18" charset="0"/>
+                            </a:rPr>
+                            <m:t>!</m:t>
+                          </m:r>
+                        </m:num>
+                        <m:den>
+                          <m:nary>
+                            <m:naryPr>
+                              <m:chr m:val="∏"/>
+                              <m:ctrlPr>
+                                <a:rPr lang="en-US" b="0" i="1" smtClean="0">
+                                  <a:latin typeface="Cambria Math" panose="02040503050406030204" pitchFamily="18" charset="0"/>
+                                </a:rPr>
+                              </m:ctrlPr>
+                            </m:naryPr>
+                            <m:sub>
+                              <m:r>
+                                <a:rPr lang="en-US" b="0" i="1" smtClean="0">
+                                  <a:latin typeface="Cambria Math" panose="02040503050406030204" pitchFamily="18" charset="0"/>
+                                </a:rPr>
+                                <m:t>𝑖</m:t>
+                              </m:r>
+                              <m:r>
+                                <a:rPr lang="en-US" b="0" i="1" smtClean="0">
+                                  <a:latin typeface="Cambria Math" panose="02040503050406030204" pitchFamily="18" charset="0"/>
+                                </a:rPr>
+                                <m:t>=1</m:t>
+                              </m:r>
+                            </m:sub>
+                            <m:sup>
+                              <m:r>
+                                <a:rPr lang="en-US" b="0" i="1" smtClean="0">
+                                  <a:latin typeface="Cambria Math" panose="02040503050406030204" pitchFamily="18" charset="0"/>
+                                </a:rPr>
+                                <m:t>5</m:t>
+                              </m:r>
+                            </m:sup>
+                            <m:e>
+                              <m:sSub>
+                                <m:sSubPr>
+                                  <m:ctrlPr>
+                                    <a:rPr lang="en-US" b="0" i="1" smtClean="0">
+                                      <a:latin typeface="Cambria Math" panose="02040503050406030204" pitchFamily="18" charset="0"/>
+                                    </a:rPr>
+                                  </m:ctrlPr>
+                                </m:sSubPr>
+                                <m:e>
+                                  <m:r>
+                                    <a:rPr lang="en-US" b="0" i="1" smtClean="0">
+                                      <a:latin typeface="Cambria Math" panose="02040503050406030204" pitchFamily="18" charset="0"/>
+                                    </a:rPr>
+                                    <m:t>(</m:t>
+                                  </m:r>
+                                  <m:r>
+                                    <a:rPr lang="en-US" b="0" i="1" smtClean="0">
+                                      <a:latin typeface="Cambria Math" panose="02040503050406030204" pitchFamily="18" charset="0"/>
+                                    </a:rPr>
+                                    <m:t>𝑥</m:t>
+                                  </m:r>
+                                </m:e>
+                                <m:sub>
+                                  <m:r>
+                                    <a:rPr lang="en-US" b="0" i="1" smtClean="0">
+                                      <a:latin typeface="Cambria Math" panose="02040503050406030204" pitchFamily="18" charset="0"/>
+                                    </a:rPr>
+                                    <m:t>𝑖</m:t>
+                                  </m:r>
+                                </m:sub>
+                              </m:sSub>
+                              <m:r>
+                                <a:rPr lang="en-US" b="0" i="1" smtClean="0">
+                                  <a:latin typeface="Cambria Math" panose="02040503050406030204" pitchFamily="18" charset="0"/>
+                                </a:rPr>
+                                <m:t>!)</m:t>
+                              </m:r>
+                            </m:e>
+                          </m:nary>
+                        </m:den>
+                      </m:f>
+                      <m:r>
+                        <a:rPr lang="en-US" b="0" i="1" smtClean="0">
+                          <a:latin typeface="Cambria Math" panose="02040503050406030204" pitchFamily="18" charset="0"/>
+                        </a:rPr>
+                        <m:t>⋅</m:t>
+                      </m:r>
+                      <m:sSup>
+                        <m:sSupPr>
+                          <m:ctrlPr>
+                            <a:rPr lang="en-US" b="0" i="1" smtClean="0">
+                              <a:latin typeface="Cambria Math" panose="02040503050406030204" pitchFamily="18" charset="0"/>
+                            </a:rPr>
+                          </m:ctrlPr>
+                        </m:sSupPr>
+                        <m:e>
+                          <m:d>
+                            <m:dPr>
+                              <m:ctrlPr>
+                                <a:rPr lang="en-US" b="0" i="1" smtClean="0">
+                                  <a:latin typeface="Cambria Math" panose="02040503050406030204" pitchFamily="18" charset="0"/>
+                                </a:rPr>
+                              </m:ctrlPr>
+                            </m:dPr>
+                            <m:e>
+                              <m:f>
+                                <m:fPr>
+                                  <m:ctrlPr>
+                                    <a:rPr lang="en-US" b="0" i="1" smtClean="0">
+                                      <a:latin typeface="Cambria Math" panose="02040503050406030204" pitchFamily="18" charset="0"/>
+                                    </a:rPr>
+                                  </m:ctrlPr>
+                                </m:fPr>
+                                <m:num>
+                                  <m:r>
+                                    <a:rPr lang="en-US" b="0" i="1" smtClean="0">
+                                      <a:latin typeface="Cambria Math" panose="02040503050406030204" pitchFamily="18" charset="0"/>
+                                    </a:rPr>
+                                    <m:t>1−</m:t>
+                                  </m:r>
+                                  <m:r>
+                                    <a:rPr lang="en-US" b="0" i="1" smtClean="0">
+                                      <a:latin typeface="Cambria Math" panose="02040503050406030204" pitchFamily="18" charset="0"/>
+                                    </a:rPr>
+                                    <m:t>𝜋</m:t>
+                                  </m:r>
+                                </m:num>
+                                <m:den>
+                                  <m:r>
+                                    <a:rPr lang="en-US" b="0" i="1" smtClean="0">
+                                      <a:latin typeface="Cambria Math" panose="02040503050406030204" pitchFamily="18" charset="0"/>
+                                    </a:rPr>
+                                    <m:t>4</m:t>
+                                  </m:r>
+                                </m:den>
+                              </m:f>
+                            </m:e>
+                          </m:d>
+                        </m:e>
+                        <m:sup>
+                          <m:sSub>
+                            <m:sSubPr>
+                              <m:ctrlPr>
+                                <a:rPr lang="en-US" b="0" i="1" smtClean="0">
+                                  <a:latin typeface="Cambria Math" panose="02040503050406030204" pitchFamily="18" charset="0"/>
+                                </a:rPr>
+                              </m:ctrlPr>
+                            </m:sSubPr>
+                            <m:e>
+                              <m:r>
+                                <a:rPr lang="en-US" b="0" i="1" smtClean="0">
+                                  <a:latin typeface="Cambria Math" panose="02040503050406030204" pitchFamily="18" charset="0"/>
+                                </a:rPr>
+                                <m:t>𝑥</m:t>
+                              </m:r>
+                            </m:e>
+                            <m:sub>
+                              <m:r>
+                                <a:rPr lang="en-US" b="0" i="1" smtClean="0">
+                                  <a:latin typeface="Cambria Math" panose="02040503050406030204" pitchFamily="18" charset="0"/>
+                                </a:rPr>
+                                <m:t>1</m:t>
+                              </m:r>
+                            </m:sub>
+                          </m:sSub>
+                        </m:sup>
+                      </m:sSup>
+                      <m:r>
+                        <a:rPr lang="en-US" b="0" i="1" smtClean="0">
+                          <a:latin typeface="Cambria Math" panose="02040503050406030204" pitchFamily="18" charset="0"/>
+                        </a:rPr>
+                        <m:t>⋅</m:t>
+                      </m:r>
+                      <m:sSup>
+                        <m:sSupPr>
+                          <m:ctrlPr>
+                            <a:rPr lang="en-US" b="0" i="1" smtClean="0">
+                              <a:latin typeface="Cambria Math" panose="02040503050406030204" pitchFamily="18" charset="0"/>
+                            </a:rPr>
+                          </m:ctrlPr>
+                        </m:sSupPr>
+                        <m:e>
+                          <m:d>
+                            <m:dPr>
+                              <m:ctrlPr>
+                                <a:rPr lang="en-US" b="0" i="1" smtClean="0">
+                                  <a:latin typeface="Cambria Math" panose="02040503050406030204" pitchFamily="18" charset="0"/>
+                                </a:rPr>
+                              </m:ctrlPr>
+                            </m:dPr>
+                            <m:e>
+                              <m:f>
+                                <m:fPr>
+                                  <m:ctrlPr>
+                                    <a:rPr lang="en-US" b="0" i="1" smtClean="0">
+                                      <a:latin typeface="Cambria Math" panose="02040503050406030204" pitchFamily="18" charset="0"/>
+                                    </a:rPr>
+                                  </m:ctrlPr>
+                                </m:fPr>
+                                <m:num>
+                                  <m:r>
+                                    <a:rPr lang="en-US" b="0" i="1" smtClean="0">
+                                      <a:latin typeface="Cambria Math" panose="02040503050406030204" pitchFamily="18" charset="0"/>
+                                    </a:rPr>
+                                    <m:t>𝜋</m:t>
+                                  </m:r>
+                                </m:num>
+                                <m:den>
+                                  <m:r>
+                                    <a:rPr lang="en-US" b="0" i="1" smtClean="0">
+                                      <a:latin typeface="Cambria Math" panose="02040503050406030204" pitchFamily="18" charset="0"/>
+                                    </a:rPr>
+                                    <m:t>4</m:t>
+                                  </m:r>
+                                </m:den>
+                              </m:f>
+                            </m:e>
+                          </m:d>
+                        </m:e>
+                        <m:sup>
+                          <m:sSub>
+                            <m:sSubPr>
+                              <m:ctrlPr>
+                                <a:rPr lang="en-US" b="0" i="1" smtClean="0">
+                                  <a:latin typeface="Cambria Math" panose="02040503050406030204" pitchFamily="18" charset="0"/>
+                                </a:rPr>
+                              </m:ctrlPr>
+                            </m:sSubPr>
+                            <m:e>
+                              <m:r>
+                                <a:rPr lang="en-US" b="0" i="1" smtClean="0">
+                                  <a:latin typeface="Cambria Math" panose="02040503050406030204" pitchFamily="18" charset="0"/>
+                                </a:rPr>
+                                <m:t>𝑥</m:t>
+                              </m:r>
+                            </m:e>
+                            <m:sub>
+                              <m:r>
+                                <a:rPr lang="en-US" b="0" i="1" smtClean="0">
+                                  <a:latin typeface="Cambria Math" panose="02040503050406030204" pitchFamily="18" charset="0"/>
+                                </a:rPr>
+                                <m:t>2</m:t>
+                              </m:r>
+                            </m:sub>
+                          </m:sSub>
+                        </m:sup>
+                      </m:sSup>
+                      <m:r>
+                        <a:rPr lang="en-US" b="0" i="1" smtClean="0">
+                          <a:latin typeface="Cambria Math" panose="02040503050406030204" pitchFamily="18" charset="0"/>
+                        </a:rPr>
+                        <m:t>⋅</m:t>
+                      </m:r>
+                      <m:sSup>
+                        <m:sSupPr>
+                          <m:ctrlPr>
+                            <a:rPr lang="en-US" b="0" i="1" smtClean="0">
+                              <a:latin typeface="Cambria Math" panose="02040503050406030204" pitchFamily="18" charset="0"/>
+                            </a:rPr>
+                          </m:ctrlPr>
+                        </m:sSupPr>
+                        <m:e>
+                          <m:d>
+                            <m:dPr>
+                              <m:ctrlPr>
+                                <a:rPr lang="en-US" b="0" i="1" smtClean="0">
+                                  <a:latin typeface="Cambria Math" panose="02040503050406030204" pitchFamily="18" charset="0"/>
+                                </a:rPr>
+                              </m:ctrlPr>
+                            </m:dPr>
+                            <m:e>
+                              <m:f>
+                                <m:fPr>
+                                  <m:ctrlPr>
+                                    <a:rPr lang="en-US" b="0" i="1" smtClean="0">
+                                      <a:latin typeface="Cambria Math" panose="02040503050406030204" pitchFamily="18" charset="0"/>
+                                    </a:rPr>
+                                  </m:ctrlPr>
+                                </m:fPr>
+                                <m:num>
+                                  <m:r>
+                                    <a:rPr lang="en-US" b="0" i="1" smtClean="0">
+                                      <a:latin typeface="Cambria Math" panose="02040503050406030204" pitchFamily="18" charset="0"/>
+                                    </a:rPr>
+                                    <m:t>1</m:t>
+                                  </m:r>
+                                </m:num>
+                                <m:den>
+                                  <m:r>
+                                    <a:rPr lang="en-US" b="0" i="1" smtClean="0">
+                                      <a:latin typeface="Cambria Math" panose="02040503050406030204" pitchFamily="18" charset="0"/>
+                                    </a:rPr>
+                                    <m:t>2</m:t>
+                                  </m:r>
+                                </m:den>
+                              </m:f>
+                            </m:e>
+                          </m:d>
+                        </m:e>
+                        <m:sup>
+                          <m:sSub>
+                            <m:sSubPr>
+                              <m:ctrlPr>
+                                <a:rPr lang="en-US" b="0" i="1" smtClean="0">
+                                  <a:latin typeface="Cambria Math" panose="02040503050406030204" pitchFamily="18" charset="0"/>
+                                </a:rPr>
+                              </m:ctrlPr>
+                            </m:sSubPr>
+                            <m:e>
+                              <m:r>
+                                <a:rPr lang="en-US" b="0" i="1" smtClean="0">
+                                  <a:latin typeface="Cambria Math" panose="02040503050406030204" pitchFamily="18" charset="0"/>
+                                </a:rPr>
+                                <m:t>𝑥</m:t>
+                              </m:r>
+                            </m:e>
+                            <m:sub>
+                              <m:r>
+                                <a:rPr lang="en-US" b="0" i="1" smtClean="0">
+                                  <a:latin typeface="Cambria Math" panose="02040503050406030204" pitchFamily="18" charset="0"/>
+                                </a:rPr>
+                                <m:t>3</m:t>
+                              </m:r>
+                            </m:sub>
+                          </m:sSub>
+                        </m:sup>
+                      </m:sSup>
+                      <m:r>
+                        <a:rPr lang="en-US" b="0" i="1" smtClean="0">
+                          <a:latin typeface="Cambria Math" panose="02040503050406030204" pitchFamily="18" charset="0"/>
+                        </a:rPr>
+                        <m:t>⋅</m:t>
+                      </m:r>
+                      <m:sSup>
+                        <m:sSupPr>
+                          <m:ctrlPr>
+                            <a:rPr lang="en-US" i="1">
+                              <a:latin typeface="Cambria Math" panose="02040503050406030204" pitchFamily="18" charset="0"/>
+                            </a:rPr>
+                          </m:ctrlPr>
+                        </m:sSupPr>
+                        <m:e>
+                          <m:d>
+                            <m:dPr>
+                              <m:ctrlPr>
+                                <a:rPr lang="en-US" i="1">
+                                  <a:latin typeface="Cambria Math" panose="02040503050406030204" pitchFamily="18" charset="0"/>
+                                </a:rPr>
+                              </m:ctrlPr>
+                            </m:dPr>
+                            <m:e>
+                              <m:f>
+                                <m:fPr>
+                                  <m:ctrlPr>
+                                    <a:rPr lang="en-US" i="1">
+                                      <a:latin typeface="Cambria Math" panose="02040503050406030204" pitchFamily="18" charset="0"/>
+                                    </a:rPr>
+                                  </m:ctrlPr>
+                                </m:fPr>
+                                <m:num>
+                                  <m:r>
+                                    <a:rPr lang="en-US" i="1">
+                                      <a:latin typeface="Cambria Math" panose="02040503050406030204" pitchFamily="18" charset="0"/>
+                                    </a:rPr>
+                                    <m:t>1−</m:t>
+                                  </m:r>
+                                  <m:r>
+                                    <a:rPr lang="en-US" i="1">
+                                      <a:latin typeface="Cambria Math" panose="02040503050406030204" pitchFamily="18" charset="0"/>
+                                    </a:rPr>
+                                    <m:t>𝜋</m:t>
+                                  </m:r>
+                                </m:num>
+                                <m:den>
+                                  <m:r>
+                                    <a:rPr lang="en-US" i="1">
+                                      <a:latin typeface="Cambria Math" panose="02040503050406030204" pitchFamily="18" charset="0"/>
+                                    </a:rPr>
+                                    <m:t>4</m:t>
+                                  </m:r>
+                                </m:den>
+                              </m:f>
+                            </m:e>
+                          </m:d>
+                        </m:e>
+                        <m:sup>
+                          <m:sSub>
+                            <m:sSubPr>
+                              <m:ctrlPr>
+                                <a:rPr lang="en-US" i="1">
+                                  <a:latin typeface="Cambria Math" panose="02040503050406030204" pitchFamily="18" charset="0"/>
+                                </a:rPr>
+                              </m:ctrlPr>
+                            </m:sSubPr>
+                            <m:e>
+                              <m:r>
+                                <a:rPr lang="en-US" i="1">
+                                  <a:latin typeface="Cambria Math" panose="02040503050406030204" pitchFamily="18" charset="0"/>
+                                </a:rPr>
+                                <m:t>𝑥</m:t>
+                              </m:r>
+                            </m:e>
+                            <m:sub>
+                              <m:r>
+                                <a:rPr lang="en-US" b="0" i="1" smtClean="0">
+                                  <a:latin typeface="Cambria Math" panose="02040503050406030204" pitchFamily="18" charset="0"/>
+                                </a:rPr>
+                                <m:t>4</m:t>
+                              </m:r>
+                            </m:sub>
+                          </m:sSub>
+                        </m:sup>
+                      </m:sSup>
+                      <m:r>
+                        <a:rPr lang="en-US" b="0" i="1" smtClean="0">
+                          <a:latin typeface="Cambria Math" panose="02040503050406030204" pitchFamily="18" charset="0"/>
+                        </a:rPr>
+                        <m:t>⋅</m:t>
+                      </m:r>
+                      <m:sSup>
+                        <m:sSupPr>
+                          <m:ctrlPr>
+                            <a:rPr lang="en-US" b="0" i="1" smtClean="0">
+                              <a:latin typeface="Cambria Math" panose="02040503050406030204" pitchFamily="18" charset="0"/>
+                            </a:rPr>
+                          </m:ctrlPr>
+                        </m:sSupPr>
+                        <m:e>
+                          <m:d>
+                            <m:dPr>
+                              <m:ctrlPr>
+                                <a:rPr lang="en-US" b="0" i="1" smtClean="0">
+                                  <a:latin typeface="Cambria Math" panose="02040503050406030204" pitchFamily="18" charset="0"/>
+                                </a:rPr>
+                              </m:ctrlPr>
+                            </m:dPr>
+                            <m:e>
+                              <m:f>
+                                <m:fPr>
+                                  <m:ctrlPr>
+                                    <a:rPr lang="en-US" b="0" i="1" smtClean="0">
+                                      <a:latin typeface="Cambria Math" panose="02040503050406030204" pitchFamily="18" charset="0"/>
+                                    </a:rPr>
+                                  </m:ctrlPr>
+                                </m:fPr>
+                                <m:num>
+                                  <m:r>
+                                    <a:rPr lang="en-US" b="0" i="1" smtClean="0">
+                                      <a:latin typeface="Cambria Math" panose="02040503050406030204" pitchFamily="18" charset="0"/>
+                                    </a:rPr>
+                                    <m:t>𝜋</m:t>
+                                  </m:r>
+                                </m:num>
+                                <m:den>
+                                  <m:r>
+                                    <a:rPr lang="en-US" b="0" i="1" smtClean="0">
+                                      <a:latin typeface="Cambria Math" panose="02040503050406030204" pitchFamily="18" charset="0"/>
+                                    </a:rPr>
+                                    <m:t>4</m:t>
+                                  </m:r>
+                                </m:den>
+                              </m:f>
+                            </m:e>
+                          </m:d>
+                        </m:e>
+                        <m:sup>
+                          <m:sSub>
+                            <m:sSubPr>
+                              <m:ctrlPr>
+                                <a:rPr lang="en-US" b="0" i="1" smtClean="0">
+                                  <a:latin typeface="Cambria Math" panose="02040503050406030204" pitchFamily="18" charset="0"/>
+                                </a:rPr>
+                              </m:ctrlPr>
+                            </m:sSubPr>
+                            <m:e>
+                              <m:r>
+                                <a:rPr lang="en-US" b="0" i="1" smtClean="0">
+                                  <a:latin typeface="Cambria Math" panose="02040503050406030204" pitchFamily="18" charset="0"/>
+                                </a:rPr>
+                                <m:t>𝑥</m:t>
+                              </m:r>
+                            </m:e>
+                            <m:sub>
+                              <m:r>
+                                <a:rPr lang="en-US" b="0" i="1" smtClean="0">
+                                  <a:latin typeface="Cambria Math" panose="02040503050406030204" pitchFamily="18" charset="0"/>
+                                </a:rPr>
+                                <m:t>5</m:t>
+                              </m:r>
+                            </m:sub>
+                          </m:sSub>
+                        </m:sup>
+                      </m:sSup>
+                    </m:oMath>
+                  </m:oMathPara>
+                </a14:m>
+                <a:endParaRPr lang="en-US" dirty="0"/>
+              </a:p>
+            </p:txBody>
+          </p:sp>
+        </mc:Choice>
+        <mc:Fallback>
+          <p:sp>
+            <p:nvSpPr>
+              <p:cNvPr id="6" name="TextBox 5"/>
+              <p:cNvSpPr txBox="1">
+                <a:spLocks noRot="1" noChangeAspect="1" noMove="1" noResize="1" noEditPoints="1" noAdjustHandles="1" noChangeArrowheads="1" noChangeShapeType="1" noTextEdit="1"/>
+              </p:cNvSpPr>
+              <p:nvPr/>
+            </p:nvSpPr>
+            <p:spPr>
+              <a:xfrm>
+                <a:off x="95250" y="4391025"/>
+                <a:ext cx="11620500" cy="1308115"/>
+              </a:xfrm>
+              <a:prstGeom prst="rect">
+                <a:avLst/>
+              </a:prstGeom>
+              <a:blipFill>
+                <a:blip r:embed="rId5"/>
+                <a:stretch>
+                  <a:fillRect l="-472" t="-2326"/>
+                </a:stretch>
+              </a:blipFill>
+            </p:spPr>
+            <p:txBody>
+              <a:bodyPr/>
+              <a:lstStyle/>
+              <a:p>
+                <a:r>
+                  <a:rPr lang="en-US">
+                    <a:noFill/>
+                  </a:rPr>
+                  <a:t> </a:t>
+                </a:r>
+              </a:p>
+            </p:txBody>
+          </p:sp>
+        </mc:Fallback>
+      </mc:AlternateContent>
+      <mc:AlternateContent xmlns:mc="http://schemas.openxmlformats.org/markup-compatibility/2006">
+        <mc:Choice xmlns:a14="http://schemas.microsoft.com/office/drawing/2010/main" Requires="a14">
+          <p:sp>
+            <p:nvSpPr>
+              <p:cNvPr id="7" name="Rectangle 6"/>
+              <p:cNvSpPr/>
+              <p:nvPr/>
+            </p:nvSpPr>
+            <p:spPr>
+              <a:xfrm>
+                <a:off x="2105025" y="6111192"/>
+                <a:ext cx="7277100" cy="746808"/>
+              </a:xfrm>
+              <a:prstGeom prst="rect">
+                <a:avLst/>
+              </a:prstGeom>
+            </p:spPr>
+            <p:txBody>
+              <a:bodyPr wrap="square">
+                <a:spAutoFit/>
+              </a:bodyPr>
+              <a:lstStyle/>
+              <a:p>
+                <a:pPr/>
+                <a14:m>
+                  <m:oMathPara xmlns:m="http://schemas.openxmlformats.org/officeDocument/2006/math">
+                    <m:oMathParaPr>
+                      <m:jc m:val="centerGroup"/>
+                    </m:oMathParaPr>
+                    <m:oMath xmlns:m="http://schemas.openxmlformats.org/officeDocument/2006/math">
+                      <m:r>
+                        <a:rPr lang="en-US" b="0" i="1" smtClean="0">
+                          <a:latin typeface="Cambria Math" panose="02040503050406030204" pitchFamily="18" charset="0"/>
+                        </a:rPr>
+                        <m:t>𝑔</m:t>
+                      </m:r>
+                      <m:d>
+                        <m:dPr>
+                          <m:ctrlPr>
+                            <a:rPr lang="en-US" i="1">
+                              <a:latin typeface="Cambria Math" panose="02040503050406030204" pitchFamily="18" charset="0"/>
+                            </a:rPr>
+                          </m:ctrlPr>
+                        </m:dPr>
+                        <m:e>
+                          <m:r>
+                            <a:rPr lang="en-US" b="1" i="1" smtClean="0">
+                              <a:latin typeface="Cambria Math" panose="02040503050406030204" pitchFamily="18" charset="0"/>
+                            </a:rPr>
+                            <m:t>𝒚</m:t>
+                          </m:r>
+                        </m:e>
+                        <m:e>
+                          <m:r>
+                            <a:rPr lang="en-US" i="1">
+                              <a:latin typeface="Cambria Math" panose="02040503050406030204" pitchFamily="18" charset="0"/>
+                            </a:rPr>
+                            <m:t>𝜋</m:t>
+                          </m:r>
+                        </m:e>
+                      </m:d>
+                      <m:r>
+                        <a:rPr lang="en-US" i="1">
+                          <a:latin typeface="Cambria Math" panose="02040503050406030204" pitchFamily="18" charset="0"/>
+                        </a:rPr>
+                        <m:t>=</m:t>
+                      </m:r>
+                      <m:f>
+                        <m:fPr>
+                          <m:ctrlPr>
+                            <a:rPr lang="en-US" i="1">
+                              <a:latin typeface="Cambria Math" panose="02040503050406030204" pitchFamily="18" charset="0"/>
+                            </a:rPr>
+                          </m:ctrlPr>
+                        </m:fPr>
+                        <m:num>
+                          <m:d>
+                            <m:dPr>
+                              <m:ctrlPr>
+                                <a:rPr lang="en-US" i="1">
+                                  <a:latin typeface="Cambria Math" panose="02040503050406030204" pitchFamily="18" charset="0"/>
+                                </a:rPr>
+                              </m:ctrlPr>
+                            </m:dPr>
+                            <m:e>
+                              <m:nary>
+                                <m:naryPr>
+                                  <m:chr m:val="∑"/>
+                                  <m:ctrlPr>
+                                    <a:rPr lang="en-US" i="1">
+                                      <a:latin typeface="Cambria Math" panose="02040503050406030204" pitchFamily="18" charset="0"/>
+                                    </a:rPr>
+                                  </m:ctrlPr>
+                                </m:naryPr>
+                                <m:sub>
+                                  <m:r>
+                                    <a:rPr lang="en-US" i="1">
+                                      <a:latin typeface="Cambria Math" panose="02040503050406030204" pitchFamily="18" charset="0"/>
+                                    </a:rPr>
+                                    <m:t>𝑖</m:t>
+                                  </m:r>
+                                  <m:r>
+                                    <a:rPr lang="en-US" i="1">
+                                      <a:latin typeface="Cambria Math" panose="02040503050406030204" pitchFamily="18" charset="0"/>
+                                    </a:rPr>
+                                    <m:t>=1</m:t>
+                                  </m:r>
+                                </m:sub>
+                                <m:sup>
+                                  <m:r>
+                                    <a:rPr lang="en-US" b="0" i="1" smtClean="0">
+                                      <a:latin typeface="Cambria Math" panose="02040503050406030204" pitchFamily="18" charset="0"/>
+                                    </a:rPr>
+                                    <m:t>4</m:t>
+                                  </m:r>
+                                </m:sup>
+                                <m:e>
+                                  <m:sSub>
+                                    <m:sSubPr>
+                                      <m:ctrlPr>
+                                        <a:rPr lang="en-US" i="1">
+                                          <a:latin typeface="Cambria Math" panose="02040503050406030204" pitchFamily="18" charset="0"/>
+                                        </a:rPr>
+                                      </m:ctrlPr>
+                                    </m:sSubPr>
+                                    <m:e>
+                                      <m:r>
+                                        <a:rPr lang="en-US" b="0" i="1" smtClean="0">
+                                          <a:latin typeface="Cambria Math" panose="02040503050406030204" pitchFamily="18" charset="0"/>
+                                        </a:rPr>
+                                        <m:t>𝑦</m:t>
+                                      </m:r>
+                                    </m:e>
+                                    <m:sub>
+                                      <m:r>
+                                        <a:rPr lang="en-US" i="1">
+                                          <a:latin typeface="Cambria Math" panose="02040503050406030204" pitchFamily="18" charset="0"/>
+                                        </a:rPr>
+                                        <m:t>𝑖</m:t>
+                                      </m:r>
+                                    </m:sub>
+                                  </m:sSub>
+                                </m:e>
+                              </m:nary>
+                            </m:e>
+                          </m:d>
+                          <m:r>
+                            <a:rPr lang="en-US" i="1">
+                              <a:latin typeface="Cambria Math" panose="02040503050406030204" pitchFamily="18" charset="0"/>
+                            </a:rPr>
+                            <m:t>!</m:t>
+                          </m:r>
+                        </m:num>
+                        <m:den>
+                          <m:nary>
+                            <m:naryPr>
+                              <m:chr m:val="∏"/>
+                              <m:ctrlPr>
+                                <a:rPr lang="en-US" i="1">
+                                  <a:latin typeface="Cambria Math" panose="02040503050406030204" pitchFamily="18" charset="0"/>
+                                </a:rPr>
+                              </m:ctrlPr>
+                            </m:naryPr>
+                            <m:sub>
+                              <m:r>
+                                <a:rPr lang="en-US" i="1">
+                                  <a:latin typeface="Cambria Math" panose="02040503050406030204" pitchFamily="18" charset="0"/>
+                                </a:rPr>
+                                <m:t>𝑖</m:t>
+                              </m:r>
+                              <m:r>
+                                <a:rPr lang="en-US" i="1">
+                                  <a:latin typeface="Cambria Math" panose="02040503050406030204" pitchFamily="18" charset="0"/>
+                                </a:rPr>
+                                <m:t>=1</m:t>
+                              </m:r>
+                            </m:sub>
+                            <m:sup>
+                              <m:r>
+                                <a:rPr lang="en-US" b="0" i="1" smtClean="0">
+                                  <a:latin typeface="Cambria Math" panose="02040503050406030204" pitchFamily="18" charset="0"/>
+                                </a:rPr>
+                                <m:t>4</m:t>
+                              </m:r>
+                            </m:sup>
+                            <m:e>
+                              <m:sSub>
+                                <m:sSubPr>
+                                  <m:ctrlPr>
+                                    <a:rPr lang="en-US" i="1">
+                                      <a:latin typeface="Cambria Math" panose="02040503050406030204" pitchFamily="18" charset="0"/>
+                                    </a:rPr>
+                                  </m:ctrlPr>
+                                </m:sSubPr>
+                                <m:e>
+                                  <m:r>
+                                    <a:rPr lang="en-US" i="1">
+                                      <a:latin typeface="Cambria Math" panose="02040503050406030204" pitchFamily="18" charset="0"/>
+                                    </a:rPr>
+                                    <m:t>(</m:t>
+                                  </m:r>
+                                  <m:r>
+                                    <a:rPr lang="en-US" b="0" i="1" smtClean="0">
+                                      <a:latin typeface="Cambria Math" panose="02040503050406030204" pitchFamily="18" charset="0"/>
+                                    </a:rPr>
+                                    <m:t>𝑦</m:t>
+                                  </m:r>
+                                </m:e>
+                                <m:sub>
+                                  <m:r>
+                                    <a:rPr lang="en-US" i="1">
+                                      <a:latin typeface="Cambria Math" panose="02040503050406030204" pitchFamily="18" charset="0"/>
+                                    </a:rPr>
+                                    <m:t>𝑖</m:t>
+                                  </m:r>
+                                </m:sub>
+                              </m:sSub>
+                              <m:r>
+                                <a:rPr lang="en-US" i="1">
+                                  <a:latin typeface="Cambria Math" panose="02040503050406030204" pitchFamily="18" charset="0"/>
+                                </a:rPr>
+                                <m:t>!)</m:t>
+                              </m:r>
+                            </m:e>
+                          </m:nary>
+                        </m:den>
+                      </m:f>
+                      <m:r>
+                        <a:rPr lang="en-US" i="1">
+                          <a:latin typeface="Cambria Math" panose="02040503050406030204" pitchFamily="18" charset="0"/>
+                        </a:rPr>
+                        <m:t>⋅</m:t>
+                      </m:r>
+                      <m:sSup>
+                        <m:sSupPr>
+                          <m:ctrlPr>
+                            <a:rPr lang="en-US" i="1">
+                              <a:latin typeface="Cambria Math" panose="02040503050406030204" pitchFamily="18" charset="0"/>
+                            </a:rPr>
+                          </m:ctrlPr>
+                        </m:sSupPr>
+                        <m:e>
+                          <m:d>
+                            <m:dPr>
+                              <m:ctrlPr>
+                                <a:rPr lang="en-US" i="1">
+                                  <a:latin typeface="Cambria Math" panose="02040503050406030204" pitchFamily="18" charset="0"/>
+                                </a:rPr>
+                              </m:ctrlPr>
+                            </m:dPr>
+                            <m:e>
+                              <m:r>
+                                <a:rPr lang="en-US" b="0" i="1" smtClean="0">
+                                  <a:latin typeface="Cambria Math" panose="02040503050406030204" pitchFamily="18" charset="0"/>
+                                </a:rPr>
+                                <m:t>1−</m:t>
+                              </m:r>
+                              <m:f>
+                                <m:fPr>
+                                  <m:ctrlPr>
+                                    <a:rPr lang="en-US" i="1">
+                                      <a:latin typeface="Cambria Math" panose="02040503050406030204" pitchFamily="18" charset="0"/>
+                                    </a:rPr>
+                                  </m:ctrlPr>
+                                </m:fPr>
+                                <m:num>
+                                  <m:r>
+                                    <a:rPr lang="en-US" i="1">
+                                      <a:latin typeface="Cambria Math" panose="02040503050406030204" pitchFamily="18" charset="0"/>
+                                    </a:rPr>
+                                    <m:t>𝜋</m:t>
+                                  </m:r>
+                                </m:num>
+                                <m:den>
+                                  <m:r>
+                                    <a:rPr lang="en-US" i="1">
+                                      <a:latin typeface="Cambria Math" panose="02040503050406030204" pitchFamily="18" charset="0"/>
+                                    </a:rPr>
+                                    <m:t>4</m:t>
+                                  </m:r>
+                                </m:den>
+                              </m:f>
+                            </m:e>
+                          </m:d>
+                        </m:e>
+                        <m:sup>
+                          <m:sSub>
+                            <m:sSubPr>
+                              <m:ctrlPr>
+                                <a:rPr lang="en-US" i="1">
+                                  <a:latin typeface="Cambria Math" panose="02040503050406030204" pitchFamily="18" charset="0"/>
+                                </a:rPr>
+                              </m:ctrlPr>
+                            </m:sSubPr>
+                            <m:e>
+                              <m:r>
+                                <a:rPr lang="en-US" i="1">
+                                  <a:latin typeface="Cambria Math" panose="02040503050406030204" pitchFamily="18" charset="0"/>
+                                </a:rPr>
+                                <m:t>𝑦</m:t>
+                              </m:r>
+                            </m:e>
+                            <m:sub>
+                              <m:r>
+                                <a:rPr lang="en-US" b="0" i="1" smtClean="0">
+                                  <a:latin typeface="Cambria Math" panose="02040503050406030204" pitchFamily="18" charset="0"/>
+                                </a:rPr>
+                                <m:t>1</m:t>
+                              </m:r>
+                            </m:sub>
+                          </m:sSub>
+                        </m:sup>
+                      </m:sSup>
+                      <m:r>
+                        <a:rPr lang="en-US" b="0" i="1" smtClean="0">
+                          <a:latin typeface="Cambria Math" panose="02040503050406030204" pitchFamily="18" charset="0"/>
+                        </a:rPr>
+                        <m:t>⋅</m:t>
+                      </m:r>
+                      <m:sSup>
+                        <m:sSupPr>
+                          <m:ctrlPr>
+                            <a:rPr lang="en-US" i="1">
+                              <a:latin typeface="Cambria Math" panose="02040503050406030204" pitchFamily="18" charset="0"/>
+                            </a:rPr>
+                          </m:ctrlPr>
+                        </m:sSupPr>
+                        <m:e>
+                          <m:d>
+                            <m:dPr>
+                              <m:ctrlPr>
+                                <a:rPr lang="en-US" i="1">
+                                  <a:latin typeface="Cambria Math" panose="02040503050406030204" pitchFamily="18" charset="0"/>
+                                </a:rPr>
+                              </m:ctrlPr>
+                            </m:dPr>
+                            <m:e>
+                              <m:f>
+                                <m:fPr>
+                                  <m:ctrlPr>
+                                    <a:rPr lang="en-US" b="0" i="1" smtClean="0">
+                                      <a:latin typeface="Cambria Math" panose="02040503050406030204" pitchFamily="18" charset="0"/>
+                                    </a:rPr>
+                                  </m:ctrlPr>
+                                </m:fPr>
+                                <m:num>
+                                  <m:r>
+                                    <a:rPr lang="en-US" b="0" i="1" smtClean="0">
+                                      <a:latin typeface="Cambria Math" panose="02040503050406030204" pitchFamily="18" charset="0"/>
+                                    </a:rPr>
+                                    <m:t>1</m:t>
+                                  </m:r>
+                                </m:num>
+                                <m:den>
+                                  <m:r>
+                                    <a:rPr lang="en-US" b="0" i="1" smtClean="0">
+                                      <a:latin typeface="Cambria Math" panose="02040503050406030204" pitchFamily="18" charset="0"/>
+                                    </a:rPr>
+                                    <m:t>2</m:t>
+                                  </m:r>
+                                </m:den>
+                              </m:f>
+                              <m:r>
+                                <a:rPr lang="en-US" b="0" i="1" smtClean="0">
+                                  <a:latin typeface="Cambria Math" panose="02040503050406030204" pitchFamily="18" charset="0"/>
+                                </a:rPr>
+                                <m:t>+</m:t>
+                              </m:r>
+                              <m:f>
+                                <m:fPr>
+                                  <m:ctrlPr>
+                                    <a:rPr lang="en-US" i="1">
+                                      <a:latin typeface="Cambria Math" panose="02040503050406030204" pitchFamily="18" charset="0"/>
+                                    </a:rPr>
+                                  </m:ctrlPr>
+                                </m:fPr>
+                                <m:num>
+                                  <m:r>
+                                    <a:rPr lang="en-US" i="1">
+                                      <a:latin typeface="Cambria Math" panose="02040503050406030204" pitchFamily="18" charset="0"/>
+                                    </a:rPr>
+                                    <m:t>𝜋</m:t>
+                                  </m:r>
+                                </m:num>
+                                <m:den>
+                                  <m:r>
+                                    <a:rPr lang="en-US" i="1">
+                                      <a:latin typeface="Cambria Math" panose="02040503050406030204" pitchFamily="18" charset="0"/>
+                                    </a:rPr>
+                                    <m:t>4</m:t>
+                                  </m:r>
+                                </m:den>
+                              </m:f>
+                            </m:e>
+                          </m:d>
+                        </m:e>
+                        <m:sup>
+                          <m:sSub>
+                            <m:sSubPr>
+                              <m:ctrlPr>
+                                <a:rPr lang="en-US" i="1">
+                                  <a:latin typeface="Cambria Math" panose="02040503050406030204" pitchFamily="18" charset="0"/>
+                                </a:rPr>
+                              </m:ctrlPr>
+                            </m:sSubPr>
+                            <m:e>
+                              <m:r>
+                                <a:rPr lang="en-US" b="0" i="1" smtClean="0">
+                                  <a:latin typeface="Cambria Math" panose="02040503050406030204" pitchFamily="18" charset="0"/>
+                                </a:rPr>
+                                <m:t>𝑦</m:t>
+                              </m:r>
+                            </m:e>
+                            <m:sub>
+                              <m:r>
+                                <a:rPr lang="en-US" b="0" i="1" smtClean="0">
+                                  <a:latin typeface="Cambria Math" panose="02040503050406030204" pitchFamily="18" charset="0"/>
+                                </a:rPr>
+                                <m:t>2</m:t>
+                              </m:r>
+                            </m:sub>
+                          </m:sSub>
+                        </m:sup>
+                      </m:sSup>
+                      <m:r>
+                        <a:rPr lang="en-US" i="1">
+                          <a:latin typeface="Cambria Math" panose="02040503050406030204" pitchFamily="18" charset="0"/>
+                        </a:rPr>
+                        <m:t>⋅</m:t>
+                      </m:r>
+                      <m:sSup>
+                        <m:sSupPr>
+                          <m:ctrlPr>
+                            <a:rPr lang="en-US" i="1">
+                              <a:latin typeface="Cambria Math" panose="02040503050406030204" pitchFamily="18" charset="0"/>
+                            </a:rPr>
+                          </m:ctrlPr>
+                        </m:sSupPr>
+                        <m:e>
+                          <m:d>
+                            <m:dPr>
+                              <m:ctrlPr>
+                                <a:rPr lang="en-US" i="1">
+                                  <a:latin typeface="Cambria Math" panose="02040503050406030204" pitchFamily="18" charset="0"/>
+                                </a:rPr>
+                              </m:ctrlPr>
+                            </m:dPr>
+                            <m:e>
+                              <m:r>
+                                <a:rPr lang="en-US" i="1">
+                                  <a:latin typeface="Cambria Math" panose="02040503050406030204" pitchFamily="18" charset="0"/>
+                                </a:rPr>
+                                <m:t>1−</m:t>
+                              </m:r>
+                              <m:f>
+                                <m:fPr>
+                                  <m:ctrlPr>
+                                    <a:rPr lang="en-US" i="1">
+                                      <a:latin typeface="Cambria Math" panose="02040503050406030204" pitchFamily="18" charset="0"/>
+                                    </a:rPr>
+                                  </m:ctrlPr>
+                                </m:fPr>
+                                <m:num>
+                                  <m:r>
+                                    <a:rPr lang="en-US" i="1">
+                                      <a:latin typeface="Cambria Math" panose="02040503050406030204" pitchFamily="18" charset="0"/>
+                                    </a:rPr>
+                                    <m:t>𝜋</m:t>
+                                  </m:r>
+                                </m:num>
+                                <m:den>
+                                  <m:r>
+                                    <a:rPr lang="en-US" i="1">
+                                      <a:latin typeface="Cambria Math" panose="02040503050406030204" pitchFamily="18" charset="0"/>
+                                    </a:rPr>
+                                    <m:t>4</m:t>
+                                  </m:r>
+                                </m:den>
+                              </m:f>
+                            </m:e>
+                          </m:d>
+                        </m:e>
+                        <m:sup>
+                          <m:sSub>
+                            <m:sSubPr>
+                              <m:ctrlPr>
+                                <a:rPr lang="en-US" i="1">
+                                  <a:latin typeface="Cambria Math" panose="02040503050406030204" pitchFamily="18" charset="0"/>
+                                </a:rPr>
+                              </m:ctrlPr>
+                            </m:sSubPr>
+                            <m:e>
+                              <m:r>
+                                <a:rPr lang="en-US" i="1">
+                                  <a:latin typeface="Cambria Math" panose="02040503050406030204" pitchFamily="18" charset="0"/>
+                                </a:rPr>
+                                <m:t>𝑦</m:t>
+                              </m:r>
+                            </m:e>
+                            <m:sub>
+                              <m:r>
+                                <a:rPr lang="en-US" b="0" i="1" smtClean="0">
+                                  <a:latin typeface="Cambria Math" panose="02040503050406030204" pitchFamily="18" charset="0"/>
+                                </a:rPr>
+                                <m:t>3</m:t>
+                              </m:r>
+                            </m:sub>
+                          </m:sSub>
+                        </m:sup>
+                      </m:sSup>
+                      <m:r>
+                        <a:rPr lang="en-US" i="1">
+                          <a:latin typeface="Cambria Math" panose="02040503050406030204" pitchFamily="18" charset="0"/>
+                        </a:rPr>
+                        <m:t>⋅</m:t>
+                      </m:r>
+                      <m:sSup>
+                        <m:sSupPr>
+                          <m:ctrlPr>
+                            <a:rPr lang="en-US" b="0" i="1" smtClean="0">
+                              <a:latin typeface="Cambria Math" panose="02040503050406030204" pitchFamily="18" charset="0"/>
+                            </a:rPr>
+                          </m:ctrlPr>
+                        </m:sSupPr>
+                        <m:e>
+                          <m:d>
+                            <m:dPr>
+                              <m:ctrlPr>
+                                <a:rPr lang="en-US" b="0" i="1" smtClean="0">
+                                  <a:latin typeface="Cambria Math" panose="02040503050406030204" pitchFamily="18" charset="0"/>
+                                </a:rPr>
+                              </m:ctrlPr>
+                            </m:dPr>
+                            <m:e>
+                              <m:f>
+                                <m:fPr>
+                                  <m:ctrlPr>
+                                    <a:rPr lang="en-US" b="0" i="1" smtClean="0">
+                                      <a:latin typeface="Cambria Math" panose="02040503050406030204" pitchFamily="18" charset="0"/>
+                                    </a:rPr>
+                                  </m:ctrlPr>
+                                </m:fPr>
+                                <m:num>
+                                  <m:r>
+                                    <a:rPr lang="en-US" b="0" i="1" smtClean="0">
+                                      <a:latin typeface="Cambria Math" panose="02040503050406030204" pitchFamily="18" charset="0"/>
+                                    </a:rPr>
+                                    <m:t>𝜋</m:t>
+                                  </m:r>
+                                </m:num>
+                                <m:den>
+                                  <m:r>
+                                    <a:rPr lang="en-US" b="0" i="1" smtClean="0">
+                                      <a:latin typeface="Cambria Math" panose="02040503050406030204" pitchFamily="18" charset="0"/>
+                                    </a:rPr>
+                                    <m:t>4</m:t>
+                                  </m:r>
+                                </m:den>
+                              </m:f>
+                            </m:e>
+                          </m:d>
+                        </m:e>
+                        <m:sup>
+                          <m:sSub>
+                            <m:sSubPr>
+                              <m:ctrlPr>
+                                <a:rPr lang="en-US" b="0" i="1" smtClean="0">
+                                  <a:latin typeface="Cambria Math" panose="02040503050406030204" pitchFamily="18" charset="0"/>
+                                </a:rPr>
+                              </m:ctrlPr>
+                            </m:sSubPr>
+                            <m:e>
+                              <m:r>
+                                <a:rPr lang="en-US" b="0" i="1" smtClean="0">
+                                  <a:latin typeface="Cambria Math" panose="02040503050406030204" pitchFamily="18" charset="0"/>
+                                </a:rPr>
+                                <m:t>𝑦</m:t>
+                              </m:r>
+                            </m:e>
+                            <m:sub>
+                              <m:r>
+                                <a:rPr lang="en-US" b="0" i="1" smtClean="0">
+                                  <a:latin typeface="Cambria Math" panose="02040503050406030204" pitchFamily="18" charset="0"/>
+                                </a:rPr>
+                                <m:t>4</m:t>
+                              </m:r>
+                            </m:sub>
+                          </m:sSub>
+                        </m:sup>
+                      </m:sSup>
+                    </m:oMath>
+                  </m:oMathPara>
+                </a14:m>
+                <a:endParaRPr lang="en-US" dirty="0"/>
+              </a:p>
+            </p:txBody>
+          </p:sp>
+        </mc:Choice>
+        <mc:Fallback>
+          <p:sp>
+            <p:nvSpPr>
+              <p:cNvPr id="7" name="Rectangle 6"/>
+              <p:cNvSpPr>
+                <a:spLocks noRot="1" noChangeAspect="1" noMove="1" noResize="1" noEditPoints="1" noAdjustHandles="1" noChangeArrowheads="1" noChangeShapeType="1" noTextEdit="1"/>
+              </p:cNvSpPr>
+              <p:nvPr/>
+            </p:nvSpPr>
+            <p:spPr>
+              <a:xfrm>
+                <a:off x="2105025" y="6111192"/>
+                <a:ext cx="7277100" cy="746808"/>
+              </a:xfrm>
+              <a:prstGeom prst="rect">
+                <a:avLst/>
+              </a:prstGeom>
+              <a:blipFill>
+                <a:blip r:embed="rId6"/>
+                <a:stretch>
+                  <a:fillRect/>
+                </a:stretch>
+              </a:blipFill>
+            </p:spPr>
+            <p:txBody>
+              <a:bodyPr/>
+              <a:lstStyle/>
+              <a:p>
+                <a:r>
+                  <a:rPr lang="en-US">
+                    <a:noFill/>
+                  </a:rPr>
+                  <a:t> </a:t>
+                </a:r>
+              </a:p>
+            </p:txBody>
+          </p:sp>
+        </mc:Fallback>
+      </mc:AlternateContent>
+      <mc:AlternateContent xmlns:mc="http://schemas.openxmlformats.org/markup-compatibility/2006">
+        <mc:Choice xmlns:a14="http://schemas.microsoft.com/office/drawing/2010/main" Requires="a14">
+          <p:sp>
+            <p:nvSpPr>
+              <p:cNvPr id="8" name="Rectangle 7"/>
+              <p:cNvSpPr/>
+              <p:nvPr/>
+            </p:nvSpPr>
+            <p:spPr>
+              <a:xfrm>
+                <a:off x="88703" y="5682734"/>
+                <a:ext cx="7656840" cy="369332"/>
+              </a:xfrm>
+              <a:prstGeom prst="rect">
+                <a:avLst/>
+              </a:prstGeom>
+            </p:spPr>
+            <p:txBody>
+              <a:bodyPr wrap="none">
+                <a:spAutoFit/>
+              </a:bodyPr>
+              <a:lstStyle/>
+              <a:p>
+                <a:r>
+                  <a:rPr lang="en-US" dirty="0">
+                    <a:latin typeface="Times New Roman" panose="02020603050405020304" pitchFamily="18" charset="0"/>
+                    <a:cs typeface="Times New Roman" panose="02020603050405020304" pitchFamily="18" charset="0"/>
+                  </a:rPr>
+                  <a:t>The </a:t>
+                </a:r>
+                <a:r>
+                  <a:rPr lang="en-US" i="1" dirty="0" smtClean="0">
+                    <a:latin typeface="Times New Roman" panose="02020603050405020304" pitchFamily="18" charset="0"/>
+                    <a:cs typeface="Times New Roman" panose="02020603050405020304" pitchFamily="18" charset="0"/>
+                  </a:rPr>
+                  <a:t>coarsened/incomplete </a:t>
+                </a:r>
+                <a:r>
+                  <a:rPr lang="en-US" dirty="0" smtClean="0">
+                    <a:latin typeface="Times New Roman" panose="02020603050405020304" pitchFamily="18" charset="0"/>
+                    <a:cs typeface="Times New Roman" panose="02020603050405020304" pitchFamily="18" charset="0"/>
+                  </a:rPr>
+                  <a:t>Likelihood </a:t>
+                </a:r>
+                <a:r>
+                  <a:rPr lang="en-US" dirty="0">
+                    <a:latin typeface="Times New Roman" panose="02020603050405020304" pitchFamily="18" charset="0"/>
+                    <a:cs typeface="Times New Roman" panose="02020603050405020304" pitchFamily="18" charset="0"/>
+                  </a:rPr>
+                  <a:t>on </a:t>
+                </a:r>
+                <a14:m>
+                  <m:oMath xmlns:m="http://schemas.openxmlformats.org/officeDocument/2006/math">
+                    <m:r>
+                      <a:rPr lang="en-US" i="1">
+                        <a:latin typeface="Cambria Math" panose="02040503050406030204" pitchFamily="18" charset="0"/>
+                      </a:rPr>
+                      <m:t>𝜋</m:t>
+                    </m:r>
+                  </m:oMath>
+                </a14:m>
+                <a:r>
+                  <a:rPr lang="en-US" dirty="0">
+                    <a:latin typeface="Times New Roman" panose="02020603050405020304" pitchFamily="18" charset="0"/>
+                    <a:cs typeface="Times New Roman" panose="02020603050405020304" pitchFamily="18" charset="0"/>
+                  </a:rPr>
+                  <a:t> for the full data can be expressed as: </a:t>
+                </a:r>
+              </a:p>
+            </p:txBody>
+          </p:sp>
+        </mc:Choice>
+        <mc:Fallback>
+          <p:sp>
+            <p:nvSpPr>
+              <p:cNvPr id="8" name="Rectangle 7"/>
+              <p:cNvSpPr>
+                <a:spLocks noRot="1" noChangeAspect="1" noMove="1" noResize="1" noEditPoints="1" noAdjustHandles="1" noChangeArrowheads="1" noChangeShapeType="1" noTextEdit="1"/>
+              </p:cNvSpPr>
+              <p:nvPr/>
+            </p:nvSpPr>
+            <p:spPr>
+              <a:xfrm>
+                <a:off x="88703" y="5682734"/>
+                <a:ext cx="7656840" cy="369332"/>
+              </a:xfrm>
+              <a:prstGeom prst="rect">
+                <a:avLst/>
+              </a:prstGeom>
+              <a:blipFill>
+                <a:blip r:embed="rId7"/>
+                <a:stretch>
+                  <a:fillRect l="-717" t="-8197" b="-24590"/>
+                </a:stretch>
+              </a:blipFill>
+            </p:spPr>
+            <p:txBody>
+              <a:bodyPr/>
+              <a:lstStyle/>
+              <a:p>
+                <a:r>
+                  <a:rPr lang="en-US">
+                    <a:noFill/>
+                  </a:rPr>
+                  <a:t> </a:t>
+                </a:r>
+              </a:p>
+            </p:txBody>
+          </p:sp>
+        </mc:Fallback>
+      </mc:AlternateContent>
+    </p:spTree>
+    <p:extLst>
+      <p:ext uri="{BB962C8B-B14F-4D97-AF65-F5344CB8AC3E}">
+        <p14:creationId xmlns:p14="http://schemas.microsoft.com/office/powerpoint/2010/main" val="995181698"/>
       </p:ext>
     </p:extLst>
   </p:cSld>
@@ -7032,24 +12499,7 @@
                 <a:ea typeface="+mj-ea"/>
                 <a:cs typeface="Times New Roman" panose="02020603050405020304" pitchFamily="18" charset="0"/>
               </a:rPr>
-              <a:t> </a:t>
-            </a:r>
-            <a:r>
-              <a:rPr kumimoji="0" lang="en-US" sz="2800" b="1" i="0" strike="noStrike" kern="1200" cap="none" spc="0" normalizeH="0" noProof="0" dirty="0" smtClean="0">
-                <a:ln>
-                  <a:noFill/>
-                </a:ln>
-                <a:solidFill>
-                  <a:srgbClr val="626462"/>
-                </a:solidFill>
-                <a:effectLst/>
-                <a:uLnTx/>
-                <a:uFillTx/>
-                <a:latin typeface="Times New Roman" panose="02020603050405020304" pitchFamily="18" charset="0"/>
-                <a:ea typeface="+mj-ea"/>
-                <a:cs typeface="Times New Roman" panose="02020603050405020304" pitchFamily="18" charset="0"/>
-              </a:rPr>
-              <a:t>Experiments</a:t>
+              <a:t> Experiments</a:t>
             </a:r>
             <a:endParaRPr kumimoji="0" lang="en-US" sz="2800" b="1" i="0" strike="noStrike" kern="1200" cap="none" spc="0" normalizeH="0" baseline="0" noProof="0" dirty="0">
               <a:ln>
@@ -7332,8 +12782,8 @@
           </a:p>
         </p:txBody>
       </p:sp>
-      <mc:AlternateContent xmlns:mc="http://schemas.openxmlformats.org/markup-compatibility/2006">
-        <mc:Choice xmlns:a14="http://schemas.microsoft.com/office/drawing/2010/main" Requires="a14">
+      <mc:AlternateContent xmlns:mc="http://schemas.openxmlformats.org/markup-compatibility/2006" xmlns:a14="http://schemas.microsoft.com/office/drawing/2010/main">
+        <mc:Choice Requires="a14">
           <p:sp>
             <p:nvSpPr>
               <p:cNvPr id="4" name="TextBox 3"/>
@@ -7714,7 +13164,7 @@
             </p:txBody>
           </p:sp>
         </mc:Choice>
-        <mc:Fallback>
+        <mc:Fallback xmlns="">
           <p:sp>
             <p:nvSpPr>
               <p:cNvPr id="4" name="TextBox 3"/>
@@ -9630,13 +15080,6 @@
                   </a:rPr>
                   <a:t>T4</a:t>
                 </a:r>
-                <a:endParaRPr lang="en-US" sz="800" dirty="0">
-                  <a:solidFill>
-                    <a:schemeClr val="bg1">
-                      <a:lumMod val="10000"/>
-                    </a:schemeClr>
-                  </a:solidFill>
-                </a:endParaRPr>
               </a:p>
             </p:txBody>
           </p:sp>
@@ -10512,6 +15955,3523 @@
 </p:sld>
 </file>
 
+<file path=ppt/slides/slide8.xml><?xml version="1.0" encoding="utf-8"?>
+<p:sld xmlns:a="http://schemas.openxmlformats.org/drawingml/2006/main" xmlns:r="http://schemas.openxmlformats.org/officeDocument/2006/relationships" xmlns:p="http://schemas.openxmlformats.org/presentationml/2006/main">
+  <p:cSld>
+    <p:spTree>
+      <p:nvGrpSpPr>
+        <p:cNvPr id="1" name=""/>
+        <p:cNvGrpSpPr/>
+        <p:nvPr/>
+      </p:nvGrpSpPr>
+      <p:grpSpPr>
+        <a:xfrm>
+          <a:off x="0" y="0"/>
+          <a:ext cx="0" cy="0"/>
+          <a:chOff x="0" y="0"/>
+          <a:chExt cx="0" cy="0"/>
+        </a:xfrm>
+      </p:grpSpPr>
+      <p:sp>
+        <p:nvSpPr>
+          <p:cNvPr id="2" name="Title 1">
+            <a:extLst>
+              <a:ext uri="{FF2B5EF4-FFF2-40B4-BE49-F238E27FC236}">
+                <a16:creationId xmlns:a16="http://schemas.microsoft.com/office/drawing/2014/main" id="{636FB483-8A01-854E-9BBE-55E0C355A79B}"/>
+              </a:ext>
+            </a:extLst>
+          </p:cNvPr>
+          <p:cNvSpPr txBox="1">
+            <a:spLocks/>
+          </p:cNvSpPr>
+          <p:nvPr/>
+        </p:nvSpPr>
+        <p:spPr>
+          <a:xfrm>
+            <a:off x="273508" y="216546"/>
+            <a:ext cx="9422942" cy="656493"/>
+          </a:xfrm>
+          <a:prstGeom prst="rect">
+            <a:avLst/>
+          </a:prstGeom>
+        </p:spPr>
+        <p:txBody>
+          <a:bodyPr/>
+          <a:lstStyle>
+            <a:lvl1pPr algn="l" defTabSz="914400" rtl="0" eaLnBrk="1" latinLnBrk="0" hangingPunct="1">
+              <a:lnSpc>
+                <a:spcPct val="90000"/>
+              </a:lnSpc>
+              <a:spcBef>
+                <a:spcPct val="0"/>
+              </a:spcBef>
+              <a:buNone/>
+              <a:defRPr sz="2800" b="1" kern="1200">
+                <a:solidFill>
+                  <a:schemeClr val="tx1"/>
+                </a:solidFill>
+                <a:latin typeface="Helvetica" pitchFamily="2" charset="0"/>
+                <a:ea typeface="+mj-ea"/>
+                <a:cs typeface="+mj-cs"/>
+              </a:defRPr>
+            </a:lvl1pPr>
+          </a:lstStyle>
+          <a:p>
+            <a:pPr marL="0" marR="0" lvl="0" indent="0" algn="l" defTabSz="914400" rtl="0" eaLnBrk="1" fontAlgn="auto" latinLnBrk="0" hangingPunct="1">
+              <a:lnSpc>
+                <a:spcPct val="90000"/>
+              </a:lnSpc>
+              <a:spcBef>
+                <a:spcPct val="0"/>
+              </a:spcBef>
+              <a:spcAft>
+                <a:spcPts val="0"/>
+              </a:spcAft>
+              <a:buClrTx/>
+              <a:buSzTx/>
+              <a:buFontTx/>
+              <a:buNone/>
+              <a:tabLst/>
+              <a:defRPr/>
+            </a:pPr>
+            <a:r>
+              <a:rPr kumimoji="0" lang="en-US" sz="2800" b="1" i="0" strike="noStrike" kern="1200" cap="none" spc="0" normalizeH="0" baseline="0" noProof="0" dirty="0" smtClean="0">
+                <a:ln>
+                  <a:noFill/>
+                </a:ln>
+                <a:solidFill>
+                  <a:srgbClr val="626462"/>
+                </a:solidFill>
+                <a:effectLst/>
+                <a:uLnTx/>
+                <a:uFillTx/>
+                <a:latin typeface="Times New Roman" panose="02020603050405020304" pitchFamily="18" charset="0"/>
+                <a:ea typeface="+mj-ea"/>
+                <a:cs typeface="Times New Roman" panose="02020603050405020304" pitchFamily="18" charset="0"/>
+              </a:rPr>
+              <a:t>Expectation Maximization (in general) – Incomplete Data &amp; A Restricted</a:t>
+            </a:r>
+            <a:r>
+              <a:rPr kumimoji="0" lang="en-US" sz="2800" b="1" i="0" strike="noStrike" kern="1200" cap="none" spc="0" normalizeH="0" noProof="0" dirty="0" smtClean="0">
+                <a:ln>
+                  <a:noFill/>
+                </a:ln>
+                <a:solidFill>
+                  <a:srgbClr val="626462"/>
+                </a:solidFill>
+                <a:effectLst/>
+                <a:uLnTx/>
+                <a:uFillTx/>
+                <a:latin typeface="Times New Roman" panose="02020603050405020304" pitchFamily="18" charset="0"/>
+                <a:ea typeface="+mj-ea"/>
+                <a:cs typeface="Times New Roman" panose="02020603050405020304" pitchFamily="18" charset="0"/>
+              </a:rPr>
+              <a:t> Case</a:t>
+            </a:r>
+            <a:endParaRPr kumimoji="0" lang="en-US" sz="2800" b="1" i="0" strike="noStrike" kern="1200" cap="none" spc="0" normalizeH="0" baseline="0" noProof="0" dirty="0">
+              <a:ln>
+                <a:noFill/>
+              </a:ln>
+              <a:solidFill>
+                <a:srgbClr val="626462"/>
+              </a:solidFill>
+              <a:effectLst/>
+              <a:uLnTx/>
+              <a:uFillTx/>
+              <a:latin typeface="Times New Roman" panose="02020603050405020304" pitchFamily="18" charset="0"/>
+              <a:ea typeface="+mj-ea"/>
+              <a:cs typeface="Times New Roman" panose="02020603050405020304" pitchFamily="18" charset="0"/>
+            </a:endParaRPr>
+          </a:p>
+        </p:txBody>
+      </p:sp>
+      <mc:AlternateContent xmlns:mc="http://schemas.openxmlformats.org/markup-compatibility/2006">
+        <mc:Choice xmlns:a14="http://schemas.microsoft.com/office/drawing/2010/main" Requires="a14">
+          <p:sp>
+            <p:nvSpPr>
+              <p:cNvPr id="3" name="TextBox 2"/>
+              <p:cNvSpPr txBox="1"/>
+              <p:nvPr/>
+            </p:nvSpPr>
+            <p:spPr>
+              <a:xfrm>
+                <a:off x="399010" y="1047404"/>
+                <a:ext cx="11114117" cy="3739742"/>
+              </a:xfrm>
+              <a:prstGeom prst="rect">
+                <a:avLst/>
+              </a:prstGeom>
+              <a:noFill/>
+            </p:spPr>
+            <p:txBody>
+              <a:bodyPr wrap="square" rtlCol="0">
+                <a:spAutoFit/>
+              </a:bodyPr>
+              <a:lstStyle/>
+              <a:p>
+                <a:pPr marL="285750" indent="-285750">
+                  <a:buFont typeface="Arial" panose="020B0604020202020204" pitchFamily="34" charset="0"/>
+                  <a:buChar char="•"/>
+                </a:pPr>
+                <a:r>
+                  <a:rPr lang="en-US" dirty="0" smtClean="0">
+                    <a:latin typeface="Times New Roman" panose="02020603050405020304" pitchFamily="18" charset="0"/>
+                    <a:cs typeface="Times New Roman" panose="02020603050405020304" pitchFamily="18" charset="0"/>
+                  </a:rPr>
+                  <a:t>Two general uses include: </a:t>
+                </a:r>
+              </a:p>
+              <a:p>
+                <a:pPr marL="742950" lvl="1" indent="-285750">
+                  <a:buFont typeface="Arial" panose="020B0604020202020204" pitchFamily="34" charset="0"/>
+                  <a:buChar char="•"/>
+                </a:pPr>
+                <a:r>
+                  <a:rPr lang="en-US" dirty="0">
+                    <a:latin typeface="Times New Roman" panose="02020603050405020304" pitchFamily="18" charset="0"/>
+                    <a:cs typeface="Times New Roman" panose="02020603050405020304" pitchFamily="18" charset="0"/>
+                  </a:rPr>
+                  <a:t>d</a:t>
+                </a:r>
+                <a:r>
+                  <a:rPr lang="en-US" dirty="0" smtClean="0">
+                    <a:latin typeface="Times New Roman" panose="02020603050405020304" pitchFamily="18" charset="0"/>
+                    <a:cs typeface="Times New Roman" panose="02020603050405020304" pitchFamily="18" charset="0"/>
+                  </a:rPr>
+                  <a:t>etermination of maximum likelihood estimates for parameters when missing data is present and </a:t>
+                </a:r>
+              </a:p>
+              <a:p>
+                <a:pPr marL="742950" lvl="1" indent="-285750">
+                  <a:buFont typeface="Arial" panose="020B0604020202020204" pitchFamily="34" charset="0"/>
+                  <a:buChar char="•"/>
+                </a:pPr>
+                <a:r>
+                  <a:rPr lang="en-US" dirty="0" smtClean="0">
+                    <a:latin typeface="Times New Roman" panose="02020603050405020304" pitchFamily="18" charset="0"/>
+                    <a:cs typeface="Times New Roman" panose="02020603050405020304" pitchFamily="18" charset="0"/>
+                  </a:rPr>
+                  <a:t>estimation of missing or otherwise incomplete data.</a:t>
+                </a:r>
+              </a:p>
+              <a:p>
+                <a:pPr marL="742950" lvl="1" indent="-285750">
+                  <a:buFont typeface="Arial" panose="020B0604020202020204" pitchFamily="34" charset="0"/>
+                  <a:buChar char="•"/>
+                </a:pPr>
+                <a:endParaRPr lang="en-US" dirty="0">
+                  <a:latin typeface="Times New Roman" panose="02020603050405020304" pitchFamily="18" charset="0"/>
+                  <a:cs typeface="Times New Roman" panose="02020603050405020304" pitchFamily="18" charset="0"/>
+                </a:endParaRPr>
+              </a:p>
+              <a:p>
+                <a:pPr marL="285750" indent="-285750">
+                  <a:buFont typeface="Arial" panose="020B0604020202020204" pitchFamily="34" charset="0"/>
+                  <a:buChar char="•"/>
+                </a:pPr>
+                <a:r>
+                  <a:rPr lang="en-US" dirty="0" smtClean="0">
+                    <a:latin typeface="Times New Roman" panose="02020603050405020304" pitchFamily="18" charset="0"/>
+                    <a:cs typeface="Times New Roman" panose="02020603050405020304" pitchFamily="18" charset="0"/>
+                  </a:rPr>
+                  <a:t>In general, suppose that we would like to observe the values, </a:t>
+                </a:r>
+                <a14:m>
+                  <m:oMath xmlns:m="http://schemas.openxmlformats.org/officeDocument/2006/math">
+                    <m:sSub>
+                      <m:sSubPr>
+                        <m:ctrlPr>
+                          <a:rPr lang="en-US" b="0" i="1" smtClean="0">
+                            <a:latin typeface="Cambria Math" panose="02040503050406030204" pitchFamily="18" charset="0"/>
+                            <a:cs typeface="Times New Roman" panose="02020603050405020304" pitchFamily="18" charset="0"/>
+                          </a:rPr>
+                        </m:ctrlPr>
+                      </m:sSubPr>
+                      <m:e>
+                        <m:r>
+                          <a:rPr lang="en-US" b="0" i="1" smtClean="0">
+                            <a:latin typeface="Cambria Math" panose="02040503050406030204" pitchFamily="18" charset="0"/>
+                            <a:cs typeface="Times New Roman" panose="02020603050405020304" pitchFamily="18" charset="0"/>
+                          </a:rPr>
+                          <m:t>𝑥</m:t>
+                        </m:r>
+                      </m:e>
+                      <m:sub>
+                        <m:r>
+                          <a:rPr lang="en-US" b="0" i="1" smtClean="0">
+                            <a:latin typeface="Cambria Math" panose="02040503050406030204" pitchFamily="18" charset="0"/>
+                            <a:cs typeface="Times New Roman" panose="02020603050405020304" pitchFamily="18" charset="0"/>
+                          </a:rPr>
+                          <m:t>1</m:t>
+                        </m:r>
+                      </m:sub>
+                    </m:sSub>
+                    <m:r>
+                      <a:rPr lang="en-US" b="0" i="1" smtClean="0">
+                        <a:latin typeface="Cambria Math" panose="02040503050406030204" pitchFamily="18" charset="0"/>
+                        <a:cs typeface="Times New Roman" panose="02020603050405020304" pitchFamily="18" charset="0"/>
+                      </a:rPr>
+                      <m:t>,</m:t>
+                    </m:r>
+                    <m:sSub>
+                      <m:sSubPr>
+                        <m:ctrlPr>
+                          <a:rPr lang="en-US" b="0" i="1" smtClean="0">
+                            <a:latin typeface="Cambria Math" panose="02040503050406030204" pitchFamily="18" charset="0"/>
+                            <a:cs typeface="Times New Roman" panose="02020603050405020304" pitchFamily="18" charset="0"/>
+                          </a:rPr>
+                        </m:ctrlPr>
+                      </m:sSubPr>
+                      <m:e>
+                        <m:r>
+                          <a:rPr lang="en-US" b="0" i="1" smtClean="0">
+                            <a:latin typeface="Cambria Math" panose="02040503050406030204" pitchFamily="18" charset="0"/>
+                            <a:cs typeface="Times New Roman" panose="02020603050405020304" pitchFamily="18" charset="0"/>
+                          </a:rPr>
+                          <m:t>𝑥</m:t>
+                        </m:r>
+                      </m:e>
+                      <m:sub>
+                        <m:r>
+                          <a:rPr lang="en-US" b="0" i="1" smtClean="0">
+                            <a:latin typeface="Cambria Math" panose="02040503050406030204" pitchFamily="18" charset="0"/>
+                            <a:cs typeface="Times New Roman" panose="02020603050405020304" pitchFamily="18" charset="0"/>
+                          </a:rPr>
+                          <m:t>2</m:t>
+                        </m:r>
+                      </m:sub>
+                    </m:sSub>
+                    <m:r>
+                      <a:rPr lang="en-US" b="0" i="1" smtClean="0">
+                        <a:latin typeface="Cambria Math" panose="02040503050406030204" pitchFamily="18" charset="0"/>
+                        <a:cs typeface="Times New Roman" panose="02020603050405020304" pitchFamily="18" charset="0"/>
+                      </a:rPr>
+                      <m:t>,…</m:t>
+                    </m:r>
+                    <m:sSub>
+                      <m:sSubPr>
+                        <m:ctrlPr>
+                          <a:rPr lang="en-US" b="0" i="1" smtClean="0">
+                            <a:latin typeface="Cambria Math" panose="02040503050406030204" pitchFamily="18" charset="0"/>
+                            <a:cs typeface="Times New Roman" panose="02020603050405020304" pitchFamily="18" charset="0"/>
+                          </a:rPr>
+                        </m:ctrlPr>
+                      </m:sSubPr>
+                      <m:e>
+                        <m:r>
+                          <a:rPr lang="en-US" b="0" i="1" smtClean="0">
+                            <a:latin typeface="Cambria Math" panose="02040503050406030204" pitchFamily="18" charset="0"/>
+                            <a:cs typeface="Times New Roman" panose="02020603050405020304" pitchFamily="18" charset="0"/>
+                          </a:rPr>
+                          <m:t>𝑥</m:t>
+                        </m:r>
+                      </m:e>
+                      <m:sub>
+                        <m:r>
+                          <a:rPr lang="en-US" b="0" i="1" smtClean="0">
+                            <a:latin typeface="Cambria Math" panose="02040503050406030204" pitchFamily="18" charset="0"/>
+                            <a:cs typeface="Times New Roman" panose="02020603050405020304" pitchFamily="18" charset="0"/>
+                          </a:rPr>
+                          <m:t>𝑛</m:t>
+                        </m:r>
+                      </m:sub>
+                    </m:sSub>
+                  </m:oMath>
+                </a14:m>
+                <a:r>
+                  <a:rPr lang="en-US" dirty="0" smtClean="0">
+                    <a:latin typeface="Times New Roman" panose="02020603050405020304" pitchFamily="18" charset="0"/>
+                    <a:cs typeface="Times New Roman" panose="02020603050405020304" pitchFamily="18" charset="0"/>
+                  </a:rPr>
+                  <a:t>, to determine something about the parameters of the random variable </a:t>
+                </a:r>
+                <a14:m>
+                  <m:oMath xmlns:m="http://schemas.openxmlformats.org/officeDocument/2006/math">
+                    <m:r>
+                      <a:rPr lang="en-US" b="0" i="1" smtClean="0">
+                        <a:latin typeface="Cambria Math" panose="02040503050406030204" pitchFamily="18" charset="0"/>
+                        <a:cs typeface="Times New Roman" panose="02020603050405020304" pitchFamily="18" charset="0"/>
+                      </a:rPr>
+                      <m:t>𝑋</m:t>
+                    </m:r>
+                  </m:oMath>
+                </a14:m>
+                <a:r>
+                  <a:rPr lang="en-US" dirty="0" smtClean="0">
+                    <a:latin typeface="Times New Roman" panose="02020603050405020304" pitchFamily="18" charset="0"/>
+                    <a:cs typeface="Times New Roman" panose="02020603050405020304" pitchFamily="18" charset="0"/>
+                  </a:rPr>
+                  <a:t> which has sample space </a:t>
+                </a:r>
+                <a14:m>
+                  <m:oMath xmlns:m="http://schemas.openxmlformats.org/officeDocument/2006/math">
+                    <m:r>
+                      <a:rPr lang="en-US" i="1">
+                        <a:latin typeface="Cambria Math" panose="02040503050406030204" pitchFamily="18" charset="0"/>
+                      </a:rPr>
+                      <m:t>𝒳</m:t>
+                    </m:r>
+                  </m:oMath>
+                </a14:m>
+                <a:r>
+                  <a:rPr lang="en-US" dirty="0" smtClean="0"/>
+                  <a:t> </a:t>
+                </a:r>
+                <a:r>
+                  <a:rPr lang="en-US" dirty="0" smtClean="0">
+                    <a:latin typeface="Times New Roman" panose="02020603050405020304" pitchFamily="18" charset="0"/>
+                    <a:cs typeface="Times New Roman" panose="02020603050405020304" pitchFamily="18" charset="0"/>
+                  </a:rPr>
+                  <a:t>as shown (top right).</a:t>
+                </a:r>
+              </a:p>
+              <a:p>
+                <a:pPr marL="742950" lvl="1" indent="-285750">
+                  <a:buFont typeface="Arial" panose="020B0604020202020204" pitchFamily="34" charset="0"/>
+                  <a:buChar char="•"/>
+                </a:pPr>
+                <a:r>
+                  <a:rPr lang="en-US" dirty="0" smtClean="0">
+                    <a:latin typeface="Times New Roman" panose="02020603050405020304" pitchFamily="18" charset="0"/>
+                    <a:cs typeface="Times New Roman" panose="02020603050405020304" pitchFamily="18" charset="0"/>
+                  </a:rPr>
+                  <a:t>However, we are only able to observe, </a:t>
+                </a:r>
+                <a14:m>
+                  <m:oMath xmlns:m="http://schemas.openxmlformats.org/officeDocument/2006/math">
+                    <m:sSub>
+                      <m:sSubPr>
+                        <m:ctrlPr>
+                          <a:rPr lang="en-US" b="0" i="1" smtClean="0">
+                            <a:latin typeface="Cambria Math" panose="02040503050406030204" pitchFamily="18" charset="0"/>
+                            <a:cs typeface="Times New Roman" panose="02020603050405020304" pitchFamily="18" charset="0"/>
+                          </a:rPr>
+                        </m:ctrlPr>
+                      </m:sSubPr>
+                      <m:e>
+                        <m:r>
+                          <a:rPr lang="en-US" b="0" i="1" smtClean="0">
+                            <a:latin typeface="Cambria Math" panose="02040503050406030204" pitchFamily="18" charset="0"/>
+                            <a:cs typeface="Times New Roman" panose="02020603050405020304" pitchFamily="18" charset="0"/>
+                          </a:rPr>
+                          <m:t>𝑦</m:t>
+                        </m:r>
+                      </m:e>
+                      <m:sub>
+                        <m:r>
+                          <a:rPr lang="en-US" b="0" i="1" smtClean="0">
+                            <a:latin typeface="Cambria Math" panose="02040503050406030204" pitchFamily="18" charset="0"/>
+                            <a:cs typeface="Times New Roman" panose="02020603050405020304" pitchFamily="18" charset="0"/>
+                          </a:rPr>
+                          <m:t>1</m:t>
+                        </m:r>
+                      </m:sub>
+                    </m:sSub>
+                    <m:r>
+                      <a:rPr lang="en-US" b="0" i="1" smtClean="0">
+                        <a:latin typeface="Cambria Math" panose="02040503050406030204" pitchFamily="18" charset="0"/>
+                        <a:cs typeface="Times New Roman" panose="02020603050405020304" pitchFamily="18" charset="0"/>
+                      </a:rPr>
+                      <m:t>,</m:t>
+                    </m:r>
+                    <m:sSub>
+                      <m:sSubPr>
+                        <m:ctrlPr>
+                          <a:rPr lang="en-US" b="0" i="1" smtClean="0">
+                            <a:latin typeface="Cambria Math" panose="02040503050406030204" pitchFamily="18" charset="0"/>
+                            <a:cs typeface="Times New Roman" panose="02020603050405020304" pitchFamily="18" charset="0"/>
+                          </a:rPr>
+                        </m:ctrlPr>
+                      </m:sSubPr>
+                      <m:e>
+                        <m:r>
+                          <a:rPr lang="en-US" b="0" i="1" smtClean="0">
+                            <a:latin typeface="Cambria Math" panose="02040503050406030204" pitchFamily="18" charset="0"/>
+                            <a:cs typeface="Times New Roman" panose="02020603050405020304" pitchFamily="18" charset="0"/>
+                          </a:rPr>
+                          <m:t>𝑦</m:t>
+                        </m:r>
+                      </m:e>
+                      <m:sub>
+                        <m:r>
+                          <a:rPr lang="en-US" b="0" i="1" smtClean="0">
+                            <a:latin typeface="Cambria Math" panose="02040503050406030204" pitchFamily="18" charset="0"/>
+                            <a:cs typeface="Times New Roman" panose="02020603050405020304" pitchFamily="18" charset="0"/>
+                          </a:rPr>
+                          <m:t>2</m:t>
+                        </m:r>
+                      </m:sub>
+                    </m:sSub>
+                    <m:r>
+                      <a:rPr lang="en-US" b="0" i="1" smtClean="0">
+                        <a:latin typeface="Cambria Math" panose="02040503050406030204" pitchFamily="18" charset="0"/>
+                        <a:cs typeface="Times New Roman" panose="02020603050405020304" pitchFamily="18" charset="0"/>
+                      </a:rPr>
+                      <m:t>,…</m:t>
+                    </m:r>
+                    <m:sSub>
+                      <m:sSubPr>
+                        <m:ctrlPr>
+                          <a:rPr lang="en-US" b="0" i="1" smtClean="0">
+                            <a:latin typeface="Cambria Math" panose="02040503050406030204" pitchFamily="18" charset="0"/>
+                            <a:cs typeface="Times New Roman" panose="02020603050405020304" pitchFamily="18" charset="0"/>
+                          </a:rPr>
+                        </m:ctrlPr>
+                      </m:sSubPr>
+                      <m:e>
+                        <m:r>
+                          <a:rPr lang="en-US" b="0" i="1" smtClean="0">
+                            <a:latin typeface="Cambria Math" panose="02040503050406030204" pitchFamily="18" charset="0"/>
+                            <a:cs typeface="Times New Roman" panose="02020603050405020304" pitchFamily="18" charset="0"/>
+                          </a:rPr>
+                          <m:t>𝑦</m:t>
+                        </m:r>
+                      </m:e>
+                      <m:sub>
+                        <m:r>
+                          <a:rPr lang="en-US" b="0" i="1" smtClean="0">
+                            <a:latin typeface="Cambria Math" panose="02040503050406030204" pitchFamily="18" charset="0"/>
+                            <a:cs typeface="Times New Roman" panose="02020603050405020304" pitchFamily="18" charset="0"/>
+                          </a:rPr>
+                          <m:t>𝑛</m:t>
+                        </m:r>
+                      </m:sub>
+                    </m:sSub>
+                  </m:oMath>
+                </a14:m>
+                <a:r>
+                  <a:rPr lang="en-US" dirty="0" smtClean="0">
+                    <a:latin typeface="Times New Roman" panose="02020603050405020304" pitchFamily="18" charset="0"/>
+                    <a:cs typeface="Times New Roman" panose="02020603050405020304" pitchFamily="18" charset="0"/>
+                  </a:rPr>
+                  <a:t>, valuations of the random variable </a:t>
+                </a:r>
+                <a14:m>
+                  <m:oMath xmlns:m="http://schemas.openxmlformats.org/officeDocument/2006/math">
+                    <m:r>
+                      <a:rPr lang="en-US" b="0" i="1" smtClean="0">
+                        <a:latin typeface="Cambria Math" panose="02040503050406030204" pitchFamily="18" charset="0"/>
+                        <a:cs typeface="Times New Roman" panose="02020603050405020304" pitchFamily="18" charset="0"/>
+                      </a:rPr>
+                      <m:t>𝑌</m:t>
+                    </m:r>
+                  </m:oMath>
+                </a14:m>
+                <a:r>
+                  <a:rPr lang="en-US" dirty="0" smtClean="0">
+                    <a:latin typeface="Times New Roman" panose="02020603050405020304" pitchFamily="18" charset="0"/>
+                    <a:cs typeface="Times New Roman" panose="02020603050405020304" pitchFamily="18" charset="0"/>
+                  </a:rPr>
+                  <a:t> which has sample space </a:t>
+                </a:r>
+                <a14:m>
+                  <m:oMath xmlns:m="http://schemas.openxmlformats.org/officeDocument/2006/math">
+                    <m:r>
+                      <a:rPr lang="en-US" i="1">
+                        <a:latin typeface="Cambria Math" panose="02040503050406030204" pitchFamily="18" charset="0"/>
+                      </a:rPr>
+                      <m:t>𝒴</m:t>
+                    </m:r>
+                    <m:r>
+                      <a:rPr lang="en-US" b="0" i="0" smtClean="0">
+                        <a:latin typeface="Cambria Math" panose="02040503050406030204" pitchFamily="18" charset="0"/>
+                      </a:rPr>
+                      <m:t> </m:t>
+                    </m:r>
+                  </m:oMath>
+                </a14:m>
+                <a:r>
+                  <a:rPr lang="en-US" dirty="0" smtClean="0">
+                    <a:latin typeface="Times New Roman" panose="02020603050405020304" pitchFamily="18" charset="0"/>
+                    <a:cs typeface="Times New Roman" panose="02020603050405020304" pitchFamily="18" charset="0"/>
+                  </a:rPr>
+                  <a:t>where there exists a many-to-one mapping from </a:t>
+                </a:r>
+                <a14:m>
+                  <m:oMath xmlns:m="http://schemas.openxmlformats.org/officeDocument/2006/math">
+                    <m:r>
+                      <a:rPr lang="en-US" i="1">
+                        <a:latin typeface="Cambria Math" panose="02040503050406030204" pitchFamily="18" charset="0"/>
+                      </a:rPr>
+                      <m:t>𝒳</m:t>
+                    </m:r>
+                  </m:oMath>
+                </a14:m>
+                <a:r>
+                  <a:rPr lang="en-US" dirty="0" smtClean="0">
+                    <a:latin typeface="Times New Roman" panose="02020603050405020304" pitchFamily="18" charset="0"/>
+                    <a:cs typeface="Times New Roman" panose="02020603050405020304" pitchFamily="18" charset="0"/>
+                  </a:rPr>
+                  <a:t> to </a:t>
+                </a:r>
+                <a14:m>
+                  <m:oMath xmlns:m="http://schemas.openxmlformats.org/officeDocument/2006/math">
+                    <m:r>
+                      <a:rPr lang="en-US" i="1">
+                        <a:latin typeface="Cambria Math" panose="02040503050406030204" pitchFamily="18" charset="0"/>
+                      </a:rPr>
+                      <m:t>𝒴</m:t>
+                    </m:r>
+                  </m:oMath>
+                </a14:m>
+                <a:r>
+                  <a:rPr lang="en-US" dirty="0" smtClean="0">
+                    <a:latin typeface="Times New Roman" panose="02020603050405020304" pitchFamily="18" charset="0"/>
+                    <a:cs typeface="Times New Roman" panose="02020603050405020304" pitchFamily="18" charset="0"/>
+                  </a:rPr>
+                  <a:t>. </a:t>
+                </a:r>
+              </a:p>
+              <a:p>
+                <a:pPr marL="1200150" lvl="2" indent="-285750">
+                  <a:buFont typeface="Arial" panose="020B0604020202020204" pitchFamily="34" charset="0"/>
+                  <a:buChar char="•"/>
+                </a:pPr>
+                <a:r>
+                  <a:rPr lang="en-US" dirty="0" smtClean="0">
+                    <a:latin typeface="Times New Roman" panose="02020603050405020304" pitchFamily="18" charset="0"/>
+                    <a:cs typeface="Times New Roman" panose="02020603050405020304" pitchFamily="18" charset="0"/>
+                  </a:rPr>
+                  <a:t>In other words, there are multiple values possible to observe in </a:t>
+                </a:r>
+                <a14:m>
+                  <m:oMath xmlns:m="http://schemas.openxmlformats.org/officeDocument/2006/math">
+                    <m:r>
+                      <a:rPr lang="en-US" i="1">
+                        <a:latin typeface="Cambria Math" panose="02040503050406030204" pitchFamily="18" charset="0"/>
+                      </a:rPr>
+                      <m:t>𝒳</m:t>
+                    </m:r>
+                  </m:oMath>
+                </a14:m>
+                <a:r>
+                  <a:rPr lang="en-US" dirty="0" smtClean="0">
+                    <a:latin typeface="Times New Roman" panose="02020603050405020304" pitchFamily="18" charset="0"/>
+                    <a:cs typeface="Times New Roman" panose="02020603050405020304" pitchFamily="18" charset="0"/>
+                  </a:rPr>
+                  <a:t> corresponding to the same value in </a:t>
+                </a:r>
+                <a14:m>
+                  <m:oMath xmlns:m="http://schemas.openxmlformats.org/officeDocument/2006/math">
+                    <m:r>
+                      <a:rPr lang="en-US" i="1">
+                        <a:latin typeface="Cambria Math" panose="02040503050406030204" pitchFamily="18" charset="0"/>
+                      </a:rPr>
+                      <m:t>𝒴</m:t>
+                    </m:r>
+                  </m:oMath>
+                </a14:m>
+                <a:r>
+                  <a:rPr lang="en-US" dirty="0" smtClean="0">
+                    <a:latin typeface="Times New Roman" panose="02020603050405020304" pitchFamily="18" charset="0"/>
+                    <a:cs typeface="Times New Roman" panose="02020603050405020304" pitchFamily="18" charset="0"/>
+                  </a:rPr>
+                  <a:t>.</a:t>
+                </a:r>
+              </a:p>
+              <a:p>
+                <a:pPr marL="1200150" lvl="2" indent="-285750">
+                  <a:buFont typeface="Arial" panose="020B0604020202020204" pitchFamily="34" charset="0"/>
+                  <a:buChar char="•"/>
+                </a:pPr>
+                <a:endParaRPr lang="en-US" dirty="0">
+                  <a:latin typeface="Times New Roman" panose="02020603050405020304" pitchFamily="18" charset="0"/>
+                  <a:cs typeface="Times New Roman" panose="02020603050405020304" pitchFamily="18" charset="0"/>
+                </a:endParaRPr>
+              </a:p>
+              <a:p>
+                <a:pPr marL="285750" indent="-285750">
+                  <a:buFont typeface="Arial" panose="020B0604020202020204" pitchFamily="34" charset="0"/>
+                  <a:buChar char="•"/>
+                </a:pPr>
+                <a:r>
+                  <a:rPr lang="en-US" dirty="0" smtClean="0">
+                    <a:latin typeface="Times New Roman" panose="02020603050405020304" pitchFamily="18" charset="0"/>
+                    <a:cs typeface="Times New Roman" panose="02020603050405020304" pitchFamily="18" charset="0"/>
+                  </a:rPr>
+                  <a:t>Suppose, at first, that the distribution of </a:t>
+                </a:r>
+                <a14:m>
+                  <m:oMath xmlns:m="http://schemas.openxmlformats.org/officeDocument/2006/math">
+                    <m:r>
+                      <a:rPr lang="en-US" b="1" i="1" smtClean="0">
+                        <a:latin typeface="Cambria Math" panose="02040503050406030204" pitchFamily="18" charset="0"/>
+                        <a:cs typeface="Times New Roman" panose="02020603050405020304" pitchFamily="18" charset="0"/>
+                      </a:rPr>
+                      <m:t>𝑿</m:t>
+                    </m:r>
+                  </m:oMath>
+                </a14:m>
+                <a:r>
+                  <a:rPr lang="en-US" dirty="0" smtClean="0">
+                    <a:latin typeface="Times New Roman" panose="02020603050405020304" pitchFamily="18" charset="0"/>
+                    <a:cs typeface="Times New Roman" panose="02020603050405020304" pitchFamily="18" charset="0"/>
+                  </a:rPr>
+                  <a:t> (note boldface indicates that </a:t>
+                </a:r>
+                <a14:m>
+                  <m:oMath xmlns:m="http://schemas.openxmlformats.org/officeDocument/2006/math">
+                    <m:r>
+                      <a:rPr lang="en-US" b="1" i="1" smtClean="0">
+                        <a:latin typeface="Cambria Math" panose="02040503050406030204" pitchFamily="18" charset="0"/>
+                        <a:cs typeface="Times New Roman" panose="02020603050405020304" pitchFamily="18" charset="0"/>
+                      </a:rPr>
+                      <m:t>𝑿</m:t>
+                    </m:r>
+                  </m:oMath>
+                </a14:m>
+                <a:r>
+                  <a:rPr lang="en-US" dirty="0" smtClean="0">
+                    <a:latin typeface="Times New Roman" panose="02020603050405020304" pitchFamily="18" charset="0"/>
+                    <a:cs typeface="Times New Roman" panose="02020603050405020304" pitchFamily="18" charset="0"/>
+                  </a:rPr>
+                  <a:t> could be a vector quantity) is one of the exponential family of distributions generally denoted,</a:t>
+                </a:r>
+                <a:endParaRPr lang="en-US" b="0" i="1" dirty="0">
+                  <a:latin typeface="Times New Roman" panose="02020603050405020304" pitchFamily="18" charset="0"/>
+                  <a:cs typeface="Times New Roman" panose="02020603050405020304" pitchFamily="18" charset="0"/>
+                </a:endParaRPr>
+              </a:p>
+              <a:p>
+                <a14:m>
+                  <m:oMathPara xmlns:m="http://schemas.openxmlformats.org/officeDocument/2006/math">
+                    <m:oMathParaPr>
+                      <m:jc m:val="centerGroup"/>
+                    </m:oMathParaPr>
+                    <m:oMath xmlns:m="http://schemas.openxmlformats.org/officeDocument/2006/math">
+                      <m:sSub>
+                        <m:sSubPr>
+                          <m:ctrlPr>
+                            <a:rPr lang="en-US" b="0" i="1" smtClean="0">
+                              <a:latin typeface="Cambria Math" panose="02040503050406030204" pitchFamily="18" charset="0"/>
+                              <a:cs typeface="Times New Roman" panose="02020603050405020304" pitchFamily="18" charset="0"/>
+                            </a:rPr>
+                          </m:ctrlPr>
+                        </m:sSubPr>
+                        <m:e>
+                          <m:r>
+                            <a:rPr lang="en-US" b="0" i="1" smtClean="0">
+                              <a:latin typeface="Cambria Math" panose="02040503050406030204" pitchFamily="18" charset="0"/>
+                              <a:cs typeface="Times New Roman" panose="02020603050405020304" pitchFamily="18" charset="0"/>
+                            </a:rPr>
+                            <m:t>𝑓</m:t>
+                          </m:r>
+                        </m:e>
+                        <m:sub>
+                          <m:r>
+                            <a:rPr lang="en-US" b="1" i="1" smtClean="0">
+                              <a:latin typeface="Cambria Math" panose="02040503050406030204" pitchFamily="18" charset="0"/>
+                              <a:cs typeface="Times New Roman" panose="02020603050405020304" pitchFamily="18" charset="0"/>
+                            </a:rPr>
+                            <m:t>𝑿</m:t>
+                          </m:r>
+                        </m:sub>
+                      </m:sSub>
+                      <m:d>
+                        <m:dPr>
+                          <m:ctrlPr>
+                            <a:rPr lang="en-US" b="0" i="1" smtClean="0">
+                              <a:latin typeface="Cambria Math" panose="02040503050406030204" pitchFamily="18" charset="0"/>
+                              <a:cs typeface="Times New Roman" panose="02020603050405020304" pitchFamily="18" charset="0"/>
+                            </a:rPr>
+                          </m:ctrlPr>
+                        </m:dPr>
+                        <m:e>
+                          <m:r>
+                            <a:rPr lang="en-US" b="1" i="1" smtClean="0">
+                              <a:latin typeface="Cambria Math" panose="02040503050406030204" pitchFamily="18" charset="0"/>
+                              <a:cs typeface="Times New Roman" panose="02020603050405020304" pitchFamily="18" charset="0"/>
+                            </a:rPr>
+                            <m:t>𝒙</m:t>
+                          </m:r>
+                        </m:e>
+                        <m:e>
+                          <m:r>
+                            <a:rPr lang="en-US" b="1" i="1" smtClean="0">
+                              <a:latin typeface="Cambria Math" panose="02040503050406030204" pitchFamily="18" charset="0"/>
+                              <a:cs typeface="Times New Roman" panose="02020603050405020304" pitchFamily="18" charset="0"/>
+                            </a:rPr>
+                            <m:t>𝜽</m:t>
+                          </m:r>
+                        </m:e>
+                      </m:d>
+                      <m:r>
+                        <a:rPr lang="en-US" b="0" i="1" smtClean="0">
+                          <a:latin typeface="Cambria Math" panose="02040503050406030204" pitchFamily="18" charset="0"/>
+                          <a:cs typeface="Times New Roman" panose="02020603050405020304" pitchFamily="18" charset="0"/>
+                        </a:rPr>
+                        <m:t>=</m:t>
+                      </m:r>
+                      <m:r>
+                        <a:rPr lang="en-US" b="0" i="1" smtClean="0">
+                          <a:latin typeface="Cambria Math" panose="02040503050406030204" pitchFamily="18" charset="0"/>
+                          <a:cs typeface="Times New Roman" panose="02020603050405020304" pitchFamily="18" charset="0"/>
+                        </a:rPr>
+                        <m:t>𝑏</m:t>
+                      </m:r>
+                      <m:d>
+                        <m:dPr>
+                          <m:ctrlPr>
+                            <a:rPr lang="en-US" b="0" i="1" smtClean="0">
+                              <a:latin typeface="Cambria Math" panose="02040503050406030204" pitchFamily="18" charset="0"/>
+                              <a:cs typeface="Times New Roman" panose="02020603050405020304" pitchFamily="18" charset="0"/>
+                            </a:rPr>
+                          </m:ctrlPr>
+                        </m:dPr>
+                        <m:e>
+                          <m:r>
+                            <a:rPr lang="en-US" b="1" i="1" smtClean="0">
+                              <a:latin typeface="Cambria Math" panose="02040503050406030204" pitchFamily="18" charset="0"/>
+                              <a:cs typeface="Times New Roman" panose="02020603050405020304" pitchFamily="18" charset="0"/>
+                            </a:rPr>
+                            <m:t>𝒙</m:t>
+                          </m:r>
+                        </m:e>
+                      </m:d>
+                      <m:sSup>
+                        <m:sSupPr>
+                          <m:ctrlPr>
+                            <a:rPr lang="en-US" b="0" i="1" smtClean="0">
+                              <a:latin typeface="Cambria Math" panose="02040503050406030204" pitchFamily="18" charset="0"/>
+                              <a:cs typeface="Times New Roman" panose="02020603050405020304" pitchFamily="18" charset="0"/>
+                            </a:rPr>
+                          </m:ctrlPr>
+                        </m:sSupPr>
+                        <m:e>
+                          <m:r>
+                            <a:rPr lang="en-US" b="0" i="1" smtClean="0">
+                              <a:latin typeface="Cambria Math" panose="02040503050406030204" pitchFamily="18" charset="0"/>
+                              <a:cs typeface="Times New Roman" panose="02020603050405020304" pitchFamily="18" charset="0"/>
+                            </a:rPr>
+                            <m:t>𝑒</m:t>
+                          </m:r>
+                        </m:e>
+                        <m:sup>
+                          <m:d>
+                            <m:dPr>
+                              <m:ctrlPr>
+                                <a:rPr lang="en-US" b="0" i="1" smtClean="0">
+                                  <a:latin typeface="Cambria Math" panose="02040503050406030204" pitchFamily="18" charset="0"/>
+                                  <a:cs typeface="Times New Roman" panose="02020603050405020304" pitchFamily="18" charset="0"/>
+                                </a:rPr>
+                              </m:ctrlPr>
+                            </m:dPr>
+                            <m:e>
+                              <m:r>
+                                <a:rPr lang="en-US" b="1" i="1" smtClean="0">
+                                  <a:latin typeface="Cambria Math" panose="02040503050406030204" pitchFamily="18" charset="0"/>
+                                  <a:cs typeface="Times New Roman" panose="02020603050405020304" pitchFamily="18" charset="0"/>
+                                </a:rPr>
+                                <m:t>𝜽</m:t>
+                              </m:r>
+                              <m:r>
+                                <a:rPr lang="en-US" b="1" i="1" smtClean="0">
+                                  <a:latin typeface="Cambria Math" panose="02040503050406030204" pitchFamily="18" charset="0"/>
+                                  <a:cs typeface="Times New Roman" panose="02020603050405020304" pitchFamily="18" charset="0"/>
+                                </a:rPr>
+                                <m:t>𝒕</m:t>
+                              </m:r>
+                              <m:sSup>
+                                <m:sSupPr>
+                                  <m:ctrlPr>
+                                    <a:rPr lang="en-US" b="1" i="1" smtClean="0">
+                                      <a:latin typeface="Cambria Math" panose="02040503050406030204" pitchFamily="18" charset="0"/>
+                                      <a:cs typeface="Times New Roman" panose="02020603050405020304" pitchFamily="18" charset="0"/>
+                                    </a:rPr>
+                                  </m:ctrlPr>
+                                </m:sSupPr>
+                                <m:e>
+                                  <m:d>
+                                    <m:dPr>
+                                      <m:ctrlPr>
+                                        <a:rPr lang="en-US" b="1" i="1" smtClean="0">
+                                          <a:latin typeface="Cambria Math" panose="02040503050406030204" pitchFamily="18" charset="0"/>
+                                          <a:cs typeface="Times New Roman" panose="02020603050405020304" pitchFamily="18" charset="0"/>
+                                        </a:rPr>
+                                      </m:ctrlPr>
+                                    </m:dPr>
+                                    <m:e>
+                                      <m:r>
+                                        <a:rPr lang="en-US" b="1" i="1" smtClean="0">
+                                          <a:latin typeface="Cambria Math" panose="02040503050406030204" pitchFamily="18" charset="0"/>
+                                          <a:cs typeface="Times New Roman" panose="02020603050405020304" pitchFamily="18" charset="0"/>
+                                        </a:rPr>
+                                        <m:t>𝒙</m:t>
+                                      </m:r>
+                                    </m:e>
+                                  </m:d>
+                                </m:e>
+                                <m:sup>
+                                  <m:r>
+                                    <a:rPr lang="en-US" b="1" i="1" smtClean="0">
+                                      <a:latin typeface="Cambria Math" panose="02040503050406030204" pitchFamily="18" charset="0"/>
+                                      <a:cs typeface="Times New Roman" panose="02020603050405020304" pitchFamily="18" charset="0"/>
+                                    </a:rPr>
+                                    <m:t>𝑻</m:t>
+                                  </m:r>
+                                </m:sup>
+                              </m:sSup>
+                            </m:e>
+                          </m:d>
+                        </m:sup>
+                      </m:sSup>
+                      <m:r>
+                        <a:rPr lang="en-US" b="0" i="1" smtClean="0">
+                          <a:latin typeface="Cambria Math" panose="02040503050406030204" pitchFamily="18" charset="0"/>
+                          <a:cs typeface="Times New Roman" panose="02020603050405020304" pitchFamily="18" charset="0"/>
+                        </a:rPr>
+                        <m:t>𝑎</m:t>
+                      </m:r>
+                      <m:sSup>
+                        <m:sSupPr>
+                          <m:ctrlPr>
+                            <a:rPr lang="en-US" b="1" i="1" smtClean="0">
+                              <a:latin typeface="Cambria Math" panose="02040503050406030204" pitchFamily="18" charset="0"/>
+                              <a:cs typeface="Times New Roman" panose="02020603050405020304" pitchFamily="18" charset="0"/>
+                            </a:rPr>
+                          </m:ctrlPr>
+                        </m:sSupPr>
+                        <m:e>
+                          <m:d>
+                            <m:dPr>
+                              <m:ctrlPr>
+                                <a:rPr lang="en-US" b="0" i="1" smtClean="0">
+                                  <a:latin typeface="Cambria Math" panose="02040503050406030204" pitchFamily="18" charset="0"/>
+                                  <a:cs typeface="Times New Roman" panose="02020603050405020304" pitchFamily="18" charset="0"/>
+                                </a:rPr>
+                              </m:ctrlPr>
+                            </m:dPr>
+                            <m:e>
+                              <m:r>
+                                <a:rPr lang="en-US" b="1" i="1" smtClean="0">
+                                  <a:latin typeface="Cambria Math" panose="02040503050406030204" pitchFamily="18" charset="0"/>
+                                  <a:cs typeface="Times New Roman" panose="02020603050405020304" pitchFamily="18" charset="0"/>
+                                </a:rPr>
+                                <m:t>𝜽</m:t>
+                              </m:r>
+                            </m:e>
+                          </m:d>
+                        </m:e>
+                        <m:sup>
+                          <m:r>
+                            <a:rPr lang="en-US" b="1" i="1" smtClean="0">
+                              <a:latin typeface="Cambria Math" panose="02040503050406030204" pitchFamily="18" charset="0"/>
+                              <a:cs typeface="Times New Roman" panose="02020603050405020304" pitchFamily="18" charset="0"/>
+                            </a:rPr>
+                            <m:t>−</m:t>
+                          </m:r>
+                          <m:r>
+                            <a:rPr lang="en-US" b="1" i="1" smtClean="0">
+                              <a:latin typeface="Cambria Math" panose="02040503050406030204" pitchFamily="18" charset="0"/>
+                              <a:cs typeface="Times New Roman" panose="02020603050405020304" pitchFamily="18" charset="0"/>
+                            </a:rPr>
+                            <m:t>𝟏</m:t>
+                          </m:r>
+                        </m:sup>
+                      </m:sSup>
+                    </m:oMath>
+                  </m:oMathPara>
+                </a14:m>
+                <a:endParaRPr lang="en-US" dirty="0" smtClean="0">
+                  <a:latin typeface="Times New Roman" panose="02020603050405020304" pitchFamily="18" charset="0"/>
+                  <a:cs typeface="Times New Roman" panose="02020603050405020304" pitchFamily="18" charset="0"/>
+                </a:endParaRPr>
+              </a:p>
+            </p:txBody>
+          </p:sp>
+        </mc:Choice>
+        <mc:Fallback>
+          <p:sp>
+            <p:nvSpPr>
+              <p:cNvPr id="3" name="TextBox 2"/>
+              <p:cNvSpPr txBox="1">
+                <a:spLocks noRot="1" noChangeAspect="1" noMove="1" noResize="1" noEditPoints="1" noAdjustHandles="1" noChangeArrowheads="1" noChangeShapeType="1" noTextEdit="1"/>
+              </p:cNvSpPr>
+              <p:nvPr/>
+            </p:nvSpPr>
+            <p:spPr>
+              <a:xfrm>
+                <a:off x="399010" y="1047404"/>
+                <a:ext cx="11114117" cy="3739742"/>
+              </a:xfrm>
+              <a:prstGeom prst="rect">
+                <a:avLst/>
+              </a:prstGeom>
+              <a:blipFill>
+                <a:blip r:embed="rId2"/>
+                <a:stretch>
+                  <a:fillRect l="-329" t="-979" b="-653"/>
+                </a:stretch>
+              </a:blipFill>
+            </p:spPr>
+            <p:txBody>
+              <a:bodyPr/>
+              <a:lstStyle/>
+              <a:p>
+                <a:r>
+                  <a:rPr lang="en-US">
+                    <a:noFill/>
+                  </a:rPr>
+                  <a:t> </a:t>
+                </a:r>
+              </a:p>
+            </p:txBody>
+          </p:sp>
+        </mc:Fallback>
+      </mc:AlternateContent>
+      <p:grpSp>
+        <p:nvGrpSpPr>
+          <p:cNvPr id="120" name="Group 119"/>
+          <p:cNvGrpSpPr/>
+          <p:nvPr/>
+        </p:nvGrpSpPr>
+        <p:grpSpPr>
+          <a:xfrm>
+            <a:off x="9974580" y="70052"/>
+            <a:ext cx="2350770" cy="1876858"/>
+            <a:chOff x="1927860" y="2761817"/>
+            <a:chExt cx="2350770" cy="1876858"/>
+          </a:xfrm>
+        </p:grpSpPr>
+        <mc:AlternateContent xmlns:mc="http://schemas.openxmlformats.org/markup-compatibility/2006">
+          <mc:Choice xmlns:a14="http://schemas.microsoft.com/office/drawing/2010/main" Requires="a14">
+            <p:sp>
+              <p:nvSpPr>
+                <p:cNvPr id="33" name="TextBox 32"/>
+                <p:cNvSpPr txBox="1"/>
+                <p:nvPr/>
+              </p:nvSpPr>
+              <p:spPr>
+                <a:xfrm>
+                  <a:off x="1927860" y="3404870"/>
+                  <a:ext cx="1531620" cy="369332"/>
+                </a:xfrm>
+                <a:prstGeom prst="rect">
+                  <a:avLst/>
+                </a:prstGeom>
+                <a:noFill/>
+              </p:spPr>
+              <p:txBody>
+                <a:bodyPr wrap="square" rtlCol="0">
+                  <a:spAutoFit/>
+                </a:bodyPr>
+                <a:lstStyle/>
+                <a:p>
+                  <a14:m>
+                    <m:oMathPara xmlns:m="http://schemas.openxmlformats.org/officeDocument/2006/math">
+                      <m:oMathParaPr>
+                        <m:jc m:val="centerGroup"/>
+                      </m:oMathParaPr>
+                      <m:oMath xmlns:m="http://schemas.openxmlformats.org/officeDocument/2006/math">
+                        <m:r>
+                          <a:rPr lang="en-US" i="1" smtClean="0">
+                            <a:latin typeface="Cambria Math" panose="02040503050406030204" pitchFamily="18" charset="0"/>
+                          </a:rPr>
+                          <m:t>𝒳</m:t>
+                        </m:r>
+                      </m:oMath>
+                    </m:oMathPara>
+                  </a14:m>
+                  <a:endParaRPr lang="en-US" dirty="0"/>
+                </a:p>
+              </p:txBody>
+            </p:sp>
+          </mc:Choice>
+          <mc:Fallback>
+            <p:sp>
+              <p:nvSpPr>
+                <p:cNvPr id="33" name="TextBox 32"/>
+                <p:cNvSpPr txBox="1">
+                  <a:spLocks noRot="1" noChangeAspect="1" noMove="1" noResize="1" noEditPoints="1" noAdjustHandles="1" noChangeArrowheads="1" noChangeShapeType="1" noTextEdit="1"/>
+                </p:cNvSpPr>
+                <p:nvPr/>
+              </p:nvSpPr>
+              <p:spPr>
+                <a:xfrm>
+                  <a:off x="1927860" y="3404870"/>
+                  <a:ext cx="1531620" cy="369332"/>
+                </a:xfrm>
+                <a:prstGeom prst="rect">
+                  <a:avLst/>
+                </a:prstGeom>
+                <a:blipFill>
+                  <a:blip r:embed="rId3"/>
+                  <a:stretch>
+                    <a:fillRect/>
+                  </a:stretch>
+                </a:blipFill>
+              </p:spPr>
+              <p:txBody>
+                <a:bodyPr/>
+                <a:lstStyle/>
+                <a:p>
+                  <a:r>
+                    <a:rPr lang="en-US">
+                      <a:noFill/>
+                    </a:rPr>
+                    <a:t> </a:t>
+                  </a:r>
+                </a:p>
+              </p:txBody>
+            </p:sp>
+          </mc:Fallback>
+        </mc:AlternateContent>
+        <p:grpSp>
+          <p:nvGrpSpPr>
+            <p:cNvPr id="119" name="Group 118"/>
+            <p:cNvGrpSpPr/>
+            <p:nvPr/>
+          </p:nvGrpSpPr>
+          <p:grpSpPr>
+            <a:xfrm>
+              <a:off x="2376749" y="2761817"/>
+              <a:ext cx="1901881" cy="1876858"/>
+              <a:chOff x="2376749" y="2761817"/>
+              <a:chExt cx="1901881" cy="1876858"/>
+            </a:xfrm>
+          </p:grpSpPr>
+          <p:sp>
+            <p:nvSpPr>
+              <p:cNvPr id="5" name="Oval 4"/>
+              <p:cNvSpPr/>
+              <p:nvPr/>
+            </p:nvSpPr>
+            <p:spPr>
+              <a:xfrm>
+                <a:off x="3311542" y="3836194"/>
+                <a:ext cx="415115" cy="738188"/>
+              </a:xfrm>
+              <a:prstGeom prst="ellipse">
+                <a:avLst/>
+              </a:prstGeom>
+              <a:solidFill>
+                <a:srgbClr val="FFC000"/>
+              </a:solidFill>
+            </p:spPr>
+            <p:style>
+              <a:lnRef idx="2">
+                <a:schemeClr val="accent1">
+                  <a:shade val="50000"/>
+                </a:schemeClr>
+              </a:lnRef>
+              <a:fillRef idx="1">
+                <a:schemeClr val="accent1"/>
+              </a:fillRef>
+              <a:effectRef idx="0">
+                <a:schemeClr val="accent1"/>
+              </a:effectRef>
+              <a:fontRef idx="minor">
+                <a:schemeClr val="lt1"/>
+              </a:fontRef>
+            </p:style>
+            <p:txBody>
+              <a:bodyPr rtlCol="0" anchor="ctr"/>
+              <a:lstStyle/>
+              <a:p>
+                <a:pPr algn="ctr"/>
+                <a:endParaRPr lang="en-US"/>
+              </a:p>
+            </p:txBody>
+          </p:sp>
+          <p:sp>
+            <p:nvSpPr>
+              <p:cNvPr id="18" name="Oval 17"/>
+              <p:cNvSpPr/>
+              <p:nvPr/>
+            </p:nvSpPr>
+            <p:spPr>
+              <a:xfrm>
+                <a:off x="3524853" y="3932093"/>
+                <a:ext cx="49877" cy="49877"/>
+              </a:xfrm>
+              <a:prstGeom prst="ellipse">
+                <a:avLst/>
+              </a:prstGeom>
+              <a:solidFill>
+                <a:schemeClr val="accent5">
+                  <a:lumMod val="50000"/>
+                </a:schemeClr>
+              </a:solidFill>
+              <a:ln>
+                <a:solidFill>
+                  <a:schemeClr val="accent5">
+                    <a:lumMod val="50000"/>
+                  </a:schemeClr>
+                </a:solidFill>
+              </a:ln>
+            </p:spPr>
+            <p:style>
+              <a:lnRef idx="2">
+                <a:schemeClr val="accent1">
+                  <a:shade val="50000"/>
+                </a:schemeClr>
+              </a:lnRef>
+              <a:fillRef idx="1">
+                <a:schemeClr val="accent1"/>
+              </a:fillRef>
+              <a:effectRef idx="0">
+                <a:schemeClr val="accent1"/>
+              </a:effectRef>
+              <a:fontRef idx="minor">
+                <a:schemeClr val="lt1"/>
+              </a:fontRef>
+            </p:style>
+            <p:txBody>
+              <a:bodyPr rtlCol="0" anchor="ctr"/>
+              <a:lstStyle/>
+              <a:p>
+                <a:pPr algn="ctr"/>
+                <a:endParaRPr lang="en-US"/>
+              </a:p>
+            </p:txBody>
+          </p:sp>
+          <p:grpSp>
+            <p:nvGrpSpPr>
+              <p:cNvPr id="111" name="Group 110"/>
+              <p:cNvGrpSpPr/>
+              <p:nvPr/>
+            </p:nvGrpSpPr>
+            <p:grpSpPr>
+              <a:xfrm>
+                <a:off x="2376749" y="3746788"/>
+                <a:ext cx="550602" cy="891887"/>
+                <a:chOff x="1525849" y="3070513"/>
+                <a:chExt cx="550602" cy="891887"/>
+              </a:xfrm>
+            </p:grpSpPr>
+            <p:sp>
+              <p:nvSpPr>
+                <p:cNvPr id="4" name="Oval 3"/>
+                <p:cNvSpPr/>
+                <p:nvPr/>
+              </p:nvSpPr>
+              <p:spPr>
+                <a:xfrm>
+                  <a:off x="1525849" y="3070513"/>
+                  <a:ext cx="550602" cy="891887"/>
+                </a:xfrm>
+                <a:prstGeom prst="ellipse">
+                  <a:avLst/>
+                </a:prstGeom>
+                <a:ln>
+                  <a:solidFill>
+                    <a:schemeClr val="bg1">
+                      <a:lumMod val="10000"/>
+                    </a:schemeClr>
+                  </a:solidFill>
+                </a:ln>
+              </p:spPr>
+              <p:style>
+                <a:lnRef idx="2">
+                  <a:schemeClr val="accent1">
+                    <a:shade val="50000"/>
+                  </a:schemeClr>
+                </a:lnRef>
+                <a:fillRef idx="1">
+                  <a:schemeClr val="accent1"/>
+                </a:fillRef>
+                <a:effectRef idx="0">
+                  <a:schemeClr val="accent1"/>
+                </a:effectRef>
+                <a:fontRef idx="minor">
+                  <a:schemeClr val="lt1"/>
+                </a:fontRef>
+              </p:style>
+              <p:txBody>
+                <a:bodyPr rtlCol="0" anchor="ctr"/>
+                <a:lstStyle/>
+                <a:p>
+                  <a:pPr algn="ctr"/>
+                  <a:endParaRPr lang="en-US"/>
+                </a:p>
+              </p:txBody>
+            </p:sp>
+            <p:cxnSp>
+              <p:nvCxnSpPr>
+                <p:cNvPr id="7" name="Straight Connector 6"/>
+                <p:cNvCxnSpPr>
+                  <a:stCxn id="4" idx="1"/>
+                  <a:endCxn id="4" idx="7"/>
+                </p:cNvCxnSpPr>
+                <p:nvPr/>
+              </p:nvCxnSpPr>
+              <p:spPr>
+                <a:xfrm>
+                  <a:off x="1606483" y="3201127"/>
+                  <a:ext cx="389334" cy="0"/>
+                </a:xfrm>
+                <a:prstGeom prst="line">
+                  <a:avLst/>
+                </a:prstGeom>
+                <a:ln w="28575">
+                  <a:solidFill>
+                    <a:schemeClr val="bg1">
+                      <a:lumMod val="10000"/>
+                    </a:schemeClr>
+                  </a:solidFill>
+                </a:ln>
+              </p:spPr>
+              <p:style>
+                <a:lnRef idx="1">
+                  <a:schemeClr val="accent1"/>
+                </a:lnRef>
+                <a:fillRef idx="0">
+                  <a:schemeClr val="accent1"/>
+                </a:fillRef>
+                <a:effectRef idx="0">
+                  <a:schemeClr val="accent1"/>
+                </a:effectRef>
+                <a:fontRef idx="minor">
+                  <a:schemeClr val="tx1"/>
+                </a:fontRef>
+              </p:style>
+            </p:cxnSp>
+            <p:cxnSp>
+              <p:nvCxnSpPr>
+                <p:cNvPr id="10" name="Straight Connector 9"/>
+                <p:cNvCxnSpPr>
+                  <a:stCxn id="4" idx="3"/>
+                  <a:endCxn id="4" idx="5"/>
+                </p:cNvCxnSpPr>
+                <p:nvPr/>
+              </p:nvCxnSpPr>
+              <p:spPr>
+                <a:xfrm>
+                  <a:off x="1606483" y="3831786"/>
+                  <a:ext cx="389334" cy="0"/>
+                </a:xfrm>
+                <a:prstGeom prst="line">
+                  <a:avLst/>
+                </a:prstGeom>
+                <a:ln w="28575">
+                  <a:solidFill>
+                    <a:schemeClr val="bg1">
+                      <a:lumMod val="10000"/>
+                    </a:schemeClr>
+                  </a:solidFill>
+                </a:ln>
+              </p:spPr>
+              <p:style>
+                <a:lnRef idx="1">
+                  <a:schemeClr val="accent1"/>
+                </a:lnRef>
+                <a:fillRef idx="0">
+                  <a:schemeClr val="accent1"/>
+                </a:fillRef>
+                <a:effectRef idx="0">
+                  <a:schemeClr val="accent1"/>
+                </a:effectRef>
+                <a:fontRef idx="minor">
+                  <a:schemeClr val="tx1"/>
+                </a:fontRef>
+              </p:style>
+            </p:cxnSp>
+            <p:sp>
+              <p:nvSpPr>
+                <p:cNvPr id="12" name="Oval 11"/>
+                <p:cNvSpPr/>
+                <p:nvPr/>
+              </p:nvSpPr>
+              <p:spPr>
+                <a:xfrm>
+                  <a:off x="1725136" y="3583362"/>
+                  <a:ext cx="49877" cy="49877"/>
+                </a:xfrm>
+                <a:prstGeom prst="ellipse">
+                  <a:avLst/>
+                </a:prstGeom>
+                <a:solidFill>
+                  <a:srgbClr val="FFC000"/>
+                </a:solidFill>
+                <a:ln>
+                  <a:solidFill>
+                    <a:srgbClr val="FF0000"/>
+                  </a:solidFill>
+                </a:ln>
+              </p:spPr>
+              <p:style>
+                <a:lnRef idx="2">
+                  <a:schemeClr val="accent1">
+                    <a:shade val="50000"/>
+                  </a:schemeClr>
+                </a:lnRef>
+                <a:fillRef idx="1">
+                  <a:schemeClr val="accent1"/>
+                </a:fillRef>
+                <a:effectRef idx="0">
+                  <a:schemeClr val="accent1"/>
+                </a:effectRef>
+                <a:fontRef idx="minor">
+                  <a:schemeClr val="lt1"/>
+                </a:fontRef>
+              </p:style>
+              <p:txBody>
+                <a:bodyPr rtlCol="0" anchor="ctr"/>
+                <a:lstStyle/>
+                <a:p>
+                  <a:pPr algn="ctr"/>
+                  <a:endParaRPr lang="en-US"/>
+                </a:p>
+              </p:txBody>
+            </p:sp>
+            <p:sp>
+              <p:nvSpPr>
+                <p:cNvPr id="13" name="Oval 12"/>
+                <p:cNvSpPr/>
+                <p:nvPr/>
+              </p:nvSpPr>
+              <p:spPr>
+                <a:xfrm>
+                  <a:off x="1714702" y="3700433"/>
+                  <a:ext cx="49877" cy="49877"/>
+                </a:xfrm>
+                <a:prstGeom prst="ellipse">
+                  <a:avLst/>
+                </a:prstGeom>
+                <a:solidFill>
+                  <a:schemeClr val="accent6"/>
+                </a:solidFill>
+                <a:ln>
+                  <a:solidFill>
+                    <a:srgbClr val="7030A0"/>
+                  </a:solidFill>
+                </a:ln>
+              </p:spPr>
+              <p:style>
+                <a:lnRef idx="2">
+                  <a:schemeClr val="accent1">
+                    <a:shade val="50000"/>
+                  </a:schemeClr>
+                </a:lnRef>
+                <a:fillRef idx="1">
+                  <a:schemeClr val="accent1"/>
+                </a:fillRef>
+                <a:effectRef idx="0">
+                  <a:schemeClr val="accent1"/>
+                </a:effectRef>
+                <a:fontRef idx="minor">
+                  <a:schemeClr val="lt1"/>
+                </a:fontRef>
+              </p:style>
+              <p:txBody>
+                <a:bodyPr rtlCol="0" anchor="ctr"/>
+                <a:lstStyle/>
+                <a:p>
+                  <a:pPr algn="ctr"/>
+                  <a:endParaRPr lang="en-US"/>
+                </a:p>
+              </p:txBody>
+            </p:sp>
+            <p:sp>
+              <p:nvSpPr>
+                <p:cNvPr id="14" name="Oval 13"/>
+                <p:cNvSpPr/>
+                <p:nvPr/>
+              </p:nvSpPr>
+              <p:spPr>
+                <a:xfrm>
+                  <a:off x="1774076" y="3353376"/>
+                  <a:ext cx="49877" cy="49877"/>
+                </a:xfrm>
+                <a:prstGeom prst="ellipse">
+                  <a:avLst/>
+                </a:prstGeom>
+                <a:solidFill>
+                  <a:schemeClr val="accent2"/>
+                </a:solidFill>
+                <a:ln>
+                  <a:solidFill>
+                    <a:srgbClr val="92D050"/>
+                  </a:solidFill>
+                </a:ln>
+              </p:spPr>
+              <p:style>
+                <a:lnRef idx="2">
+                  <a:schemeClr val="accent1">
+                    <a:shade val="50000"/>
+                  </a:schemeClr>
+                </a:lnRef>
+                <a:fillRef idx="1">
+                  <a:schemeClr val="accent1"/>
+                </a:fillRef>
+                <a:effectRef idx="0">
+                  <a:schemeClr val="accent1"/>
+                </a:effectRef>
+                <a:fontRef idx="minor">
+                  <a:schemeClr val="lt1"/>
+                </a:fontRef>
+              </p:style>
+              <p:txBody>
+                <a:bodyPr rtlCol="0" anchor="ctr"/>
+                <a:lstStyle/>
+                <a:p>
+                  <a:pPr algn="ctr"/>
+                  <a:endParaRPr lang="en-US"/>
+                </a:p>
+              </p:txBody>
+            </p:sp>
+            <p:sp>
+              <p:nvSpPr>
+                <p:cNvPr id="15" name="Oval 14"/>
+                <p:cNvSpPr/>
+                <p:nvPr/>
+              </p:nvSpPr>
+              <p:spPr>
+                <a:xfrm>
+                  <a:off x="1683530" y="3848866"/>
+                  <a:ext cx="49877" cy="49877"/>
+                </a:xfrm>
+                <a:prstGeom prst="ellipse">
+                  <a:avLst/>
+                </a:prstGeom>
+                <a:solidFill>
+                  <a:schemeClr val="accent5">
+                    <a:lumMod val="75000"/>
+                  </a:schemeClr>
+                </a:solidFill>
+                <a:ln>
+                  <a:solidFill>
+                    <a:schemeClr val="accent5"/>
+                  </a:solidFill>
+                </a:ln>
+              </p:spPr>
+              <p:style>
+                <a:lnRef idx="2">
+                  <a:schemeClr val="accent1">
+                    <a:shade val="50000"/>
+                  </a:schemeClr>
+                </a:lnRef>
+                <a:fillRef idx="1">
+                  <a:schemeClr val="accent1"/>
+                </a:fillRef>
+                <a:effectRef idx="0">
+                  <a:schemeClr val="accent1"/>
+                </a:effectRef>
+                <a:fontRef idx="minor">
+                  <a:schemeClr val="lt1"/>
+                </a:fontRef>
+              </p:style>
+              <p:txBody>
+                <a:bodyPr rtlCol="0" anchor="ctr"/>
+                <a:lstStyle/>
+                <a:p>
+                  <a:pPr algn="ctr"/>
+                  <a:endParaRPr lang="en-US"/>
+                </a:p>
+              </p:txBody>
+            </p:sp>
+            <p:sp>
+              <p:nvSpPr>
+                <p:cNvPr id="16" name="Oval 15"/>
+                <p:cNvSpPr/>
+                <p:nvPr/>
+              </p:nvSpPr>
+              <p:spPr>
+                <a:xfrm>
+                  <a:off x="1786528" y="3083501"/>
+                  <a:ext cx="49877" cy="49877"/>
+                </a:xfrm>
+                <a:prstGeom prst="ellipse">
+                  <a:avLst/>
+                </a:prstGeom>
+                <a:solidFill>
+                  <a:schemeClr val="accent4"/>
+                </a:solidFill>
+                <a:ln>
+                  <a:solidFill>
+                    <a:schemeClr val="accent4">
+                      <a:lumMod val="50000"/>
+                    </a:schemeClr>
+                  </a:solidFill>
+                </a:ln>
+              </p:spPr>
+              <p:style>
+                <a:lnRef idx="2">
+                  <a:schemeClr val="accent1">
+                    <a:shade val="50000"/>
+                  </a:schemeClr>
+                </a:lnRef>
+                <a:fillRef idx="1">
+                  <a:schemeClr val="accent1"/>
+                </a:fillRef>
+                <a:effectRef idx="0">
+                  <a:schemeClr val="accent1"/>
+                </a:effectRef>
+                <a:fontRef idx="minor">
+                  <a:schemeClr val="lt1"/>
+                </a:fontRef>
+              </p:style>
+              <p:txBody>
+                <a:bodyPr rtlCol="0" anchor="ctr"/>
+                <a:lstStyle/>
+                <a:p>
+                  <a:pPr algn="ctr"/>
+                  <a:endParaRPr lang="en-US"/>
+                </a:p>
+              </p:txBody>
+            </p:sp>
+            <p:sp>
+              <p:nvSpPr>
+                <p:cNvPr id="17" name="Oval 16"/>
+                <p:cNvSpPr/>
+                <p:nvPr/>
+              </p:nvSpPr>
+              <p:spPr>
+                <a:xfrm>
+                  <a:off x="1718657" y="3127548"/>
+                  <a:ext cx="49877" cy="49877"/>
+                </a:xfrm>
+                <a:prstGeom prst="ellipse">
+                  <a:avLst/>
+                </a:prstGeom>
+                <a:solidFill>
+                  <a:srgbClr val="FF0000"/>
+                </a:solidFill>
+                <a:ln>
+                  <a:solidFill>
+                    <a:srgbClr val="FFC000"/>
+                  </a:solidFill>
+                </a:ln>
+              </p:spPr>
+              <p:style>
+                <a:lnRef idx="2">
+                  <a:schemeClr val="accent1">
+                    <a:shade val="50000"/>
+                  </a:schemeClr>
+                </a:lnRef>
+                <a:fillRef idx="1">
+                  <a:schemeClr val="accent1"/>
+                </a:fillRef>
+                <a:effectRef idx="0">
+                  <a:schemeClr val="accent1"/>
+                </a:effectRef>
+                <a:fontRef idx="minor">
+                  <a:schemeClr val="lt1"/>
+                </a:fontRef>
+              </p:style>
+              <p:txBody>
+                <a:bodyPr rtlCol="0" anchor="ctr"/>
+                <a:lstStyle/>
+                <a:p>
+                  <a:pPr algn="ctr"/>
+                  <a:endParaRPr lang="en-US"/>
+                </a:p>
+              </p:txBody>
+            </p:sp>
+            <p:sp>
+              <p:nvSpPr>
+                <p:cNvPr id="19" name="Oval 18"/>
+                <p:cNvSpPr/>
+                <p:nvPr/>
+              </p:nvSpPr>
+              <p:spPr>
+                <a:xfrm>
+                  <a:off x="1809404" y="3894543"/>
+                  <a:ext cx="49877" cy="49877"/>
+                </a:xfrm>
+                <a:prstGeom prst="ellipse">
+                  <a:avLst/>
+                </a:prstGeom>
+                <a:solidFill>
+                  <a:schemeClr val="accent4"/>
+                </a:solidFill>
+                <a:ln>
+                  <a:solidFill>
+                    <a:schemeClr val="accent4">
+                      <a:lumMod val="50000"/>
+                    </a:schemeClr>
+                  </a:solidFill>
+                </a:ln>
+              </p:spPr>
+              <p:style>
+                <a:lnRef idx="2">
+                  <a:schemeClr val="accent1">
+                    <a:shade val="50000"/>
+                  </a:schemeClr>
+                </a:lnRef>
+                <a:fillRef idx="1">
+                  <a:schemeClr val="accent1"/>
+                </a:fillRef>
+                <a:effectRef idx="0">
+                  <a:schemeClr val="accent1"/>
+                </a:effectRef>
+                <a:fontRef idx="minor">
+                  <a:schemeClr val="lt1"/>
+                </a:fontRef>
+              </p:style>
+              <p:txBody>
+                <a:bodyPr rtlCol="0" anchor="ctr"/>
+                <a:lstStyle/>
+                <a:p>
+                  <a:pPr algn="ctr"/>
+                  <a:endParaRPr lang="en-US"/>
+                </a:p>
+              </p:txBody>
+            </p:sp>
+          </p:grpSp>
+          <p:cxnSp>
+            <p:nvCxnSpPr>
+              <p:cNvPr id="22" name="Straight Arrow Connector 21"/>
+              <p:cNvCxnSpPr>
+                <a:stCxn id="16" idx="6"/>
+                <a:endCxn id="18" idx="2"/>
+              </p:cNvCxnSpPr>
+              <p:nvPr/>
+            </p:nvCxnSpPr>
+            <p:spPr>
+              <a:xfrm>
+                <a:off x="2687305" y="3784715"/>
+                <a:ext cx="837548" cy="172317"/>
+              </a:xfrm>
+              <a:prstGeom prst="straightConnector1">
+                <a:avLst/>
+              </a:prstGeom>
+              <a:ln w="12700">
+                <a:solidFill>
+                  <a:schemeClr val="bg1">
+                    <a:lumMod val="10000"/>
+                  </a:schemeClr>
+                </a:solidFill>
+                <a:tailEnd type="triangle"/>
+              </a:ln>
+            </p:spPr>
+            <p:style>
+              <a:lnRef idx="1">
+                <a:schemeClr val="accent1"/>
+              </a:lnRef>
+              <a:fillRef idx="0">
+                <a:schemeClr val="accent1"/>
+              </a:fillRef>
+              <a:effectRef idx="0">
+                <a:schemeClr val="accent1"/>
+              </a:effectRef>
+              <a:fontRef idx="minor">
+                <a:schemeClr val="tx1"/>
+              </a:fontRef>
+            </p:style>
+          </p:cxnSp>
+          <p:cxnSp>
+            <p:nvCxnSpPr>
+              <p:cNvPr id="30" name="Straight Arrow Connector 29"/>
+              <p:cNvCxnSpPr>
+                <a:stCxn id="17" idx="6"/>
+                <a:endCxn id="18" idx="2"/>
+              </p:cNvCxnSpPr>
+              <p:nvPr/>
+            </p:nvCxnSpPr>
+            <p:spPr>
+              <a:xfrm>
+                <a:off x="2619434" y="3828762"/>
+                <a:ext cx="905419" cy="128270"/>
+              </a:xfrm>
+              <a:prstGeom prst="straightConnector1">
+                <a:avLst/>
+              </a:prstGeom>
+              <a:ln w="12700">
+                <a:solidFill>
+                  <a:schemeClr val="bg1">
+                    <a:lumMod val="10000"/>
+                  </a:schemeClr>
+                </a:solidFill>
+                <a:tailEnd type="triangle"/>
+              </a:ln>
+            </p:spPr>
+            <p:style>
+              <a:lnRef idx="1">
+                <a:schemeClr val="accent1"/>
+              </a:lnRef>
+              <a:fillRef idx="0">
+                <a:schemeClr val="accent1"/>
+              </a:fillRef>
+              <a:effectRef idx="0">
+                <a:schemeClr val="accent1"/>
+              </a:effectRef>
+              <a:fontRef idx="minor">
+                <a:schemeClr val="tx1"/>
+              </a:fontRef>
+            </p:style>
+          </p:cxnSp>
+          <mc:AlternateContent xmlns:mc="http://schemas.openxmlformats.org/markup-compatibility/2006">
+            <mc:Choice xmlns:a14="http://schemas.microsoft.com/office/drawing/2010/main" Requires="a14">
+              <p:sp>
+                <p:nvSpPr>
+                  <p:cNvPr id="34" name="TextBox 33"/>
+                  <p:cNvSpPr txBox="1"/>
+                  <p:nvPr/>
+                </p:nvSpPr>
+                <p:spPr>
+                  <a:xfrm>
+                    <a:off x="2747010" y="3422650"/>
+                    <a:ext cx="1531620" cy="369332"/>
+                  </a:xfrm>
+                  <a:prstGeom prst="rect">
+                    <a:avLst/>
+                  </a:prstGeom>
+                  <a:noFill/>
+                </p:spPr>
+                <p:txBody>
+                  <a:bodyPr wrap="square" rtlCol="0">
+                    <a:spAutoFit/>
+                  </a:bodyPr>
+                  <a:lstStyle/>
+                  <a:p>
+                    <a14:m>
+                      <m:oMathPara xmlns:m="http://schemas.openxmlformats.org/officeDocument/2006/math">
+                        <m:oMathParaPr>
+                          <m:jc m:val="centerGroup"/>
+                        </m:oMathParaPr>
+                        <m:oMath xmlns:m="http://schemas.openxmlformats.org/officeDocument/2006/math">
+                          <m:r>
+                            <a:rPr lang="en-US" i="1" smtClean="0">
+                              <a:latin typeface="Cambria Math" panose="02040503050406030204" pitchFamily="18" charset="0"/>
+                            </a:rPr>
+                            <m:t>𝒴</m:t>
+                          </m:r>
+                        </m:oMath>
+                      </m:oMathPara>
+                    </a14:m>
+                    <a:endParaRPr lang="en-US" dirty="0"/>
+                  </a:p>
+                </p:txBody>
+              </p:sp>
+            </mc:Choice>
+            <mc:Fallback>
+              <p:sp>
+                <p:nvSpPr>
+                  <p:cNvPr id="34" name="TextBox 33"/>
+                  <p:cNvSpPr txBox="1">
+                    <a:spLocks noRot="1" noChangeAspect="1" noMove="1" noResize="1" noEditPoints="1" noAdjustHandles="1" noChangeArrowheads="1" noChangeShapeType="1" noTextEdit="1"/>
+                  </p:cNvSpPr>
+                  <p:nvPr/>
+                </p:nvSpPr>
+                <p:spPr>
+                  <a:xfrm>
+                    <a:off x="2747010" y="3422650"/>
+                    <a:ext cx="1531620" cy="369332"/>
+                  </a:xfrm>
+                  <a:prstGeom prst="rect">
+                    <a:avLst/>
+                  </a:prstGeom>
+                  <a:blipFill>
+                    <a:blip r:embed="rId4"/>
+                    <a:stretch>
+                      <a:fillRect b="-13333"/>
+                    </a:stretch>
+                  </a:blipFill>
+                </p:spPr>
+                <p:txBody>
+                  <a:bodyPr/>
+                  <a:lstStyle/>
+                  <a:p>
+                    <a:r>
+                      <a:rPr lang="en-US">
+                        <a:noFill/>
+                      </a:rPr>
+                      <a:t> </a:t>
+                    </a:r>
+                  </a:p>
+                </p:txBody>
+              </p:sp>
+            </mc:Fallback>
+          </mc:AlternateContent>
+          <p:sp>
+            <p:nvSpPr>
+              <p:cNvPr id="36" name="Oval 35"/>
+              <p:cNvSpPr/>
+              <p:nvPr/>
+            </p:nvSpPr>
+            <p:spPr>
+              <a:xfrm>
+                <a:off x="3527190" y="4159004"/>
+                <a:ext cx="49877" cy="49877"/>
+              </a:xfrm>
+              <a:prstGeom prst="ellipse">
+                <a:avLst/>
+              </a:prstGeom>
+              <a:solidFill>
+                <a:schemeClr val="tx2">
+                  <a:lumMod val="20000"/>
+                  <a:lumOff val="80000"/>
+                </a:schemeClr>
+              </a:solidFill>
+              <a:ln>
+                <a:solidFill>
+                  <a:srgbClr val="6CFFFF"/>
+                </a:solidFill>
+              </a:ln>
+            </p:spPr>
+            <p:style>
+              <a:lnRef idx="2">
+                <a:schemeClr val="accent1">
+                  <a:shade val="50000"/>
+                </a:schemeClr>
+              </a:lnRef>
+              <a:fillRef idx="1">
+                <a:schemeClr val="accent1"/>
+              </a:fillRef>
+              <a:effectRef idx="0">
+                <a:schemeClr val="accent1"/>
+              </a:effectRef>
+              <a:fontRef idx="minor">
+                <a:schemeClr val="lt1"/>
+              </a:fontRef>
+            </p:style>
+            <p:txBody>
+              <a:bodyPr rtlCol="0" anchor="ctr"/>
+              <a:lstStyle/>
+              <a:p>
+                <a:pPr algn="ctr"/>
+                <a:endParaRPr lang="en-US"/>
+              </a:p>
+            </p:txBody>
+          </p:sp>
+          <p:cxnSp>
+            <p:nvCxnSpPr>
+              <p:cNvPr id="37" name="Straight Arrow Connector 36"/>
+              <p:cNvCxnSpPr>
+                <a:stCxn id="13" idx="6"/>
+                <a:endCxn id="36" idx="2"/>
+              </p:cNvCxnSpPr>
+              <p:nvPr/>
+            </p:nvCxnSpPr>
+            <p:spPr>
+              <a:xfrm flipV="1">
+                <a:off x="2615479" y="4183943"/>
+                <a:ext cx="911711" cy="217704"/>
+              </a:xfrm>
+              <a:prstGeom prst="straightConnector1">
+                <a:avLst/>
+              </a:prstGeom>
+              <a:ln w="12700">
+                <a:solidFill>
+                  <a:srgbClr val="3CAF2C"/>
+                </a:solidFill>
+                <a:tailEnd type="triangle"/>
+              </a:ln>
+            </p:spPr>
+            <p:style>
+              <a:lnRef idx="1">
+                <a:schemeClr val="accent1"/>
+              </a:lnRef>
+              <a:fillRef idx="0">
+                <a:schemeClr val="accent1"/>
+              </a:fillRef>
+              <a:effectRef idx="0">
+                <a:schemeClr val="accent1"/>
+              </a:effectRef>
+              <a:fontRef idx="minor">
+                <a:schemeClr val="tx1"/>
+              </a:fontRef>
+            </p:style>
+          </p:cxnSp>
+          <p:cxnSp>
+            <p:nvCxnSpPr>
+              <p:cNvPr id="42" name="Straight Arrow Connector 41"/>
+              <p:cNvCxnSpPr>
+                <a:stCxn id="12" idx="6"/>
+                <a:endCxn id="36" idx="1"/>
+              </p:cNvCxnSpPr>
+              <p:nvPr/>
+            </p:nvCxnSpPr>
+            <p:spPr>
+              <a:xfrm flipV="1">
+                <a:off x="2625913" y="4166308"/>
+                <a:ext cx="908581" cy="118268"/>
+              </a:xfrm>
+              <a:prstGeom prst="straightConnector1">
+                <a:avLst/>
+              </a:prstGeom>
+              <a:ln w="12700">
+                <a:solidFill>
+                  <a:srgbClr val="3CAF2C"/>
+                </a:solidFill>
+                <a:tailEnd type="triangle"/>
+              </a:ln>
+            </p:spPr>
+            <p:style>
+              <a:lnRef idx="1">
+                <a:schemeClr val="accent1"/>
+              </a:lnRef>
+              <a:fillRef idx="0">
+                <a:schemeClr val="accent1"/>
+              </a:fillRef>
+              <a:effectRef idx="0">
+                <a:schemeClr val="accent1"/>
+              </a:effectRef>
+              <a:fontRef idx="minor">
+                <a:schemeClr val="tx1"/>
+              </a:fontRef>
+            </p:style>
+          </p:cxnSp>
+          <p:cxnSp>
+            <p:nvCxnSpPr>
+              <p:cNvPr id="45" name="Straight Arrow Connector 44"/>
+              <p:cNvCxnSpPr>
+                <a:stCxn id="14" idx="6"/>
+                <a:endCxn id="36" idx="2"/>
+              </p:cNvCxnSpPr>
+              <p:nvPr/>
+            </p:nvCxnSpPr>
+            <p:spPr>
+              <a:xfrm>
+                <a:off x="2674853" y="4054590"/>
+                <a:ext cx="852337" cy="129353"/>
+              </a:xfrm>
+              <a:prstGeom prst="straightConnector1">
+                <a:avLst/>
+              </a:prstGeom>
+              <a:ln w="12700">
+                <a:solidFill>
+                  <a:srgbClr val="3CAF2C"/>
+                </a:solidFill>
+                <a:tailEnd type="triangle"/>
+              </a:ln>
+            </p:spPr>
+            <p:style>
+              <a:lnRef idx="1">
+                <a:schemeClr val="accent1"/>
+              </a:lnRef>
+              <a:fillRef idx="0">
+                <a:schemeClr val="accent1"/>
+              </a:fillRef>
+              <a:effectRef idx="0">
+                <a:schemeClr val="accent1"/>
+              </a:effectRef>
+              <a:fontRef idx="minor">
+                <a:schemeClr val="tx1"/>
+              </a:fontRef>
+            </p:style>
+          </p:cxnSp>
+          <p:sp>
+            <p:nvSpPr>
+              <p:cNvPr id="49" name="TextBox 48"/>
+              <p:cNvSpPr txBox="1"/>
+              <p:nvPr/>
+            </p:nvSpPr>
+            <p:spPr>
+              <a:xfrm>
+                <a:off x="2441171" y="2761817"/>
+                <a:ext cx="1422169" cy="646331"/>
+              </a:xfrm>
+              <a:prstGeom prst="rect">
+                <a:avLst/>
+              </a:prstGeom>
+              <a:noFill/>
+            </p:spPr>
+            <p:txBody>
+              <a:bodyPr wrap="square" rtlCol="0">
+                <a:spAutoFit/>
+              </a:bodyPr>
+              <a:lstStyle/>
+              <a:p>
+                <a:r>
+                  <a:rPr lang="en-US" dirty="0" smtClean="0">
+                    <a:latin typeface="Times New Roman" panose="02020603050405020304" pitchFamily="18" charset="0"/>
+                    <a:cs typeface="Times New Roman" panose="02020603050405020304" pitchFamily="18" charset="0"/>
+                  </a:rPr>
+                  <a:t>Many-to-one relationship</a:t>
+                </a:r>
+                <a:endParaRPr lang="en-US" dirty="0">
+                  <a:latin typeface="Times New Roman" panose="02020603050405020304" pitchFamily="18" charset="0"/>
+                  <a:cs typeface="Times New Roman" panose="02020603050405020304" pitchFamily="18" charset="0"/>
+                </a:endParaRPr>
+              </a:p>
+            </p:txBody>
+          </p:sp>
+          <p:sp>
+            <p:nvSpPr>
+              <p:cNvPr id="50" name="Oval 49"/>
+              <p:cNvSpPr/>
+              <p:nvPr/>
+            </p:nvSpPr>
+            <p:spPr>
+              <a:xfrm>
+                <a:off x="3539486" y="4388081"/>
+                <a:ext cx="49877" cy="49877"/>
+              </a:xfrm>
+              <a:prstGeom prst="ellipse">
+                <a:avLst/>
+              </a:prstGeom>
+              <a:solidFill>
+                <a:srgbClr val="C00000"/>
+              </a:solidFill>
+              <a:ln>
+                <a:solidFill>
+                  <a:srgbClr val="FF0000"/>
+                </a:solidFill>
+              </a:ln>
+            </p:spPr>
+            <p:style>
+              <a:lnRef idx="2">
+                <a:schemeClr val="accent1">
+                  <a:shade val="50000"/>
+                </a:schemeClr>
+              </a:lnRef>
+              <a:fillRef idx="1">
+                <a:schemeClr val="accent1"/>
+              </a:fillRef>
+              <a:effectRef idx="0">
+                <a:schemeClr val="accent1"/>
+              </a:effectRef>
+              <a:fontRef idx="minor">
+                <a:schemeClr val="lt1"/>
+              </a:fontRef>
+            </p:style>
+            <p:txBody>
+              <a:bodyPr rtlCol="0" anchor="ctr"/>
+              <a:lstStyle/>
+              <a:p>
+                <a:pPr algn="ctr"/>
+                <a:endParaRPr lang="en-US"/>
+              </a:p>
+            </p:txBody>
+          </p:sp>
+          <p:cxnSp>
+            <p:nvCxnSpPr>
+              <p:cNvPr id="51" name="Straight Arrow Connector 50"/>
+              <p:cNvCxnSpPr>
+                <a:stCxn id="19" idx="6"/>
+                <a:endCxn id="50" idx="2"/>
+              </p:cNvCxnSpPr>
+              <p:nvPr/>
+            </p:nvCxnSpPr>
+            <p:spPr>
+              <a:xfrm flipV="1">
+                <a:off x="2710181" y="4413020"/>
+                <a:ext cx="829305" cy="182737"/>
+              </a:xfrm>
+              <a:prstGeom prst="straightConnector1">
+                <a:avLst/>
+              </a:prstGeom>
+              <a:ln w="12700">
+                <a:solidFill>
+                  <a:srgbClr val="FF0000"/>
+                </a:solidFill>
+                <a:tailEnd type="triangle"/>
+              </a:ln>
+            </p:spPr>
+            <p:style>
+              <a:lnRef idx="1">
+                <a:schemeClr val="accent1"/>
+              </a:lnRef>
+              <a:fillRef idx="0">
+                <a:schemeClr val="accent1"/>
+              </a:fillRef>
+              <a:effectRef idx="0">
+                <a:schemeClr val="accent1"/>
+              </a:effectRef>
+              <a:fontRef idx="minor">
+                <a:schemeClr val="tx1"/>
+              </a:fontRef>
+            </p:style>
+          </p:cxnSp>
+          <p:cxnSp>
+            <p:nvCxnSpPr>
+              <p:cNvPr id="54" name="Straight Arrow Connector 53"/>
+              <p:cNvCxnSpPr>
+                <a:stCxn id="15" idx="6"/>
+                <a:endCxn id="50" idx="3"/>
+              </p:cNvCxnSpPr>
+              <p:nvPr/>
+            </p:nvCxnSpPr>
+            <p:spPr>
+              <a:xfrm flipV="1">
+                <a:off x="2584307" y="4430654"/>
+                <a:ext cx="962483" cy="119426"/>
+              </a:xfrm>
+              <a:prstGeom prst="straightConnector1">
+                <a:avLst/>
+              </a:prstGeom>
+              <a:ln w="12700">
+                <a:solidFill>
+                  <a:srgbClr val="FF0000"/>
+                </a:solidFill>
+                <a:tailEnd type="triangle"/>
+              </a:ln>
+            </p:spPr>
+            <p:style>
+              <a:lnRef idx="1">
+                <a:schemeClr val="accent1"/>
+              </a:lnRef>
+              <a:fillRef idx="0">
+                <a:schemeClr val="accent1"/>
+              </a:fillRef>
+              <a:effectRef idx="0">
+                <a:schemeClr val="accent1"/>
+              </a:effectRef>
+              <a:fontRef idx="minor">
+                <a:schemeClr val="tx1"/>
+              </a:fontRef>
+            </p:style>
+          </p:cxnSp>
+        </p:grpSp>
+      </p:grpSp>
+      <p:sp>
+        <p:nvSpPr>
+          <p:cNvPr id="121" name="TextBox 120"/>
+          <p:cNvSpPr txBox="1"/>
+          <p:nvPr/>
+        </p:nvSpPr>
+        <p:spPr>
+          <a:xfrm>
+            <a:off x="0" y="6211669"/>
+            <a:ext cx="9629775" cy="646331"/>
+          </a:xfrm>
+          <a:prstGeom prst="rect">
+            <a:avLst/>
+          </a:prstGeom>
+          <a:noFill/>
+        </p:spPr>
+        <p:txBody>
+          <a:bodyPr wrap="square" rtlCol="0">
+            <a:spAutoFit/>
+          </a:bodyPr>
+          <a:lstStyle/>
+          <a:p>
+            <a:r>
+              <a:rPr lang="en-US" dirty="0" smtClean="0">
+                <a:latin typeface="Times New Roman" panose="02020603050405020304" pitchFamily="18" charset="0"/>
+                <a:cs typeface="Times New Roman" panose="02020603050405020304" pitchFamily="18" charset="0"/>
+              </a:rPr>
+              <a:t>These Expectation Maximization Notes Draw Heavily from “Maximum Likelihood from Incomplete Data via the EM Algorithm” by </a:t>
+            </a:r>
+            <a:r>
+              <a:rPr lang="en-US" dirty="0" err="1" smtClean="0">
+                <a:latin typeface="Times New Roman" panose="02020603050405020304" pitchFamily="18" charset="0"/>
+                <a:cs typeface="Times New Roman" panose="02020603050405020304" pitchFamily="18" charset="0"/>
+              </a:rPr>
+              <a:t>Dempster</a:t>
+            </a:r>
+            <a:r>
+              <a:rPr lang="en-US" dirty="0">
+                <a:latin typeface="Times New Roman" panose="02020603050405020304" pitchFamily="18" charset="0"/>
+                <a:cs typeface="Times New Roman" panose="02020603050405020304" pitchFamily="18" charset="0"/>
+              </a:rPr>
+              <a:t> Rubin and Laird (</a:t>
+            </a:r>
+            <a:r>
+              <a:rPr lang="en-US" dirty="0">
+                <a:latin typeface="Times New Roman" panose="02020603050405020304" pitchFamily="18" charset="0"/>
+                <a:cs typeface="Times New Roman" panose="02020603050405020304" pitchFamily="18" charset="0"/>
+                <a:hlinkClick r:id="rId5"/>
+              </a:rPr>
+              <a:t>https://</a:t>
+            </a:r>
+            <a:r>
+              <a:rPr lang="en-US" dirty="0" smtClean="0">
+                <a:latin typeface="Times New Roman" panose="02020603050405020304" pitchFamily="18" charset="0"/>
+                <a:cs typeface="Times New Roman" panose="02020603050405020304" pitchFamily="18" charset="0"/>
+                <a:hlinkClick r:id="rId5"/>
+              </a:rPr>
+              <a:t>www.jstor.org/stable/2984875</a:t>
+            </a:r>
+            <a:r>
+              <a:rPr lang="en-US" dirty="0" smtClean="0">
+                <a:latin typeface="Times New Roman" panose="02020603050405020304" pitchFamily="18" charset="0"/>
+                <a:cs typeface="Times New Roman" panose="02020603050405020304" pitchFamily="18" charset="0"/>
+              </a:rPr>
+              <a:t>) </a:t>
+            </a:r>
+            <a:endParaRPr lang="en-US" dirty="0">
+              <a:latin typeface="Times New Roman" panose="02020603050405020304" pitchFamily="18" charset="0"/>
+              <a:cs typeface="Times New Roman" panose="02020603050405020304" pitchFamily="18" charset="0"/>
+            </a:endParaRPr>
+          </a:p>
+        </p:txBody>
+      </p:sp>
+      <mc:AlternateContent xmlns:mc="http://schemas.openxmlformats.org/markup-compatibility/2006">
+        <mc:Choice xmlns:a14="http://schemas.microsoft.com/office/drawing/2010/main" Requires="a14">
+          <p:sp>
+            <p:nvSpPr>
+              <p:cNvPr id="122" name="TextBox 121"/>
+              <p:cNvSpPr txBox="1"/>
+              <p:nvPr/>
+            </p:nvSpPr>
+            <p:spPr>
+              <a:xfrm>
+                <a:off x="171450" y="4914900"/>
+                <a:ext cx="4667251" cy="1081643"/>
+              </a:xfrm>
+              <a:prstGeom prst="rect">
+                <a:avLst/>
+              </a:prstGeom>
+              <a:noFill/>
+              <a:ln>
+                <a:solidFill>
+                  <a:schemeClr val="bg1">
+                    <a:lumMod val="10000"/>
+                  </a:schemeClr>
+                </a:solidFill>
+              </a:ln>
+            </p:spPr>
+            <p:txBody>
+              <a:bodyPr wrap="square" rtlCol="0">
+                <a:spAutoFit/>
+              </a:bodyPr>
+              <a:lstStyle/>
+              <a:p>
+                <a14:m>
+                  <m:oMath xmlns:m="http://schemas.openxmlformats.org/officeDocument/2006/math">
+                    <m:r>
+                      <a:rPr lang="en-US" sz="1600" b="1" i="1" smtClean="0">
+                        <a:latin typeface="Cambria Math" panose="02040503050406030204" pitchFamily="18" charset="0"/>
+                      </a:rPr>
+                      <m:t>𝜽</m:t>
+                    </m:r>
+                  </m:oMath>
+                </a14:m>
+                <a:r>
+                  <a:rPr lang="en-US" sz="1600" b="1" dirty="0" smtClean="0">
+                    <a:latin typeface="Times New Roman" panose="02020603050405020304" pitchFamily="18" charset="0"/>
+                    <a:cs typeface="Times New Roman" panose="02020603050405020304" pitchFamily="18" charset="0"/>
+                  </a:rPr>
+                  <a:t> </a:t>
+                </a:r>
+                <a:r>
+                  <a:rPr lang="en-US" sz="1600" dirty="0" smtClean="0">
+                    <a:latin typeface="Times New Roman" panose="02020603050405020304" pitchFamily="18" charset="0"/>
+                    <a:cs typeface="Times New Roman" panose="02020603050405020304" pitchFamily="18" charset="0"/>
+                  </a:rPr>
+                  <a:t>is a parameter [column]-vector (of size </a:t>
+                </a:r>
+                <a14:m>
+                  <m:oMath xmlns:m="http://schemas.openxmlformats.org/officeDocument/2006/math">
+                    <m:r>
+                      <a:rPr lang="en-US" sz="1600" b="0" i="1" smtClean="0">
+                        <a:latin typeface="Cambria Math" panose="02040503050406030204" pitchFamily="18" charset="0"/>
+                      </a:rPr>
+                      <m:t>𝑟</m:t>
+                    </m:r>
+                  </m:oMath>
+                </a14:m>
+                <a:r>
+                  <a:rPr lang="en-US" sz="1600" dirty="0" smtClean="0">
+                    <a:latin typeface="Times New Roman" panose="02020603050405020304" pitchFamily="18" charset="0"/>
+                    <a:cs typeface="Times New Roman" panose="02020603050405020304" pitchFamily="18" charset="0"/>
+                  </a:rPr>
+                  <a:t>).</a:t>
+                </a:r>
+              </a:p>
+              <a:p>
+                <a14:m>
+                  <m:oMath xmlns:m="http://schemas.openxmlformats.org/officeDocument/2006/math">
+                    <m:r>
+                      <a:rPr lang="en-US" sz="1600" b="1" i="1" smtClean="0">
+                        <a:latin typeface="Cambria Math" panose="02040503050406030204" pitchFamily="18" charset="0"/>
+                        <a:cs typeface="Times New Roman" panose="02020603050405020304" pitchFamily="18" charset="0"/>
+                      </a:rPr>
+                      <m:t>𝒕</m:t>
+                    </m:r>
+                    <m:sSup>
+                      <m:sSupPr>
+                        <m:ctrlPr>
+                          <a:rPr lang="en-US" sz="1600" b="1" i="1" smtClean="0">
+                            <a:latin typeface="Cambria Math" panose="02040503050406030204" pitchFamily="18" charset="0"/>
+                            <a:cs typeface="Times New Roman" panose="02020603050405020304" pitchFamily="18" charset="0"/>
+                          </a:rPr>
+                        </m:ctrlPr>
+                      </m:sSupPr>
+                      <m:e>
+                        <m:d>
+                          <m:dPr>
+                            <m:ctrlPr>
+                              <a:rPr lang="en-US" sz="1600" b="1" i="1" smtClean="0">
+                                <a:latin typeface="Cambria Math" panose="02040503050406030204" pitchFamily="18" charset="0"/>
+                                <a:cs typeface="Times New Roman" panose="02020603050405020304" pitchFamily="18" charset="0"/>
+                              </a:rPr>
+                            </m:ctrlPr>
+                          </m:dPr>
+                          <m:e>
+                            <m:r>
+                              <a:rPr lang="en-US" sz="1600" b="1" i="1" smtClean="0">
+                                <a:latin typeface="Cambria Math" panose="02040503050406030204" pitchFamily="18" charset="0"/>
+                                <a:cs typeface="Times New Roman" panose="02020603050405020304" pitchFamily="18" charset="0"/>
+                              </a:rPr>
+                              <m:t>𝒙</m:t>
+                            </m:r>
+                          </m:e>
+                        </m:d>
+                      </m:e>
+                      <m:sup>
+                        <m:r>
+                          <a:rPr lang="en-US" sz="1600" b="1" i="1" smtClean="0">
+                            <a:latin typeface="Cambria Math" panose="02040503050406030204" pitchFamily="18" charset="0"/>
+                            <a:cs typeface="Times New Roman" panose="02020603050405020304" pitchFamily="18" charset="0"/>
+                          </a:rPr>
+                          <m:t>𝑻</m:t>
+                        </m:r>
+                      </m:sup>
+                    </m:sSup>
+                  </m:oMath>
+                </a14:m>
+                <a:r>
+                  <a:rPr lang="en-US" sz="1600" b="1" dirty="0" smtClean="0">
+                    <a:latin typeface="Times New Roman" panose="02020603050405020304" pitchFamily="18" charset="0"/>
+                    <a:cs typeface="Times New Roman" panose="02020603050405020304" pitchFamily="18" charset="0"/>
+                  </a:rPr>
+                  <a:t> </a:t>
+                </a:r>
+                <a:r>
+                  <a:rPr lang="en-US" sz="1600" dirty="0" smtClean="0">
+                    <a:latin typeface="Times New Roman" panose="02020603050405020304" pitchFamily="18" charset="0"/>
+                    <a:cs typeface="Times New Roman" panose="02020603050405020304" pitchFamily="18" charset="0"/>
+                  </a:rPr>
+                  <a:t>is the sufficient statistic [row]-vector (of size </a:t>
+                </a:r>
+                <a14:m>
+                  <m:oMath xmlns:m="http://schemas.openxmlformats.org/officeDocument/2006/math">
+                    <m:r>
+                      <a:rPr lang="en-US" sz="1600" i="1" dirty="0" smtClean="0">
+                        <a:latin typeface="Cambria Math" panose="02040503050406030204" pitchFamily="18" charset="0"/>
+                        <a:cs typeface="Times New Roman" panose="02020603050405020304" pitchFamily="18" charset="0"/>
+                      </a:rPr>
+                      <m:t>𝑟</m:t>
+                    </m:r>
+                  </m:oMath>
+                </a14:m>
+                <a:r>
+                  <a:rPr lang="en-US" sz="1600" dirty="0" smtClean="0">
+                    <a:latin typeface="Times New Roman" panose="02020603050405020304" pitchFamily="18" charset="0"/>
+                    <a:cs typeface="Times New Roman" panose="02020603050405020304" pitchFamily="18" charset="0"/>
+                  </a:rPr>
+                  <a:t>).</a:t>
+                </a:r>
+              </a:p>
+              <a:p>
+                <a14:m>
+                  <m:oMath xmlns:m="http://schemas.openxmlformats.org/officeDocument/2006/math">
+                    <m:r>
+                      <a:rPr lang="en-US" sz="1600" b="0" i="1" smtClean="0">
+                        <a:latin typeface="Cambria Math" panose="02040503050406030204" pitchFamily="18" charset="0"/>
+                        <a:cs typeface="Times New Roman" panose="02020603050405020304" pitchFamily="18" charset="0"/>
+                      </a:rPr>
+                      <m:t>𝑎</m:t>
+                    </m:r>
+                    <m:d>
+                      <m:dPr>
+                        <m:ctrlPr>
+                          <a:rPr lang="en-US" sz="1600" b="0" i="1" smtClean="0">
+                            <a:latin typeface="Cambria Math" panose="02040503050406030204" pitchFamily="18" charset="0"/>
+                            <a:cs typeface="Times New Roman" panose="02020603050405020304" pitchFamily="18" charset="0"/>
+                          </a:rPr>
+                        </m:ctrlPr>
+                      </m:dPr>
+                      <m:e>
+                        <m:r>
+                          <a:rPr lang="en-US" sz="1600" b="0" i="1" smtClean="0">
+                            <a:latin typeface="Cambria Math" panose="02040503050406030204" pitchFamily="18" charset="0"/>
+                            <a:cs typeface="Times New Roman" panose="02020603050405020304" pitchFamily="18" charset="0"/>
+                          </a:rPr>
+                          <m:t>⋅</m:t>
+                        </m:r>
+                      </m:e>
+                    </m:d>
+                    <m:r>
+                      <a:rPr lang="en-US" sz="1600" b="0" i="1" smtClean="0">
+                        <a:latin typeface="Cambria Math" panose="02040503050406030204" pitchFamily="18" charset="0"/>
+                        <a:cs typeface="Times New Roman" panose="02020603050405020304" pitchFamily="18" charset="0"/>
+                      </a:rPr>
+                      <m:t>,</m:t>
+                    </m:r>
+                    <m:r>
+                      <a:rPr lang="en-US" sz="1600" b="0" i="1" smtClean="0">
+                        <a:latin typeface="Cambria Math" panose="02040503050406030204" pitchFamily="18" charset="0"/>
+                        <a:cs typeface="Times New Roman" panose="02020603050405020304" pitchFamily="18" charset="0"/>
+                      </a:rPr>
+                      <m:t>𝑏</m:t>
+                    </m:r>
+                    <m:r>
+                      <a:rPr lang="en-US" sz="1600" b="0" i="1" smtClean="0">
+                        <a:latin typeface="Cambria Math" panose="02040503050406030204" pitchFamily="18" charset="0"/>
+                        <a:cs typeface="Times New Roman" panose="02020603050405020304" pitchFamily="18" charset="0"/>
+                      </a:rPr>
+                      <m:t>(⋅)</m:t>
+                    </m:r>
+                  </m:oMath>
+                </a14:m>
+                <a:r>
+                  <a:rPr lang="en-US" sz="1600" dirty="0" smtClean="0">
+                    <a:latin typeface="Times New Roman" panose="02020603050405020304" pitchFamily="18" charset="0"/>
+                    <a:cs typeface="Times New Roman" panose="02020603050405020304" pitchFamily="18" charset="0"/>
+                  </a:rPr>
+                  <a:t>, are any arbitrary function.</a:t>
+                </a:r>
+              </a:p>
+              <a:p>
+                <a14:m>
+                  <m:oMath xmlns:m="http://schemas.openxmlformats.org/officeDocument/2006/math">
+                    <m:r>
+                      <a:rPr lang="en-US" sz="1600" b="0" i="1" smtClean="0">
+                        <a:latin typeface="Cambria Math" panose="02040503050406030204" pitchFamily="18" charset="0"/>
+                        <a:cs typeface="Times New Roman" panose="02020603050405020304" pitchFamily="18" charset="0"/>
+                      </a:rPr>
+                      <m:t>𝑒</m:t>
+                    </m:r>
+                  </m:oMath>
+                </a14:m>
+                <a:r>
+                  <a:rPr lang="en-US" sz="1600" dirty="0" smtClean="0">
+                    <a:latin typeface="Times New Roman" panose="02020603050405020304" pitchFamily="18" charset="0"/>
+                    <a:cs typeface="Times New Roman" panose="02020603050405020304" pitchFamily="18" charset="0"/>
+                  </a:rPr>
+                  <a:t> is the natural number. </a:t>
+                </a:r>
+                <a:endParaRPr lang="en-US" sz="1600" dirty="0">
+                  <a:latin typeface="Times New Roman" panose="02020603050405020304" pitchFamily="18" charset="0"/>
+                  <a:cs typeface="Times New Roman" panose="02020603050405020304" pitchFamily="18" charset="0"/>
+                </a:endParaRPr>
+              </a:p>
+            </p:txBody>
+          </p:sp>
+        </mc:Choice>
+        <mc:Fallback>
+          <p:sp>
+            <p:nvSpPr>
+              <p:cNvPr id="122" name="TextBox 121"/>
+              <p:cNvSpPr txBox="1">
+                <a:spLocks noRot="1" noChangeAspect="1" noMove="1" noResize="1" noEditPoints="1" noAdjustHandles="1" noChangeArrowheads="1" noChangeShapeType="1" noTextEdit="1"/>
+              </p:cNvSpPr>
+              <p:nvPr/>
+            </p:nvSpPr>
+            <p:spPr>
+              <a:xfrm>
+                <a:off x="171450" y="4914900"/>
+                <a:ext cx="4667251" cy="1081643"/>
+              </a:xfrm>
+              <a:prstGeom prst="rect">
+                <a:avLst/>
+              </a:prstGeom>
+              <a:blipFill>
+                <a:blip r:embed="rId6"/>
+                <a:stretch>
+                  <a:fillRect t="-1111" r="-130" b="-5556"/>
+                </a:stretch>
+              </a:blipFill>
+              <a:ln>
+                <a:solidFill>
+                  <a:schemeClr val="bg1">
+                    <a:lumMod val="10000"/>
+                  </a:schemeClr>
+                </a:solidFill>
+              </a:ln>
+            </p:spPr>
+            <p:txBody>
+              <a:bodyPr/>
+              <a:lstStyle/>
+              <a:p>
+                <a:r>
+                  <a:rPr lang="en-US">
+                    <a:noFill/>
+                  </a:rPr>
+                  <a:t> </a:t>
+                </a:r>
+              </a:p>
+            </p:txBody>
+          </p:sp>
+        </mc:Fallback>
+      </mc:AlternateContent>
+      <p:sp>
+        <p:nvSpPr>
+          <p:cNvPr id="123" name="TextBox 122"/>
+          <p:cNvSpPr txBox="1"/>
+          <p:nvPr/>
+        </p:nvSpPr>
+        <p:spPr>
+          <a:xfrm>
+            <a:off x="5848350" y="5095875"/>
+            <a:ext cx="2581275" cy="646331"/>
+          </a:xfrm>
+          <a:prstGeom prst="rect">
+            <a:avLst/>
+          </a:prstGeom>
+          <a:noFill/>
+        </p:spPr>
+        <p:txBody>
+          <a:bodyPr wrap="square" rtlCol="0">
+            <a:spAutoFit/>
+          </a:bodyPr>
+          <a:lstStyle/>
+          <a:p>
+            <a:r>
+              <a:rPr lang="en-US" sz="1200" dirty="0" smtClean="0">
+                <a:latin typeface="Times New Roman" panose="02020603050405020304" pitchFamily="18" charset="0"/>
+                <a:cs typeface="Times New Roman" panose="02020603050405020304" pitchFamily="18" charset="0"/>
+              </a:rPr>
+              <a:t>See section II of the </a:t>
+            </a:r>
+            <a:r>
+              <a:rPr lang="en-US" sz="1200" dirty="0" err="1" smtClean="0">
+                <a:latin typeface="Times New Roman" panose="02020603050405020304" pitchFamily="18" charset="0"/>
+                <a:cs typeface="Times New Roman" panose="02020603050405020304" pitchFamily="18" charset="0"/>
+              </a:rPr>
+              <a:t>Dempster</a:t>
+            </a:r>
+            <a:r>
+              <a:rPr lang="en-US" sz="1200" dirty="0" smtClean="0">
+                <a:latin typeface="Times New Roman" panose="02020603050405020304" pitchFamily="18" charset="0"/>
+                <a:cs typeface="Times New Roman" panose="02020603050405020304" pitchFamily="18" charset="0"/>
+              </a:rPr>
+              <a:t>, Laird, Rubin paper mentioned below for more details about natural parameters.</a:t>
+            </a:r>
+            <a:endParaRPr lang="en-US" sz="1200" dirty="0">
+              <a:latin typeface="Times New Roman" panose="02020603050405020304" pitchFamily="18" charset="0"/>
+              <a:cs typeface="Times New Roman" panose="02020603050405020304" pitchFamily="18" charset="0"/>
+            </a:endParaRPr>
+          </a:p>
+        </p:txBody>
+      </p:sp>
+    </p:spTree>
+    <p:extLst>
+      <p:ext uri="{BB962C8B-B14F-4D97-AF65-F5344CB8AC3E}">
+        <p14:creationId xmlns:p14="http://schemas.microsoft.com/office/powerpoint/2010/main" val="326964733"/>
+      </p:ext>
+    </p:extLst>
+  </p:cSld>
+  <p:clrMapOvr>
+    <a:masterClrMapping/>
+  </p:clrMapOvr>
+</p:sld>
+</file>
+
+<file path=ppt/slides/slide9.xml><?xml version="1.0" encoding="utf-8"?>
+<p:sld xmlns:a="http://schemas.openxmlformats.org/drawingml/2006/main" xmlns:r="http://schemas.openxmlformats.org/officeDocument/2006/relationships" xmlns:p="http://schemas.openxmlformats.org/presentationml/2006/main">
+  <p:cSld>
+    <p:spTree>
+      <p:nvGrpSpPr>
+        <p:cNvPr id="1" name=""/>
+        <p:cNvGrpSpPr/>
+        <p:nvPr/>
+      </p:nvGrpSpPr>
+      <p:grpSpPr>
+        <a:xfrm>
+          <a:off x="0" y="0"/>
+          <a:ext cx="0" cy="0"/>
+          <a:chOff x="0" y="0"/>
+          <a:chExt cx="0" cy="0"/>
+        </a:xfrm>
+      </p:grpSpPr>
+      <p:sp>
+        <p:nvSpPr>
+          <p:cNvPr id="2" name="Title 1">
+            <a:extLst>
+              <a:ext uri="{FF2B5EF4-FFF2-40B4-BE49-F238E27FC236}">
+                <a16:creationId xmlns:a16="http://schemas.microsoft.com/office/drawing/2014/main" id="{636FB483-8A01-854E-9BBE-55E0C355A79B}"/>
+              </a:ext>
+            </a:extLst>
+          </p:cNvPr>
+          <p:cNvSpPr txBox="1">
+            <a:spLocks/>
+          </p:cNvSpPr>
+          <p:nvPr/>
+        </p:nvSpPr>
+        <p:spPr>
+          <a:xfrm>
+            <a:off x="273508" y="216546"/>
+            <a:ext cx="9422942" cy="656493"/>
+          </a:xfrm>
+          <a:prstGeom prst="rect">
+            <a:avLst/>
+          </a:prstGeom>
+        </p:spPr>
+        <p:txBody>
+          <a:bodyPr/>
+          <a:lstStyle>
+            <a:lvl1pPr algn="l" defTabSz="914400" rtl="0" eaLnBrk="1" latinLnBrk="0" hangingPunct="1">
+              <a:lnSpc>
+                <a:spcPct val="90000"/>
+              </a:lnSpc>
+              <a:spcBef>
+                <a:spcPct val="0"/>
+              </a:spcBef>
+              <a:buNone/>
+              <a:defRPr sz="2800" b="1" kern="1200">
+                <a:solidFill>
+                  <a:schemeClr val="tx1"/>
+                </a:solidFill>
+                <a:latin typeface="Helvetica" pitchFamily="2" charset="0"/>
+                <a:ea typeface="+mj-ea"/>
+                <a:cs typeface="+mj-cs"/>
+              </a:defRPr>
+            </a:lvl1pPr>
+          </a:lstStyle>
+          <a:p>
+            <a:pPr marL="0" marR="0" lvl="0" indent="0" algn="l" defTabSz="914400" rtl="0" eaLnBrk="1" fontAlgn="auto" latinLnBrk="0" hangingPunct="1">
+              <a:lnSpc>
+                <a:spcPct val="90000"/>
+              </a:lnSpc>
+              <a:spcBef>
+                <a:spcPct val="0"/>
+              </a:spcBef>
+              <a:spcAft>
+                <a:spcPts val="0"/>
+              </a:spcAft>
+              <a:buClrTx/>
+              <a:buSzTx/>
+              <a:buFontTx/>
+              <a:buNone/>
+              <a:tabLst/>
+              <a:defRPr/>
+            </a:pPr>
+            <a:r>
+              <a:rPr kumimoji="0" lang="en-US" sz="2800" b="1" i="0" strike="noStrike" kern="1200" cap="none" spc="0" normalizeH="0" baseline="0" noProof="0" dirty="0" smtClean="0">
+                <a:ln>
+                  <a:noFill/>
+                </a:ln>
+                <a:solidFill>
+                  <a:srgbClr val="626462"/>
+                </a:solidFill>
+                <a:effectLst/>
+                <a:uLnTx/>
+                <a:uFillTx/>
+                <a:latin typeface="Times New Roman" panose="02020603050405020304" pitchFamily="18" charset="0"/>
+                <a:ea typeface="+mj-ea"/>
+                <a:cs typeface="Times New Roman" panose="02020603050405020304" pitchFamily="18" charset="0"/>
+              </a:rPr>
+              <a:t>Expectation Maximization (in general) – The Algorithm</a:t>
+            </a:r>
+            <a:endParaRPr kumimoji="0" lang="en-US" sz="2800" b="1" i="0" strike="noStrike" kern="1200" cap="none" spc="0" normalizeH="0" baseline="0" noProof="0" dirty="0">
+              <a:ln>
+                <a:noFill/>
+              </a:ln>
+              <a:solidFill>
+                <a:srgbClr val="626462"/>
+              </a:solidFill>
+              <a:effectLst/>
+              <a:uLnTx/>
+              <a:uFillTx/>
+              <a:latin typeface="Times New Roman" panose="02020603050405020304" pitchFamily="18" charset="0"/>
+              <a:ea typeface="+mj-ea"/>
+              <a:cs typeface="Times New Roman" panose="02020603050405020304" pitchFamily="18" charset="0"/>
+            </a:endParaRPr>
+          </a:p>
+        </p:txBody>
+      </p:sp>
+      <p:sp>
+        <p:nvSpPr>
+          <p:cNvPr id="3" name="TextBox 2"/>
+          <p:cNvSpPr txBox="1"/>
+          <p:nvPr/>
+        </p:nvSpPr>
+        <p:spPr>
+          <a:xfrm>
+            <a:off x="484735" y="999779"/>
+            <a:ext cx="11114117" cy="369332"/>
+          </a:xfrm>
+          <a:prstGeom prst="rect">
+            <a:avLst/>
+          </a:prstGeom>
+          <a:noFill/>
+        </p:spPr>
+        <p:txBody>
+          <a:bodyPr wrap="square" rtlCol="0">
+            <a:spAutoFit/>
+          </a:bodyPr>
+          <a:lstStyle/>
+          <a:p>
+            <a:pPr marL="285750" indent="-285750">
+              <a:buFont typeface="Arial" panose="020B0604020202020204" pitchFamily="34" charset="0"/>
+              <a:buChar char="•"/>
+            </a:pPr>
+            <a:r>
+              <a:rPr lang="en-US" dirty="0" smtClean="0">
+                <a:latin typeface="Times New Roman" panose="02020603050405020304" pitchFamily="18" charset="0"/>
+                <a:cs typeface="Times New Roman" panose="02020603050405020304" pitchFamily="18" charset="0"/>
+              </a:rPr>
+              <a:t>The “simple characterization” of the EM algorithm according to </a:t>
+            </a:r>
+            <a:r>
+              <a:rPr lang="en-US" dirty="0" err="1" smtClean="0">
+                <a:latin typeface="Times New Roman" panose="02020603050405020304" pitchFamily="18" charset="0"/>
+                <a:cs typeface="Times New Roman" panose="02020603050405020304" pitchFamily="18" charset="0"/>
+              </a:rPr>
+              <a:t>Dempster</a:t>
+            </a:r>
+            <a:r>
+              <a:rPr lang="en-US" dirty="0" smtClean="0">
+                <a:latin typeface="Times New Roman" panose="02020603050405020304" pitchFamily="18" charset="0"/>
+                <a:cs typeface="Times New Roman" panose="02020603050405020304" pitchFamily="18" charset="0"/>
+              </a:rPr>
+              <a:t>, Rubin, and Laird (DRL77) is:</a:t>
+            </a:r>
+          </a:p>
+        </p:txBody>
+      </p:sp>
+      <mc:AlternateContent xmlns:mc="http://schemas.openxmlformats.org/markup-compatibility/2006">
+        <mc:Choice xmlns:a14="http://schemas.microsoft.com/office/drawing/2010/main" Requires="a14">
+          <p:sp>
+            <p:nvSpPr>
+              <p:cNvPr id="4" name="TextBox 3"/>
+              <p:cNvSpPr txBox="1"/>
+              <p:nvPr/>
+            </p:nvSpPr>
+            <p:spPr>
+              <a:xfrm>
+                <a:off x="1676400" y="1638300"/>
+                <a:ext cx="8305800" cy="2379241"/>
+              </a:xfrm>
+              <a:prstGeom prst="rect">
+                <a:avLst/>
+              </a:prstGeom>
+              <a:noFill/>
+            </p:spPr>
+            <p:txBody>
+              <a:bodyPr wrap="square" rtlCol="0">
+                <a:spAutoFit/>
+              </a:bodyPr>
+              <a:lstStyle/>
+              <a:p>
+                <a:pPr marL="342900" indent="-342900">
+                  <a:buAutoNum type="arabicParenBoth"/>
+                </a:pPr>
+                <a:r>
+                  <a:rPr lang="en-US" dirty="0" smtClean="0">
+                    <a:latin typeface="Times New Roman" panose="02020603050405020304" pitchFamily="18" charset="0"/>
+                    <a:cs typeface="Times New Roman" panose="02020603050405020304" pitchFamily="18" charset="0"/>
+                  </a:rPr>
+                  <a:t>With </a:t>
+                </a:r>
+                <a14:m>
+                  <m:oMath xmlns:m="http://schemas.openxmlformats.org/officeDocument/2006/math">
+                    <m:sSup>
+                      <m:sSupPr>
+                        <m:ctrlPr>
+                          <a:rPr lang="en-US" b="0" i="1" smtClean="0">
+                            <a:latin typeface="Cambria Math" panose="02040503050406030204" pitchFamily="18" charset="0"/>
+                          </a:rPr>
+                        </m:ctrlPr>
+                      </m:sSupPr>
+                      <m:e>
+                        <m:r>
+                          <a:rPr lang="en-US" b="0" i="1" smtClean="0">
+                            <a:latin typeface="Cambria Math" panose="02040503050406030204" pitchFamily="18" charset="0"/>
+                          </a:rPr>
+                          <m:t>𝜃</m:t>
+                        </m:r>
+                      </m:e>
+                      <m:sup>
+                        <m:r>
+                          <a:rPr lang="en-US" b="0" i="1" smtClean="0">
+                            <a:latin typeface="Cambria Math" panose="02040503050406030204" pitchFamily="18" charset="0"/>
+                          </a:rPr>
+                          <m:t>(</m:t>
+                        </m:r>
+                        <m:r>
+                          <a:rPr lang="en-US" b="0" i="1" smtClean="0">
+                            <a:latin typeface="Cambria Math" panose="02040503050406030204" pitchFamily="18" charset="0"/>
+                          </a:rPr>
+                          <m:t>𝑝</m:t>
+                        </m:r>
+                        <m:r>
+                          <a:rPr lang="en-US" b="0" i="1" smtClean="0">
+                            <a:latin typeface="Cambria Math" panose="02040503050406030204" pitchFamily="18" charset="0"/>
+                          </a:rPr>
+                          <m:t>)</m:t>
+                        </m:r>
+                      </m:sup>
+                    </m:sSup>
+                  </m:oMath>
+                </a14:m>
+                <a:r>
+                  <a:rPr lang="en-US" dirty="0" smtClean="0">
+                    <a:latin typeface="Times New Roman" panose="02020603050405020304" pitchFamily="18" charset="0"/>
+                    <a:cs typeface="Times New Roman" panose="02020603050405020304" pitchFamily="18" charset="0"/>
+                  </a:rPr>
+                  <a:t> indicating the estimate of </a:t>
+                </a:r>
+                <a14:m>
+                  <m:oMath xmlns:m="http://schemas.openxmlformats.org/officeDocument/2006/math">
+                    <m:r>
+                      <a:rPr lang="en-US" b="0" i="1" smtClean="0">
+                        <a:latin typeface="Cambria Math" panose="02040503050406030204" pitchFamily="18" charset="0"/>
+                        <a:cs typeface="Times New Roman" panose="02020603050405020304" pitchFamily="18" charset="0"/>
+                      </a:rPr>
+                      <m:t>𝜃</m:t>
+                    </m:r>
+                  </m:oMath>
+                </a14:m>
+                <a:r>
+                  <a:rPr lang="en-US" dirty="0" smtClean="0">
+                    <a:latin typeface="Times New Roman" panose="02020603050405020304" pitchFamily="18" charset="0"/>
+                    <a:cs typeface="Times New Roman" panose="02020603050405020304" pitchFamily="18" charset="0"/>
+                  </a:rPr>
+                  <a:t> at the </a:t>
+                </a:r>
+                <a14:m>
+                  <m:oMath xmlns:m="http://schemas.openxmlformats.org/officeDocument/2006/math">
+                    <m:r>
+                      <a:rPr lang="en-US" i="1" dirty="0" smtClean="0">
+                        <a:latin typeface="Cambria Math" panose="02040503050406030204" pitchFamily="18" charset="0"/>
+                        <a:cs typeface="Times New Roman" panose="02020603050405020304" pitchFamily="18" charset="0"/>
+                      </a:rPr>
+                      <m:t>𝑝</m:t>
+                    </m:r>
+                  </m:oMath>
+                </a14:m>
+                <a:r>
+                  <a:rPr lang="en-US" baseline="30000" dirty="0" err="1" smtClean="0">
+                    <a:latin typeface="Times New Roman" panose="02020603050405020304" pitchFamily="18" charset="0"/>
+                    <a:cs typeface="Times New Roman" panose="02020603050405020304" pitchFamily="18" charset="0"/>
+                  </a:rPr>
+                  <a:t>th</a:t>
+                </a:r>
+                <a:r>
+                  <a:rPr lang="en-US" dirty="0" smtClean="0">
+                    <a:latin typeface="Times New Roman" panose="02020603050405020304" pitchFamily="18" charset="0"/>
+                    <a:cs typeface="Times New Roman" panose="02020603050405020304" pitchFamily="18" charset="0"/>
+                  </a:rPr>
+                  <a:t> step of the algorithm, estimate the complete-data sufficient statistics </a:t>
+                </a:r>
+                <a14:m>
+                  <m:oMath xmlns:m="http://schemas.openxmlformats.org/officeDocument/2006/math">
+                    <m:r>
+                      <a:rPr lang="en-US" b="1" i="1" smtClean="0">
+                        <a:latin typeface="Cambria Math" panose="02040503050406030204" pitchFamily="18" charset="0"/>
+                        <a:cs typeface="Times New Roman" panose="02020603050405020304" pitchFamily="18" charset="0"/>
+                      </a:rPr>
+                      <m:t>𝒕</m:t>
+                    </m:r>
+                    <m:d>
+                      <m:dPr>
+                        <m:ctrlPr>
+                          <a:rPr lang="en-US" b="1" i="1" smtClean="0">
+                            <a:latin typeface="Cambria Math" panose="02040503050406030204" pitchFamily="18" charset="0"/>
+                            <a:cs typeface="Times New Roman" panose="02020603050405020304" pitchFamily="18" charset="0"/>
+                          </a:rPr>
+                        </m:ctrlPr>
+                      </m:dPr>
+                      <m:e>
+                        <m:r>
+                          <a:rPr lang="en-US" b="1" i="1" smtClean="0">
+                            <a:latin typeface="Cambria Math" panose="02040503050406030204" pitchFamily="18" charset="0"/>
+                            <a:cs typeface="Times New Roman" panose="02020603050405020304" pitchFamily="18" charset="0"/>
+                          </a:rPr>
+                          <m:t>𝒙</m:t>
+                        </m:r>
+                      </m:e>
+                    </m:d>
+                  </m:oMath>
+                </a14:m>
+                <a:r>
+                  <a:rPr lang="en-US" b="1" dirty="0" smtClean="0">
+                    <a:latin typeface="Times New Roman" panose="02020603050405020304" pitchFamily="18" charset="0"/>
+                    <a:cs typeface="Times New Roman" panose="02020603050405020304" pitchFamily="18" charset="0"/>
+                  </a:rPr>
+                  <a:t> </a:t>
+                </a:r>
+                <a:r>
+                  <a:rPr lang="en-US" dirty="0" smtClean="0">
+                    <a:latin typeface="Times New Roman" panose="02020603050405020304" pitchFamily="18" charset="0"/>
+                    <a:cs typeface="Times New Roman" panose="02020603050405020304" pitchFamily="18" charset="0"/>
+                  </a:rPr>
+                  <a:t>by finding</a:t>
+                </a:r>
+              </a:p>
+              <a:p>
+                <a:endParaRPr lang="en-US" dirty="0" smtClean="0">
+                  <a:latin typeface="Times New Roman" panose="02020603050405020304" pitchFamily="18" charset="0"/>
+                  <a:cs typeface="Times New Roman" panose="02020603050405020304" pitchFamily="18" charset="0"/>
+                </a:endParaRPr>
+              </a:p>
+              <a:p>
+                <a14:m>
+                  <m:oMathPara xmlns:m="http://schemas.openxmlformats.org/officeDocument/2006/math">
+                    <m:oMathParaPr>
+                      <m:jc m:val="centerGroup"/>
+                    </m:oMathParaPr>
+                    <m:oMath xmlns:m="http://schemas.openxmlformats.org/officeDocument/2006/math">
+                      <m:sSup>
+                        <m:sSupPr>
+                          <m:ctrlPr>
+                            <a:rPr lang="en-US" b="1" i="1" smtClean="0">
+                              <a:latin typeface="Cambria Math" panose="02040503050406030204" pitchFamily="18" charset="0"/>
+                              <a:cs typeface="Times New Roman" panose="02020603050405020304" pitchFamily="18" charset="0"/>
+                            </a:rPr>
+                          </m:ctrlPr>
+                        </m:sSupPr>
+                        <m:e>
+                          <m:r>
+                            <a:rPr lang="en-US" b="1" i="1" smtClean="0">
+                              <a:latin typeface="Cambria Math" panose="02040503050406030204" pitchFamily="18" charset="0"/>
+                              <a:cs typeface="Times New Roman" panose="02020603050405020304" pitchFamily="18" charset="0"/>
+                            </a:rPr>
+                            <m:t>𝒕</m:t>
+                          </m:r>
+                        </m:e>
+                        <m:sup>
+                          <m:d>
+                            <m:dPr>
+                              <m:ctrlPr>
+                                <a:rPr lang="en-US" i="1" smtClean="0">
+                                  <a:latin typeface="Cambria Math" panose="02040503050406030204" pitchFamily="18" charset="0"/>
+                                  <a:cs typeface="Times New Roman" panose="02020603050405020304" pitchFamily="18" charset="0"/>
+                                </a:rPr>
+                              </m:ctrlPr>
+                            </m:dPr>
+                            <m:e>
+                              <m:r>
+                                <a:rPr lang="en-US" b="0" i="1" smtClean="0">
+                                  <a:latin typeface="Cambria Math" panose="02040503050406030204" pitchFamily="18" charset="0"/>
+                                  <a:cs typeface="Times New Roman" panose="02020603050405020304" pitchFamily="18" charset="0"/>
+                                </a:rPr>
+                                <m:t>𝑝</m:t>
+                              </m:r>
+                            </m:e>
+                          </m:d>
+                        </m:sup>
+                      </m:sSup>
+                      <m:r>
+                        <a:rPr lang="en-US" b="0" i="1" smtClean="0">
+                          <a:latin typeface="Cambria Math" panose="02040503050406030204" pitchFamily="18" charset="0"/>
+                          <a:cs typeface="Times New Roman" panose="02020603050405020304" pitchFamily="18" charset="0"/>
+                        </a:rPr>
+                        <m:t>=</m:t>
+                      </m:r>
+                      <m:r>
+                        <a:rPr lang="en-US" b="0" i="1" smtClean="0">
+                          <a:latin typeface="Cambria Math" panose="02040503050406030204" pitchFamily="18" charset="0"/>
+                          <a:cs typeface="Times New Roman" panose="02020603050405020304" pitchFamily="18" charset="0"/>
+                        </a:rPr>
+                        <m:t>𝐸</m:t>
+                      </m:r>
+                      <m:d>
+                        <m:dPr>
+                          <m:ctrlPr>
+                            <a:rPr lang="en-US" b="0" i="1" smtClean="0">
+                              <a:latin typeface="Cambria Math" panose="02040503050406030204" pitchFamily="18" charset="0"/>
+                              <a:cs typeface="Times New Roman" panose="02020603050405020304" pitchFamily="18" charset="0"/>
+                            </a:rPr>
+                          </m:ctrlPr>
+                        </m:dPr>
+                        <m:e>
+                          <m:r>
+                            <a:rPr lang="en-US" b="1" i="1" smtClean="0">
+                              <a:latin typeface="Cambria Math" panose="02040503050406030204" pitchFamily="18" charset="0"/>
+                              <a:cs typeface="Times New Roman" panose="02020603050405020304" pitchFamily="18" charset="0"/>
+                            </a:rPr>
+                            <m:t>𝒕</m:t>
+                          </m:r>
+                          <m:d>
+                            <m:dPr>
+                              <m:ctrlPr>
+                                <a:rPr lang="en-US" b="1" i="1" smtClean="0">
+                                  <a:latin typeface="Cambria Math" panose="02040503050406030204" pitchFamily="18" charset="0"/>
+                                  <a:cs typeface="Times New Roman" panose="02020603050405020304" pitchFamily="18" charset="0"/>
+                                </a:rPr>
+                              </m:ctrlPr>
+                            </m:dPr>
+                            <m:e>
+                              <m:r>
+                                <a:rPr lang="en-US" b="1" i="1" smtClean="0">
+                                  <a:latin typeface="Cambria Math" panose="02040503050406030204" pitchFamily="18" charset="0"/>
+                                  <a:cs typeface="Times New Roman" panose="02020603050405020304" pitchFamily="18" charset="0"/>
+                                </a:rPr>
+                                <m:t>𝒙</m:t>
+                              </m:r>
+                            </m:e>
+                          </m:d>
+                        </m:e>
+                        <m:e>
+                          <m:r>
+                            <a:rPr lang="en-US" b="1" i="1" smtClean="0">
+                              <a:latin typeface="Cambria Math" panose="02040503050406030204" pitchFamily="18" charset="0"/>
+                              <a:cs typeface="Times New Roman" panose="02020603050405020304" pitchFamily="18" charset="0"/>
+                            </a:rPr>
+                            <m:t>𝒚</m:t>
+                          </m:r>
+                          <m:r>
+                            <a:rPr lang="en-US" b="1" i="1" smtClean="0">
+                              <a:latin typeface="Cambria Math" panose="02040503050406030204" pitchFamily="18" charset="0"/>
+                              <a:cs typeface="Times New Roman" panose="02020603050405020304" pitchFamily="18" charset="0"/>
+                            </a:rPr>
+                            <m:t>,</m:t>
+                          </m:r>
+                          <m:sSup>
+                            <m:sSupPr>
+                              <m:ctrlPr>
+                                <a:rPr lang="en-US" b="1" i="1" smtClean="0">
+                                  <a:latin typeface="Cambria Math" panose="02040503050406030204" pitchFamily="18" charset="0"/>
+                                  <a:cs typeface="Times New Roman" panose="02020603050405020304" pitchFamily="18" charset="0"/>
+                                </a:rPr>
+                              </m:ctrlPr>
+                            </m:sSupPr>
+                            <m:e>
+                              <m:r>
+                                <a:rPr lang="en-US" b="1" i="1" smtClean="0">
+                                  <a:latin typeface="Cambria Math" panose="02040503050406030204" pitchFamily="18" charset="0"/>
+                                  <a:cs typeface="Times New Roman" panose="02020603050405020304" pitchFamily="18" charset="0"/>
+                                </a:rPr>
+                                <m:t>𝜽</m:t>
+                              </m:r>
+                            </m:e>
+                            <m:sup>
+                              <m:d>
+                                <m:dPr>
+                                  <m:ctrlPr>
+                                    <a:rPr lang="en-US" i="1" smtClean="0">
+                                      <a:latin typeface="Cambria Math" panose="02040503050406030204" pitchFamily="18" charset="0"/>
+                                      <a:cs typeface="Times New Roman" panose="02020603050405020304" pitchFamily="18" charset="0"/>
+                                    </a:rPr>
+                                  </m:ctrlPr>
+                                </m:dPr>
+                                <m:e>
+                                  <m:r>
+                                    <a:rPr lang="en-US" b="0" i="1" smtClean="0">
+                                      <a:latin typeface="Cambria Math" panose="02040503050406030204" pitchFamily="18" charset="0"/>
+                                      <a:cs typeface="Times New Roman" panose="02020603050405020304" pitchFamily="18" charset="0"/>
+                                    </a:rPr>
+                                    <m:t>𝑝</m:t>
+                                  </m:r>
+                                </m:e>
+                              </m:d>
+                            </m:sup>
+                          </m:sSup>
+                        </m:e>
+                      </m:d>
+                      <m:r>
+                        <a:rPr lang="en-US" b="1" i="1" smtClean="0">
+                          <a:latin typeface="Cambria Math" panose="02040503050406030204" pitchFamily="18" charset="0"/>
+                          <a:cs typeface="Times New Roman" panose="02020603050405020304" pitchFamily="18" charset="0"/>
+                        </a:rPr>
+                        <m:t>.</m:t>
+                      </m:r>
+                    </m:oMath>
+                  </m:oMathPara>
+                </a14:m>
+                <a:endParaRPr lang="en-US" dirty="0" smtClean="0">
+                  <a:latin typeface="Times New Roman" panose="02020603050405020304" pitchFamily="18" charset="0"/>
+                  <a:cs typeface="Times New Roman" panose="02020603050405020304" pitchFamily="18" charset="0"/>
+                </a:endParaRPr>
+              </a:p>
+              <a:p>
+                <a:endParaRPr lang="en-US" dirty="0" smtClean="0">
+                  <a:latin typeface="Times New Roman" panose="02020603050405020304" pitchFamily="18" charset="0"/>
+                  <a:cs typeface="Times New Roman" panose="02020603050405020304" pitchFamily="18" charset="0"/>
+                </a:endParaRPr>
+              </a:p>
+              <a:p>
+                <a:r>
+                  <a:rPr lang="en-US" dirty="0" smtClean="0">
+                    <a:latin typeface="Times New Roman" panose="02020603050405020304" pitchFamily="18" charset="0"/>
+                    <a:cs typeface="Times New Roman" panose="02020603050405020304" pitchFamily="18" charset="0"/>
+                  </a:rPr>
+                  <a:t>(2) Perform maximum likelihood estimation to determine </a:t>
+                </a:r>
+                <a14:m>
+                  <m:oMath xmlns:m="http://schemas.openxmlformats.org/officeDocument/2006/math">
+                    <m:sSup>
+                      <m:sSupPr>
+                        <m:ctrlPr>
+                          <a:rPr lang="en-US" b="0" i="1" smtClean="0">
+                            <a:latin typeface="Cambria Math" panose="02040503050406030204" pitchFamily="18" charset="0"/>
+                            <a:cs typeface="Times New Roman" panose="02020603050405020304" pitchFamily="18" charset="0"/>
+                          </a:rPr>
+                        </m:ctrlPr>
+                      </m:sSupPr>
+                      <m:e>
+                        <m:r>
+                          <a:rPr lang="en-US" b="0" i="1" smtClean="0">
+                            <a:latin typeface="Cambria Math" panose="02040503050406030204" pitchFamily="18" charset="0"/>
+                            <a:cs typeface="Times New Roman" panose="02020603050405020304" pitchFamily="18" charset="0"/>
+                          </a:rPr>
+                          <m:t>𝜃</m:t>
+                        </m:r>
+                      </m:e>
+                      <m:sup>
+                        <m:d>
+                          <m:dPr>
+                            <m:ctrlPr>
+                              <a:rPr lang="en-US" b="0" i="1" smtClean="0">
+                                <a:latin typeface="Cambria Math" panose="02040503050406030204" pitchFamily="18" charset="0"/>
+                                <a:cs typeface="Times New Roman" panose="02020603050405020304" pitchFamily="18" charset="0"/>
+                              </a:rPr>
+                            </m:ctrlPr>
+                          </m:dPr>
+                          <m:e>
+                            <m:r>
+                              <a:rPr lang="en-US" b="0" i="1" smtClean="0">
+                                <a:latin typeface="Cambria Math" panose="02040503050406030204" pitchFamily="18" charset="0"/>
+                                <a:cs typeface="Times New Roman" panose="02020603050405020304" pitchFamily="18" charset="0"/>
+                              </a:rPr>
+                              <m:t>𝑝</m:t>
+                            </m:r>
+                            <m:r>
+                              <a:rPr lang="en-US" b="0" i="1" smtClean="0">
+                                <a:latin typeface="Cambria Math" panose="02040503050406030204" pitchFamily="18" charset="0"/>
+                                <a:cs typeface="Times New Roman" panose="02020603050405020304" pitchFamily="18" charset="0"/>
+                              </a:rPr>
+                              <m:t>+1</m:t>
+                            </m:r>
+                          </m:e>
+                        </m:d>
+                      </m:sup>
+                    </m:sSup>
+                  </m:oMath>
+                </a14:m>
+                <a:r>
+                  <a:rPr lang="en-US" dirty="0" smtClean="0">
+                    <a:latin typeface="Times New Roman" panose="02020603050405020304" pitchFamily="18" charset="0"/>
+                    <a:cs typeface="Times New Roman" panose="02020603050405020304" pitchFamily="18" charset="0"/>
+                  </a:rPr>
+                  <a:t> from </a:t>
+                </a:r>
+                <a14:m>
+                  <m:oMath xmlns:m="http://schemas.openxmlformats.org/officeDocument/2006/math">
+                    <m:sSup>
+                      <m:sSupPr>
+                        <m:ctrlPr>
+                          <a:rPr lang="en-US" b="1" i="1" smtClean="0">
+                            <a:latin typeface="Cambria Math" panose="02040503050406030204" pitchFamily="18" charset="0"/>
+                            <a:cs typeface="Times New Roman" panose="02020603050405020304" pitchFamily="18" charset="0"/>
+                          </a:rPr>
+                        </m:ctrlPr>
+                      </m:sSupPr>
+                      <m:e>
+                        <m:r>
+                          <a:rPr lang="en-US" b="1" i="1" smtClean="0">
+                            <a:latin typeface="Cambria Math" panose="02040503050406030204" pitchFamily="18" charset="0"/>
+                            <a:cs typeface="Times New Roman" panose="02020603050405020304" pitchFamily="18" charset="0"/>
+                          </a:rPr>
+                          <m:t>𝒕</m:t>
+                        </m:r>
+                      </m:e>
+                      <m:sup>
+                        <m:d>
+                          <m:dPr>
+                            <m:ctrlPr>
+                              <a:rPr lang="en-US" i="1" smtClean="0">
+                                <a:latin typeface="Cambria Math" panose="02040503050406030204" pitchFamily="18" charset="0"/>
+                                <a:cs typeface="Times New Roman" panose="02020603050405020304" pitchFamily="18" charset="0"/>
+                              </a:rPr>
+                            </m:ctrlPr>
+                          </m:dPr>
+                          <m:e>
+                            <m:r>
+                              <a:rPr lang="en-US" b="0" i="1" smtClean="0">
+                                <a:latin typeface="Cambria Math" panose="02040503050406030204" pitchFamily="18" charset="0"/>
+                                <a:cs typeface="Times New Roman" panose="02020603050405020304" pitchFamily="18" charset="0"/>
+                              </a:rPr>
+                              <m:t>𝑝</m:t>
+                            </m:r>
+                          </m:e>
+                        </m:d>
+                      </m:sup>
+                    </m:sSup>
+                  </m:oMath>
+                </a14:m>
+                <a:r>
+                  <a:rPr lang="en-US" b="1" dirty="0" smtClean="0">
+                    <a:latin typeface="Times New Roman" panose="02020603050405020304" pitchFamily="18" charset="0"/>
+                    <a:cs typeface="Times New Roman" panose="02020603050405020304" pitchFamily="18" charset="0"/>
+                  </a:rPr>
+                  <a:t>,</a:t>
+                </a:r>
+              </a:p>
+              <a:p>
+                <a:endParaRPr lang="en-US" b="1" i="1" dirty="0" smtClean="0">
+                  <a:latin typeface="Cambria Math" panose="02040503050406030204" pitchFamily="18" charset="0"/>
+                  <a:cs typeface="Times New Roman" panose="02020603050405020304" pitchFamily="18" charset="0"/>
+                </a:endParaRPr>
+              </a:p>
+              <a:p>
+                <a14:m>
+                  <m:oMathPara xmlns:m="http://schemas.openxmlformats.org/officeDocument/2006/math">
+                    <m:oMathParaPr>
+                      <m:jc m:val="centerGroup"/>
+                    </m:oMathParaPr>
+                    <m:oMath xmlns:m="http://schemas.openxmlformats.org/officeDocument/2006/math">
+                      <m:r>
+                        <a:rPr lang="en-US" b="1" i="1" smtClean="0">
+                          <a:latin typeface="Cambria Math" panose="02040503050406030204" pitchFamily="18" charset="0"/>
+                          <a:cs typeface="Times New Roman" panose="02020603050405020304" pitchFamily="18" charset="0"/>
+                        </a:rPr>
+                        <m:t>𝑬</m:t>
+                      </m:r>
+                      <m:d>
+                        <m:dPr>
+                          <m:ctrlPr>
+                            <a:rPr lang="en-US" b="1" i="1" smtClean="0">
+                              <a:latin typeface="Cambria Math" panose="02040503050406030204" pitchFamily="18" charset="0"/>
+                              <a:cs typeface="Times New Roman" panose="02020603050405020304" pitchFamily="18" charset="0"/>
+                            </a:rPr>
+                          </m:ctrlPr>
+                        </m:dPr>
+                        <m:e>
+                          <m:r>
+                            <a:rPr lang="en-US" b="1" i="1" smtClean="0">
+                              <a:latin typeface="Cambria Math" panose="02040503050406030204" pitchFamily="18" charset="0"/>
+                              <a:cs typeface="Times New Roman" panose="02020603050405020304" pitchFamily="18" charset="0"/>
+                            </a:rPr>
+                            <m:t>𝒕</m:t>
+                          </m:r>
+                          <m:d>
+                            <m:dPr>
+                              <m:ctrlPr>
+                                <a:rPr lang="en-US" b="1" i="1" smtClean="0">
+                                  <a:latin typeface="Cambria Math" panose="02040503050406030204" pitchFamily="18" charset="0"/>
+                                  <a:cs typeface="Times New Roman" panose="02020603050405020304" pitchFamily="18" charset="0"/>
+                                </a:rPr>
+                              </m:ctrlPr>
+                            </m:dPr>
+                            <m:e>
+                              <m:r>
+                                <a:rPr lang="en-US" b="1" i="1" smtClean="0">
+                                  <a:latin typeface="Cambria Math" panose="02040503050406030204" pitchFamily="18" charset="0"/>
+                                  <a:cs typeface="Times New Roman" panose="02020603050405020304" pitchFamily="18" charset="0"/>
+                                </a:rPr>
+                                <m:t>𝒙</m:t>
+                              </m:r>
+                            </m:e>
+                          </m:d>
+                        </m:e>
+                        <m:e>
+                          <m:r>
+                            <a:rPr lang="en-US" b="1" i="1" smtClean="0">
+                              <a:latin typeface="Cambria Math" panose="02040503050406030204" pitchFamily="18" charset="0"/>
+                              <a:cs typeface="Times New Roman" panose="02020603050405020304" pitchFamily="18" charset="0"/>
+                            </a:rPr>
+                            <m:t>𝜽</m:t>
+                          </m:r>
+                        </m:e>
+                      </m:d>
+                      <m:r>
+                        <a:rPr lang="en-US" b="1" i="1" smtClean="0">
+                          <a:latin typeface="Cambria Math" panose="02040503050406030204" pitchFamily="18" charset="0"/>
+                          <a:cs typeface="Times New Roman" panose="02020603050405020304" pitchFamily="18" charset="0"/>
+                        </a:rPr>
+                        <m:t>=</m:t>
+                      </m:r>
+                      <m:sSup>
+                        <m:sSupPr>
+                          <m:ctrlPr>
+                            <a:rPr lang="en-US" b="1" i="1" smtClean="0">
+                              <a:latin typeface="Cambria Math" panose="02040503050406030204" pitchFamily="18" charset="0"/>
+                              <a:cs typeface="Times New Roman" panose="02020603050405020304" pitchFamily="18" charset="0"/>
+                            </a:rPr>
+                          </m:ctrlPr>
+                        </m:sSupPr>
+                        <m:e>
+                          <m:r>
+                            <a:rPr lang="en-US" b="1" i="1" smtClean="0">
+                              <a:latin typeface="Cambria Math" panose="02040503050406030204" pitchFamily="18" charset="0"/>
+                              <a:cs typeface="Times New Roman" panose="02020603050405020304" pitchFamily="18" charset="0"/>
+                            </a:rPr>
+                            <m:t>𝒕</m:t>
+                          </m:r>
+                        </m:e>
+                        <m:sup>
+                          <m:d>
+                            <m:dPr>
+                              <m:ctrlPr>
+                                <a:rPr lang="en-US" i="1" smtClean="0">
+                                  <a:latin typeface="Cambria Math" panose="02040503050406030204" pitchFamily="18" charset="0"/>
+                                  <a:cs typeface="Times New Roman" panose="02020603050405020304" pitchFamily="18" charset="0"/>
+                                </a:rPr>
+                              </m:ctrlPr>
+                            </m:dPr>
+                            <m:e>
+                              <m:r>
+                                <a:rPr lang="en-US" b="0" i="1" smtClean="0">
+                                  <a:latin typeface="Cambria Math" panose="02040503050406030204" pitchFamily="18" charset="0"/>
+                                  <a:cs typeface="Times New Roman" panose="02020603050405020304" pitchFamily="18" charset="0"/>
+                                </a:rPr>
+                                <m:t>𝑝</m:t>
+                              </m:r>
+                            </m:e>
+                          </m:d>
+                        </m:sup>
+                      </m:sSup>
+                      <m:r>
+                        <a:rPr lang="en-US" b="1" i="1" smtClean="0">
+                          <a:latin typeface="Cambria Math" panose="02040503050406030204" pitchFamily="18" charset="0"/>
+                          <a:cs typeface="Times New Roman" panose="02020603050405020304" pitchFamily="18" charset="0"/>
+                        </a:rPr>
+                        <m:t>.</m:t>
+                      </m:r>
+                    </m:oMath>
+                  </m:oMathPara>
+                </a14:m>
+                <a:endParaRPr lang="en-US" b="1" dirty="0">
+                  <a:latin typeface="Times New Roman" panose="02020603050405020304" pitchFamily="18" charset="0"/>
+                  <a:cs typeface="Times New Roman" panose="02020603050405020304" pitchFamily="18" charset="0"/>
+                </a:endParaRPr>
+              </a:p>
+            </p:txBody>
+          </p:sp>
+        </mc:Choice>
+        <mc:Fallback>
+          <p:sp>
+            <p:nvSpPr>
+              <p:cNvPr id="4" name="TextBox 3"/>
+              <p:cNvSpPr txBox="1">
+                <a:spLocks noRot="1" noChangeAspect="1" noMove="1" noResize="1" noEditPoints="1" noAdjustHandles="1" noChangeArrowheads="1" noChangeShapeType="1" noTextEdit="1"/>
+              </p:cNvSpPr>
+              <p:nvPr/>
+            </p:nvSpPr>
+            <p:spPr>
+              <a:xfrm>
+                <a:off x="1676400" y="1638300"/>
+                <a:ext cx="8305800" cy="2379241"/>
+              </a:xfrm>
+              <a:prstGeom prst="rect">
+                <a:avLst/>
+              </a:prstGeom>
+              <a:blipFill>
+                <a:blip r:embed="rId2"/>
+                <a:stretch>
+                  <a:fillRect l="-587" t="-1026"/>
+                </a:stretch>
+              </a:blipFill>
+            </p:spPr>
+            <p:txBody>
+              <a:bodyPr/>
+              <a:lstStyle/>
+              <a:p>
+                <a:r>
+                  <a:rPr lang="en-US">
+                    <a:noFill/>
+                  </a:rPr>
+                  <a:t> </a:t>
+                </a:r>
+              </a:p>
+            </p:txBody>
+          </p:sp>
+        </mc:Fallback>
+      </mc:AlternateContent>
+      <p:sp>
+        <p:nvSpPr>
+          <p:cNvPr id="5" name="TextBox 4"/>
+          <p:cNvSpPr txBox="1"/>
+          <p:nvPr/>
+        </p:nvSpPr>
+        <p:spPr>
+          <a:xfrm>
+            <a:off x="456160" y="4581179"/>
+            <a:ext cx="11114117" cy="923330"/>
+          </a:xfrm>
+          <a:prstGeom prst="rect">
+            <a:avLst/>
+          </a:prstGeom>
+          <a:noFill/>
+        </p:spPr>
+        <p:txBody>
+          <a:bodyPr wrap="square" rtlCol="0">
+            <a:spAutoFit/>
+          </a:bodyPr>
+          <a:lstStyle/>
+          <a:p>
+            <a:pPr marL="285750" indent="-285750">
+              <a:buFont typeface="Arial" panose="020B0604020202020204" pitchFamily="34" charset="0"/>
+              <a:buChar char="•"/>
+            </a:pPr>
+            <a:r>
+              <a:rPr lang="en-US" dirty="0" smtClean="0">
+                <a:latin typeface="Times New Roman" panose="02020603050405020304" pitchFamily="18" charset="0"/>
+                <a:cs typeface="Times New Roman" panose="02020603050405020304" pitchFamily="18" charset="0"/>
+              </a:rPr>
+              <a:t>Proof of convergence to the maximum likelihood value is given the DRL77, as are details regarding further generalizations of the expectation maximization algorithm.</a:t>
+            </a:r>
+          </a:p>
+          <a:p>
+            <a:pPr marL="285750" indent="-285750">
+              <a:buFont typeface="Arial" panose="020B0604020202020204" pitchFamily="34" charset="0"/>
+              <a:buChar char="•"/>
+            </a:pPr>
+            <a:r>
+              <a:rPr lang="en-US" dirty="0" smtClean="0">
+                <a:latin typeface="Times New Roman" panose="02020603050405020304" pitchFamily="18" charset="0"/>
+                <a:cs typeface="Times New Roman" panose="02020603050405020304" pitchFamily="18" charset="0"/>
+              </a:rPr>
+              <a:t>The algorithm is broadly applicable in many cases, and not all of the applications have been discovered yet. </a:t>
+            </a:r>
+          </a:p>
+        </p:txBody>
+      </p:sp>
+      <p:sp>
+        <p:nvSpPr>
+          <p:cNvPr id="6" name="TextBox 5"/>
+          <p:cNvSpPr txBox="1"/>
+          <p:nvPr/>
+        </p:nvSpPr>
+        <p:spPr>
+          <a:xfrm>
+            <a:off x="0" y="6211669"/>
+            <a:ext cx="9629775" cy="646331"/>
+          </a:xfrm>
+          <a:prstGeom prst="rect">
+            <a:avLst/>
+          </a:prstGeom>
+          <a:noFill/>
+        </p:spPr>
+        <p:txBody>
+          <a:bodyPr wrap="square" rtlCol="0">
+            <a:spAutoFit/>
+          </a:bodyPr>
+          <a:lstStyle/>
+          <a:p>
+            <a:r>
+              <a:rPr lang="en-US" dirty="0" smtClean="0">
+                <a:latin typeface="Times New Roman" panose="02020603050405020304" pitchFamily="18" charset="0"/>
+                <a:cs typeface="Times New Roman" panose="02020603050405020304" pitchFamily="18" charset="0"/>
+              </a:rPr>
+              <a:t>These Expectation Maximization Notes Draw Heavily from “Maximum Likelihood from Incomplete Data via the EM Algorithm” by </a:t>
+            </a:r>
+            <a:r>
+              <a:rPr lang="en-US" dirty="0" err="1" smtClean="0">
+                <a:latin typeface="Times New Roman" panose="02020603050405020304" pitchFamily="18" charset="0"/>
+                <a:cs typeface="Times New Roman" panose="02020603050405020304" pitchFamily="18" charset="0"/>
+              </a:rPr>
+              <a:t>Dempster</a:t>
+            </a:r>
+            <a:r>
+              <a:rPr lang="en-US" dirty="0">
+                <a:latin typeface="Times New Roman" panose="02020603050405020304" pitchFamily="18" charset="0"/>
+                <a:cs typeface="Times New Roman" panose="02020603050405020304" pitchFamily="18" charset="0"/>
+              </a:rPr>
+              <a:t> Rubin and Laird (</a:t>
+            </a:r>
+            <a:r>
+              <a:rPr lang="en-US" dirty="0">
+                <a:latin typeface="Times New Roman" panose="02020603050405020304" pitchFamily="18" charset="0"/>
+                <a:cs typeface="Times New Roman" panose="02020603050405020304" pitchFamily="18" charset="0"/>
+                <a:hlinkClick r:id="rId3"/>
+              </a:rPr>
+              <a:t>https://</a:t>
+            </a:r>
+            <a:r>
+              <a:rPr lang="en-US" dirty="0" smtClean="0">
+                <a:latin typeface="Times New Roman" panose="02020603050405020304" pitchFamily="18" charset="0"/>
+                <a:cs typeface="Times New Roman" panose="02020603050405020304" pitchFamily="18" charset="0"/>
+                <a:hlinkClick r:id="rId3"/>
+              </a:rPr>
+              <a:t>www.jstor.org/stable/2984875</a:t>
+            </a:r>
+            <a:r>
+              <a:rPr lang="en-US" dirty="0" smtClean="0">
+                <a:latin typeface="Times New Roman" panose="02020603050405020304" pitchFamily="18" charset="0"/>
+                <a:cs typeface="Times New Roman" panose="02020603050405020304" pitchFamily="18" charset="0"/>
+              </a:rPr>
+              <a:t>) </a:t>
+            </a:r>
+            <a:endParaRPr lang="en-US" dirty="0">
+              <a:latin typeface="Times New Roman" panose="02020603050405020304" pitchFamily="18" charset="0"/>
+              <a:cs typeface="Times New Roman" panose="02020603050405020304" pitchFamily="18" charset="0"/>
+            </a:endParaRPr>
+          </a:p>
+        </p:txBody>
+      </p:sp>
+    </p:spTree>
+    <p:extLst>
+      <p:ext uri="{BB962C8B-B14F-4D97-AF65-F5344CB8AC3E}">
+        <p14:creationId xmlns:p14="http://schemas.microsoft.com/office/powerpoint/2010/main" val="679343186"/>
+      </p:ext>
+    </p:extLst>
+  </p:cSld>
+  <p:clrMapOvr>
+    <a:masterClrMapping/>
+  </p:clrMapOvr>
+</p:sld>
+</file>
+
 <file path=ppt/theme/theme1.xml><?xml version="1.0" encoding="utf-8"?>
 <a:theme xmlns:a="http://schemas.openxmlformats.org/drawingml/2006/main" name="Office Theme">
   <a:themeElements>

--- a/Advanced NGS Analysis (Day 2).pptx
+++ b/Advanced NGS Analysis (Day 2).pptx
@@ -258,7 +258,7 @@
           <a:p>
             <a:fld id="{89421B79-D0FB-4DBF-8858-4E3A3DAF1728}" type="datetimeFigureOut">
               <a:rPr lang="en-US" smtClean="0"/>
-              <a:t>6/16/2022</a:t>
+              <a:t>6/17/2022</a:t>
             </a:fld>
             <a:endParaRPr lang="en-US"/>
           </a:p>
@@ -428,7 +428,7 @@
           <a:p>
             <a:fld id="{89421B79-D0FB-4DBF-8858-4E3A3DAF1728}" type="datetimeFigureOut">
               <a:rPr lang="en-US" smtClean="0"/>
-              <a:t>6/16/2022</a:t>
+              <a:t>6/17/2022</a:t>
             </a:fld>
             <a:endParaRPr lang="en-US"/>
           </a:p>
@@ -608,7 +608,7 @@
           <a:p>
             <a:fld id="{89421B79-D0FB-4DBF-8858-4E3A3DAF1728}" type="datetimeFigureOut">
               <a:rPr lang="en-US" smtClean="0"/>
-              <a:t>6/16/2022</a:t>
+              <a:t>6/17/2022</a:t>
             </a:fld>
             <a:endParaRPr lang="en-US"/>
           </a:p>
@@ -891,7 +891,7 @@
             <a:fld id="{32338A89-9E82-4046-8247-794AEC633712}" type="datetimeFigureOut">
               <a:rPr lang="en-US" smtClean="0"/>
               <a:pPr/>
-              <a:t>6/16/2022</a:t>
+              <a:t>6/17/2022</a:t>
             </a:fld>
             <a:endParaRPr lang="en-US" dirty="0"/>
           </a:p>
@@ -1277,7 +1277,7 @@
           <a:p>
             <a:fld id="{32338A89-9E82-4046-8247-794AEC633712}" type="datetimeFigureOut">
               <a:rPr lang="en-US" smtClean="0"/>
-              <a:t>6/16/2022</a:t>
+              <a:t>6/17/2022</a:t>
             </a:fld>
             <a:endParaRPr lang="en-US" dirty="0"/>
           </a:p>
@@ -1927,7 +1927,7 @@
           <a:p>
             <a:fld id="{32338A89-9E82-4046-8247-794AEC633712}" type="datetimeFigureOut">
               <a:rPr lang="en-US" smtClean="0"/>
-              <a:t>6/16/2022</a:t>
+              <a:t>6/17/2022</a:t>
             </a:fld>
             <a:endParaRPr lang="en-US" dirty="0"/>
           </a:p>
@@ -2501,7 +2501,7 @@
           <a:p>
             <a:fld id="{32338A89-9E82-4046-8247-794AEC633712}" type="datetimeFigureOut">
               <a:rPr lang="en-US" smtClean="0"/>
-              <a:t>6/16/2022</a:t>
+              <a:t>6/17/2022</a:t>
             </a:fld>
             <a:endParaRPr lang="en-US" dirty="0"/>
           </a:p>
@@ -2727,7 +2727,7 @@
           <a:p>
             <a:fld id="{32338A89-9E82-4046-8247-794AEC633712}" type="datetimeFigureOut">
               <a:rPr lang="en-US" smtClean="0"/>
-              <a:t>6/16/2022</a:t>
+              <a:t>6/17/2022</a:t>
             </a:fld>
             <a:endParaRPr lang="en-US" dirty="0"/>
           </a:p>
@@ -2964,7 +2964,7 @@
           <a:p>
             <a:fld id="{89421B79-D0FB-4DBF-8858-4E3A3DAF1728}" type="datetimeFigureOut">
               <a:rPr lang="en-US" smtClean="0"/>
-              <a:t>6/16/2022</a:t>
+              <a:t>6/17/2022</a:t>
             </a:fld>
             <a:endParaRPr lang="en-US"/>
           </a:p>
@@ -3210,7 +3210,7 @@
           <a:p>
             <a:fld id="{89421B79-D0FB-4DBF-8858-4E3A3DAF1728}" type="datetimeFigureOut">
               <a:rPr lang="en-US" smtClean="0"/>
-              <a:t>6/16/2022</a:t>
+              <a:t>6/17/2022</a:t>
             </a:fld>
             <a:endParaRPr lang="en-US"/>
           </a:p>
@@ -3442,7 +3442,7 @@
           <a:p>
             <a:fld id="{89421B79-D0FB-4DBF-8858-4E3A3DAF1728}" type="datetimeFigureOut">
               <a:rPr lang="en-US" smtClean="0"/>
-              <a:t>6/16/2022</a:t>
+              <a:t>6/17/2022</a:t>
             </a:fld>
             <a:endParaRPr lang="en-US"/>
           </a:p>
@@ -3809,7 +3809,7 @@
           <a:p>
             <a:fld id="{89421B79-D0FB-4DBF-8858-4E3A3DAF1728}" type="datetimeFigureOut">
               <a:rPr lang="en-US" smtClean="0"/>
-              <a:t>6/16/2022</a:t>
+              <a:t>6/17/2022</a:t>
             </a:fld>
             <a:endParaRPr lang="en-US"/>
           </a:p>
@@ -3927,7 +3927,7 @@
           <a:p>
             <a:fld id="{89421B79-D0FB-4DBF-8858-4E3A3DAF1728}" type="datetimeFigureOut">
               <a:rPr lang="en-US" smtClean="0"/>
-              <a:t>6/16/2022</a:t>
+              <a:t>6/17/2022</a:t>
             </a:fld>
             <a:endParaRPr lang="en-US"/>
           </a:p>
@@ -4022,7 +4022,7 @@
           <a:p>
             <a:fld id="{89421B79-D0FB-4DBF-8858-4E3A3DAF1728}" type="datetimeFigureOut">
               <a:rPr lang="en-US" smtClean="0"/>
-              <a:t>6/16/2022</a:t>
+              <a:t>6/17/2022</a:t>
             </a:fld>
             <a:endParaRPr lang="en-US"/>
           </a:p>
@@ -4299,7 +4299,7 @@
           <a:p>
             <a:fld id="{89421B79-D0FB-4DBF-8858-4E3A3DAF1728}" type="datetimeFigureOut">
               <a:rPr lang="en-US" smtClean="0"/>
-              <a:t>6/16/2022</a:t>
+              <a:t>6/17/2022</a:t>
             </a:fld>
             <a:endParaRPr lang="en-US"/>
           </a:p>
@@ -4552,7 +4552,7 @@
           <a:p>
             <a:fld id="{89421B79-D0FB-4DBF-8858-4E3A3DAF1728}" type="datetimeFigureOut">
               <a:rPr lang="en-US" smtClean="0"/>
-              <a:t>6/16/2022</a:t>
+              <a:t>6/17/2022</a:t>
             </a:fld>
             <a:endParaRPr lang="en-US"/>
           </a:p>
@@ -4765,7 +4765,7 @@
           <a:p>
             <a:fld id="{89421B79-D0FB-4DBF-8858-4E3A3DAF1728}" type="datetimeFigureOut">
               <a:rPr lang="en-US" smtClean="0"/>
-              <a:t>6/16/2022</a:t>
+              <a:t>6/17/2022</a:t>
             </a:fld>
             <a:endParaRPr lang="en-US"/>
           </a:p>
@@ -5323,7 +5323,7 @@
             <a:fld id="{32338A89-9E82-4046-8247-794AEC633712}" type="datetimeFigureOut">
               <a:rPr lang="en-US" smtClean="0"/>
               <a:pPr/>
-              <a:t>6/16/2022</a:t>
+              <a:t>6/17/2022</a:t>
             </a:fld>
             <a:endParaRPr lang="en-US" dirty="0"/>
           </a:p>
@@ -6099,8 +6099,8 @@
           </a:p>
         </p:txBody>
       </p:sp>
-      <mc:AlternateContent xmlns:mc="http://schemas.openxmlformats.org/markup-compatibility/2006">
-        <mc:Choice xmlns:a14="http://schemas.microsoft.com/office/drawing/2010/main" Requires="a14">
+      <mc:AlternateContent xmlns:mc="http://schemas.openxmlformats.org/markup-compatibility/2006" xmlns:a14="http://schemas.microsoft.com/office/drawing/2010/main">
+        <mc:Choice Requires="a14">
           <p:sp>
             <p:nvSpPr>
               <p:cNvPr id="4" name="TextBox 3"/>
@@ -6380,6 +6380,7 @@
                 </a:r>
               </a:p>
               <a:p>
+                <a:pPr/>
                 <a14:m>
                   <m:oMathPara xmlns:m="http://schemas.openxmlformats.org/officeDocument/2006/math">
                     <m:oMathParaPr>
@@ -7076,14 +7077,7 @@
                                     <a:latin typeface="Cambria Math" panose="02040503050406030204" pitchFamily="18" charset="0"/>
                                     <a:cs typeface="Times New Roman" panose="02020603050405020304" pitchFamily="18" charset="0"/>
                                   </a:rPr>
-                                  <m:t>)/</m:t>
-                                </m:r>
-                                <m:r>
-                                  <a:rPr lang="en-US" i="1">
-                                    <a:latin typeface="Cambria Math" panose="02040503050406030204" pitchFamily="18" charset="0"/>
-                                    <a:cs typeface="Times New Roman" panose="02020603050405020304" pitchFamily="18" charset="0"/>
-                                  </a:rPr>
-                                  <m:t>4</m:t>
+                                  <m:t>)/4</m:t>
                                 </m:r>
                               </m:e>
                             </m:mr>
@@ -7094,21 +7088,7 @@
                                     <a:latin typeface="Cambria Math" panose="02040503050406030204" pitchFamily="18" charset="0"/>
                                     <a:cs typeface="Times New Roman" panose="02020603050405020304" pitchFamily="18" charset="0"/>
                                   </a:rPr>
-                                  <m:t>1</m:t>
-                                </m:r>
-                                <m:r>
-                                  <a:rPr lang="en-US" b="0" i="1" smtClean="0">
-                                    <a:latin typeface="Cambria Math" panose="02040503050406030204" pitchFamily="18" charset="0"/>
-                                    <a:cs typeface="Times New Roman" panose="02020603050405020304" pitchFamily="18" charset="0"/>
-                                  </a:rPr>
-                                  <m:t>/</m:t>
-                                </m:r>
-                                <m:r>
-                                  <a:rPr lang="en-US" b="0" i="1" smtClean="0">
-                                    <a:latin typeface="Cambria Math" panose="02040503050406030204" pitchFamily="18" charset="0"/>
-                                    <a:cs typeface="Times New Roman" panose="02020603050405020304" pitchFamily="18" charset="0"/>
-                                  </a:rPr>
-                                  <m:t>2+</m:t>
+                                  <m:t>1/2+</m:t>
                                 </m:r>
                                 <m:r>
                                   <a:rPr lang="en-US" i="1">
@@ -7161,14 +7141,7 @@
                                     <a:latin typeface="Cambria Math" panose="02040503050406030204" pitchFamily="18" charset="0"/>
                                     <a:cs typeface="Times New Roman" panose="02020603050405020304" pitchFamily="18" charset="0"/>
                                   </a:rPr>
-                                  <m:t>)/</m:t>
-                                </m:r>
-                                <m:r>
-                                  <a:rPr lang="en-US" i="1">
-                                    <a:latin typeface="Cambria Math" panose="02040503050406030204" pitchFamily="18" charset="0"/>
-                                    <a:cs typeface="Times New Roman" panose="02020603050405020304" pitchFamily="18" charset="0"/>
-                                  </a:rPr>
-                                  <m:t>4</m:t>
+                                  <m:t>)/4</m:t>
                                 </m:r>
                               </m:e>
                             </m:mr>
@@ -7186,14 +7159,7 @@
                                     <a:latin typeface="Cambria Math" panose="02040503050406030204" pitchFamily="18" charset="0"/>
                                     <a:cs typeface="Times New Roman" panose="02020603050405020304" pitchFamily="18" charset="0"/>
                                   </a:rPr>
-                                  <m:t>/</m:t>
-                                </m:r>
-                                <m:r>
-                                  <a:rPr lang="en-US" i="1">
-                                    <a:latin typeface="Cambria Math" panose="02040503050406030204" pitchFamily="18" charset="0"/>
-                                    <a:cs typeface="Times New Roman" panose="02020603050405020304" pitchFamily="18" charset="0"/>
-                                  </a:rPr>
-                                  <m:t>4</m:t>
+                                  <m:t>/4</m:t>
                                 </m:r>
                               </m:e>
                             </m:mr>
@@ -7211,7 +7177,7 @@
             </p:txBody>
           </p:sp>
         </mc:Choice>
-        <mc:Fallback>
+        <mc:Fallback xmlns="">
           <p:sp>
             <p:nvSpPr>
               <p:cNvPr id="4" name="TextBox 3"/>
@@ -8010,8 +7976,8 @@
           </a:p>
         </p:txBody>
       </p:sp>
-      <mc:AlternateContent xmlns:mc="http://schemas.openxmlformats.org/markup-compatibility/2006">
-        <mc:Choice xmlns:a14="http://schemas.microsoft.com/office/drawing/2010/main" Requires="a14">
+      <mc:AlternateContent xmlns:mc="http://schemas.openxmlformats.org/markup-compatibility/2006" xmlns:a14="http://schemas.microsoft.com/office/drawing/2010/main">
+        <mc:Choice Requires="a14">
           <p:sp>
             <p:nvSpPr>
               <p:cNvPr id="3" name="Rectangle 2"/>
@@ -8040,6 +8006,7 @@
               </a:bodyPr>
               <a:lstStyle/>
               <a:p>
+                <a:pPr/>
                 <a14:m>
                   <m:oMathPara xmlns:m="http://schemas.openxmlformats.org/officeDocument/2006/math">
                     <m:oMathParaPr>
@@ -8715,14 +8682,7 @@
                                     <a:latin typeface="Cambria Math" panose="02040503050406030204" pitchFamily="18" charset="0"/>
                                     <a:cs typeface="Times New Roman" panose="02020603050405020304" pitchFamily="18" charset="0"/>
                                   </a:rPr>
-                                  <m:t>(</m:t>
-                                </m:r>
-                                <m:r>
-                                  <a:rPr lang="en-US" i="1">
-                                    <a:latin typeface="Cambria Math" panose="02040503050406030204" pitchFamily="18" charset="0"/>
-                                    <a:cs typeface="Times New Roman" panose="02020603050405020304" pitchFamily="18" charset="0"/>
-                                  </a:rPr>
-                                  <m:t>1−</m:t>
+                                  <m:t>(1−</m:t>
                                 </m:r>
                                 <m:r>
                                   <a:rPr lang="en-US" i="1">
@@ -8761,14 +8721,7 @@
                                     <a:latin typeface="Cambria Math" panose="02040503050406030204" pitchFamily="18" charset="0"/>
                                     <a:cs typeface="Times New Roman" panose="02020603050405020304" pitchFamily="18" charset="0"/>
                                   </a:rPr>
-                                  <m:t>/</m:t>
-                                </m:r>
-                                <m:r>
-                                  <a:rPr lang="en-US" i="1">
-                                    <a:latin typeface="Cambria Math" panose="02040503050406030204" pitchFamily="18" charset="0"/>
-                                    <a:cs typeface="Times New Roman" panose="02020603050405020304" pitchFamily="18" charset="0"/>
-                                  </a:rPr>
-                                  <m:t>4</m:t>
+                                  <m:t>/4</m:t>
                                 </m:r>
                               </m:e>
                             </m:mr>
@@ -8779,14 +8732,7 @@
                                     <a:latin typeface="Cambria Math" panose="02040503050406030204" pitchFamily="18" charset="0"/>
                                     <a:cs typeface="Times New Roman" panose="02020603050405020304" pitchFamily="18" charset="0"/>
                                   </a:rPr>
-                                  <m:t>(</m:t>
-                                </m:r>
-                                <m:r>
-                                  <a:rPr lang="en-US" i="1">
-                                    <a:latin typeface="Cambria Math" panose="02040503050406030204" pitchFamily="18" charset="0"/>
-                                    <a:cs typeface="Times New Roman" panose="02020603050405020304" pitchFamily="18" charset="0"/>
-                                  </a:rPr>
-                                  <m:t>1−</m:t>
+                                  <m:t>(1−</m:t>
                                 </m:r>
                                 <m:r>
                                   <a:rPr lang="en-US" i="1">
@@ -8833,7 +8779,7 @@
             </p:txBody>
           </p:sp>
         </mc:Choice>
-        <mc:Fallback>
+        <mc:Fallback xmlns="">
           <p:sp>
             <p:nvSpPr>
               <p:cNvPr id="3" name="Rectangle 2"/>
@@ -8879,8 +8825,8 @@
           </p:sp>
         </mc:Fallback>
       </mc:AlternateContent>
-      <mc:AlternateContent xmlns:mc="http://schemas.openxmlformats.org/markup-compatibility/2006">
-        <mc:Choice xmlns:a14="http://schemas.microsoft.com/office/drawing/2010/main" Requires="a14">
+      <mc:AlternateContent xmlns:mc="http://schemas.openxmlformats.org/markup-compatibility/2006" xmlns:a14="http://schemas.microsoft.com/office/drawing/2010/main">
+        <mc:Choice Requires="a14">
           <p:sp>
             <p:nvSpPr>
               <p:cNvPr id="4" name="TextBox 3"/>
@@ -8970,7 +8916,7 @@
                                   <a:latin typeface="Cambria Math" panose="02040503050406030204" pitchFamily="18" charset="0"/>
                                   <a:cs typeface="Times New Roman" panose="02020603050405020304" pitchFamily="18" charset="0"/>
                                 </a:rPr>
-                                <m:t>-</m:t>
+                                <m:t>−</m:t>
                               </m:r>
                               <m:r>
                                 <m:rPr>
@@ -9035,7 +8981,7 @@
                                   </a:solidFill>
                                   <a:latin typeface="Cambria Math" panose="02040503050406030204" pitchFamily="18" charset="0"/>
                                 </a:rPr>
-                                <m:t>-</m:t>
+                                <m:t>−</m:t>
                               </m:r>
                               <m:r>
                                 <m:rPr>
@@ -9152,7 +9098,7 @@
                                   </a:solidFill>
                                   <a:latin typeface="Cambria Math" panose="02040503050406030204" pitchFamily="18" charset="0"/>
                                 </a:rPr>
-                                <m:t>-</m:t>
+                                <m:t>−</m:t>
                               </m:r>
                               <m:r>
                                 <m:rPr>
@@ -9281,7 +9227,7 @@
             </p:txBody>
           </p:sp>
         </mc:Choice>
-        <mc:Fallback>
+        <mc:Fallback xmlns="">
           <p:sp>
             <p:nvSpPr>
               <p:cNvPr id="4" name="TextBox 3"/>
@@ -9320,8 +9266,8 @@
           </p:sp>
         </mc:Fallback>
       </mc:AlternateContent>
-      <mc:AlternateContent xmlns:mc="http://schemas.openxmlformats.org/markup-compatibility/2006">
-        <mc:Choice xmlns:a14="http://schemas.microsoft.com/office/drawing/2010/main" Requires="a14">
+      <mc:AlternateContent xmlns:mc="http://schemas.openxmlformats.org/markup-compatibility/2006" xmlns:a14="http://schemas.microsoft.com/office/drawing/2010/main">
+        <mc:Choice Requires="a14">
           <p:sp>
             <p:nvSpPr>
               <p:cNvPr id="5" name="TextBox 4"/>
@@ -9892,7 +9838,7 @@
             </p:txBody>
           </p:sp>
         </mc:Choice>
-        <mc:Fallback>
+        <mc:Fallback xmlns="">
           <p:sp>
             <p:nvSpPr>
               <p:cNvPr id="5" name="TextBox 4"/>
@@ -9931,8 +9877,8 @@
           </p:sp>
         </mc:Fallback>
       </mc:AlternateContent>
-      <mc:AlternateContent xmlns:mc="http://schemas.openxmlformats.org/markup-compatibility/2006">
-        <mc:Choice xmlns:a14="http://schemas.microsoft.com/office/drawing/2010/main" Requires="a14">
+      <mc:AlternateContent xmlns:mc="http://schemas.openxmlformats.org/markup-compatibility/2006" xmlns:a14="http://schemas.microsoft.com/office/drawing/2010/main">
+        <mc:Choice Requires="a14">
           <p:sp>
             <p:nvSpPr>
               <p:cNvPr id="6" name="TextBox 5"/>
@@ -9986,6 +9932,7 @@
                 <a:endParaRPr lang="en-US" dirty="0" smtClean="0"/>
               </a:p>
               <a:p>
+                <a:pPr/>
                 <a14:m>
                   <m:oMathPara xmlns:m="http://schemas.openxmlformats.org/officeDocument/2006/math">
                     <m:oMathParaPr>
@@ -10609,7 +10556,7 @@
             </p:txBody>
           </p:sp>
         </mc:Choice>
-        <mc:Fallback>
+        <mc:Fallback xmlns="">
           <p:sp>
             <p:nvSpPr>
               <p:cNvPr id="6" name="TextBox 5"/>
@@ -10648,8 +10595,8 @@
           </p:sp>
         </mc:Fallback>
       </mc:AlternateContent>
-      <mc:AlternateContent xmlns:mc="http://schemas.openxmlformats.org/markup-compatibility/2006">
-        <mc:Choice xmlns:a14="http://schemas.microsoft.com/office/drawing/2010/main" Requires="a14">
+      <mc:AlternateContent xmlns:mc="http://schemas.openxmlformats.org/markup-compatibility/2006" xmlns:a14="http://schemas.microsoft.com/office/drawing/2010/main">
+        <mc:Choice Requires="a14">
           <p:sp>
             <p:nvSpPr>
               <p:cNvPr id="7" name="Rectangle 6"/>
@@ -11246,7 +11193,7 @@
             </p:txBody>
           </p:sp>
         </mc:Choice>
-        <mc:Fallback>
+        <mc:Fallback xmlns="">
           <p:sp>
             <p:nvSpPr>
               <p:cNvPr id="7" name="Rectangle 6"/>
@@ -11285,8 +11232,8 @@
           </p:sp>
         </mc:Fallback>
       </mc:AlternateContent>
-      <mc:AlternateContent xmlns:mc="http://schemas.openxmlformats.org/markup-compatibility/2006">
-        <mc:Choice xmlns:a14="http://schemas.microsoft.com/office/drawing/2010/main" Requires="a14">
+      <mc:AlternateContent xmlns:mc="http://schemas.openxmlformats.org/markup-compatibility/2006" xmlns:a14="http://schemas.microsoft.com/office/drawing/2010/main">
+        <mc:Choice Requires="a14">
           <p:sp>
             <p:nvSpPr>
               <p:cNvPr id="8" name="Rectangle 7"/>
@@ -11361,7 +11308,7 @@
             </p:txBody>
           </p:sp>
         </mc:Choice>
-        <mc:Fallback>
+        <mc:Fallback xmlns="">
           <p:sp>
             <p:nvSpPr>
               <p:cNvPr id="8" name="Rectangle 7"/>
@@ -11400,8 +11347,8 @@
           </p:sp>
         </mc:Fallback>
       </mc:AlternateContent>
-      <mc:AlternateContent xmlns:mc="http://schemas.openxmlformats.org/markup-compatibility/2006">
-        <mc:Choice xmlns:a14="http://schemas.microsoft.com/office/drawing/2010/main" Requires="a14">
+      <mc:AlternateContent xmlns:mc="http://schemas.openxmlformats.org/markup-compatibility/2006" xmlns:a14="http://schemas.microsoft.com/office/drawing/2010/main">
+        <mc:Choice Requires="a14">
           <p:sp>
             <p:nvSpPr>
               <p:cNvPr id="9" name="TextBox 8"/>
@@ -11424,6 +11371,7 @@
               </a:bodyPr>
               <a:lstStyle/>
               <a:p>
+                <a:pPr/>
                 <a14:m>
                   <m:oMathPara xmlns:m="http://schemas.openxmlformats.org/officeDocument/2006/math">
                     <m:oMathParaPr>
@@ -11755,7 +11703,7 @@
             </p:txBody>
           </p:sp>
         </mc:Choice>
-        <mc:Fallback>
+        <mc:Fallback xmlns="">
           <p:sp>
             <p:nvSpPr>
               <p:cNvPr id="9" name="TextBox 8"/>
@@ -11794,8 +11742,8 @@
           </p:sp>
         </mc:Fallback>
       </mc:AlternateContent>
-      <mc:AlternateContent xmlns:mc="http://schemas.openxmlformats.org/markup-compatibility/2006">
-        <mc:Choice xmlns:a14="http://schemas.microsoft.com/office/drawing/2010/main" Requires="a14">
+      <mc:AlternateContent xmlns:mc="http://schemas.openxmlformats.org/markup-compatibility/2006" xmlns:a14="http://schemas.microsoft.com/office/drawing/2010/main">
+        <mc:Choice Requires="a14">
           <p:sp>
             <p:nvSpPr>
               <p:cNvPr id="10" name="TextBox 9"/>
@@ -11818,6 +11766,7 @@
               </a:bodyPr>
               <a:lstStyle/>
               <a:p>
+                <a:pPr/>
                 <a14:m>
                   <m:oMathPara xmlns:m="http://schemas.openxmlformats.org/officeDocument/2006/math">
                     <m:oMathParaPr>
@@ -12165,7 +12114,7 @@
             </p:txBody>
           </p:sp>
         </mc:Choice>
-        <mc:Fallback>
+        <mc:Fallback xmlns="">
           <p:sp>
             <p:nvSpPr>
               <p:cNvPr id="10" name="TextBox 9"/>
@@ -12479,8 +12428,8 @@
           </a:p>
         </p:txBody>
       </p:sp>
-      <mc:AlternateContent xmlns:mc="http://schemas.openxmlformats.org/markup-compatibility/2006">
-        <mc:Choice xmlns:a14="http://schemas.microsoft.com/office/drawing/2010/main" Requires="a14">
+      <mc:AlternateContent xmlns:mc="http://schemas.openxmlformats.org/markup-compatibility/2006" xmlns:a14="http://schemas.microsoft.com/office/drawing/2010/main">
+        <mc:Choice Requires="a14">
           <p:sp>
             <p:nvSpPr>
               <p:cNvPr id="4" name="TextBox 3"/>
@@ -12503,6 +12452,7 @@
               </a:bodyPr>
               <a:lstStyle/>
               <a:p>
+                <a:pPr/>
                 <a14:m>
                   <m:oMathPara xmlns:m="http://schemas.openxmlformats.org/officeDocument/2006/math">
                     <m:oMathParaPr>
@@ -13208,7 +13158,7 @@
             </p:txBody>
           </p:sp>
         </mc:Choice>
-        <mc:Fallback>
+        <mc:Fallback xmlns="">
           <p:sp>
             <p:nvSpPr>
               <p:cNvPr id="4" name="TextBox 3"/>
@@ -13247,8 +13197,8 @@
           </p:sp>
         </mc:Fallback>
       </mc:AlternateContent>
-      <mc:AlternateContent xmlns:mc="http://schemas.openxmlformats.org/markup-compatibility/2006">
-        <mc:Choice xmlns:a14="http://schemas.microsoft.com/office/drawing/2010/main" Requires="a14">
+      <mc:AlternateContent xmlns:mc="http://schemas.openxmlformats.org/markup-compatibility/2006" xmlns:a14="http://schemas.microsoft.com/office/drawing/2010/main">
+        <mc:Choice Requires="a14">
           <p:sp>
             <p:nvSpPr>
               <p:cNvPr id="5" name="TextBox 4"/>
@@ -13338,7 +13288,7 @@
                                   <a:latin typeface="Cambria Math" panose="02040503050406030204" pitchFamily="18" charset="0"/>
                                   <a:cs typeface="Times New Roman" panose="02020603050405020304" pitchFamily="18" charset="0"/>
                                 </a:rPr>
-                                <m:t>-</m:t>
+                                <m:t>−</m:t>
                               </m:r>
                               <m:r>
                                 <m:rPr>
@@ -13364,18 +13314,20 @@
                                   <a:latin typeface="Times New Roman" panose="02020603050405020304" pitchFamily="18" charset="0"/>
                                   <a:cs typeface="Times New Roman" panose="02020603050405020304" pitchFamily="18" charset="0"/>
                                 </a:rPr>
-                                <m:t>: 18</m:t>
+                                <m:t>: </m:t>
                               </m:r>
                               <m:r>
                                 <m:rPr>
                                   <m:nor/>
                                 </m:rPr>
-                                <a:rPr lang="en-US" sz="1600" dirty="0">
+                                <a:rPr lang="en-US" sz="1600" b="0" i="0" dirty="0" smtClean="0">
                                   <a:solidFill>
                                     <a:srgbClr val="FF0000"/>
                                   </a:solidFill>
-                                </a:rPr>
-                                <m:t> </m:t>
+                                  <a:latin typeface="Times New Roman" panose="02020603050405020304" pitchFamily="18" charset="0"/>
+                                  <a:cs typeface="Times New Roman" panose="02020603050405020304" pitchFamily="18" charset="0"/>
+                                </a:rPr>
+                                <m:t>18 </m:t>
                               </m:r>
                             </m:e>
                           </m:mr>
@@ -13403,7 +13355,7 @@
                                   </a:solidFill>
                                   <a:latin typeface="Cambria Math" panose="02040503050406030204" pitchFamily="18" charset="0"/>
                                 </a:rPr>
-                                <m:t>-</m:t>
+                                <m:t>−</m:t>
                               </m:r>
                               <m:r>
                                 <m:rPr>
@@ -13481,18 +13433,20 @@
                                   <a:latin typeface="Times New Roman" panose="02020603050405020304" pitchFamily="18" charset="0"/>
                                   <a:cs typeface="Times New Roman" panose="02020603050405020304" pitchFamily="18" charset="0"/>
                                 </a:rPr>
-                                <m:t>:125</m:t>
+                                <m:t>:</m:t>
                               </m:r>
                               <m:r>
                                 <m:rPr>
                                   <m:nor/>
                                 </m:rPr>
-                                <a:rPr lang="en-US" sz="1600" dirty="0">
+                                <a:rPr lang="en-US" sz="1600" b="0" i="0" dirty="0" smtClean="0">
                                   <a:solidFill>
                                     <a:srgbClr val="FFC000"/>
                                   </a:solidFill>
-                                </a:rPr>
-                                <m:t> </m:t>
+                                  <a:latin typeface="Times New Roman" panose="02020603050405020304" pitchFamily="18" charset="0"/>
+                                  <a:cs typeface="Times New Roman" panose="02020603050405020304" pitchFamily="18" charset="0"/>
+                                </a:rPr>
+                                <m:t>125 </m:t>
                               </m:r>
                             </m:e>
                           </m:mr>
@@ -13520,7 +13474,7 @@
                                   </a:solidFill>
                                   <a:latin typeface="Cambria Math" panose="02040503050406030204" pitchFamily="18" charset="0"/>
                                 </a:rPr>
-                                <m:t>-</m:t>
+                                <m:t>−</m:t>
                               </m:r>
                               <m:r>
                                 <m:rPr>
@@ -13546,20 +13500,20 @@
                                   <a:latin typeface="Times New Roman" panose="02020603050405020304" pitchFamily="18" charset="0"/>
                                   <a:cs typeface="Times New Roman" panose="02020603050405020304" pitchFamily="18" charset="0"/>
                                 </a:rPr>
-                                <m:t>: 20</m:t>
+                                <m:t>: </m:t>
                               </m:r>
                               <m:r>
                                 <m:rPr>
                                   <m:nor/>
                                 </m:rPr>
-                                <a:rPr lang="en-US" sz="1600" dirty="0">
+                                <a:rPr lang="en-US" sz="1600" b="0" i="0" dirty="0" smtClean="0">
                                   <a:solidFill>
                                     <a:srgbClr val="3CAF2C"/>
                                   </a:solidFill>
                                   <a:latin typeface="Times New Roman" panose="02020603050405020304" pitchFamily="18" charset="0"/>
                                   <a:cs typeface="Times New Roman" panose="02020603050405020304" pitchFamily="18" charset="0"/>
                                 </a:rPr>
-                                <m:t> </m:t>
+                                <m:t>20 </m:t>
                               </m:r>
                             </m:e>
                           </m:mr>
@@ -13616,20 +13570,22 @@
                                   <a:latin typeface="Times New Roman" panose="02020603050405020304" pitchFamily="18" charset="0"/>
                                   <a:cs typeface="Times New Roman" panose="02020603050405020304" pitchFamily="18" charset="0"/>
                                 </a:rPr>
-                                <m:t>: 34</m:t>
+                                <m:t>: </m:t>
                               </m:r>
                               <m:r>
                                 <m:rPr>
                                   <m:nor/>
                                 </m:rPr>
-                                <a:rPr lang="en-US" sz="1600" dirty="0">
+                                <a:rPr lang="en-US" sz="1600" b="0" i="0" dirty="0" smtClean="0">
                                   <a:solidFill>
                                     <a:schemeClr val="accent1">
                                       <a:lumMod val="50000"/>
                                     </a:schemeClr>
                                   </a:solidFill>
-                                </a:rPr>
-                                <m:t> </m:t>
+                                  <a:latin typeface="Times New Roman" panose="02020603050405020304" pitchFamily="18" charset="0"/>
+                                  <a:cs typeface="Times New Roman" panose="02020603050405020304" pitchFamily="18" charset="0"/>
+                                </a:rPr>
+                                <m:t>34 </m:t>
                               </m:r>
                             </m:e>
                           </m:mr>
@@ -13649,7 +13605,7 @@
             </p:txBody>
           </p:sp>
         </mc:Choice>
-        <mc:Fallback>
+        <mc:Fallback xmlns="">
           <p:sp>
             <p:nvSpPr>
               <p:cNvPr id="5" name="TextBox 4"/>
@@ -13688,8 +13644,8 @@
           </p:sp>
         </mc:Fallback>
       </mc:AlternateContent>
-      <mc:AlternateContent xmlns:mc="http://schemas.openxmlformats.org/markup-compatibility/2006">
-        <mc:Choice xmlns:a14="http://schemas.microsoft.com/office/drawing/2010/main" Requires="a14">
+      <mc:AlternateContent xmlns:mc="http://schemas.openxmlformats.org/markup-compatibility/2006" xmlns:a14="http://schemas.microsoft.com/office/drawing/2010/main">
+        <mc:Choice Requires="a14">
           <p:sp>
             <p:nvSpPr>
               <p:cNvPr id="6" name="Rectangle 5"/>
@@ -13711,6 +13667,7 @@
               </a:bodyPr>
               <a:lstStyle/>
               <a:p>
+                <a:pPr/>
                 <a14:m>
                   <m:oMathPara xmlns:m="http://schemas.openxmlformats.org/officeDocument/2006/math">
                     <m:oMathParaPr>
@@ -13927,7 +13884,7 @@
             </p:txBody>
           </p:sp>
         </mc:Choice>
-        <mc:Fallback>
+        <mc:Fallback xmlns="">
           <p:sp>
             <p:nvSpPr>
               <p:cNvPr id="6" name="Rectangle 5"/>
@@ -13966,8 +13923,8 @@
           </p:sp>
         </mc:Fallback>
       </mc:AlternateContent>
-      <mc:AlternateContent xmlns:mc="http://schemas.openxmlformats.org/markup-compatibility/2006">
-        <mc:Choice xmlns:a14="http://schemas.microsoft.com/office/drawing/2010/main" Requires="a14">
+      <mc:AlternateContent xmlns:mc="http://schemas.openxmlformats.org/markup-compatibility/2006" xmlns:a14="http://schemas.microsoft.com/office/drawing/2010/main">
+        <mc:Choice Requires="a14">
           <p:sp>
             <p:nvSpPr>
               <p:cNvPr id="7" name="Rectangle 6"/>
@@ -13989,6 +13946,7 @@
               </a:bodyPr>
               <a:lstStyle/>
               <a:p>
+                <a:pPr/>
                 <a14:m>
                   <m:oMathPara xmlns:m="http://schemas.openxmlformats.org/officeDocument/2006/math">
                     <m:oMathParaPr>
@@ -14100,7 +14058,7 @@
             </p:txBody>
           </p:sp>
         </mc:Choice>
-        <mc:Fallback>
+        <mc:Fallback xmlns="">
           <p:sp>
             <p:nvSpPr>
               <p:cNvPr id="7" name="Rectangle 6"/>
@@ -14186,8 +14144,8 @@
           </a:p>
         </p:txBody>
       </p:sp>
-      <mc:AlternateContent xmlns:mc="http://schemas.openxmlformats.org/markup-compatibility/2006">
-        <mc:Choice xmlns:a14="http://schemas.microsoft.com/office/drawing/2010/main" Requires="a14">
+      <mc:AlternateContent xmlns:mc="http://schemas.openxmlformats.org/markup-compatibility/2006" xmlns:a14="http://schemas.microsoft.com/office/drawing/2010/main">
+        <mc:Choice Requires="a14">
           <p:sp>
             <p:nvSpPr>
               <p:cNvPr id="10" name="TextBox 9"/>
@@ -14356,7 +14314,7 @@
             </p:txBody>
           </p:sp>
         </mc:Choice>
-        <mc:Fallback>
+        <mc:Fallback xmlns="">
           <p:sp>
             <p:nvSpPr>
               <p:cNvPr id="10" name="TextBox 9"/>
@@ -14395,8 +14353,8 @@
           </p:sp>
         </mc:Fallback>
       </mc:AlternateContent>
-      <mc:AlternateContent xmlns:mc="http://schemas.openxmlformats.org/markup-compatibility/2006">
-        <mc:Choice xmlns:a14="http://schemas.microsoft.com/office/drawing/2010/main" Requires="a14">
+      <mc:AlternateContent xmlns:mc="http://schemas.openxmlformats.org/markup-compatibility/2006" xmlns:a14="http://schemas.microsoft.com/office/drawing/2010/main">
+        <mc:Choice Requires="a14">
           <p:sp>
             <p:nvSpPr>
               <p:cNvPr id="11" name="Rectangle 10"/>
@@ -15462,14 +15420,7 @@
                             <m:nor/>
                           </m:rPr>
                           <a:rPr lang="en-US" sz="1600" dirty="0"/>
-                          <m:t> </m:t>
-                        </m:r>
-                        <m:r>
-                          <m:rPr>
-                            <m:nor/>
-                          </m:rPr>
-                          <a:rPr lang="en-US" sz="1600" dirty="0"/>
-                          <m:t> </m:t>
+                          <m:t>  </m:t>
                         </m:r>
                       </m:den>
                     </m:f>
@@ -15632,7 +15583,7 @@
             </p:txBody>
           </p:sp>
         </mc:Choice>
-        <mc:Fallback>
+        <mc:Fallback xmlns="">
           <p:sp>
             <p:nvSpPr>
               <p:cNvPr id="11" name="Rectangle 10"/>
@@ -15671,8 +15622,8 @@
           </p:sp>
         </mc:Fallback>
       </mc:AlternateContent>
-      <mc:AlternateContent xmlns:mc="http://schemas.openxmlformats.org/markup-compatibility/2006">
-        <mc:Choice xmlns:a14="http://schemas.microsoft.com/office/drawing/2010/main" Requires="a14">
+      <mc:AlternateContent xmlns:mc="http://schemas.openxmlformats.org/markup-compatibility/2006" xmlns:a14="http://schemas.microsoft.com/office/drawing/2010/main">
+        <mc:Choice Requires="a14">
           <p:sp>
             <p:nvSpPr>
               <p:cNvPr id="12" name="Rectangle 11"/>
@@ -15694,6 +15645,7 @@
               </a:bodyPr>
               <a:lstStyle/>
               <a:p>
+                <a:pPr/>
                 <a14:m>
                   <m:oMathPara xmlns:m="http://schemas.openxmlformats.org/officeDocument/2006/math">
                     <m:oMathParaPr>
@@ -16118,7 +16070,7 @@
             </p:txBody>
           </p:sp>
         </mc:Choice>
-        <mc:Fallback>
+        <mc:Fallback xmlns="">
           <p:sp>
             <p:nvSpPr>
               <p:cNvPr id="12" name="Rectangle 11"/>
@@ -16157,8 +16109,8 @@
           </p:sp>
         </mc:Fallback>
       </mc:AlternateContent>
-      <mc:AlternateContent xmlns:mc="http://schemas.openxmlformats.org/markup-compatibility/2006">
-        <mc:Choice xmlns:a14="http://schemas.microsoft.com/office/drawing/2010/main" Requires="a14">
+      <mc:AlternateContent xmlns:mc="http://schemas.openxmlformats.org/markup-compatibility/2006" xmlns:a14="http://schemas.microsoft.com/office/drawing/2010/main">
+        <mc:Choice Requires="a14">
           <p:sp>
             <p:nvSpPr>
               <p:cNvPr id="13" name="Rectangle 12"/>
@@ -16273,7 +16225,7 @@
             </p:txBody>
           </p:sp>
         </mc:Choice>
-        <mc:Fallback>
+        <mc:Fallback xmlns="">
           <p:sp>
             <p:nvSpPr>
               <p:cNvPr id="13" name="Rectangle 12"/>
@@ -16312,8 +16264,8 @@
           </p:sp>
         </mc:Fallback>
       </mc:AlternateContent>
-      <mc:AlternateContent xmlns:mc="http://schemas.openxmlformats.org/markup-compatibility/2006">
-        <mc:Choice xmlns:a14="http://schemas.microsoft.com/office/drawing/2010/main" Requires="a14">
+      <mc:AlternateContent xmlns:mc="http://schemas.openxmlformats.org/markup-compatibility/2006" xmlns:a14="http://schemas.microsoft.com/office/drawing/2010/main">
+        <mc:Choice Requires="a14">
           <p:sp>
             <p:nvSpPr>
               <p:cNvPr id="14" name="TextBox 13"/>
@@ -16336,6 +16288,7 @@
               </a:bodyPr>
               <a:lstStyle/>
               <a:p>
+                <a:pPr/>
                 <a14:m>
                   <m:oMathPara xmlns:m="http://schemas.openxmlformats.org/officeDocument/2006/math">
                     <m:oMathParaPr>
@@ -16630,7 +16583,7 @@
             </p:txBody>
           </p:sp>
         </mc:Choice>
-        <mc:Fallback>
+        <mc:Fallback xmlns="">
           <p:sp>
             <p:nvSpPr>
               <p:cNvPr id="14" name="TextBox 13"/>
@@ -16669,8 +16622,8 @@
           </p:sp>
         </mc:Fallback>
       </mc:AlternateContent>
-      <mc:AlternateContent xmlns:mc="http://schemas.openxmlformats.org/markup-compatibility/2006">
-        <mc:Choice xmlns:a14="http://schemas.microsoft.com/office/drawing/2010/main" Requires="a14">
+      <mc:AlternateContent xmlns:mc="http://schemas.openxmlformats.org/markup-compatibility/2006" xmlns:a14="http://schemas.microsoft.com/office/drawing/2010/main">
+        <mc:Choice Requires="a14">
           <p:sp>
             <p:nvSpPr>
               <p:cNvPr id="15" name="TextBox 14"/>
@@ -16693,6 +16646,7 @@
               </a:bodyPr>
               <a:lstStyle/>
               <a:p>
+                <a:pPr/>
                 <a14:m>
                   <m:oMathPara xmlns:m="http://schemas.openxmlformats.org/officeDocument/2006/math">
                     <m:oMathParaPr>
@@ -16985,7 +16939,7 @@
             </p:txBody>
           </p:sp>
         </mc:Choice>
-        <mc:Fallback>
+        <mc:Fallback xmlns="">
           <p:sp>
             <p:nvSpPr>
               <p:cNvPr id="15" name="TextBox 14"/>
@@ -17222,8 +17176,8 @@
           </a:p>
         </p:txBody>
       </p:sp>
-      <mc:AlternateContent xmlns:mc="http://schemas.openxmlformats.org/markup-compatibility/2006">
-        <mc:Choice xmlns:a14="http://schemas.microsoft.com/office/drawing/2010/main" Requires="a14">
+      <mc:AlternateContent xmlns:mc="http://schemas.openxmlformats.org/markup-compatibility/2006" xmlns:a14="http://schemas.microsoft.com/office/drawing/2010/main">
+        <mc:Choice Requires="a14">
           <p:sp>
             <p:nvSpPr>
               <p:cNvPr id="4" name="Rectangle 3"/>
@@ -17245,6 +17199,7 @@
               </a:bodyPr>
               <a:lstStyle/>
               <a:p>
+                <a:pPr/>
                 <a14:m>
                   <m:oMathPara xmlns:m="http://schemas.openxmlformats.org/officeDocument/2006/math">
                     <m:oMathParaPr>
@@ -17326,7 +17281,13 @@
                                     <a:rPr lang="en-US" i="1">
                                       <a:latin typeface="Cambria Math" panose="02040503050406030204" pitchFamily="18" charset="0"/>
                                     </a:rPr>
-                                    <m:t>=1</m:t>
+                                    <m:t>=</m:t>
+                                  </m:r>
+                                  <m:r>
+                                    <a:rPr lang="en-US" i="1">
+                                      <a:latin typeface="Cambria Math" panose="02040503050406030204" pitchFamily="18" charset="0"/>
+                                    </a:rPr>
+                                    <m:t>1</m:t>
                                   </m:r>
                                 </m:sub>
                                 <m:sup>
@@ -17395,7 +17356,13 @@
                                 <a:rPr lang="en-US" i="1">
                                   <a:latin typeface="Cambria Math" panose="02040503050406030204" pitchFamily="18" charset="0"/>
                                 </a:rPr>
-                                <m:t>=1</m:t>
+                                <m:t>=</m:t>
+                              </m:r>
+                              <m:r>
+                                <a:rPr lang="en-US" i="1">
+                                  <a:latin typeface="Cambria Math" panose="02040503050406030204" pitchFamily="18" charset="0"/>
+                                </a:rPr>
+                                <m:t>1</m:t>
                               </m:r>
                             </m:sub>
                             <m:sup>
@@ -17485,7 +17452,13 @@
                                     <a:rPr lang="en-US" i="1">
                                       <a:latin typeface="Cambria Math" panose="02040503050406030204" pitchFamily="18" charset="0"/>
                                     </a:rPr>
-                                    <m:t>1−</m:t>
+                                    <m:t>1</m:t>
+                                  </m:r>
+                                  <m:r>
+                                    <a:rPr lang="en-US" i="1">
+                                      <a:latin typeface="Cambria Math" panose="02040503050406030204" pitchFamily="18" charset="0"/>
+                                    </a:rPr>
+                                    <m:t>−</m:t>
                                   </m:r>
                                   <m:r>
                                     <a:rPr lang="en-US" i="1">
@@ -17731,7 +17704,13 @@
                                     <a:rPr lang="en-US" i="1">
                                       <a:latin typeface="Cambria Math" panose="02040503050406030204" pitchFamily="18" charset="0"/>
                                     </a:rPr>
-                                    <m:t>1−</m:t>
+                                    <m:t>1</m:t>
+                                  </m:r>
+                                  <m:r>
+                                    <a:rPr lang="en-US" i="1">
+                                      <a:latin typeface="Cambria Math" panose="02040503050406030204" pitchFamily="18" charset="0"/>
+                                    </a:rPr>
+                                    <m:t>−</m:t>
                                   </m:r>
                                   <m:r>
                                     <a:rPr lang="en-US" i="1">
@@ -17868,7 +17847,7 @@
             </p:txBody>
           </p:sp>
         </mc:Choice>
-        <mc:Fallback>
+        <mc:Fallback xmlns="">
           <p:sp>
             <p:nvSpPr>
               <p:cNvPr id="4" name="Rectangle 3"/>
@@ -17907,8 +17886,8 @@
           </p:sp>
         </mc:Fallback>
       </mc:AlternateContent>
-      <mc:AlternateContent xmlns:mc="http://schemas.openxmlformats.org/markup-compatibility/2006">
-        <mc:Choice xmlns:a14="http://schemas.microsoft.com/office/drawing/2010/main" Requires="a14">
+      <mc:AlternateContent xmlns:mc="http://schemas.openxmlformats.org/markup-compatibility/2006" xmlns:a14="http://schemas.microsoft.com/office/drawing/2010/main">
+        <mc:Choice Requires="a14">
           <p:sp>
             <p:nvSpPr>
               <p:cNvPr id="5" name="Rectangle 4"/>
@@ -17930,6 +17909,7 @@
               </a:bodyPr>
               <a:lstStyle/>
               <a:p>
+                <a:pPr/>
                 <a14:m>
                   <m:oMathPara xmlns:m="http://schemas.openxmlformats.org/officeDocument/2006/math">
                     <m:oMathParaPr>
@@ -18064,7 +18044,13 @@
                                         <a:rPr lang="en-US" i="1">
                                           <a:latin typeface="Cambria Math" panose="02040503050406030204" pitchFamily="18" charset="0"/>
                                         </a:rPr>
-                                        <m:t>=1</m:t>
+                                        <m:t>=</m:t>
+                                      </m:r>
+                                      <m:r>
+                                        <a:rPr lang="en-US" i="1">
+                                          <a:latin typeface="Cambria Math" panose="02040503050406030204" pitchFamily="18" charset="0"/>
+                                        </a:rPr>
+                                        <m:t>1</m:t>
                                       </m:r>
                                     </m:sub>
                                     <m:sup>
@@ -18133,7 +18119,13 @@
                                     <a:rPr lang="en-US" i="1">
                                       <a:latin typeface="Cambria Math" panose="02040503050406030204" pitchFamily="18" charset="0"/>
                                     </a:rPr>
-                                    <m:t>=1</m:t>
+                                    <m:t>=</m:t>
+                                  </m:r>
+                                  <m:r>
+                                    <a:rPr lang="en-US" i="1">
+                                      <a:latin typeface="Cambria Math" panose="02040503050406030204" pitchFamily="18" charset="0"/>
+                                    </a:rPr>
+                                    <m:t>1</m:t>
                                   </m:r>
                                 </m:sub>
                                 <m:sup>
@@ -18270,7 +18262,13 @@
                                         <a:rPr lang="en-US" i="1">
                                           <a:latin typeface="Cambria Math" panose="02040503050406030204" pitchFamily="18" charset="0"/>
                                         </a:rPr>
-                                        <m:t>1−</m:t>
+                                        <m:t>1</m:t>
+                                      </m:r>
+                                      <m:r>
+                                        <a:rPr lang="en-US" i="1">
+                                          <a:latin typeface="Cambria Math" panose="02040503050406030204" pitchFamily="18" charset="0"/>
+                                        </a:rPr>
+                                        <m:t>−</m:t>
                                       </m:r>
                                       <m:r>
                                         <a:rPr lang="en-US" i="1">
@@ -18554,7 +18552,13 @@
                                         <a:rPr lang="en-US" i="1">
                                           <a:latin typeface="Cambria Math" panose="02040503050406030204" pitchFamily="18" charset="0"/>
                                         </a:rPr>
-                                        <m:t>1−</m:t>
+                                        <m:t>1</m:t>
+                                      </m:r>
+                                      <m:r>
+                                        <a:rPr lang="en-US" i="1">
+                                          <a:latin typeface="Cambria Math" panose="02040503050406030204" pitchFamily="18" charset="0"/>
+                                        </a:rPr>
+                                        <m:t>−</m:t>
                                       </m:r>
                                       <m:r>
                                         <a:rPr lang="en-US" i="1">
@@ -18675,7 +18679,7 @@
             </p:txBody>
           </p:sp>
         </mc:Choice>
-        <mc:Fallback>
+        <mc:Fallback xmlns="">
           <p:sp>
             <p:nvSpPr>
               <p:cNvPr id="5" name="Rectangle 4"/>
@@ -18714,8 +18718,8 @@
           </p:sp>
         </mc:Fallback>
       </mc:AlternateContent>
-      <mc:AlternateContent xmlns:mc="http://schemas.openxmlformats.org/markup-compatibility/2006">
-        <mc:Choice xmlns:a14="http://schemas.microsoft.com/office/drawing/2010/main" Requires="a14">
+      <mc:AlternateContent xmlns:mc="http://schemas.openxmlformats.org/markup-compatibility/2006" xmlns:a14="http://schemas.microsoft.com/office/drawing/2010/main">
+        <mc:Choice Requires="a14">
           <p:sp>
             <p:nvSpPr>
               <p:cNvPr id="6" name="TextBox 5"/>
@@ -18835,7 +18839,7 @@
             </p:txBody>
           </p:sp>
         </mc:Choice>
-        <mc:Fallback>
+        <mc:Fallback xmlns="">
           <p:sp>
             <p:nvSpPr>
               <p:cNvPr id="6" name="TextBox 5"/>
@@ -18885,7 +18889,7 @@
             <p:spPr>
               <a:xfrm>
                 <a:off x="-1952626" y="3516691"/>
-                <a:ext cx="15725776" cy="1568443"/>
+                <a:ext cx="15725776" cy="1466107"/>
               </a:xfrm>
               <a:prstGeom prst="rect">
                 <a:avLst/>
@@ -18897,6 +18901,7 @@
               </a:bodyPr>
               <a:lstStyle/>
               <a:p>
+                <a:pPr/>
                 <a14:m>
                   <m:oMathPara xmlns:m="http://schemas.openxmlformats.org/officeDocument/2006/math">
                     <m:oMathParaPr>
@@ -19065,7 +19070,13 @@
                                 <a:rPr lang="en-US" b="0" i="1" smtClean="0">
                                   <a:latin typeface="Cambria Math" panose="02040503050406030204" pitchFamily="18" charset="0"/>
                                 </a:rPr>
-                                <m:t>1−</m:t>
+                                <m:t>1</m:t>
+                              </m:r>
+                              <m:r>
+                                <a:rPr lang="en-US" b="0" i="1" smtClean="0">
+                                  <a:latin typeface="Cambria Math" panose="02040503050406030204" pitchFamily="18" charset="0"/>
+                                </a:rPr>
+                                <m:t>−</m:t>
                               </m:r>
                               <m:r>
                                 <a:rPr lang="en-US" b="0" i="1" smtClean="0">
@@ -19283,7 +19294,13 @@
                                 <a:rPr lang="en-US" b="0" i="1" smtClean="0">
                                   <a:latin typeface="Cambria Math" panose="02040503050406030204" pitchFamily="18" charset="0"/>
                                 </a:rPr>
-                                <m:t>1−</m:t>
+                                <m:t>1</m:t>
+                              </m:r>
+                              <m:r>
+                                <a:rPr lang="en-US" b="0" i="1" smtClean="0">
+                                  <a:latin typeface="Cambria Math" panose="02040503050406030204" pitchFamily="18" charset="0"/>
+                                </a:rPr>
+                                <m:t>−</m:t>
                               </m:r>
                               <m:r>
                                 <a:rPr lang="en-US" b="0" i="1" smtClean="0">
@@ -19492,7 +19509,13 @@
                             <a:rPr lang="en-US" b="0" i="1" smtClean="0">
                               <a:latin typeface="Cambria Math" panose="02040503050406030204" pitchFamily="18" charset="0"/>
                             </a:rPr>
-                            <m:t>−1</m:t>
+                            <m:t>−</m:t>
+                          </m:r>
+                          <m:r>
+                            <a:rPr lang="en-US" b="0" i="1" smtClean="0">
+                              <a:latin typeface="Cambria Math" panose="02040503050406030204" pitchFamily="18" charset="0"/>
+                            </a:rPr>
+                            <m:t>1</m:t>
                           </m:r>
                         </m:den>
                       </m:f>
@@ -19598,7 +19621,13 @@
                             <a:rPr lang="en-US" b="0" i="1" smtClean="0">
                               <a:latin typeface="Cambria Math" panose="02040503050406030204" pitchFamily="18" charset="0"/>
                             </a:rPr>
-                            <m:t>−1</m:t>
+                            <m:t>−</m:t>
+                          </m:r>
+                          <m:r>
+                            <a:rPr lang="en-US" b="0" i="1" smtClean="0">
+                              <a:latin typeface="Cambria Math" panose="02040503050406030204" pitchFamily="18" charset="0"/>
+                            </a:rPr>
+                            <m:t>1</m:t>
                           </m:r>
                         </m:den>
                       </m:f>
@@ -19652,12 +19681,6 @@
                           </m:r>
                         </m:den>
                       </m:f>
-                      <m:r>
-                        <a:rPr lang="en-US" b="0" i="1" smtClean="0">
-                          <a:latin typeface="Cambria Math" panose="02040503050406030204" pitchFamily="18" charset="0"/>
-                        </a:rPr>
-                        <m:t>=</m:t>
-                      </m:r>
                     </m:oMath>
                   </m:oMathPara>
                 </a14:m>
@@ -19666,17 +19689,19 @@
                 </a:endParaRPr>
               </a:p>
               <a:p>
-                <a:endParaRPr lang="en-US" b="0" i="1" dirty="0" smtClean="0">
-                  <a:latin typeface="Cambria Math" panose="02040503050406030204" pitchFamily="18" charset="0"/>
-                </a:endParaRPr>
-              </a:p>
-              <a:p>
+                <a:pPr/>
                 <a14:m>
                   <m:oMathPara xmlns:m="http://schemas.openxmlformats.org/officeDocument/2006/math">
                     <m:oMathParaPr>
                       <m:jc m:val="centerGroup"/>
                     </m:oMathParaPr>
                     <m:oMath xmlns:m="http://schemas.openxmlformats.org/officeDocument/2006/math">
+                      <m:r>
+                        <a:rPr lang="en-US" b="0" i="1" smtClean="0">
+                          <a:latin typeface="Cambria Math" panose="02040503050406030204" pitchFamily="18" charset="0"/>
+                        </a:rPr>
+                        <m:t>⇒</m:t>
+                      </m:r>
                       <m:f>
                         <m:fPr>
                           <m:ctrlPr>
@@ -19689,20 +19714,14 @@
                           <m:sSub>
                             <m:sSubPr>
                               <m:ctrlPr>
-                                <a:rPr lang="en-US" i="1">
+                                <a:rPr lang="en-US" b="0" i="1" smtClean="0">
                                   <a:latin typeface="Cambria Math" panose="02040503050406030204" pitchFamily="18" charset="0"/>
                                 </a:rPr>
                               </m:ctrlPr>
                             </m:sSubPr>
                             <m:e>
                               <m:r>
-                                <a:rPr lang="en-US" i="1">
-                                  <a:latin typeface="Cambria Math" panose="02040503050406030204" pitchFamily="18" charset="0"/>
-                                </a:rPr>
-                                <m:t>(</m:t>
-                              </m:r>
-                              <m:r>
-                                <a:rPr lang="en-US" i="1">
+                                <a:rPr lang="en-US" b="0" i="1" smtClean="0">
                                   <a:latin typeface="Cambria Math" panose="02040503050406030204" pitchFamily="18" charset="0"/>
                                 </a:rPr>
                                 <m:t>𝑥</m:t>
@@ -19710,36 +19729,73 @@
                             </m:e>
                             <m:sub>
                               <m:r>
-                                <a:rPr lang="en-US" i="1">
+                                <a:rPr lang="en-US" b="0" i="1" smtClean="0">
                                   <a:latin typeface="Cambria Math" panose="02040503050406030204" pitchFamily="18" charset="0"/>
                                 </a:rPr>
                                 <m:t>1</m:t>
                               </m:r>
                             </m:sub>
                           </m:sSub>
+                        </m:num>
+                        <m:den>
+                          <m:acc>
+                            <m:accPr>
+                              <m:chr m:val="̂"/>
+                              <m:ctrlPr>
+                                <a:rPr lang="en-US" b="0" i="1" smtClean="0">
+                                  <a:latin typeface="Cambria Math" panose="02040503050406030204" pitchFamily="18" charset="0"/>
+                                </a:rPr>
+                              </m:ctrlPr>
+                            </m:accPr>
+                            <m:e>
+                              <m:r>
+                                <a:rPr lang="en-US" b="0" i="1" smtClean="0">
+                                  <a:latin typeface="Cambria Math" panose="02040503050406030204" pitchFamily="18" charset="0"/>
+                                </a:rPr>
+                                <m:t>𝜋</m:t>
+                              </m:r>
+                            </m:e>
+                          </m:acc>
                           <m:r>
-                            <a:rPr lang="en-US" i="1">
-                              <a:latin typeface="Cambria Math" panose="02040503050406030204" pitchFamily="18" charset="0"/>
-                            </a:rPr>
-                            <m:t>𝜋</m:t>
+                            <a:rPr lang="en-US" b="0" i="1" smtClean="0">
+                              <a:latin typeface="Cambria Math" panose="02040503050406030204" pitchFamily="18" charset="0"/>
+                            </a:rPr>
+                            <m:t>−</m:t>
                           </m:r>
                           <m:r>
-                            <a:rPr lang="en-US" i="1">
-                              <a:latin typeface="Cambria Math" panose="02040503050406030204" pitchFamily="18" charset="0"/>
-                            </a:rPr>
-                            <m:t>+</m:t>
+                            <a:rPr lang="en-US" b="0" i="1" smtClean="0">
+                              <a:latin typeface="Cambria Math" panose="02040503050406030204" pitchFamily="18" charset="0"/>
+                            </a:rPr>
+                            <m:t>1</m:t>
                           </m:r>
+                        </m:den>
+                      </m:f>
+                      <m:r>
+                        <a:rPr lang="en-US" b="0" i="1" smtClean="0">
+                          <a:latin typeface="Cambria Math" panose="02040503050406030204" pitchFamily="18" charset="0"/>
+                        </a:rPr>
+                        <m:t>+</m:t>
+                      </m:r>
+                      <m:f>
+                        <m:fPr>
+                          <m:ctrlPr>
+                            <a:rPr lang="en-US" b="0" i="1" smtClean="0">
+                              <a:latin typeface="Cambria Math" panose="02040503050406030204" pitchFamily="18" charset="0"/>
+                            </a:rPr>
+                          </m:ctrlPr>
+                        </m:fPr>
+                        <m:num>
                           <m:sSub>
                             <m:sSubPr>
                               <m:ctrlPr>
-                                <a:rPr lang="en-US" i="1">
+                                <a:rPr lang="en-US" b="0" i="1" smtClean="0">
                                   <a:latin typeface="Cambria Math" panose="02040503050406030204" pitchFamily="18" charset="0"/>
                                 </a:rPr>
                               </m:ctrlPr>
                             </m:sSubPr>
                             <m:e>
                               <m:r>
-                                <a:rPr lang="en-US" i="1">
+                                <a:rPr lang="en-US" b="0" i="1" smtClean="0">
                                   <a:latin typeface="Cambria Math" panose="02040503050406030204" pitchFamily="18" charset="0"/>
                                 </a:rPr>
                                 <m:t>𝑥</m:t>
@@ -19747,42 +19803,61 @@
                             </m:e>
                             <m:sub>
                               <m:r>
-                                <a:rPr lang="en-US" i="1">
+                                <a:rPr lang="en-US" b="0" i="1" smtClean="0">
                                   <a:latin typeface="Cambria Math" panose="02040503050406030204" pitchFamily="18" charset="0"/>
                                 </a:rPr>
                                 <m:t>2</m:t>
                               </m:r>
                             </m:sub>
                           </m:sSub>
-                          <m:r>
-                            <a:rPr lang="en-US" i="1">
-                              <a:latin typeface="Cambria Math" panose="02040503050406030204" pitchFamily="18" charset="0"/>
-                            </a:rPr>
-                            <m:t>(</m:t>
-                          </m:r>
-                          <m:r>
-                            <a:rPr lang="en-US" i="1">
-                              <a:latin typeface="Cambria Math" panose="02040503050406030204" pitchFamily="18" charset="0"/>
-                            </a:rPr>
-                            <m:t>𝜋</m:t>
-                          </m:r>
-                          <m:r>
-                            <a:rPr lang="en-US" i="1">
-                              <a:latin typeface="Cambria Math" panose="02040503050406030204" pitchFamily="18" charset="0"/>
-                            </a:rPr>
-                            <m:t>−1)+</m:t>
-                          </m:r>
+                        </m:num>
+                        <m:den>
+                          <m:acc>
+                            <m:accPr>
+                              <m:chr m:val="̂"/>
+                              <m:ctrlPr>
+                                <a:rPr lang="en-US" b="0" i="1" smtClean="0">
+                                  <a:latin typeface="Cambria Math" panose="02040503050406030204" pitchFamily="18" charset="0"/>
+                                </a:rPr>
+                              </m:ctrlPr>
+                            </m:accPr>
+                            <m:e>
+                              <m:r>
+                                <a:rPr lang="en-US" b="0" i="1" smtClean="0">
+                                  <a:latin typeface="Cambria Math" panose="02040503050406030204" pitchFamily="18" charset="0"/>
+                                </a:rPr>
+                                <m:t>𝜋</m:t>
+                              </m:r>
+                            </m:e>
+                          </m:acc>
+                        </m:den>
+                      </m:f>
+                      <m:r>
+                        <a:rPr lang="en-US" b="0" i="1" smtClean="0">
+                          <a:latin typeface="Cambria Math" panose="02040503050406030204" pitchFamily="18" charset="0"/>
+                        </a:rPr>
+                        <m:t>+</m:t>
+                      </m:r>
+                      <m:f>
+                        <m:fPr>
+                          <m:ctrlPr>
+                            <a:rPr lang="en-US" b="0" i="1" smtClean="0">
+                              <a:latin typeface="Cambria Math" panose="02040503050406030204" pitchFamily="18" charset="0"/>
+                            </a:rPr>
+                          </m:ctrlPr>
+                        </m:fPr>
+                        <m:num>
                           <m:sSub>
                             <m:sSubPr>
                               <m:ctrlPr>
-                                <a:rPr lang="en-US" i="1">
+                                <a:rPr lang="en-US" b="0" i="1" smtClean="0">
                                   <a:latin typeface="Cambria Math" panose="02040503050406030204" pitchFamily="18" charset="0"/>
                                 </a:rPr>
                               </m:ctrlPr>
                             </m:sSubPr>
                             <m:e>
                               <m:r>
-                                <a:rPr lang="en-US" i="1">
+                                <a:rPr lang="en-US" b="0" i="1" smtClean="0">
                                   <a:latin typeface="Cambria Math" panose="02040503050406030204" pitchFamily="18" charset="0"/>
                                 </a:rPr>
                                 <m:t>𝑥</m:t>
@@ -19790,36 +19865,73 @@
                             </m:e>
                             <m:sub>
                               <m:r>
-                                <a:rPr lang="en-US" i="1">
+                                <a:rPr lang="en-US" b="0" i="1" smtClean="0">
                                   <a:latin typeface="Cambria Math" panose="02040503050406030204" pitchFamily="18" charset="0"/>
                                 </a:rPr>
                                 <m:t>4</m:t>
                               </m:r>
                             </m:sub>
                           </m:sSub>
+                        </m:num>
+                        <m:den>
+                          <m:acc>
+                            <m:accPr>
+                              <m:chr m:val="̂"/>
+                              <m:ctrlPr>
+                                <a:rPr lang="en-US" b="0" i="1" smtClean="0">
+                                  <a:latin typeface="Cambria Math" panose="02040503050406030204" pitchFamily="18" charset="0"/>
+                                </a:rPr>
+                              </m:ctrlPr>
+                            </m:accPr>
+                            <m:e>
+                              <m:r>
+                                <a:rPr lang="en-US" b="0" i="1" smtClean="0">
+                                  <a:latin typeface="Cambria Math" panose="02040503050406030204" pitchFamily="18" charset="0"/>
+                                </a:rPr>
+                                <m:t>𝜋</m:t>
+                              </m:r>
+                            </m:e>
+                          </m:acc>
                           <m:r>
-                            <a:rPr lang="en-US" i="1">
-                              <a:latin typeface="Cambria Math" panose="02040503050406030204" pitchFamily="18" charset="0"/>
-                            </a:rPr>
-                            <m:t>𝜋</m:t>
+                            <a:rPr lang="en-US" b="0" i="1" smtClean="0">
+                              <a:latin typeface="Cambria Math" panose="02040503050406030204" pitchFamily="18" charset="0"/>
+                            </a:rPr>
+                            <m:t>−</m:t>
                           </m:r>
                           <m:r>
-                            <a:rPr lang="en-US" i="1">
-                              <a:latin typeface="Cambria Math" panose="02040503050406030204" pitchFamily="18" charset="0"/>
-                            </a:rPr>
-                            <m:t>+</m:t>
+                            <a:rPr lang="en-US" b="0" i="1" smtClean="0">
+                              <a:latin typeface="Cambria Math" panose="02040503050406030204" pitchFamily="18" charset="0"/>
+                            </a:rPr>
+                            <m:t>1</m:t>
                           </m:r>
+                        </m:den>
+                      </m:f>
+                      <m:r>
+                        <a:rPr lang="en-US" b="0" i="1" smtClean="0">
+                          <a:latin typeface="Cambria Math" panose="02040503050406030204" pitchFamily="18" charset="0"/>
+                        </a:rPr>
+                        <m:t>+</m:t>
+                      </m:r>
+                      <m:f>
+                        <m:fPr>
+                          <m:ctrlPr>
+                            <a:rPr lang="en-US" b="0" i="1" smtClean="0">
+                              <a:latin typeface="Cambria Math" panose="02040503050406030204" pitchFamily="18" charset="0"/>
+                            </a:rPr>
+                          </m:ctrlPr>
+                        </m:fPr>
+                        <m:num>
                           <m:sSub>
                             <m:sSubPr>
                               <m:ctrlPr>
-                                <a:rPr lang="en-US" i="1">
+                                <a:rPr lang="en-US" b="0" i="1" smtClean="0">
                                   <a:latin typeface="Cambria Math" panose="02040503050406030204" pitchFamily="18" charset="0"/>
                                 </a:rPr>
                               </m:ctrlPr>
                             </m:sSubPr>
                             <m:e>
                               <m:r>
-                                <a:rPr lang="en-US" i="1">
+                                <a:rPr lang="en-US" b="0" i="1" smtClean="0">
                                   <a:latin typeface="Cambria Math" panose="02040503050406030204" pitchFamily="18" charset="0"/>
                                 </a:rPr>
                                 <m:t>𝑥</m:t>
@@ -19827,82 +19939,33 @@
                             </m:e>
                             <m:sub>
                               <m:r>
-                                <a:rPr lang="en-US" i="1">
+                                <a:rPr lang="en-US" b="0" i="1" smtClean="0">
                                   <a:latin typeface="Cambria Math" panose="02040503050406030204" pitchFamily="18" charset="0"/>
                                 </a:rPr>
                                 <m:t>5</m:t>
                               </m:r>
                             </m:sub>
                           </m:sSub>
-                          <m:r>
-                            <a:rPr lang="en-US" i="1">
-                              <a:latin typeface="Cambria Math" panose="02040503050406030204" pitchFamily="18" charset="0"/>
-                            </a:rPr>
-                            <m:t>(</m:t>
-                          </m:r>
-                          <m:r>
-                            <a:rPr lang="en-US" i="1">
-                              <a:latin typeface="Cambria Math" panose="02040503050406030204" pitchFamily="18" charset="0"/>
-                            </a:rPr>
-                            <m:t>𝜋</m:t>
-                          </m:r>
-                          <m:r>
-                            <a:rPr lang="en-US" i="1">
-                              <a:latin typeface="Cambria Math" panose="02040503050406030204" pitchFamily="18" charset="0"/>
-                            </a:rPr>
-                            <m:t>−1))</m:t>
-                          </m:r>
                         </m:num>
                         <m:den>
-                          <m:r>
-                            <a:rPr lang="en-US" i="1">
-                              <a:latin typeface="Cambria Math" panose="02040503050406030204" pitchFamily="18" charset="0"/>
-                            </a:rPr>
-                            <m:t>(</m:t>
-                          </m:r>
-                          <m:sSup>
-                            <m:sSupPr>
+                          <m:acc>
+                            <m:accPr>
+                              <m:chr m:val="̂"/>
                               <m:ctrlPr>
-                                <a:rPr lang="en-US" i="1">
+                                <a:rPr lang="en-US" b="0" i="1" smtClean="0">
                                   <a:latin typeface="Cambria Math" panose="02040503050406030204" pitchFamily="18" charset="0"/>
                                 </a:rPr>
                               </m:ctrlPr>
-                            </m:sSupPr>
+                            </m:accPr>
                             <m:e>
                               <m:r>
-                                <a:rPr lang="en-US" i="1">
+                                <a:rPr lang="en-US" b="0" i="1" smtClean="0">
                                   <a:latin typeface="Cambria Math" panose="02040503050406030204" pitchFamily="18" charset="0"/>
                                 </a:rPr>
                                 <m:t>𝜋</m:t>
                               </m:r>
                             </m:e>
-                            <m:sup>
-                              <m:r>
-                                <a:rPr lang="en-US" i="1">
-                                  <a:latin typeface="Cambria Math" panose="02040503050406030204" pitchFamily="18" charset="0"/>
-                                </a:rPr>
-                                <m:t>2</m:t>
-                              </m:r>
-                            </m:sup>
-                          </m:sSup>
-                          <m:r>
-                            <a:rPr lang="en-US" i="1">
-                              <a:latin typeface="Cambria Math" panose="02040503050406030204" pitchFamily="18" charset="0"/>
-                            </a:rPr>
-                            <m:t>−</m:t>
-                          </m:r>
-                          <m:r>
-                            <a:rPr lang="en-US" i="1">
-                              <a:latin typeface="Cambria Math" panose="02040503050406030204" pitchFamily="18" charset="0"/>
-                            </a:rPr>
-                            <m:t>𝜋</m:t>
-                          </m:r>
-                          <m:r>
-                            <a:rPr lang="en-US" i="1">
-                              <a:latin typeface="Cambria Math" panose="02040503050406030204" pitchFamily="18" charset="0"/>
-                            </a:rPr>
-                            <m:t>)</m:t>
-                          </m:r>
+                          </m:acc>
                         </m:den>
                       </m:f>
                       <m:r>
@@ -19911,228 +19974,482 @@
                         </a:rPr>
                         <m:t>=</m:t>
                       </m:r>
-                      <m:f>
-                        <m:fPr>
+                      <m:r>
+                        <a:rPr lang="en-US" b="0" i="1" smtClean="0">
+                          <a:latin typeface="Cambria Math" panose="02040503050406030204" pitchFamily="18" charset="0"/>
+                        </a:rPr>
+                        <m:t>0</m:t>
+                      </m:r>
+                      <m:r>
+                        <a:rPr lang="en-US" b="0" i="1" smtClean="0">
+                          <a:latin typeface="Cambria Math" panose="02040503050406030204" pitchFamily="18" charset="0"/>
+                        </a:rPr>
+                        <m:t>⇒</m:t>
+                      </m:r>
+                      <m:d>
+                        <m:dPr>
                           <m:ctrlPr>
                             <a:rPr lang="en-US" b="0" i="1" smtClean="0">
                               <a:latin typeface="Cambria Math" panose="02040503050406030204" pitchFamily="18" charset="0"/>
                             </a:rPr>
                           </m:ctrlPr>
-                        </m:fPr>
-                        <m:num>
-                          <m:d>
-                            <m:dPr>
-                              <m:ctrlPr>
-                                <a:rPr lang="en-US" i="1">
-                                  <a:latin typeface="Cambria Math" panose="02040503050406030204" pitchFamily="18" charset="0"/>
-                                </a:rPr>
-                              </m:ctrlPr>
-                            </m:dPr>
-                            <m:e>
-                              <m:sSub>
-                                <m:sSubPr>
-                                  <m:ctrlPr>
-                                    <a:rPr lang="en-US" i="1">
-                                      <a:latin typeface="Cambria Math" panose="02040503050406030204" pitchFamily="18" charset="0"/>
-                                    </a:rPr>
-                                  </m:ctrlPr>
-                                </m:sSubPr>
-                                <m:e>
-                                  <m:r>
-                                    <a:rPr lang="en-US" i="1">
-                                      <a:latin typeface="Cambria Math" panose="02040503050406030204" pitchFamily="18" charset="0"/>
-                                    </a:rPr>
-                                    <m:t>𝑥</m:t>
-                                  </m:r>
-                                </m:e>
-                                <m:sub>
-                                  <m:r>
-                                    <a:rPr lang="en-US" i="1">
-                                      <a:latin typeface="Cambria Math" panose="02040503050406030204" pitchFamily="18" charset="0"/>
-                                    </a:rPr>
-                                    <m:t>1</m:t>
-                                  </m:r>
-                                </m:sub>
-                              </m:sSub>
-                              <m:r>
-                                <a:rPr lang="en-US" i="1">
-                                  <a:latin typeface="Cambria Math" panose="02040503050406030204" pitchFamily="18" charset="0"/>
-                                </a:rPr>
-                                <m:t>+</m:t>
-                              </m:r>
-                              <m:sSub>
-                                <m:sSubPr>
-                                  <m:ctrlPr>
-                                    <a:rPr lang="en-US" i="1">
-                                      <a:latin typeface="Cambria Math" panose="02040503050406030204" pitchFamily="18" charset="0"/>
-                                    </a:rPr>
-                                  </m:ctrlPr>
-                                </m:sSubPr>
-                                <m:e>
-                                  <m:r>
-                                    <a:rPr lang="en-US" i="1">
-                                      <a:latin typeface="Cambria Math" panose="02040503050406030204" pitchFamily="18" charset="0"/>
-                                    </a:rPr>
-                                    <m:t>𝑥</m:t>
-                                  </m:r>
-                                </m:e>
-                                <m:sub>
-                                  <m:r>
-                                    <a:rPr lang="en-US" i="1">
-                                      <a:latin typeface="Cambria Math" panose="02040503050406030204" pitchFamily="18" charset="0"/>
-                                    </a:rPr>
-                                    <m:t>4</m:t>
-                                  </m:r>
-                                </m:sub>
-                              </m:sSub>
-                            </m:e>
-                          </m:d>
-                          <m:r>
-                            <a:rPr lang="en-US" i="1">
-                              <a:latin typeface="Cambria Math" panose="02040503050406030204" pitchFamily="18" charset="0"/>
-                            </a:rPr>
-                            <m:t>𝜋</m:t>
-                          </m:r>
-                          <m:r>
-                            <a:rPr lang="en-US" i="1">
-                              <a:latin typeface="Cambria Math" panose="02040503050406030204" pitchFamily="18" charset="0"/>
-                            </a:rPr>
-                            <m:t>+</m:t>
-                          </m:r>
-                          <m:d>
-                            <m:dPr>
+                        </m:dPr>
+                        <m:e>
+                          <m:sSub>
+                            <m:sSubPr>
                               <m:ctrlPr>
                                 <a:rPr lang="en-US" b="0" i="1" smtClean="0">
                                   <a:latin typeface="Cambria Math" panose="02040503050406030204" pitchFamily="18" charset="0"/>
                                 </a:rPr>
                               </m:ctrlPr>
-                            </m:dPr>
-                            <m:e>
-                              <m:sSub>
-                                <m:sSubPr>
-                                  <m:ctrlPr>
-                                    <a:rPr lang="en-US" b="0" i="1" smtClean="0">
-                                      <a:latin typeface="Cambria Math" panose="02040503050406030204" pitchFamily="18" charset="0"/>
-                                    </a:rPr>
-                                  </m:ctrlPr>
-                                </m:sSubPr>
-                                <m:e>
-                                  <m:r>
-                                    <a:rPr lang="en-US" b="0" i="1" smtClean="0">
-                                      <a:latin typeface="Cambria Math" panose="02040503050406030204" pitchFamily="18" charset="0"/>
-                                    </a:rPr>
-                                    <m:t>𝑥</m:t>
-                                  </m:r>
-                                </m:e>
-                                <m:sub>
-                                  <m:r>
-                                    <a:rPr lang="en-US" b="0" i="1" smtClean="0">
-                                      <a:latin typeface="Cambria Math" panose="02040503050406030204" pitchFamily="18" charset="0"/>
-                                    </a:rPr>
-                                    <m:t>2</m:t>
-                                  </m:r>
-                                </m:sub>
-                              </m:sSub>
-                              <m:r>
-                                <a:rPr lang="en-US" b="0" i="1" smtClean="0">
-                                  <a:latin typeface="Cambria Math" panose="02040503050406030204" pitchFamily="18" charset="0"/>
-                                </a:rPr>
-                                <m:t>+</m:t>
-                              </m:r>
-                              <m:sSub>
-                                <m:sSubPr>
-                                  <m:ctrlPr>
-                                    <a:rPr lang="en-US" b="0" i="1" smtClean="0">
-                                      <a:latin typeface="Cambria Math" panose="02040503050406030204" pitchFamily="18" charset="0"/>
-                                    </a:rPr>
-                                  </m:ctrlPr>
-                                </m:sSubPr>
-                                <m:e>
-                                  <m:r>
-                                    <a:rPr lang="en-US" b="0" i="1" smtClean="0">
-                                      <a:latin typeface="Cambria Math" panose="02040503050406030204" pitchFamily="18" charset="0"/>
-                                    </a:rPr>
-                                    <m:t>𝑥</m:t>
-                                  </m:r>
-                                </m:e>
-                                <m:sub>
-                                  <m:r>
-                                    <a:rPr lang="en-US" b="0" i="1" smtClean="0">
-                                      <a:latin typeface="Cambria Math" panose="02040503050406030204" pitchFamily="18" charset="0"/>
-                                    </a:rPr>
-                                    <m:t>5</m:t>
-                                  </m:r>
-                                </m:sub>
-                              </m:sSub>
-                            </m:e>
-                          </m:d>
-                          <m:d>
-                            <m:dPr>
-                              <m:ctrlPr>
-                                <a:rPr lang="en-US" b="0" i="1" smtClean="0">
-                                  <a:latin typeface="Cambria Math" panose="02040503050406030204" pitchFamily="18" charset="0"/>
-                                </a:rPr>
-                              </m:ctrlPr>
-                            </m:dPr>
+                            </m:sSubPr>
                             <m:e>
                               <m:r>
                                 <a:rPr lang="en-US" b="0" i="1" smtClean="0">
                                   <a:latin typeface="Cambria Math" panose="02040503050406030204" pitchFamily="18" charset="0"/>
                                 </a:rPr>
-                                <m:t>𝜋</m:t>
+                                <m:t>𝑥</m:t>
                               </m:r>
+                            </m:e>
+                            <m:sub>
                               <m:r>
                                 <a:rPr lang="en-US" b="0" i="1" smtClean="0">
                                   <a:latin typeface="Cambria Math" panose="02040503050406030204" pitchFamily="18" charset="0"/>
                                 </a:rPr>
-                                <m:t>−1</m:t>
+                                <m:t>2</m:t>
                               </m:r>
-                            </m:e>
-                          </m:d>
-                        </m:num>
-                        <m:den>
-                          <m:sSup>
-                            <m:sSupPr>
+                            </m:sub>
+                          </m:sSub>
+                          <m:r>
+                            <a:rPr lang="en-US" b="0" i="1" smtClean="0">
+                              <a:latin typeface="Cambria Math" panose="02040503050406030204" pitchFamily="18" charset="0"/>
+                            </a:rPr>
+                            <m:t>+</m:t>
+                          </m:r>
+                          <m:sSub>
+                            <m:sSubPr>
                               <m:ctrlPr>
                                 <a:rPr lang="en-US" b="0" i="1" smtClean="0">
                                   <a:latin typeface="Cambria Math" panose="02040503050406030204" pitchFamily="18" charset="0"/>
                                 </a:rPr>
                               </m:ctrlPr>
-                            </m:sSupPr>
+                            </m:sSubPr>
                             <m:e>
                               <m:r>
                                 <a:rPr lang="en-US" b="0" i="1" smtClean="0">
                                   <a:latin typeface="Cambria Math" panose="02040503050406030204" pitchFamily="18" charset="0"/>
                                 </a:rPr>
+                                <m:t>𝑥</m:t>
+                              </m:r>
+                            </m:e>
+                            <m:sub>
+                              <m:r>
+                                <a:rPr lang="en-US" b="0" i="1" smtClean="0">
+                                  <a:latin typeface="Cambria Math" panose="02040503050406030204" pitchFamily="18" charset="0"/>
+                                </a:rPr>
+                                <m:t>5</m:t>
+                              </m:r>
+                            </m:sub>
+                          </m:sSub>
+                        </m:e>
+                      </m:d>
+                      <m:d>
+                        <m:dPr>
+                          <m:ctrlPr>
+                            <a:rPr lang="en-US" b="0" i="1" smtClean="0">
+                              <a:latin typeface="Cambria Math" panose="02040503050406030204" pitchFamily="18" charset="0"/>
+                            </a:rPr>
+                          </m:ctrlPr>
+                        </m:dPr>
+                        <m:e>
+                          <m:r>
+                            <a:rPr lang="en-US" b="0" i="1" smtClean="0">
+                              <a:latin typeface="Cambria Math" panose="02040503050406030204" pitchFamily="18" charset="0"/>
+                            </a:rPr>
+                            <m:t>1</m:t>
+                          </m:r>
+                          <m:r>
+                            <a:rPr lang="en-US" b="0" i="1" smtClean="0">
+                              <a:latin typeface="Cambria Math" panose="02040503050406030204" pitchFamily="18" charset="0"/>
+                            </a:rPr>
+                            <m:t>−</m:t>
+                          </m:r>
+                          <m:acc>
+                            <m:accPr>
+                              <m:chr m:val="̂"/>
+                              <m:ctrlPr>
+                                <a:rPr lang="en-US" b="0" i="1" smtClean="0">
+                                  <a:latin typeface="Cambria Math" panose="02040503050406030204" pitchFamily="18" charset="0"/>
+                                </a:rPr>
+                              </m:ctrlPr>
+                            </m:accPr>
+                            <m:e>
+                              <m:r>
+                                <a:rPr lang="en-US" b="0" i="1" smtClean="0">
+                                  <a:latin typeface="Cambria Math" panose="02040503050406030204" pitchFamily="18" charset="0"/>
+                                </a:rPr>
                                 <m:t>𝜋</m:t>
                               </m:r>
                             </m:e>
-                            <m:sup>
+                          </m:acc>
+                        </m:e>
+                      </m:d>
+                      <m:r>
+                        <a:rPr lang="en-US" b="0" i="1" smtClean="0">
+                          <a:latin typeface="Cambria Math" panose="02040503050406030204" pitchFamily="18" charset="0"/>
+                        </a:rPr>
+                        <m:t>=</m:t>
+                      </m:r>
+                      <m:d>
+                        <m:dPr>
+                          <m:ctrlPr>
+                            <a:rPr lang="en-US" b="0" i="1" smtClean="0">
+                              <a:latin typeface="Cambria Math" panose="02040503050406030204" pitchFamily="18" charset="0"/>
+                            </a:rPr>
+                          </m:ctrlPr>
+                        </m:dPr>
+                        <m:e>
+                          <m:sSub>
+                            <m:sSubPr>
+                              <m:ctrlPr>
+                                <a:rPr lang="en-US" b="0" i="1" smtClean="0">
+                                  <a:latin typeface="Cambria Math" panose="02040503050406030204" pitchFamily="18" charset="0"/>
+                                </a:rPr>
+                              </m:ctrlPr>
+                            </m:sSubPr>
+                            <m:e>
                               <m:r>
                                 <a:rPr lang="en-US" b="0" i="1" smtClean="0">
                                   <a:latin typeface="Cambria Math" panose="02040503050406030204" pitchFamily="18" charset="0"/>
                                 </a:rPr>
-                                <m:t>2</m:t>
+                                <m:t>𝑥</m:t>
                               </m:r>
-                            </m:sup>
-                          </m:sSup>
+                            </m:e>
+                            <m:sub>
+                              <m:r>
+                                <a:rPr lang="en-US" b="0" i="1" smtClean="0">
+                                  <a:latin typeface="Cambria Math" panose="02040503050406030204" pitchFamily="18" charset="0"/>
+                                </a:rPr>
+                                <m:t>1</m:t>
+                              </m:r>
+                            </m:sub>
+                          </m:sSub>
                           <m:r>
                             <a:rPr lang="en-US" b="0" i="1" smtClean="0">
                               <a:latin typeface="Cambria Math" panose="02040503050406030204" pitchFamily="18" charset="0"/>
                             </a:rPr>
-                            <m:t>−</m:t>
+                            <m:t>+</m:t>
                           </m:r>
+                          <m:sSub>
+                            <m:sSubPr>
+                              <m:ctrlPr>
+                                <a:rPr lang="en-US" b="0" i="1" smtClean="0">
+                                  <a:latin typeface="Cambria Math" panose="02040503050406030204" pitchFamily="18" charset="0"/>
+                                </a:rPr>
+                              </m:ctrlPr>
+                            </m:sSubPr>
+                            <m:e>
+                              <m:r>
+                                <a:rPr lang="en-US" b="0" i="1" smtClean="0">
+                                  <a:latin typeface="Cambria Math" panose="02040503050406030204" pitchFamily="18" charset="0"/>
+                                </a:rPr>
+                                <m:t>𝑥</m:t>
+                              </m:r>
+                            </m:e>
+                            <m:sub>
+                              <m:r>
+                                <a:rPr lang="en-US" b="0" i="1" smtClean="0">
+                                  <a:latin typeface="Cambria Math" panose="02040503050406030204" pitchFamily="18" charset="0"/>
+                                </a:rPr>
+                                <m:t>4</m:t>
+                              </m:r>
+                            </m:sub>
+                          </m:sSub>
+                        </m:e>
+                      </m:d>
+                      <m:acc>
+                        <m:accPr>
+                          <m:chr m:val="̂"/>
+                          <m:ctrlPr>
+                            <a:rPr lang="en-US" b="0" i="1" smtClean="0">
+                              <a:latin typeface="Cambria Math" panose="02040503050406030204" pitchFamily="18" charset="0"/>
+                            </a:rPr>
+                          </m:ctrlPr>
+                        </m:accPr>
+                        <m:e>
                           <m:r>
                             <a:rPr lang="en-US" b="0" i="1" smtClean="0">
                               <a:latin typeface="Cambria Math" panose="02040503050406030204" pitchFamily="18" charset="0"/>
                             </a:rPr>
                             <m:t>𝜋</m:t>
                           </m:r>
-                        </m:den>
-                      </m:f>
+                        </m:e>
+                      </m:acc>
+                      <m:r>
+                        <a:rPr lang="en-US" b="0" i="1" smtClean="0">
+                          <a:latin typeface="Cambria Math" panose="02040503050406030204" pitchFamily="18" charset="0"/>
+                        </a:rPr>
+                        <m:t>⇒</m:t>
+                      </m:r>
+                      <m:sSub>
+                        <m:sSubPr>
+                          <m:ctrlPr>
+                            <a:rPr lang="en-US" b="0" i="1" smtClean="0">
+                              <a:latin typeface="Cambria Math" panose="02040503050406030204" pitchFamily="18" charset="0"/>
+                            </a:rPr>
+                          </m:ctrlPr>
+                        </m:sSubPr>
+                        <m:e>
+                          <m:r>
+                            <a:rPr lang="en-US" b="0" i="1" smtClean="0">
+                              <a:latin typeface="Cambria Math" panose="02040503050406030204" pitchFamily="18" charset="0"/>
+                            </a:rPr>
+                            <m:t>𝑥</m:t>
+                          </m:r>
+                        </m:e>
+                        <m:sub>
+                          <m:r>
+                            <a:rPr lang="en-US" b="0" i="1" smtClean="0">
+                              <a:latin typeface="Cambria Math" panose="02040503050406030204" pitchFamily="18" charset="0"/>
+                            </a:rPr>
+                            <m:t>2</m:t>
+                          </m:r>
+                        </m:sub>
+                      </m:sSub>
+                      <m:r>
+                        <a:rPr lang="en-US" b="0" i="1" smtClean="0">
+                          <a:latin typeface="Cambria Math" panose="02040503050406030204" pitchFamily="18" charset="0"/>
+                        </a:rPr>
+                        <m:t>+</m:t>
+                      </m:r>
+                      <m:sSub>
+                        <m:sSubPr>
+                          <m:ctrlPr>
+                            <a:rPr lang="en-US" b="0" i="1" smtClean="0">
+                              <a:latin typeface="Cambria Math" panose="02040503050406030204" pitchFamily="18" charset="0"/>
+                            </a:rPr>
+                          </m:ctrlPr>
+                        </m:sSubPr>
+                        <m:e>
+                          <m:r>
+                            <a:rPr lang="en-US" b="0" i="1" smtClean="0">
+                              <a:latin typeface="Cambria Math" panose="02040503050406030204" pitchFamily="18" charset="0"/>
+                            </a:rPr>
+                            <m:t>𝑥</m:t>
+                          </m:r>
+                        </m:e>
+                        <m:sub>
+                          <m:r>
+                            <a:rPr lang="en-US" b="0" i="1" smtClean="0">
+                              <a:latin typeface="Cambria Math" panose="02040503050406030204" pitchFamily="18" charset="0"/>
+                            </a:rPr>
+                            <m:t>5</m:t>
+                          </m:r>
+                        </m:sub>
+                      </m:sSub>
+                      <m:r>
+                        <a:rPr lang="en-US" b="0" i="1" smtClean="0">
+                          <a:latin typeface="Cambria Math" panose="02040503050406030204" pitchFamily="18" charset="0"/>
+                        </a:rPr>
+                        <m:t>−</m:t>
+                      </m:r>
+                      <m:sSub>
+                        <m:sSubPr>
+                          <m:ctrlPr>
+                            <a:rPr lang="en-US" b="0" i="1" smtClean="0">
+                              <a:latin typeface="Cambria Math" panose="02040503050406030204" pitchFamily="18" charset="0"/>
+                            </a:rPr>
+                          </m:ctrlPr>
+                        </m:sSubPr>
+                        <m:e>
+                          <m:r>
+                            <a:rPr lang="en-US" b="0" i="1" smtClean="0">
+                              <a:latin typeface="Cambria Math" panose="02040503050406030204" pitchFamily="18" charset="0"/>
+                            </a:rPr>
+                            <m:t>𝑥</m:t>
+                          </m:r>
+                        </m:e>
+                        <m:sub>
+                          <m:r>
+                            <a:rPr lang="en-US" b="0" i="1" smtClean="0">
+                              <a:latin typeface="Cambria Math" panose="02040503050406030204" pitchFamily="18" charset="0"/>
+                            </a:rPr>
+                            <m:t>2</m:t>
+                          </m:r>
+                        </m:sub>
+                      </m:sSub>
+                      <m:acc>
+                        <m:accPr>
+                          <m:chr m:val="̂"/>
+                          <m:ctrlPr>
+                            <a:rPr lang="en-US" b="0" i="1" smtClean="0">
+                              <a:latin typeface="Cambria Math" panose="02040503050406030204" pitchFamily="18" charset="0"/>
+                            </a:rPr>
+                          </m:ctrlPr>
+                        </m:accPr>
+                        <m:e>
+                          <m:r>
+                            <a:rPr lang="en-US" b="0" i="1" smtClean="0">
+                              <a:latin typeface="Cambria Math" panose="02040503050406030204" pitchFamily="18" charset="0"/>
+                            </a:rPr>
+                            <m:t>𝜋</m:t>
+                          </m:r>
+                        </m:e>
+                      </m:acc>
+                      <m:r>
+                        <a:rPr lang="en-US" b="0" i="1" smtClean="0">
+                          <a:latin typeface="Cambria Math" panose="02040503050406030204" pitchFamily="18" charset="0"/>
+                        </a:rPr>
+                        <m:t>−</m:t>
+                      </m:r>
+                      <m:sSub>
+                        <m:sSubPr>
+                          <m:ctrlPr>
+                            <a:rPr lang="en-US" b="0" i="1" smtClean="0">
+                              <a:latin typeface="Cambria Math" panose="02040503050406030204" pitchFamily="18" charset="0"/>
+                            </a:rPr>
+                          </m:ctrlPr>
+                        </m:sSubPr>
+                        <m:e>
+                          <m:r>
+                            <a:rPr lang="en-US" b="0" i="1" smtClean="0">
+                              <a:latin typeface="Cambria Math" panose="02040503050406030204" pitchFamily="18" charset="0"/>
+                            </a:rPr>
+                            <m:t>𝑥</m:t>
+                          </m:r>
+                        </m:e>
+                        <m:sub>
+                          <m:r>
+                            <a:rPr lang="en-US" b="0" i="1" smtClean="0">
+                              <a:latin typeface="Cambria Math" panose="02040503050406030204" pitchFamily="18" charset="0"/>
+                            </a:rPr>
+                            <m:t>5</m:t>
+                          </m:r>
+                        </m:sub>
+                      </m:sSub>
+                      <m:acc>
+                        <m:accPr>
+                          <m:chr m:val="̂"/>
+                          <m:ctrlPr>
+                            <a:rPr lang="en-US" b="0" i="1" smtClean="0">
+                              <a:latin typeface="Cambria Math" panose="02040503050406030204" pitchFamily="18" charset="0"/>
+                            </a:rPr>
+                          </m:ctrlPr>
+                        </m:accPr>
+                        <m:e>
+                          <m:r>
+                            <a:rPr lang="en-US" b="0" i="1" smtClean="0">
+                              <a:latin typeface="Cambria Math" panose="02040503050406030204" pitchFamily="18" charset="0"/>
+                            </a:rPr>
+                            <m:t>𝜋</m:t>
+                          </m:r>
+                        </m:e>
+                      </m:acc>
+                      <m:r>
+                        <a:rPr lang="en-US" b="0" i="1" smtClean="0">
+                          <a:latin typeface="Cambria Math" panose="02040503050406030204" pitchFamily="18" charset="0"/>
+                        </a:rPr>
+                        <m:t>=</m:t>
+                      </m:r>
+                      <m:sSub>
+                        <m:sSubPr>
+                          <m:ctrlPr>
+                            <a:rPr lang="en-US" b="0" i="1" smtClean="0">
+                              <a:latin typeface="Cambria Math" panose="02040503050406030204" pitchFamily="18" charset="0"/>
+                            </a:rPr>
+                          </m:ctrlPr>
+                        </m:sSubPr>
+                        <m:e>
+                          <m:r>
+                            <a:rPr lang="en-US" b="0" i="1" smtClean="0">
+                              <a:latin typeface="Cambria Math" panose="02040503050406030204" pitchFamily="18" charset="0"/>
+                            </a:rPr>
+                            <m:t>𝑥</m:t>
+                          </m:r>
+                        </m:e>
+                        <m:sub>
+                          <m:r>
+                            <a:rPr lang="en-US" b="0" i="1" smtClean="0">
+                              <a:latin typeface="Cambria Math" panose="02040503050406030204" pitchFamily="18" charset="0"/>
+                            </a:rPr>
+                            <m:t>1</m:t>
+                          </m:r>
+                        </m:sub>
+                      </m:sSub>
+                      <m:acc>
+                        <m:accPr>
+                          <m:chr m:val="̂"/>
+                          <m:ctrlPr>
+                            <a:rPr lang="en-US" b="0" i="1" smtClean="0">
+                              <a:latin typeface="Cambria Math" panose="02040503050406030204" pitchFamily="18" charset="0"/>
+                            </a:rPr>
+                          </m:ctrlPr>
+                        </m:accPr>
+                        <m:e>
+                          <m:r>
+                            <a:rPr lang="en-US" b="0" i="1" smtClean="0">
+                              <a:latin typeface="Cambria Math" panose="02040503050406030204" pitchFamily="18" charset="0"/>
+                            </a:rPr>
+                            <m:t>𝜋</m:t>
+                          </m:r>
+                        </m:e>
+                      </m:acc>
+                      <m:r>
+                        <a:rPr lang="en-US" b="0" i="1" smtClean="0">
+                          <a:latin typeface="Cambria Math" panose="02040503050406030204" pitchFamily="18" charset="0"/>
+                        </a:rPr>
+                        <m:t>+</m:t>
+                      </m:r>
+                      <m:sSub>
+                        <m:sSubPr>
+                          <m:ctrlPr>
+                            <a:rPr lang="en-US" b="0" i="1" smtClean="0">
+                              <a:latin typeface="Cambria Math" panose="02040503050406030204" pitchFamily="18" charset="0"/>
+                            </a:rPr>
+                          </m:ctrlPr>
+                        </m:sSubPr>
+                        <m:e>
+                          <m:r>
+                            <a:rPr lang="en-US" b="0" i="1" smtClean="0">
+                              <a:latin typeface="Cambria Math" panose="02040503050406030204" pitchFamily="18" charset="0"/>
+                            </a:rPr>
+                            <m:t>𝑥</m:t>
+                          </m:r>
+                        </m:e>
+                        <m:sub>
+                          <m:r>
+                            <a:rPr lang="en-US" b="0" i="1" smtClean="0">
+                              <a:latin typeface="Cambria Math" panose="02040503050406030204" pitchFamily="18" charset="0"/>
+                            </a:rPr>
+                            <m:t>4</m:t>
+                          </m:r>
+                        </m:sub>
+                      </m:sSub>
+                      <m:acc>
+                        <m:accPr>
+                          <m:chr m:val="̂"/>
+                          <m:ctrlPr>
+                            <a:rPr lang="en-US" b="0" i="1" smtClean="0">
+                              <a:latin typeface="Cambria Math" panose="02040503050406030204" pitchFamily="18" charset="0"/>
+                            </a:rPr>
+                          </m:ctrlPr>
+                        </m:accPr>
+                        <m:e>
+                          <m:r>
+                            <a:rPr lang="en-US" b="0" i="1" smtClean="0">
+                              <a:latin typeface="Cambria Math" panose="02040503050406030204" pitchFamily="18" charset="0"/>
+                            </a:rPr>
+                            <m:t>𝜋</m:t>
+                          </m:r>
+                        </m:e>
+                      </m:acc>
                     </m:oMath>
                   </m:oMathPara>
                 </a14:m>
+                <a:endParaRPr lang="en-US" dirty="0" smtClean="0"/>
+              </a:p>
+              <a:p>
+                <a:pPr/>
                 <a:endParaRPr lang="en-US" dirty="0"/>
               </a:p>
             </p:txBody>
@@ -20150,7 +20467,7 @@
             <p:spPr>
               <a:xfrm>
                 <a:off x="-1952626" y="3516691"/>
-                <a:ext cx="15725776" cy="1568443"/>
+                <a:ext cx="15725776" cy="1466107"/>
               </a:xfrm>
               <a:prstGeom prst="rect">
                 <a:avLst/>
@@ -20177,8 +20494,8 @@
           </p:sp>
         </mc:Fallback>
       </mc:AlternateContent>
-      <mc:AlternateContent xmlns:mc="http://schemas.openxmlformats.org/markup-compatibility/2006">
-        <mc:Choice xmlns:a14="http://schemas.microsoft.com/office/drawing/2010/main" Requires="a14">
+      <mc:AlternateContent xmlns:mc="http://schemas.openxmlformats.org/markup-compatibility/2006" xmlns:a14="http://schemas.microsoft.com/office/drawing/2010/main">
+        <mc:Choice Requires="a14">
           <p:sp>
             <p:nvSpPr>
               <p:cNvPr id="8" name="TextBox 7"/>
@@ -20268,7 +20585,7 @@
                                   <a:latin typeface="Cambria Math" panose="02040503050406030204" pitchFamily="18" charset="0"/>
                                   <a:cs typeface="Times New Roman" panose="02020603050405020304" pitchFamily="18" charset="0"/>
                                 </a:rPr>
-                                <m:t>-</m:t>
+                                <m:t>−</m:t>
                               </m:r>
                               <m:r>
                                 <m:rPr>
@@ -20294,18 +20611,20 @@
                                   <a:latin typeface="Times New Roman" panose="02020603050405020304" pitchFamily="18" charset="0"/>
                                   <a:cs typeface="Times New Roman" panose="02020603050405020304" pitchFamily="18" charset="0"/>
                                 </a:rPr>
-                                <m:t>: 18</m:t>
+                                <m:t>: </m:t>
                               </m:r>
                               <m:r>
                                 <m:rPr>
                                   <m:nor/>
                                 </m:rPr>
-                                <a:rPr lang="en-US" sz="1600" dirty="0">
+                                <a:rPr lang="en-US" sz="1600" b="0" i="0" dirty="0" smtClean="0">
                                   <a:solidFill>
                                     <a:srgbClr val="FF0000"/>
                                   </a:solidFill>
-                                </a:rPr>
-                                <m:t> </m:t>
+                                  <a:latin typeface="Times New Roman" panose="02020603050405020304" pitchFamily="18" charset="0"/>
+                                  <a:cs typeface="Times New Roman" panose="02020603050405020304" pitchFamily="18" charset="0"/>
+                                </a:rPr>
+                                <m:t>18 </m:t>
                               </m:r>
                             </m:e>
                           </m:mr>
@@ -20333,7 +20652,7 @@
                                   </a:solidFill>
                                   <a:latin typeface="Cambria Math" panose="02040503050406030204" pitchFamily="18" charset="0"/>
                                 </a:rPr>
-                                <m:t>-</m:t>
+                                <m:t>−</m:t>
                               </m:r>
                               <m:r>
                                 <m:rPr>
@@ -20411,18 +20730,20 @@
                                   <a:latin typeface="Times New Roman" panose="02020603050405020304" pitchFamily="18" charset="0"/>
                                   <a:cs typeface="Times New Roman" panose="02020603050405020304" pitchFamily="18" charset="0"/>
                                 </a:rPr>
-                                <m:t>:125</m:t>
+                                <m:t>:</m:t>
                               </m:r>
                               <m:r>
                                 <m:rPr>
                                   <m:nor/>
                                 </m:rPr>
-                                <a:rPr lang="en-US" sz="1600" dirty="0">
+                                <a:rPr lang="en-US" sz="1600" b="0" i="0" dirty="0" smtClean="0">
                                   <a:solidFill>
                                     <a:srgbClr val="FFC000"/>
                                   </a:solidFill>
-                                </a:rPr>
-                                <m:t> </m:t>
+                                  <a:latin typeface="Times New Roman" panose="02020603050405020304" pitchFamily="18" charset="0"/>
+                                  <a:cs typeface="Times New Roman" panose="02020603050405020304" pitchFamily="18" charset="0"/>
+                                </a:rPr>
+                                <m:t>125 </m:t>
                               </m:r>
                             </m:e>
                           </m:mr>
@@ -20450,7 +20771,7 @@
                                   </a:solidFill>
                                   <a:latin typeface="Cambria Math" panose="02040503050406030204" pitchFamily="18" charset="0"/>
                                 </a:rPr>
-                                <m:t>-</m:t>
+                                <m:t>−</m:t>
                               </m:r>
                               <m:r>
                                 <m:rPr>
@@ -20476,20 +20797,20 @@
                                   <a:latin typeface="Times New Roman" panose="02020603050405020304" pitchFamily="18" charset="0"/>
                                   <a:cs typeface="Times New Roman" panose="02020603050405020304" pitchFamily="18" charset="0"/>
                                 </a:rPr>
-                                <m:t>: 20</m:t>
+                                <m:t>: </m:t>
                               </m:r>
                               <m:r>
                                 <m:rPr>
                                   <m:nor/>
                                 </m:rPr>
-                                <a:rPr lang="en-US" sz="1600" dirty="0">
+                                <a:rPr lang="en-US" sz="1600" b="0" i="0" dirty="0" smtClean="0">
                                   <a:solidFill>
                                     <a:srgbClr val="3CAF2C"/>
                                   </a:solidFill>
                                   <a:latin typeface="Times New Roman" panose="02020603050405020304" pitchFamily="18" charset="0"/>
                                   <a:cs typeface="Times New Roman" panose="02020603050405020304" pitchFamily="18" charset="0"/>
                                 </a:rPr>
-                                <m:t> </m:t>
+                                <m:t>20 </m:t>
                               </m:r>
                             </m:e>
                           </m:mr>
@@ -20546,20 +20867,22 @@
                                   <a:latin typeface="Times New Roman" panose="02020603050405020304" pitchFamily="18" charset="0"/>
                                   <a:cs typeface="Times New Roman" panose="02020603050405020304" pitchFamily="18" charset="0"/>
                                 </a:rPr>
-                                <m:t>: 34</m:t>
+                                <m:t>: </m:t>
                               </m:r>
                               <m:r>
                                 <m:rPr>
                                   <m:nor/>
                                 </m:rPr>
-                                <a:rPr lang="en-US" sz="1600" dirty="0">
+                                <a:rPr lang="en-US" sz="1600" b="0" i="0" dirty="0" smtClean="0">
                                   <a:solidFill>
                                     <a:schemeClr val="accent1">
                                       <a:lumMod val="50000"/>
                                     </a:schemeClr>
                                   </a:solidFill>
-                                </a:rPr>
-                                <m:t> </m:t>
+                                  <a:latin typeface="Times New Roman" panose="02020603050405020304" pitchFamily="18" charset="0"/>
+                                  <a:cs typeface="Times New Roman" panose="02020603050405020304" pitchFamily="18" charset="0"/>
+                                </a:rPr>
+                                <m:t>34 </m:t>
                               </m:r>
                             </m:e>
                           </m:mr>
@@ -20579,7 +20902,7 @@
             </p:txBody>
           </p:sp>
         </mc:Choice>
-        <mc:Fallback>
+        <mc:Fallback xmlns="">
           <p:sp>
             <p:nvSpPr>
               <p:cNvPr id="8" name="TextBox 7"/>
@@ -20622,563 +20945,14 @@
         <mc:Choice xmlns:a14="http://schemas.microsoft.com/office/drawing/2010/main" Requires="a14">
           <p:sp>
             <p:nvSpPr>
-              <p:cNvPr id="9" name="Rectangle 8"/>
-              <p:cNvSpPr/>
-              <p:nvPr/>
-            </p:nvSpPr>
-            <p:spPr>
-              <a:xfrm>
-                <a:off x="2724150" y="5069266"/>
-                <a:ext cx="10191750" cy="666977"/>
-              </a:xfrm>
-              <a:prstGeom prst="rect">
-                <a:avLst/>
-              </a:prstGeom>
-            </p:spPr>
-            <p:txBody>
-              <a:bodyPr wrap="square">
-                <a:spAutoFit/>
-              </a:bodyPr>
-              <a:lstStyle/>
-              <a:p>
-                <a14:m>
-                  <m:oMathPara xmlns:m="http://schemas.openxmlformats.org/officeDocument/2006/math">
-                    <m:oMathParaPr>
-                      <m:jc m:val="centerGroup"/>
-                    </m:oMathParaPr>
-                    <m:oMath xmlns:m="http://schemas.openxmlformats.org/officeDocument/2006/math">
-                      <m:f>
-                        <m:fPr>
-                          <m:ctrlPr>
-                            <a:rPr lang="en-US" b="0" i="1" smtClean="0">
-                              <a:latin typeface="Cambria Math" panose="02040503050406030204" pitchFamily="18" charset="0"/>
-                            </a:rPr>
-                          </m:ctrlPr>
-                        </m:fPr>
-                        <m:num>
-                          <m:r>
-                            <a:rPr lang="en-US" b="0" i="1" smtClean="0">
-                              <a:latin typeface="Cambria Math" panose="02040503050406030204" pitchFamily="18" charset="0"/>
-                            </a:rPr>
-                            <m:t>𝜕</m:t>
-                          </m:r>
-                          <m:func>
-                            <m:funcPr>
-                              <m:ctrlPr>
-                                <a:rPr lang="en-US" b="0" i="1" smtClean="0">
-                                  <a:latin typeface="Cambria Math" panose="02040503050406030204" pitchFamily="18" charset="0"/>
-                                </a:rPr>
-                              </m:ctrlPr>
-                            </m:funcPr>
-                            <m:fName>
-                              <m:r>
-                                <m:rPr>
-                                  <m:sty m:val="p"/>
-                                </m:rPr>
-                                <a:rPr lang="en-US" b="0" i="0" smtClean="0">
-                                  <a:latin typeface="Cambria Math" panose="02040503050406030204" pitchFamily="18" charset="0"/>
-                                </a:rPr>
-                                <m:t>log</m:t>
-                              </m:r>
-                            </m:fName>
-                            <m:e>
-                              <m:r>
-                                <a:rPr lang="en-US" b="0" i="1" smtClean="0">
-                                  <a:latin typeface="Cambria Math" panose="02040503050406030204" pitchFamily="18" charset="0"/>
-                                </a:rPr>
-                                <m:t>𝐿</m:t>
-                              </m:r>
-                              <m:r>
-                                <a:rPr lang="en-US" b="0" i="1" smtClean="0">
-                                  <a:latin typeface="Cambria Math" panose="02040503050406030204" pitchFamily="18" charset="0"/>
-                                </a:rPr>
-                                <m:t>(</m:t>
-                              </m:r>
-                              <m:r>
-                                <a:rPr lang="en-US" b="0" i="1" smtClean="0">
-                                  <a:latin typeface="Cambria Math" panose="02040503050406030204" pitchFamily="18" charset="0"/>
-                                </a:rPr>
-                                <m:t>𝜋</m:t>
-                              </m:r>
-                              <m:r>
-                                <a:rPr lang="en-US" b="0" i="1" smtClean="0">
-                                  <a:latin typeface="Cambria Math" panose="02040503050406030204" pitchFamily="18" charset="0"/>
-                                </a:rPr>
-                                <m:t>|</m:t>
-                              </m:r>
-                              <m:r>
-                                <a:rPr lang="en-US" b="1" i="1" smtClean="0">
-                                  <a:latin typeface="Cambria Math" panose="02040503050406030204" pitchFamily="18" charset="0"/>
-                                </a:rPr>
-                                <m:t>𝒙</m:t>
-                              </m:r>
-                              <m:r>
-                                <a:rPr lang="en-US" b="0" i="1" smtClean="0">
-                                  <a:latin typeface="Cambria Math" panose="02040503050406030204" pitchFamily="18" charset="0"/>
-                                </a:rPr>
-                                <m:t>)</m:t>
-                              </m:r>
-                            </m:e>
-                          </m:func>
-                        </m:num>
-                        <m:den>
-                          <m:r>
-                            <a:rPr lang="en-US" b="0" i="1" smtClean="0">
-                              <a:latin typeface="Cambria Math" panose="02040503050406030204" pitchFamily="18" charset="0"/>
-                            </a:rPr>
-                            <m:t>𝜕</m:t>
-                          </m:r>
-                          <m:r>
-                            <a:rPr lang="en-US" b="0" i="1" smtClean="0">
-                              <a:latin typeface="Cambria Math" panose="02040503050406030204" pitchFamily="18" charset="0"/>
-                            </a:rPr>
-                            <m:t> </m:t>
-                          </m:r>
-                          <m:acc>
-                            <m:accPr>
-                              <m:chr m:val="̂"/>
-                              <m:ctrlPr>
-                                <a:rPr lang="en-US" b="0" i="1" smtClean="0">
-                                  <a:latin typeface="Cambria Math" panose="02040503050406030204" pitchFamily="18" charset="0"/>
-                                </a:rPr>
-                              </m:ctrlPr>
-                            </m:accPr>
-                            <m:e>
-                              <m:r>
-                                <a:rPr lang="en-US" b="0" i="1" smtClean="0">
-                                  <a:latin typeface="Cambria Math" panose="02040503050406030204" pitchFamily="18" charset="0"/>
-                                </a:rPr>
-                                <m:t>𝜋</m:t>
-                              </m:r>
-                            </m:e>
-                          </m:acc>
-                        </m:den>
-                      </m:f>
-                      <m:r>
-                        <a:rPr lang="en-US" b="0" i="1" smtClean="0">
-                          <a:latin typeface="Cambria Math" panose="02040503050406030204" pitchFamily="18" charset="0"/>
-                        </a:rPr>
-                        <m:t>=0⇒−</m:t>
-                      </m:r>
-                      <m:f>
-                        <m:fPr>
-                          <m:ctrlPr>
-                            <a:rPr lang="en-US" b="0" i="1" smtClean="0">
-                              <a:latin typeface="Cambria Math" panose="02040503050406030204" pitchFamily="18" charset="0"/>
-                            </a:rPr>
-                          </m:ctrlPr>
-                        </m:fPr>
-                        <m:num>
-                          <m:sSub>
-                            <m:sSubPr>
-                              <m:ctrlPr>
-                                <a:rPr lang="en-US" b="0" i="1" smtClean="0">
-                                  <a:latin typeface="Cambria Math" panose="02040503050406030204" pitchFamily="18" charset="0"/>
-                                </a:rPr>
-                              </m:ctrlPr>
-                            </m:sSubPr>
-                            <m:e>
-                              <m:r>
-                                <a:rPr lang="en-US" b="0" i="1" smtClean="0">
-                                  <a:latin typeface="Cambria Math" panose="02040503050406030204" pitchFamily="18" charset="0"/>
-                                </a:rPr>
-                                <m:t>𝑥</m:t>
-                              </m:r>
-                            </m:e>
-                            <m:sub>
-                              <m:r>
-                                <a:rPr lang="en-US" b="0" i="1" smtClean="0">
-                                  <a:latin typeface="Cambria Math" panose="02040503050406030204" pitchFamily="18" charset="0"/>
-                                </a:rPr>
-                                <m:t>1</m:t>
-                              </m:r>
-                            </m:sub>
-                          </m:sSub>
-                          <m:r>
-                            <a:rPr lang="en-US" b="0" i="1" smtClean="0">
-                              <a:latin typeface="Cambria Math" panose="02040503050406030204" pitchFamily="18" charset="0"/>
-                            </a:rPr>
-                            <m:t>+</m:t>
-                          </m:r>
-                          <m:sSub>
-                            <m:sSubPr>
-                              <m:ctrlPr>
-                                <a:rPr lang="en-US" b="0" i="1" smtClean="0">
-                                  <a:latin typeface="Cambria Math" panose="02040503050406030204" pitchFamily="18" charset="0"/>
-                                </a:rPr>
-                              </m:ctrlPr>
-                            </m:sSubPr>
-                            <m:e>
-                              <m:r>
-                                <a:rPr lang="en-US" b="0" i="1" smtClean="0">
-                                  <a:latin typeface="Cambria Math" panose="02040503050406030204" pitchFamily="18" charset="0"/>
-                                </a:rPr>
-                                <m:t>𝑥</m:t>
-                              </m:r>
-                            </m:e>
-                            <m:sub>
-                              <m:r>
-                                <a:rPr lang="en-US" b="0" i="1" smtClean="0">
-                                  <a:latin typeface="Cambria Math" panose="02040503050406030204" pitchFamily="18" charset="0"/>
-                                </a:rPr>
-                                <m:t>4</m:t>
-                              </m:r>
-                            </m:sub>
-                          </m:sSub>
-                        </m:num>
-                        <m:den>
-                          <m:sSub>
-                            <m:sSubPr>
-                              <m:ctrlPr>
-                                <a:rPr lang="en-US" b="0" i="1" smtClean="0">
-                                  <a:latin typeface="Cambria Math" panose="02040503050406030204" pitchFamily="18" charset="0"/>
-                                </a:rPr>
-                              </m:ctrlPr>
-                            </m:sSubPr>
-                            <m:e>
-                              <m:r>
-                                <a:rPr lang="en-US" b="0" i="1" smtClean="0">
-                                  <a:latin typeface="Cambria Math" panose="02040503050406030204" pitchFamily="18" charset="0"/>
-                                </a:rPr>
-                                <m:t>𝑥</m:t>
-                              </m:r>
-                            </m:e>
-                            <m:sub>
-                              <m:r>
-                                <a:rPr lang="en-US" b="0" i="1" smtClean="0">
-                                  <a:latin typeface="Cambria Math" panose="02040503050406030204" pitchFamily="18" charset="0"/>
-                                </a:rPr>
-                                <m:t>2</m:t>
-                              </m:r>
-                            </m:sub>
-                          </m:sSub>
-                          <m:r>
-                            <a:rPr lang="en-US" b="0" i="1" smtClean="0">
-                              <a:latin typeface="Cambria Math" panose="02040503050406030204" pitchFamily="18" charset="0"/>
-                            </a:rPr>
-                            <m:t>+</m:t>
-                          </m:r>
-                          <m:sSub>
-                            <m:sSubPr>
-                              <m:ctrlPr>
-                                <a:rPr lang="en-US" b="0" i="1" smtClean="0">
-                                  <a:latin typeface="Cambria Math" panose="02040503050406030204" pitchFamily="18" charset="0"/>
-                                </a:rPr>
-                              </m:ctrlPr>
-                            </m:sSubPr>
-                            <m:e>
-                              <m:r>
-                                <a:rPr lang="en-US" b="0" i="1" smtClean="0">
-                                  <a:latin typeface="Cambria Math" panose="02040503050406030204" pitchFamily="18" charset="0"/>
-                                </a:rPr>
-                                <m:t>𝑥</m:t>
-                              </m:r>
-                            </m:e>
-                            <m:sub>
-                              <m:r>
-                                <a:rPr lang="en-US" b="0" i="1" smtClean="0">
-                                  <a:latin typeface="Cambria Math" panose="02040503050406030204" pitchFamily="18" charset="0"/>
-                                </a:rPr>
-                                <m:t>5</m:t>
-                              </m:r>
-                            </m:sub>
-                          </m:sSub>
-                        </m:den>
-                      </m:f>
-                      <m:r>
-                        <a:rPr lang="en-US" b="0" i="1" smtClean="0">
-                          <a:latin typeface="Cambria Math" panose="02040503050406030204" pitchFamily="18" charset="0"/>
-                        </a:rPr>
-                        <m:t>=</m:t>
-                      </m:r>
-                      <m:f>
-                        <m:fPr>
-                          <m:ctrlPr>
-                            <a:rPr lang="en-US" b="0" i="1" smtClean="0">
-                              <a:latin typeface="Cambria Math" panose="02040503050406030204" pitchFamily="18" charset="0"/>
-                            </a:rPr>
-                          </m:ctrlPr>
-                        </m:fPr>
-                        <m:num>
-                          <m:acc>
-                            <m:accPr>
-                              <m:chr m:val="̂"/>
-                              <m:ctrlPr>
-                                <a:rPr lang="en-US" i="1">
-                                  <a:latin typeface="Cambria Math" panose="02040503050406030204" pitchFamily="18" charset="0"/>
-                                </a:rPr>
-                              </m:ctrlPr>
-                            </m:accPr>
-                            <m:e>
-                              <m:r>
-                                <a:rPr lang="en-US" i="1" smtClean="0">
-                                  <a:latin typeface="Cambria Math" panose="02040503050406030204" pitchFamily="18" charset="0"/>
-                                </a:rPr>
-                                <m:t>𝜋</m:t>
-                              </m:r>
-                            </m:e>
-                          </m:acc>
-                        </m:num>
-                        <m:den>
-                          <m:acc>
-                            <m:accPr>
-                              <m:chr m:val="̂"/>
-                              <m:ctrlPr>
-                                <a:rPr lang="en-US" i="1">
-                                  <a:latin typeface="Cambria Math" panose="02040503050406030204" pitchFamily="18" charset="0"/>
-                                </a:rPr>
-                              </m:ctrlPr>
-                            </m:accPr>
-                            <m:e>
-                              <m:r>
-                                <a:rPr lang="en-US" i="1">
-                                  <a:latin typeface="Cambria Math" panose="02040503050406030204" pitchFamily="18" charset="0"/>
-                                </a:rPr>
-                                <m:t>𝜋</m:t>
-                              </m:r>
-                            </m:e>
-                          </m:acc>
-                          <m:r>
-                            <a:rPr lang="en-US" b="0" i="1" smtClean="0">
-                              <a:latin typeface="Cambria Math" panose="02040503050406030204" pitchFamily="18" charset="0"/>
-                            </a:rPr>
-                            <m:t>−1</m:t>
-                          </m:r>
-                        </m:den>
-                      </m:f>
-                      <m:r>
-                        <a:rPr lang="en-US" b="0" i="1" smtClean="0">
-                          <a:latin typeface="Cambria Math" panose="02040503050406030204" pitchFamily="18" charset="0"/>
-                        </a:rPr>
-                        <m:t>⇒1+</m:t>
-                      </m:r>
-                      <m:f>
-                        <m:fPr>
-                          <m:ctrlPr>
-                            <a:rPr lang="en-US" b="0" i="1" smtClean="0">
-                              <a:latin typeface="Cambria Math" panose="02040503050406030204" pitchFamily="18" charset="0"/>
-                            </a:rPr>
-                          </m:ctrlPr>
-                        </m:fPr>
-                        <m:num>
-                          <m:sSub>
-                            <m:sSubPr>
-                              <m:ctrlPr>
-                                <a:rPr lang="en-US" b="0" i="1" smtClean="0">
-                                  <a:latin typeface="Cambria Math" panose="02040503050406030204" pitchFamily="18" charset="0"/>
-                                </a:rPr>
-                              </m:ctrlPr>
-                            </m:sSubPr>
-                            <m:e>
-                              <m:r>
-                                <a:rPr lang="en-US" b="0" i="1" smtClean="0">
-                                  <a:latin typeface="Cambria Math" panose="02040503050406030204" pitchFamily="18" charset="0"/>
-                                </a:rPr>
-                                <m:t>𝑥</m:t>
-                              </m:r>
-                            </m:e>
-                            <m:sub>
-                              <m:r>
-                                <a:rPr lang="en-US" b="0" i="1" smtClean="0">
-                                  <a:latin typeface="Cambria Math" panose="02040503050406030204" pitchFamily="18" charset="0"/>
-                                </a:rPr>
-                                <m:t>2</m:t>
-                              </m:r>
-                            </m:sub>
-                          </m:sSub>
-                          <m:r>
-                            <a:rPr lang="en-US" b="0" i="1" smtClean="0">
-                              <a:latin typeface="Cambria Math" panose="02040503050406030204" pitchFamily="18" charset="0"/>
-                            </a:rPr>
-                            <m:t>+</m:t>
-                          </m:r>
-                          <m:sSub>
-                            <m:sSubPr>
-                              <m:ctrlPr>
-                                <a:rPr lang="en-US" b="0" i="1" smtClean="0">
-                                  <a:latin typeface="Cambria Math" panose="02040503050406030204" pitchFamily="18" charset="0"/>
-                                </a:rPr>
-                              </m:ctrlPr>
-                            </m:sSubPr>
-                            <m:e>
-                              <m:r>
-                                <a:rPr lang="en-US" b="0" i="1" smtClean="0">
-                                  <a:latin typeface="Cambria Math" panose="02040503050406030204" pitchFamily="18" charset="0"/>
-                                </a:rPr>
-                                <m:t>𝑥</m:t>
-                              </m:r>
-                            </m:e>
-                            <m:sub>
-                              <m:r>
-                                <a:rPr lang="en-US" b="0" i="1" smtClean="0">
-                                  <a:latin typeface="Cambria Math" panose="02040503050406030204" pitchFamily="18" charset="0"/>
-                                </a:rPr>
-                                <m:t>5</m:t>
-                              </m:r>
-                            </m:sub>
-                          </m:sSub>
-                        </m:num>
-                        <m:den>
-                          <m:sSub>
-                            <m:sSubPr>
-                              <m:ctrlPr>
-                                <a:rPr lang="en-US" b="0" i="1" smtClean="0">
-                                  <a:latin typeface="Cambria Math" panose="02040503050406030204" pitchFamily="18" charset="0"/>
-                                </a:rPr>
-                              </m:ctrlPr>
-                            </m:sSubPr>
-                            <m:e>
-                              <m:r>
-                                <a:rPr lang="en-US" b="0" i="1" smtClean="0">
-                                  <a:latin typeface="Cambria Math" panose="02040503050406030204" pitchFamily="18" charset="0"/>
-                                </a:rPr>
-                                <m:t>𝑥</m:t>
-                              </m:r>
-                            </m:e>
-                            <m:sub>
-                              <m:r>
-                                <a:rPr lang="en-US" b="0" i="1" smtClean="0">
-                                  <a:latin typeface="Cambria Math" panose="02040503050406030204" pitchFamily="18" charset="0"/>
-                                </a:rPr>
-                                <m:t>1</m:t>
-                              </m:r>
-                            </m:sub>
-                          </m:sSub>
-                          <m:r>
-                            <a:rPr lang="en-US" b="0" i="1" smtClean="0">
-                              <a:latin typeface="Cambria Math" panose="02040503050406030204" pitchFamily="18" charset="0"/>
-                            </a:rPr>
-                            <m:t>+</m:t>
-                          </m:r>
-                          <m:sSub>
-                            <m:sSubPr>
-                              <m:ctrlPr>
-                                <a:rPr lang="en-US" b="0" i="1" smtClean="0">
-                                  <a:latin typeface="Cambria Math" panose="02040503050406030204" pitchFamily="18" charset="0"/>
-                                </a:rPr>
-                              </m:ctrlPr>
-                            </m:sSubPr>
-                            <m:e>
-                              <m:r>
-                                <a:rPr lang="en-US" b="0" i="1" smtClean="0">
-                                  <a:latin typeface="Cambria Math" panose="02040503050406030204" pitchFamily="18" charset="0"/>
-                                </a:rPr>
-                                <m:t>𝑥</m:t>
-                              </m:r>
-                            </m:e>
-                            <m:sub>
-                              <m:r>
-                                <a:rPr lang="en-US" b="0" i="1" smtClean="0">
-                                  <a:latin typeface="Cambria Math" panose="02040503050406030204" pitchFamily="18" charset="0"/>
-                                </a:rPr>
-                                <m:t>4</m:t>
-                              </m:r>
-                            </m:sub>
-                          </m:sSub>
-                        </m:den>
-                      </m:f>
-                      <m:r>
-                        <a:rPr lang="en-US" b="0" i="1" smtClean="0">
-                          <a:latin typeface="Cambria Math" panose="02040503050406030204" pitchFamily="18" charset="0"/>
-                        </a:rPr>
-                        <m:t>=</m:t>
-                      </m:r>
-                      <m:f>
-                        <m:fPr>
-                          <m:ctrlPr>
-                            <a:rPr lang="en-US" b="0" i="1" smtClean="0">
-                              <a:latin typeface="Cambria Math" panose="02040503050406030204" pitchFamily="18" charset="0"/>
-                            </a:rPr>
-                          </m:ctrlPr>
-                        </m:fPr>
-                        <m:num>
-                          <m:r>
-                            <a:rPr lang="en-US" b="0" i="1" smtClean="0">
-                              <a:latin typeface="Cambria Math" panose="02040503050406030204" pitchFamily="18" charset="0"/>
-                            </a:rPr>
-                            <m:t>1</m:t>
-                          </m:r>
-                        </m:num>
-                        <m:den>
-                          <m:acc>
-                            <m:accPr>
-                              <m:chr m:val="̂"/>
-                              <m:ctrlPr>
-                                <a:rPr lang="en-US" i="1">
-                                  <a:latin typeface="Cambria Math" panose="02040503050406030204" pitchFamily="18" charset="0"/>
-                                </a:rPr>
-                              </m:ctrlPr>
-                            </m:accPr>
-                            <m:e>
-                              <m:r>
-                                <a:rPr lang="en-US" i="1">
-                                  <a:latin typeface="Cambria Math" panose="02040503050406030204" pitchFamily="18" charset="0"/>
-                                </a:rPr>
-                                <m:t>𝜋</m:t>
-                              </m:r>
-                            </m:e>
-                          </m:acc>
-                        </m:den>
-                      </m:f>
-                    </m:oMath>
-                  </m:oMathPara>
-                </a14:m>
-                <a:endParaRPr lang="en-US" dirty="0"/>
-              </a:p>
-            </p:txBody>
-          </p:sp>
-        </mc:Choice>
-        <mc:Fallback>
-          <p:sp>
-            <p:nvSpPr>
-              <p:cNvPr id="9" name="Rectangle 8"/>
-              <p:cNvSpPr>
-                <a:spLocks noRot="1" noChangeAspect="1" noMove="1" noResize="1" noEditPoints="1" noAdjustHandles="1" noChangeArrowheads="1" noChangeShapeType="1" noTextEdit="1"/>
-              </p:cNvSpPr>
-              <p:nvPr/>
-            </p:nvSpPr>
-            <p:spPr>
-              <a:xfrm>
-                <a:off x="2724150" y="5069266"/>
-                <a:ext cx="10191750" cy="666977"/>
-              </a:xfrm>
-              <a:prstGeom prst="rect">
-                <a:avLst/>
-              </a:prstGeom>
-              <a:blipFill>
-                <a:blip r:embed="rId7"/>
-                <a:stretch>
-                  <a:fillRect/>
-                </a:stretch>
-              </a:blipFill>
-            </p:spPr>
-            <p:txBody>
-              <a:bodyPr/>
-              <a:lstStyle/>
-              <a:p>
-                <a:r>
-                  <a:rPr lang="en-US">
-                    <a:noFill/>
-                  </a:rPr>
-                  <a:t> </a:t>
-                </a:r>
-              </a:p>
-            </p:txBody>
-          </p:sp>
-        </mc:Fallback>
-      </mc:AlternateContent>
-      <mc:AlternateContent xmlns:mc="http://schemas.openxmlformats.org/markup-compatibility/2006">
-        <mc:Choice xmlns:a14="http://schemas.microsoft.com/office/drawing/2010/main" Requires="a14">
-          <p:sp>
-            <p:nvSpPr>
               <p:cNvPr id="10" name="TextBox 9"/>
               <p:cNvSpPr txBox="1"/>
               <p:nvPr/>
             </p:nvSpPr>
             <p:spPr>
               <a:xfrm>
-                <a:off x="2952750" y="5743575"/>
-                <a:ext cx="5343525" cy="878317"/>
+                <a:off x="2419350" y="5976412"/>
+                <a:ext cx="6546850" cy="881588"/>
               </a:xfrm>
               <a:prstGeom prst="rect">
                 <a:avLst/>
@@ -21191,6 +20965,7 @@
               </a:bodyPr>
               <a:lstStyle/>
               <a:p>
+                <a:pPr/>
                 <a14:m>
                   <m:oMathPara xmlns:m="http://schemas.openxmlformats.org/officeDocument/2006/math">
                     <m:oMathParaPr>
@@ -21204,24 +20979,47 @@
                         </a:rPr>
                         <m:t>∴</m:t>
                       </m:r>
-                      <m:acc>
-                        <m:accPr>
-                          <m:chr m:val="̂"/>
+                      <m:f>
+                        <m:fPr>
                           <m:ctrlPr>
-                            <a:rPr lang="en-US" i="1">
-                              <a:latin typeface="Cambria Math" panose="02040503050406030204" pitchFamily="18" charset="0"/>
+                            <a:rPr lang="en-US" b="0" i="1" smtClean="0">
+                              <a:latin typeface="Cambria Math" panose="02040503050406030204" pitchFamily="18" charset="0"/>
+                              <a:ea typeface="Cambria Math" panose="02040503050406030204" pitchFamily="18" charset="0"/>
                             </a:rPr>
                           </m:ctrlPr>
-                        </m:accPr>
-                        <m:e>
+                        </m:fPr>
+                        <m:num>
                           <m:r>
-                            <a:rPr lang="en-US" i="1">
-                              <a:latin typeface="Cambria Math" panose="02040503050406030204" pitchFamily="18" charset="0"/>
-                            </a:rPr>
-                            <m:t>𝜋</m:t>
+                            <a:rPr lang="en-US" b="0" i="1" smtClean="0">
+                              <a:latin typeface="Cambria Math" panose="02040503050406030204" pitchFamily="18" charset="0"/>
+                              <a:ea typeface="Cambria Math" panose="02040503050406030204" pitchFamily="18" charset="0"/>
+                            </a:rPr>
+                            <m:t>1</m:t>
                           </m:r>
-                        </m:e>
-                      </m:acc>
+                        </m:num>
+                        <m:den>
+                          <m:acc>
+                            <m:accPr>
+                              <m:chr m:val="̂"/>
+                              <m:ctrlPr>
+                                <a:rPr lang="en-US" b="0" i="1" smtClean="0">
+                                  <a:latin typeface="Cambria Math" panose="02040503050406030204" pitchFamily="18" charset="0"/>
+                                  <a:ea typeface="Cambria Math" panose="02040503050406030204" pitchFamily="18" charset="0"/>
+                                </a:rPr>
+                              </m:ctrlPr>
+                            </m:accPr>
+                            <m:e>
+                              <m:r>
+                                <a:rPr lang="en-US" b="0" i="1" smtClean="0">
+                                  <a:latin typeface="Cambria Math" panose="02040503050406030204" pitchFamily="18" charset="0"/>
+                                  <a:ea typeface="Cambria Math" panose="02040503050406030204" pitchFamily="18" charset="0"/>
+                                </a:rPr>
+                                <m:t>𝜋</m:t>
+                              </m:r>
+                            </m:e>
+                          </m:acc>
+                        </m:den>
+                      </m:f>
                       <m:r>
                         <a:rPr lang="en-US" b="0" i="1" smtClean="0">
                           <a:latin typeface="Cambria Math" panose="02040503050406030204" pitchFamily="18" charset="0"/>
@@ -21238,7 +21036,222 @@
                         </m:fPr>
                         <m:num>
                           <m:r>
+                            <a:rPr lang="en-US" i="1">
+                              <a:latin typeface="Cambria Math" panose="02040503050406030204" pitchFamily="18" charset="0"/>
+                            </a:rPr>
+                            <m:t>18</m:t>
+                          </m:r>
+                          <m:r>
+                            <a:rPr lang="en-US" i="1">
+                              <a:latin typeface="Cambria Math" panose="02040503050406030204" pitchFamily="18" charset="0"/>
+                            </a:rPr>
+                            <m:t>+</m:t>
+                          </m:r>
+                          <m:sSub>
+                            <m:sSubPr>
+                              <m:ctrlPr>
+                                <a:rPr lang="en-US" i="1">
+                                  <a:latin typeface="Cambria Math" panose="02040503050406030204" pitchFamily="18" charset="0"/>
+                                </a:rPr>
+                              </m:ctrlPr>
+                            </m:sSubPr>
+                            <m:e>
+                              <m:r>
+                                <a:rPr lang="en-US" i="1">
+                                  <a:latin typeface="Cambria Math" panose="02040503050406030204" pitchFamily="18" charset="0"/>
+                                </a:rPr>
+                                <m:t>𝑥</m:t>
+                              </m:r>
+                            </m:e>
+                            <m:sub>
+                              <m:r>
+                                <a:rPr lang="en-US" i="1">
+                                  <a:latin typeface="Cambria Math" panose="02040503050406030204" pitchFamily="18" charset="0"/>
+                                </a:rPr>
+                                <m:t>2</m:t>
+                              </m:r>
+                            </m:sub>
+                          </m:sSub>
+                          <m:r>
+                            <a:rPr lang="en-US" i="1">
+                              <a:latin typeface="Cambria Math" panose="02040503050406030204" pitchFamily="18" charset="0"/>
+                            </a:rPr>
+                            <m:t>+</m:t>
+                          </m:r>
+                          <m:r>
+                            <a:rPr lang="en-US" i="1">
+                              <a:latin typeface="Cambria Math" panose="02040503050406030204" pitchFamily="18" charset="0"/>
+                            </a:rPr>
+                            <m:t>20</m:t>
+                          </m:r>
+                          <m:r>
+                            <a:rPr lang="en-US" i="1">
+                              <a:latin typeface="Cambria Math" panose="02040503050406030204" pitchFamily="18" charset="0"/>
+                            </a:rPr>
+                            <m:t>+</m:t>
+                          </m:r>
+                          <m:r>
+                            <a:rPr lang="en-US" i="1">
+                              <a:latin typeface="Cambria Math" panose="02040503050406030204" pitchFamily="18" charset="0"/>
+                            </a:rPr>
+                            <m:t>34</m:t>
+                          </m:r>
+                        </m:num>
+                        <m:den>
+                          <m:sSub>
+                            <m:sSubPr>
+                              <m:ctrlPr>
+                                <a:rPr lang="en-US" i="1">
+                                  <a:latin typeface="Cambria Math" panose="02040503050406030204" pitchFamily="18" charset="0"/>
+                                </a:rPr>
+                              </m:ctrlPr>
+                            </m:sSubPr>
+                            <m:e>
+                              <m:r>
+                                <a:rPr lang="en-US" i="1">
+                                  <a:latin typeface="Cambria Math" panose="02040503050406030204" pitchFamily="18" charset="0"/>
+                                </a:rPr>
+                                <m:t>𝑥</m:t>
+                              </m:r>
+                            </m:e>
+                            <m:sub>
+                              <m:r>
+                                <a:rPr lang="en-US" i="1">
+                                  <a:latin typeface="Cambria Math" panose="02040503050406030204" pitchFamily="18" charset="0"/>
+                                </a:rPr>
+                                <m:t>2</m:t>
+                              </m:r>
+                            </m:sub>
+                          </m:sSub>
+                          <m:r>
+                            <a:rPr lang="en-US" i="1">
+                              <a:latin typeface="Cambria Math" panose="02040503050406030204" pitchFamily="18" charset="0"/>
+                            </a:rPr>
+                            <m:t>+</m:t>
+                          </m:r>
+                          <m:r>
+                            <a:rPr lang="en-US" i="1">
+                              <a:latin typeface="Cambria Math" panose="02040503050406030204" pitchFamily="18" charset="0"/>
+                            </a:rPr>
+                            <m:t>34</m:t>
+                          </m:r>
+                        </m:den>
+                      </m:f>
+                      <m:r>
+                        <a:rPr lang="en-US" b="0" i="1" smtClean="0">
+                          <a:latin typeface="Cambria Math" panose="02040503050406030204" pitchFamily="18" charset="0"/>
+                        </a:rPr>
+                        <m:t>=</m:t>
+                      </m:r>
+                      <m:r>
+                        <a:rPr lang="en-US" b="0" i="1" smtClean="0">
+                          <a:latin typeface="Cambria Math" panose="02040503050406030204" pitchFamily="18" charset="0"/>
+                        </a:rPr>
+                        <m:t>1</m:t>
+                      </m:r>
+                      <m:r>
+                        <a:rPr lang="en-US" b="0" i="1" smtClean="0">
+                          <a:latin typeface="Cambria Math" panose="02040503050406030204" pitchFamily="18" charset="0"/>
+                        </a:rPr>
+                        <m:t>+</m:t>
+                      </m:r>
+                      <m:f>
+                        <m:fPr>
+                          <m:ctrlPr>
                             <a:rPr lang="en-US" b="0" i="1" smtClean="0">
+                              <a:latin typeface="Cambria Math" panose="02040503050406030204" pitchFamily="18" charset="0"/>
+                            </a:rPr>
+                          </m:ctrlPr>
+                        </m:fPr>
+                        <m:num>
+                          <m:r>
+                            <a:rPr lang="en-US" b="0" i="1" smtClean="0">
+                              <a:latin typeface="Cambria Math" panose="02040503050406030204" pitchFamily="18" charset="0"/>
+                            </a:rPr>
+                            <m:t>38</m:t>
+                          </m:r>
+                        </m:num>
+                        <m:den>
+                          <m:sSub>
+                            <m:sSubPr>
+                              <m:ctrlPr>
+                                <a:rPr lang="en-US" i="1">
+                                  <a:latin typeface="Cambria Math" panose="02040503050406030204" pitchFamily="18" charset="0"/>
+                                </a:rPr>
+                              </m:ctrlPr>
+                            </m:sSubPr>
+                            <m:e>
+                              <m:r>
+                                <a:rPr lang="en-US" i="1">
+                                  <a:latin typeface="Cambria Math" panose="02040503050406030204" pitchFamily="18" charset="0"/>
+                                </a:rPr>
+                                <m:t>𝑥</m:t>
+                              </m:r>
+                            </m:e>
+                            <m:sub>
+                              <m:r>
+                                <a:rPr lang="en-US" i="1">
+                                  <a:latin typeface="Cambria Math" panose="02040503050406030204" pitchFamily="18" charset="0"/>
+                                </a:rPr>
+                                <m:t>2</m:t>
+                              </m:r>
+                            </m:sub>
+                          </m:sSub>
+                          <m:r>
+                            <a:rPr lang="en-US" i="1">
+                              <a:latin typeface="Cambria Math" panose="02040503050406030204" pitchFamily="18" charset="0"/>
+                            </a:rPr>
+                            <m:t>+</m:t>
+                          </m:r>
+                          <m:r>
+                            <a:rPr lang="en-US" i="1">
+                              <a:latin typeface="Cambria Math" panose="02040503050406030204" pitchFamily="18" charset="0"/>
+                            </a:rPr>
+                            <m:t>34</m:t>
+                          </m:r>
+                        </m:den>
+                      </m:f>
+                      <m:r>
+                        <a:rPr lang="en-US" b="0" i="1" smtClean="0">
+                          <a:latin typeface="Cambria Math" panose="02040503050406030204" pitchFamily="18" charset="0"/>
+                        </a:rPr>
+                        <m:t>⇒</m:t>
+                      </m:r>
+                      <m:acc>
+                        <m:accPr>
+                          <m:chr m:val="̂"/>
+                          <m:ctrlPr>
+                            <a:rPr lang="en-US" b="0" i="1" smtClean="0">
+                              <a:latin typeface="Cambria Math" panose="02040503050406030204" pitchFamily="18" charset="0"/>
+                            </a:rPr>
+                          </m:ctrlPr>
+                        </m:accPr>
+                        <m:e>
+                          <m:r>
+                            <a:rPr lang="en-US" b="0" i="1" smtClean="0">
+                              <a:latin typeface="Cambria Math" panose="02040503050406030204" pitchFamily="18" charset="0"/>
+                            </a:rPr>
+                            <m:t>𝜋</m:t>
+                          </m:r>
+                        </m:e>
+                      </m:acc>
+                      <m:r>
+                        <a:rPr lang="en-US" i="1">
+                          <a:latin typeface="Cambria Math" panose="02040503050406030204" pitchFamily="18" charset="0"/>
+                        </a:rPr>
+                        <m:t>=</m:t>
+                      </m:r>
+                      <m:f>
+                        <m:fPr>
+                          <m:ctrlPr>
+                            <a:rPr lang="en-US" i="1">
+                              <a:latin typeface="Cambria Math" panose="02040503050406030204" pitchFamily="18" charset="0"/>
+                            </a:rPr>
+                          </m:ctrlPr>
+                        </m:fPr>
+                        <m:num>
+                          <m:r>
+                            <a:rPr lang="en-US" i="1">
                               <a:latin typeface="Cambria Math" panose="02040503050406030204" pitchFamily="18" charset="0"/>
                             </a:rPr>
                             <m:t>1</m:t>
@@ -21249,7 +21262,13 @@
                             <a:rPr lang="en-US" i="1">
                               <a:latin typeface="Cambria Math" panose="02040503050406030204" pitchFamily="18" charset="0"/>
                             </a:rPr>
-                            <m:t>1+</m:t>
+                            <m:t>1</m:t>
+                          </m:r>
+                          <m:r>
+                            <a:rPr lang="en-US" i="1">
+                              <a:latin typeface="Cambria Math" panose="02040503050406030204" pitchFamily="18" charset="0"/>
+                            </a:rPr>
+                            <m:t>+</m:t>
                           </m:r>
                           <m:f>
                             <m:fPr>
@@ -21260,6 +21279,14 @@
                               </m:ctrlPr>
                             </m:fPr>
                             <m:num>
+                              <m:r>
+                                <a:rPr lang="en-US" i="1">
+                                  <a:latin typeface="Cambria Math" panose="02040503050406030204" pitchFamily="18" charset="0"/>
+                                </a:rPr>
+                                <m:t>38</m:t>
+                              </m:r>
+                            </m:num>
+                            <m:den>
                               <m:sSub>
                                 <m:sSubPr>
                                   <m:ctrlPr>
@@ -21291,6 +21318,1400 @@
                                 </a:rPr>
                                 <m:t>+</m:t>
                               </m:r>
+                              <m:r>
+                                <a:rPr lang="en-US" i="1">
+                                  <a:latin typeface="Cambria Math" panose="02040503050406030204" pitchFamily="18" charset="0"/>
+                                </a:rPr>
+                                <m:t>34</m:t>
+                              </m:r>
+                            </m:den>
+                          </m:f>
+                        </m:den>
+                      </m:f>
+                      <m:r>
+                        <a:rPr lang="en-US" b="0" i="1" smtClean="0">
+                          <a:latin typeface="Cambria Math" panose="02040503050406030204" pitchFamily="18" charset="0"/>
+                        </a:rPr>
+                        <m:t> </m:t>
+                      </m:r>
+                    </m:oMath>
+                  </m:oMathPara>
+                </a14:m>
+                <a:endParaRPr lang="en-US" dirty="0"/>
+              </a:p>
+            </p:txBody>
+          </p:sp>
+        </mc:Choice>
+        <mc:Fallback>
+          <p:sp>
+            <p:nvSpPr>
+              <p:cNvPr id="10" name="TextBox 9"/>
+              <p:cNvSpPr txBox="1">
+                <a:spLocks noRot="1" noChangeAspect="1" noMove="1" noResize="1" noEditPoints="1" noAdjustHandles="1" noChangeArrowheads="1" noChangeShapeType="1" noTextEdit="1"/>
+              </p:cNvSpPr>
+              <p:nvPr/>
+            </p:nvSpPr>
+            <p:spPr>
+              <a:xfrm>
+                <a:off x="2419350" y="5976412"/>
+                <a:ext cx="6546850" cy="881588"/>
+              </a:xfrm>
+              <a:prstGeom prst="rect">
+                <a:avLst/>
+              </a:prstGeom>
+              <a:blipFill>
+                <a:blip r:embed="rId7"/>
+                <a:stretch>
+                  <a:fillRect/>
+                </a:stretch>
+              </a:blipFill>
+            </p:spPr>
+            <p:txBody>
+              <a:bodyPr/>
+              <a:lstStyle/>
+              <a:p>
+                <a:r>
+                  <a:rPr lang="en-US">
+                    <a:noFill/>
+                  </a:rPr>
+                  <a:t> </a:t>
+                </a:r>
+              </a:p>
+            </p:txBody>
+          </p:sp>
+        </mc:Fallback>
+      </mc:AlternateContent>
+      <mc:AlternateContent xmlns:mc="http://schemas.openxmlformats.org/markup-compatibility/2006" xmlns:a14="http://schemas.microsoft.com/office/drawing/2010/main">
+        <mc:Choice Requires="a14">
+          <p:sp>
+            <p:nvSpPr>
+              <p:cNvPr id="11" name="TextBox 10"/>
+              <p:cNvSpPr txBox="1"/>
+              <p:nvPr/>
+            </p:nvSpPr>
+            <p:spPr>
+              <a:xfrm>
+                <a:off x="7611533" y="4944533"/>
+                <a:ext cx="4038600" cy="369332"/>
+              </a:xfrm>
+              <a:prstGeom prst="rect">
+                <a:avLst/>
+              </a:prstGeom>
+              <a:noFill/>
+            </p:spPr>
+            <p:txBody>
+              <a:bodyPr wrap="square" rtlCol="0">
+                <a:spAutoFit/>
+              </a:bodyPr>
+              <a:lstStyle/>
+              <a:p>
+                <a:pPr/>
+                <a14:m>
+                  <m:oMathPara xmlns:m="http://schemas.openxmlformats.org/officeDocument/2006/math">
+                    <m:oMathParaPr>
+                      <m:jc m:val="centerGroup"/>
+                    </m:oMathParaPr>
+                    <m:oMath xmlns:m="http://schemas.openxmlformats.org/officeDocument/2006/math">
+                      <m:r>
+                        <a:rPr lang="en-US" b="0" i="1" smtClean="0">
+                          <a:latin typeface="Cambria Math" panose="02040503050406030204" pitchFamily="18" charset="0"/>
+                        </a:rPr>
+                        <m:t>⇒−</m:t>
+                      </m:r>
+                      <m:sSub>
+                        <m:sSubPr>
+                          <m:ctrlPr>
+                            <a:rPr lang="en-US" b="0" i="1" smtClean="0">
+                              <a:latin typeface="Cambria Math" panose="02040503050406030204" pitchFamily="18" charset="0"/>
+                            </a:rPr>
+                          </m:ctrlPr>
+                        </m:sSubPr>
+                        <m:e>
+                          <m:r>
+                            <a:rPr lang="en-US" b="0" i="1" smtClean="0">
+                              <a:latin typeface="Cambria Math" panose="02040503050406030204" pitchFamily="18" charset="0"/>
+                            </a:rPr>
+                            <m:t>𝑥</m:t>
+                          </m:r>
+                        </m:e>
+                        <m:sub>
+                          <m:r>
+                            <a:rPr lang="en-US" b="0" i="1" smtClean="0">
+                              <a:latin typeface="Cambria Math" panose="02040503050406030204" pitchFamily="18" charset="0"/>
+                            </a:rPr>
+                            <m:t>1</m:t>
+                          </m:r>
+                        </m:sub>
+                      </m:sSub>
+                      <m:acc>
+                        <m:accPr>
+                          <m:chr m:val="̂"/>
+                          <m:ctrlPr>
+                            <a:rPr lang="en-US" b="0" i="1" smtClean="0">
+                              <a:latin typeface="Cambria Math" panose="02040503050406030204" pitchFamily="18" charset="0"/>
+                            </a:rPr>
+                          </m:ctrlPr>
+                        </m:accPr>
+                        <m:e>
+                          <m:r>
+                            <a:rPr lang="en-US" b="0" i="1" smtClean="0">
+                              <a:latin typeface="Cambria Math" panose="02040503050406030204" pitchFamily="18" charset="0"/>
+                            </a:rPr>
+                            <m:t>𝜋</m:t>
+                          </m:r>
+                        </m:e>
+                      </m:acc>
+                      <m:r>
+                        <a:rPr lang="en-US" b="0" i="1" smtClean="0">
+                          <a:latin typeface="Cambria Math" panose="02040503050406030204" pitchFamily="18" charset="0"/>
+                        </a:rPr>
+                        <m:t>−</m:t>
+                      </m:r>
+                      <m:sSub>
+                        <m:sSubPr>
+                          <m:ctrlPr>
+                            <a:rPr lang="en-US" b="0" i="1" smtClean="0">
+                              <a:latin typeface="Cambria Math" panose="02040503050406030204" pitchFamily="18" charset="0"/>
+                            </a:rPr>
+                          </m:ctrlPr>
+                        </m:sSubPr>
+                        <m:e>
+                          <m:r>
+                            <a:rPr lang="en-US" b="0" i="1" smtClean="0">
+                              <a:latin typeface="Cambria Math" panose="02040503050406030204" pitchFamily="18" charset="0"/>
+                            </a:rPr>
+                            <m:t>𝑥</m:t>
+                          </m:r>
+                        </m:e>
+                        <m:sub>
+                          <m:r>
+                            <a:rPr lang="en-US" b="0" i="1" smtClean="0">
+                              <a:latin typeface="Cambria Math" panose="02040503050406030204" pitchFamily="18" charset="0"/>
+                            </a:rPr>
+                            <m:t>4</m:t>
+                          </m:r>
+                        </m:sub>
+                      </m:sSub>
+                      <m:acc>
+                        <m:accPr>
+                          <m:chr m:val="̂"/>
+                          <m:ctrlPr>
+                            <a:rPr lang="en-US" b="0" i="1" smtClean="0">
+                              <a:latin typeface="Cambria Math" panose="02040503050406030204" pitchFamily="18" charset="0"/>
+                            </a:rPr>
+                          </m:ctrlPr>
+                        </m:accPr>
+                        <m:e>
+                          <m:r>
+                            <a:rPr lang="en-US" b="0" i="1" smtClean="0">
+                              <a:latin typeface="Cambria Math" panose="02040503050406030204" pitchFamily="18" charset="0"/>
+                            </a:rPr>
+                            <m:t>𝜋</m:t>
+                          </m:r>
+                        </m:e>
+                      </m:acc>
+                      <m:r>
+                        <a:rPr lang="en-US" b="0" i="1" smtClean="0">
+                          <a:latin typeface="Cambria Math" panose="02040503050406030204" pitchFamily="18" charset="0"/>
+                        </a:rPr>
+                        <m:t>+</m:t>
+                      </m:r>
+                      <m:sSub>
+                        <m:sSubPr>
+                          <m:ctrlPr>
+                            <a:rPr lang="en-US" b="0" i="1" smtClean="0">
+                              <a:latin typeface="Cambria Math" panose="02040503050406030204" pitchFamily="18" charset="0"/>
+                            </a:rPr>
+                          </m:ctrlPr>
+                        </m:sSubPr>
+                        <m:e>
+                          <m:r>
+                            <a:rPr lang="en-US" b="0" i="1" smtClean="0">
+                              <a:latin typeface="Cambria Math" panose="02040503050406030204" pitchFamily="18" charset="0"/>
+                            </a:rPr>
+                            <m:t>𝑥</m:t>
+                          </m:r>
+                        </m:e>
+                        <m:sub>
+                          <m:r>
+                            <a:rPr lang="en-US" b="0" i="1" smtClean="0">
+                              <a:latin typeface="Cambria Math" panose="02040503050406030204" pitchFamily="18" charset="0"/>
+                            </a:rPr>
+                            <m:t>1</m:t>
+                          </m:r>
+                        </m:sub>
+                      </m:sSub>
+                      <m:r>
+                        <a:rPr lang="en-US" b="0" i="1" smtClean="0">
+                          <a:latin typeface="Cambria Math" panose="02040503050406030204" pitchFamily="18" charset="0"/>
+                        </a:rPr>
+                        <m:t>+</m:t>
+                      </m:r>
+                      <m:sSub>
+                        <m:sSubPr>
+                          <m:ctrlPr>
+                            <a:rPr lang="en-US" b="0" i="1" smtClean="0">
+                              <a:latin typeface="Cambria Math" panose="02040503050406030204" pitchFamily="18" charset="0"/>
+                            </a:rPr>
+                          </m:ctrlPr>
+                        </m:sSubPr>
+                        <m:e>
+                          <m:r>
+                            <a:rPr lang="en-US" b="0" i="1" smtClean="0">
+                              <a:latin typeface="Cambria Math" panose="02040503050406030204" pitchFamily="18" charset="0"/>
+                            </a:rPr>
+                            <m:t>𝑥</m:t>
+                          </m:r>
+                        </m:e>
+                        <m:sub>
+                          <m:r>
+                            <a:rPr lang="en-US" b="0" i="1" smtClean="0">
+                              <a:latin typeface="Cambria Math" panose="02040503050406030204" pitchFamily="18" charset="0"/>
+                            </a:rPr>
+                            <m:t>4</m:t>
+                          </m:r>
+                        </m:sub>
+                      </m:sSub>
+                      <m:r>
+                        <a:rPr lang="en-US" b="0" i="1" smtClean="0">
+                          <a:latin typeface="Cambria Math" panose="02040503050406030204" pitchFamily="18" charset="0"/>
+                        </a:rPr>
+                        <m:t>=</m:t>
+                      </m:r>
+                      <m:sSub>
+                        <m:sSubPr>
+                          <m:ctrlPr>
+                            <a:rPr lang="en-US" b="0" i="1" smtClean="0">
+                              <a:latin typeface="Cambria Math" panose="02040503050406030204" pitchFamily="18" charset="0"/>
+                            </a:rPr>
+                          </m:ctrlPr>
+                        </m:sSubPr>
+                        <m:e>
+                          <m:r>
+                            <a:rPr lang="en-US" b="0" i="1" smtClean="0">
+                              <a:latin typeface="Cambria Math" panose="02040503050406030204" pitchFamily="18" charset="0"/>
+                            </a:rPr>
+                            <m:t>𝑥</m:t>
+                          </m:r>
+                        </m:e>
+                        <m:sub>
+                          <m:r>
+                            <a:rPr lang="en-US" b="0" i="1" smtClean="0">
+                              <a:latin typeface="Cambria Math" panose="02040503050406030204" pitchFamily="18" charset="0"/>
+                            </a:rPr>
+                            <m:t>2</m:t>
+                          </m:r>
+                        </m:sub>
+                      </m:sSub>
+                      <m:acc>
+                        <m:accPr>
+                          <m:chr m:val="̂"/>
+                          <m:ctrlPr>
+                            <a:rPr lang="en-US" b="0" i="1" smtClean="0">
+                              <a:latin typeface="Cambria Math" panose="02040503050406030204" pitchFamily="18" charset="0"/>
+                            </a:rPr>
+                          </m:ctrlPr>
+                        </m:accPr>
+                        <m:e>
+                          <m:r>
+                            <a:rPr lang="en-US" b="0" i="1" smtClean="0">
+                              <a:latin typeface="Cambria Math" panose="02040503050406030204" pitchFamily="18" charset="0"/>
+                            </a:rPr>
+                            <m:t>𝜋</m:t>
+                          </m:r>
+                        </m:e>
+                      </m:acc>
+                      <m:r>
+                        <a:rPr lang="en-US" b="0" i="1" smtClean="0">
+                          <a:latin typeface="Cambria Math" panose="02040503050406030204" pitchFamily="18" charset="0"/>
+                        </a:rPr>
+                        <m:t>+</m:t>
+                      </m:r>
+                      <m:sSub>
+                        <m:sSubPr>
+                          <m:ctrlPr>
+                            <a:rPr lang="en-US" b="0" i="1" smtClean="0">
+                              <a:latin typeface="Cambria Math" panose="02040503050406030204" pitchFamily="18" charset="0"/>
+                            </a:rPr>
+                          </m:ctrlPr>
+                        </m:sSubPr>
+                        <m:e>
+                          <m:r>
+                            <a:rPr lang="en-US" b="0" i="1" smtClean="0">
+                              <a:latin typeface="Cambria Math" panose="02040503050406030204" pitchFamily="18" charset="0"/>
+                            </a:rPr>
+                            <m:t>𝑥</m:t>
+                          </m:r>
+                        </m:e>
+                        <m:sub>
+                          <m:r>
+                            <a:rPr lang="en-US" b="0" i="1" smtClean="0">
+                              <a:latin typeface="Cambria Math" panose="02040503050406030204" pitchFamily="18" charset="0"/>
+                            </a:rPr>
+                            <m:t>5</m:t>
+                          </m:r>
+                        </m:sub>
+                      </m:sSub>
+                      <m:acc>
+                        <m:accPr>
+                          <m:chr m:val="̂"/>
+                          <m:ctrlPr>
+                            <a:rPr lang="en-US" b="0" i="1" smtClean="0">
+                              <a:latin typeface="Cambria Math" panose="02040503050406030204" pitchFamily="18" charset="0"/>
+                            </a:rPr>
+                          </m:ctrlPr>
+                        </m:accPr>
+                        <m:e>
+                          <m:r>
+                            <a:rPr lang="en-US" b="0" i="1" smtClean="0">
+                              <a:latin typeface="Cambria Math" panose="02040503050406030204" pitchFamily="18" charset="0"/>
+                            </a:rPr>
+                            <m:t>𝜋</m:t>
+                          </m:r>
+                        </m:e>
+                      </m:acc>
+                    </m:oMath>
+                  </m:oMathPara>
+                </a14:m>
+                <a:endParaRPr lang="en-US" dirty="0"/>
+              </a:p>
+            </p:txBody>
+          </p:sp>
+        </mc:Choice>
+        <mc:Fallback xmlns="">
+          <p:sp>
+            <p:nvSpPr>
+              <p:cNvPr id="11" name="TextBox 10"/>
+              <p:cNvSpPr txBox="1">
+                <a:spLocks noRot="1" noChangeAspect="1" noMove="1" noResize="1" noEditPoints="1" noAdjustHandles="1" noChangeArrowheads="1" noChangeShapeType="1" noTextEdit="1"/>
+              </p:cNvSpPr>
+              <p:nvPr/>
+            </p:nvSpPr>
+            <p:spPr>
+              <a:xfrm>
+                <a:off x="7611533" y="4944533"/>
+                <a:ext cx="4038600" cy="369332"/>
+              </a:xfrm>
+              <a:prstGeom prst="rect">
+                <a:avLst/>
+              </a:prstGeom>
+              <a:blipFill>
+                <a:blip r:embed="rId9"/>
+                <a:stretch>
+                  <a:fillRect t="-6557" r="-5438"/>
+                </a:stretch>
+              </a:blipFill>
+            </p:spPr>
+            <p:txBody>
+              <a:bodyPr/>
+              <a:lstStyle/>
+              <a:p>
+                <a:r>
+                  <a:rPr lang="en-US">
+                    <a:noFill/>
+                  </a:rPr>
+                  <a:t> </a:t>
+                </a:r>
+              </a:p>
+            </p:txBody>
+          </p:sp>
+        </mc:Fallback>
+      </mc:AlternateContent>
+      <mc:AlternateContent xmlns:mc="http://schemas.openxmlformats.org/markup-compatibility/2006" xmlns:a14="http://schemas.microsoft.com/office/drawing/2010/main">
+        <mc:Choice Requires="a14">
+          <p:sp>
+            <p:nvSpPr>
+              <p:cNvPr id="12" name="TextBox 11"/>
+              <p:cNvSpPr txBox="1"/>
+              <p:nvPr/>
+            </p:nvSpPr>
+            <p:spPr>
+              <a:xfrm>
+                <a:off x="7713133" y="5206999"/>
+                <a:ext cx="4038600" cy="369332"/>
+              </a:xfrm>
+              <a:prstGeom prst="rect">
+                <a:avLst/>
+              </a:prstGeom>
+              <a:noFill/>
+            </p:spPr>
+            <p:txBody>
+              <a:bodyPr wrap="square" rtlCol="0">
+                <a:spAutoFit/>
+              </a:bodyPr>
+              <a:lstStyle/>
+              <a:p>
+                <a:pPr/>
+                <a14:m>
+                  <m:oMathPara xmlns:m="http://schemas.openxmlformats.org/officeDocument/2006/math">
+                    <m:oMathParaPr>
+                      <m:jc m:val="centerGroup"/>
+                    </m:oMathParaPr>
+                    <m:oMath xmlns:m="http://schemas.openxmlformats.org/officeDocument/2006/math">
+                      <m:r>
+                        <a:rPr lang="en-US" b="0" i="1" smtClean="0">
+                          <a:latin typeface="Cambria Math" panose="02040503050406030204" pitchFamily="18" charset="0"/>
+                        </a:rPr>
+                        <m:t>⇒</m:t>
+                      </m:r>
+                      <m:sSub>
+                        <m:sSubPr>
+                          <m:ctrlPr>
+                            <a:rPr lang="en-US" b="0" i="1" smtClean="0">
+                              <a:latin typeface="Cambria Math" panose="02040503050406030204" pitchFamily="18" charset="0"/>
+                            </a:rPr>
+                          </m:ctrlPr>
+                        </m:sSubPr>
+                        <m:e>
+                          <m:r>
+                            <a:rPr lang="en-US" b="0" i="1" smtClean="0">
+                              <a:latin typeface="Cambria Math" panose="02040503050406030204" pitchFamily="18" charset="0"/>
+                            </a:rPr>
+                            <m:t>𝑥</m:t>
+                          </m:r>
+                        </m:e>
+                        <m:sub>
+                          <m:r>
+                            <a:rPr lang="en-US" b="0" i="1" smtClean="0">
+                              <a:latin typeface="Cambria Math" panose="02040503050406030204" pitchFamily="18" charset="0"/>
+                            </a:rPr>
+                            <m:t>1</m:t>
+                          </m:r>
+                        </m:sub>
+                      </m:sSub>
+                      <m:r>
+                        <a:rPr lang="en-US" b="0" i="1" smtClean="0">
+                          <a:latin typeface="Cambria Math" panose="02040503050406030204" pitchFamily="18" charset="0"/>
+                        </a:rPr>
+                        <m:t>+</m:t>
+                      </m:r>
+                      <m:sSub>
+                        <m:sSubPr>
+                          <m:ctrlPr>
+                            <a:rPr lang="en-US" b="0" i="1" smtClean="0">
+                              <a:latin typeface="Cambria Math" panose="02040503050406030204" pitchFamily="18" charset="0"/>
+                            </a:rPr>
+                          </m:ctrlPr>
+                        </m:sSubPr>
+                        <m:e>
+                          <m:r>
+                            <a:rPr lang="en-US" b="0" i="1" smtClean="0">
+                              <a:latin typeface="Cambria Math" panose="02040503050406030204" pitchFamily="18" charset="0"/>
+                            </a:rPr>
+                            <m:t>𝑥</m:t>
+                          </m:r>
+                        </m:e>
+                        <m:sub>
+                          <m:r>
+                            <a:rPr lang="en-US" b="0" i="1" smtClean="0">
+                              <a:latin typeface="Cambria Math" panose="02040503050406030204" pitchFamily="18" charset="0"/>
+                            </a:rPr>
+                            <m:t>4</m:t>
+                          </m:r>
+                        </m:sub>
+                      </m:sSub>
+                      <m:r>
+                        <a:rPr lang="en-US" b="0" i="1" smtClean="0">
+                          <a:latin typeface="Cambria Math" panose="02040503050406030204" pitchFamily="18" charset="0"/>
+                        </a:rPr>
+                        <m:t>=</m:t>
+                      </m:r>
+                      <m:sSub>
+                        <m:sSubPr>
+                          <m:ctrlPr>
+                            <a:rPr lang="en-US" b="0" i="1" smtClean="0">
+                              <a:latin typeface="Cambria Math" panose="02040503050406030204" pitchFamily="18" charset="0"/>
+                            </a:rPr>
+                          </m:ctrlPr>
+                        </m:sSubPr>
+                        <m:e>
+                          <m:r>
+                            <a:rPr lang="en-US" b="0" i="1" smtClean="0">
+                              <a:latin typeface="Cambria Math" panose="02040503050406030204" pitchFamily="18" charset="0"/>
+                            </a:rPr>
+                            <m:t>𝑥</m:t>
+                          </m:r>
+                        </m:e>
+                        <m:sub>
+                          <m:r>
+                            <a:rPr lang="en-US" b="0" i="1" smtClean="0">
+                              <a:latin typeface="Cambria Math" panose="02040503050406030204" pitchFamily="18" charset="0"/>
+                            </a:rPr>
+                            <m:t>2</m:t>
+                          </m:r>
+                        </m:sub>
+                      </m:sSub>
+                      <m:acc>
+                        <m:accPr>
+                          <m:chr m:val="̂"/>
+                          <m:ctrlPr>
+                            <a:rPr lang="en-US" b="0" i="1" smtClean="0">
+                              <a:latin typeface="Cambria Math" panose="02040503050406030204" pitchFamily="18" charset="0"/>
+                            </a:rPr>
+                          </m:ctrlPr>
+                        </m:accPr>
+                        <m:e>
+                          <m:r>
+                            <a:rPr lang="en-US" b="0" i="1" smtClean="0">
+                              <a:latin typeface="Cambria Math" panose="02040503050406030204" pitchFamily="18" charset="0"/>
+                            </a:rPr>
+                            <m:t>𝜋</m:t>
+                          </m:r>
+                        </m:e>
+                      </m:acc>
+                      <m:r>
+                        <a:rPr lang="en-US" b="0" i="1" smtClean="0">
+                          <a:latin typeface="Cambria Math" panose="02040503050406030204" pitchFamily="18" charset="0"/>
+                        </a:rPr>
+                        <m:t>+</m:t>
+                      </m:r>
+                      <m:sSub>
+                        <m:sSubPr>
+                          <m:ctrlPr>
+                            <a:rPr lang="en-US" b="0" i="1" smtClean="0">
+                              <a:latin typeface="Cambria Math" panose="02040503050406030204" pitchFamily="18" charset="0"/>
+                            </a:rPr>
+                          </m:ctrlPr>
+                        </m:sSubPr>
+                        <m:e>
+                          <m:r>
+                            <a:rPr lang="en-US" b="0" i="1" smtClean="0">
+                              <a:latin typeface="Cambria Math" panose="02040503050406030204" pitchFamily="18" charset="0"/>
+                            </a:rPr>
+                            <m:t>𝑥</m:t>
+                          </m:r>
+                        </m:e>
+                        <m:sub>
+                          <m:r>
+                            <a:rPr lang="en-US" b="0" i="1" smtClean="0">
+                              <a:latin typeface="Cambria Math" panose="02040503050406030204" pitchFamily="18" charset="0"/>
+                            </a:rPr>
+                            <m:t>5</m:t>
+                          </m:r>
+                        </m:sub>
+                      </m:sSub>
+                      <m:acc>
+                        <m:accPr>
+                          <m:chr m:val="̂"/>
+                          <m:ctrlPr>
+                            <a:rPr lang="en-US" b="0" i="1" smtClean="0">
+                              <a:latin typeface="Cambria Math" panose="02040503050406030204" pitchFamily="18" charset="0"/>
+                            </a:rPr>
+                          </m:ctrlPr>
+                        </m:accPr>
+                        <m:e>
+                          <m:r>
+                            <a:rPr lang="en-US" b="0" i="1" smtClean="0">
+                              <a:latin typeface="Cambria Math" panose="02040503050406030204" pitchFamily="18" charset="0"/>
+                            </a:rPr>
+                            <m:t>𝜋</m:t>
+                          </m:r>
+                        </m:e>
+                      </m:acc>
+                      <m:r>
+                        <a:rPr lang="en-US" b="0" i="1" smtClean="0">
+                          <a:latin typeface="Cambria Math" panose="02040503050406030204" pitchFamily="18" charset="0"/>
+                        </a:rPr>
+                        <m:t>+</m:t>
+                      </m:r>
+                      <m:sSub>
+                        <m:sSubPr>
+                          <m:ctrlPr>
+                            <a:rPr lang="en-US" i="1">
+                              <a:latin typeface="Cambria Math" panose="02040503050406030204" pitchFamily="18" charset="0"/>
+                            </a:rPr>
+                          </m:ctrlPr>
+                        </m:sSubPr>
+                        <m:e>
+                          <m:r>
+                            <a:rPr lang="en-US" i="1">
+                              <a:latin typeface="Cambria Math" panose="02040503050406030204" pitchFamily="18" charset="0"/>
+                            </a:rPr>
+                            <m:t>𝑥</m:t>
+                          </m:r>
+                        </m:e>
+                        <m:sub>
+                          <m:r>
+                            <a:rPr lang="en-US" i="1">
+                              <a:latin typeface="Cambria Math" panose="02040503050406030204" pitchFamily="18" charset="0"/>
+                            </a:rPr>
+                            <m:t>1</m:t>
+                          </m:r>
+                        </m:sub>
+                      </m:sSub>
+                      <m:acc>
+                        <m:accPr>
+                          <m:chr m:val="̂"/>
+                          <m:ctrlPr>
+                            <a:rPr lang="en-US" i="1">
+                              <a:latin typeface="Cambria Math" panose="02040503050406030204" pitchFamily="18" charset="0"/>
+                            </a:rPr>
+                          </m:ctrlPr>
+                        </m:accPr>
+                        <m:e>
+                          <m:r>
+                            <a:rPr lang="en-US" i="1">
+                              <a:latin typeface="Cambria Math" panose="02040503050406030204" pitchFamily="18" charset="0"/>
+                            </a:rPr>
+                            <m:t>𝜋</m:t>
+                          </m:r>
+                        </m:e>
+                      </m:acc>
+                      <m:r>
+                        <a:rPr lang="en-US" b="0" i="1" smtClean="0">
+                          <a:latin typeface="Cambria Math" panose="02040503050406030204" pitchFamily="18" charset="0"/>
+                        </a:rPr>
+                        <m:t>+</m:t>
+                      </m:r>
+                      <m:sSub>
+                        <m:sSubPr>
+                          <m:ctrlPr>
+                            <a:rPr lang="en-US" i="1">
+                              <a:latin typeface="Cambria Math" panose="02040503050406030204" pitchFamily="18" charset="0"/>
+                            </a:rPr>
+                          </m:ctrlPr>
+                        </m:sSubPr>
+                        <m:e>
+                          <m:r>
+                            <a:rPr lang="en-US" i="1">
+                              <a:latin typeface="Cambria Math" panose="02040503050406030204" pitchFamily="18" charset="0"/>
+                            </a:rPr>
+                            <m:t>𝑥</m:t>
+                          </m:r>
+                        </m:e>
+                        <m:sub>
+                          <m:r>
+                            <a:rPr lang="en-US" i="1">
+                              <a:latin typeface="Cambria Math" panose="02040503050406030204" pitchFamily="18" charset="0"/>
+                            </a:rPr>
+                            <m:t>4</m:t>
+                          </m:r>
+                        </m:sub>
+                      </m:sSub>
+                      <m:acc>
+                        <m:accPr>
+                          <m:chr m:val="̂"/>
+                          <m:ctrlPr>
+                            <a:rPr lang="en-US" i="1">
+                              <a:latin typeface="Cambria Math" panose="02040503050406030204" pitchFamily="18" charset="0"/>
+                            </a:rPr>
+                          </m:ctrlPr>
+                        </m:accPr>
+                        <m:e>
+                          <m:r>
+                            <a:rPr lang="en-US" i="1">
+                              <a:latin typeface="Cambria Math" panose="02040503050406030204" pitchFamily="18" charset="0"/>
+                            </a:rPr>
+                            <m:t>𝜋</m:t>
+                          </m:r>
+                        </m:e>
+                      </m:acc>
+                    </m:oMath>
+                  </m:oMathPara>
+                </a14:m>
+                <a:endParaRPr lang="en-US" dirty="0"/>
+              </a:p>
+            </p:txBody>
+          </p:sp>
+        </mc:Choice>
+        <mc:Fallback xmlns="">
+          <p:sp>
+            <p:nvSpPr>
+              <p:cNvPr id="12" name="TextBox 11"/>
+              <p:cNvSpPr txBox="1">
+                <a:spLocks noRot="1" noChangeAspect="1" noMove="1" noResize="1" noEditPoints="1" noAdjustHandles="1" noChangeArrowheads="1" noChangeShapeType="1" noTextEdit="1"/>
+              </p:cNvSpPr>
+              <p:nvPr/>
+            </p:nvSpPr>
+            <p:spPr>
+              <a:xfrm>
+                <a:off x="7713133" y="5206999"/>
+                <a:ext cx="4038600" cy="369332"/>
+              </a:xfrm>
+              <a:prstGeom prst="rect">
+                <a:avLst/>
+              </a:prstGeom>
+              <a:blipFill>
+                <a:blip r:embed="rId10"/>
+                <a:stretch>
+                  <a:fillRect t="-6557" r="-3318"/>
+                </a:stretch>
+              </a:blipFill>
+            </p:spPr>
+            <p:txBody>
+              <a:bodyPr/>
+              <a:lstStyle/>
+              <a:p>
+                <a:r>
+                  <a:rPr lang="en-US">
+                    <a:noFill/>
+                  </a:rPr>
+                  <a:t> </a:t>
+                </a:r>
+              </a:p>
+            </p:txBody>
+          </p:sp>
+        </mc:Fallback>
+      </mc:AlternateContent>
+      <mc:AlternateContent xmlns:mc="http://schemas.openxmlformats.org/markup-compatibility/2006" xmlns:a14="http://schemas.microsoft.com/office/drawing/2010/main">
+        <mc:Choice Requires="a14">
+          <p:sp>
+            <p:nvSpPr>
+              <p:cNvPr id="14" name="TextBox 13"/>
+              <p:cNvSpPr txBox="1"/>
+              <p:nvPr/>
+            </p:nvSpPr>
+            <p:spPr>
+              <a:xfrm>
+                <a:off x="7907867" y="711199"/>
+                <a:ext cx="4038600" cy="369332"/>
+              </a:xfrm>
+              <a:prstGeom prst="rect">
+                <a:avLst/>
+              </a:prstGeom>
+              <a:noFill/>
+            </p:spPr>
+            <p:txBody>
+              <a:bodyPr wrap="square" rtlCol="0">
+                <a:spAutoFit/>
+              </a:bodyPr>
+              <a:lstStyle/>
+              <a:p>
+                <a:pPr/>
+                <a14:m>
+                  <m:oMathPara xmlns:m="http://schemas.openxmlformats.org/officeDocument/2006/math">
+                    <m:oMathParaPr>
+                      <m:jc m:val="centerGroup"/>
+                    </m:oMathParaPr>
+                    <m:oMath xmlns:m="http://schemas.openxmlformats.org/officeDocument/2006/math">
+                      <m:r>
+                        <a:rPr lang="en-US" b="0" i="1" smtClean="0">
+                          <a:latin typeface="Cambria Math" panose="02040503050406030204" pitchFamily="18" charset="0"/>
+                        </a:rPr>
+                        <m:t>⇒</m:t>
+                      </m:r>
+                      <m:sSub>
+                        <m:sSubPr>
+                          <m:ctrlPr>
+                            <a:rPr lang="en-US" b="0" i="1" smtClean="0">
+                              <a:latin typeface="Cambria Math" panose="02040503050406030204" pitchFamily="18" charset="0"/>
+                            </a:rPr>
+                          </m:ctrlPr>
+                        </m:sSubPr>
+                        <m:e>
+                          <m:r>
+                            <a:rPr lang="en-US" b="0" i="1" smtClean="0">
+                              <a:latin typeface="Cambria Math" panose="02040503050406030204" pitchFamily="18" charset="0"/>
+                            </a:rPr>
+                            <m:t>𝑥</m:t>
+                          </m:r>
+                        </m:e>
+                        <m:sub>
+                          <m:r>
+                            <a:rPr lang="en-US" b="0" i="1" smtClean="0">
+                              <a:latin typeface="Cambria Math" panose="02040503050406030204" pitchFamily="18" charset="0"/>
+                            </a:rPr>
+                            <m:t>1</m:t>
+                          </m:r>
+                        </m:sub>
+                      </m:sSub>
+                      <m:r>
+                        <a:rPr lang="en-US" b="0" i="1" smtClean="0">
+                          <a:latin typeface="Cambria Math" panose="02040503050406030204" pitchFamily="18" charset="0"/>
+                        </a:rPr>
+                        <m:t>+</m:t>
+                      </m:r>
+                      <m:sSub>
+                        <m:sSubPr>
+                          <m:ctrlPr>
+                            <a:rPr lang="en-US" b="0" i="1" smtClean="0">
+                              <a:latin typeface="Cambria Math" panose="02040503050406030204" pitchFamily="18" charset="0"/>
+                            </a:rPr>
+                          </m:ctrlPr>
+                        </m:sSubPr>
+                        <m:e>
+                          <m:r>
+                            <a:rPr lang="en-US" b="0" i="1" smtClean="0">
+                              <a:latin typeface="Cambria Math" panose="02040503050406030204" pitchFamily="18" charset="0"/>
+                            </a:rPr>
+                            <m:t>𝑥</m:t>
+                          </m:r>
+                        </m:e>
+                        <m:sub>
+                          <m:r>
+                            <a:rPr lang="en-US" b="0" i="1" smtClean="0">
+                              <a:latin typeface="Cambria Math" panose="02040503050406030204" pitchFamily="18" charset="0"/>
+                            </a:rPr>
+                            <m:t>4</m:t>
+                          </m:r>
+                        </m:sub>
+                      </m:sSub>
+                      <m:r>
+                        <a:rPr lang="en-US" b="0" i="1" smtClean="0">
+                          <a:latin typeface="Cambria Math" panose="02040503050406030204" pitchFamily="18" charset="0"/>
+                        </a:rPr>
+                        <m:t>=</m:t>
+                      </m:r>
+                      <m:sSub>
+                        <m:sSubPr>
+                          <m:ctrlPr>
+                            <a:rPr lang="en-US" b="0" i="1" smtClean="0">
+                              <a:latin typeface="Cambria Math" panose="02040503050406030204" pitchFamily="18" charset="0"/>
+                            </a:rPr>
+                          </m:ctrlPr>
+                        </m:sSubPr>
+                        <m:e>
+                          <m:r>
+                            <a:rPr lang="en-US" b="0" i="1" smtClean="0">
+                              <a:latin typeface="Cambria Math" panose="02040503050406030204" pitchFamily="18" charset="0"/>
+                            </a:rPr>
+                            <m:t>𝑥</m:t>
+                          </m:r>
+                        </m:e>
+                        <m:sub>
+                          <m:r>
+                            <a:rPr lang="en-US" b="0" i="1" smtClean="0">
+                              <a:latin typeface="Cambria Math" panose="02040503050406030204" pitchFamily="18" charset="0"/>
+                            </a:rPr>
+                            <m:t>2</m:t>
+                          </m:r>
+                        </m:sub>
+                      </m:sSub>
+                      <m:acc>
+                        <m:accPr>
+                          <m:chr m:val="̂"/>
+                          <m:ctrlPr>
+                            <a:rPr lang="en-US" b="0" i="1" smtClean="0">
+                              <a:latin typeface="Cambria Math" panose="02040503050406030204" pitchFamily="18" charset="0"/>
+                            </a:rPr>
+                          </m:ctrlPr>
+                        </m:accPr>
+                        <m:e>
+                          <m:r>
+                            <a:rPr lang="en-US" b="0" i="1" smtClean="0">
+                              <a:latin typeface="Cambria Math" panose="02040503050406030204" pitchFamily="18" charset="0"/>
+                            </a:rPr>
+                            <m:t>𝜋</m:t>
+                          </m:r>
+                        </m:e>
+                      </m:acc>
+                      <m:r>
+                        <a:rPr lang="en-US" b="0" i="1" smtClean="0">
+                          <a:latin typeface="Cambria Math" panose="02040503050406030204" pitchFamily="18" charset="0"/>
+                        </a:rPr>
+                        <m:t>+</m:t>
+                      </m:r>
+                      <m:sSub>
+                        <m:sSubPr>
+                          <m:ctrlPr>
+                            <a:rPr lang="en-US" b="0" i="1" smtClean="0">
+                              <a:latin typeface="Cambria Math" panose="02040503050406030204" pitchFamily="18" charset="0"/>
+                            </a:rPr>
+                          </m:ctrlPr>
+                        </m:sSubPr>
+                        <m:e>
+                          <m:r>
+                            <a:rPr lang="en-US" b="0" i="1" smtClean="0">
+                              <a:latin typeface="Cambria Math" panose="02040503050406030204" pitchFamily="18" charset="0"/>
+                            </a:rPr>
+                            <m:t>𝑥</m:t>
+                          </m:r>
+                        </m:e>
+                        <m:sub>
+                          <m:r>
+                            <a:rPr lang="en-US" b="0" i="1" smtClean="0">
+                              <a:latin typeface="Cambria Math" panose="02040503050406030204" pitchFamily="18" charset="0"/>
+                            </a:rPr>
+                            <m:t>5</m:t>
+                          </m:r>
+                        </m:sub>
+                      </m:sSub>
+                      <m:acc>
+                        <m:accPr>
+                          <m:chr m:val="̂"/>
+                          <m:ctrlPr>
+                            <a:rPr lang="en-US" b="0" i="1" smtClean="0">
+                              <a:latin typeface="Cambria Math" panose="02040503050406030204" pitchFamily="18" charset="0"/>
+                            </a:rPr>
+                          </m:ctrlPr>
+                        </m:accPr>
+                        <m:e>
+                          <m:r>
+                            <a:rPr lang="en-US" b="0" i="1" smtClean="0">
+                              <a:latin typeface="Cambria Math" panose="02040503050406030204" pitchFamily="18" charset="0"/>
+                            </a:rPr>
+                            <m:t>𝜋</m:t>
+                          </m:r>
+                        </m:e>
+                      </m:acc>
+                      <m:r>
+                        <a:rPr lang="en-US" b="0" i="1" smtClean="0">
+                          <a:latin typeface="Cambria Math" panose="02040503050406030204" pitchFamily="18" charset="0"/>
+                        </a:rPr>
+                        <m:t>+</m:t>
+                      </m:r>
+                      <m:sSub>
+                        <m:sSubPr>
+                          <m:ctrlPr>
+                            <a:rPr lang="en-US" i="1">
+                              <a:latin typeface="Cambria Math" panose="02040503050406030204" pitchFamily="18" charset="0"/>
+                            </a:rPr>
+                          </m:ctrlPr>
+                        </m:sSubPr>
+                        <m:e>
+                          <m:r>
+                            <a:rPr lang="en-US" i="1">
+                              <a:latin typeface="Cambria Math" panose="02040503050406030204" pitchFamily="18" charset="0"/>
+                            </a:rPr>
+                            <m:t>𝑥</m:t>
+                          </m:r>
+                        </m:e>
+                        <m:sub>
+                          <m:r>
+                            <a:rPr lang="en-US" i="1">
+                              <a:latin typeface="Cambria Math" panose="02040503050406030204" pitchFamily="18" charset="0"/>
+                            </a:rPr>
+                            <m:t>1</m:t>
+                          </m:r>
+                        </m:sub>
+                      </m:sSub>
+                      <m:acc>
+                        <m:accPr>
+                          <m:chr m:val="̂"/>
+                          <m:ctrlPr>
+                            <a:rPr lang="en-US" i="1">
+                              <a:latin typeface="Cambria Math" panose="02040503050406030204" pitchFamily="18" charset="0"/>
+                            </a:rPr>
+                          </m:ctrlPr>
+                        </m:accPr>
+                        <m:e>
+                          <m:r>
+                            <a:rPr lang="en-US" i="1">
+                              <a:latin typeface="Cambria Math" panose="02040503050406030204" pitchFamily="18" charset="0"/>
+                            </a:rPr>
+                            <m:t>𝜋</m:t>
+                          </m:r>
+                        </m:e>
+                      </m:acc>
+                      <m:r>
+                        <a:rPr lang="en-US" b="0" i="1" smtClean="0">
+                          <a:latin typeface="Cambria Math" panose="02040503050406030204" pitchFamily="18" charset="0"/>
+                        </a:rPr>
+                        <m:t>+</m:t>
+                      </m:r>
+                      <m:sSub>
+                        <m:sSubPr>
+                          <m:ctrlPr>
+                            <a:rPr lang="en-US" i="1">
+                              <a:latin typeface="Cambria Math" panose="02040503050406030204" pitchFamily="18" charset="0"/>
+                            </a:rPr>
+                          </m:ctrlPr>
+                        </m:sSubPr>
+                        <m:e>
+                          <m:r>
+                            <a:rPr lang="en-US" i="1">
+                              <a:latin typeface="Cambria Math" panose="02040503050406030204" pitchFamily="18" charset="0"/>
+                            </a:rPr>
+                            <m:t>𝑥</m:t>
+                          </m:r>
+                        </m:e>
+                        <m:sub>
+                          <m:r>
+                            <a:rPr lang="en-US" i="1">
+                              <a:latin typeface="Cambria Math" panose="02040503050406030204" pitchFamily="18" charset="0"/>
+                            </a:rPr>
+                            <m:t>4</m:t>
+                          </m:r>
+                        </m:sub>
+                      </m:sSub>
+                      <m:acc>
+                        <m:accPr>
+                          <m:chr m:val="̂"/>
+                          <m:ctrlPr>
+                            <a:rPr lang="en-US" i="1">
+                              <a:latin typeface="Cambria Math" panose="02040503050406030204" pitchFamily="18" charset="0"/>
+                            </a:rPr>
+                          </m:ctrlPr>
+                        </m:accPr>
+                        <m:e>
+                          <m:r>
+                            <a:rPr lang="en-US" i="1">
+                              <a:latin typeface="Cambria Math" panose="02040503050406030204" pitchFamily="18" charset="0"/>
+                            </a:rPr>
+                            <m:t>𝜋</m:t>
+                          </m:r>
+                        </m:e>
+                      </m:acc>
+                    </m:oMath>
+                  </m:oMathPara>
+                </a14:m>
+                <a:endParaRPr lang="en-US" dirty="0"/>
+              </a:p>
+            </p:txBody>
+          </p:sp>
+        </mc:Choice>
+        <mc:Fallback xmlns="">
+          <p:sp>
+            <p:nvSpPr>
+              <p:cNvPr id="14" name="TextBox 13"/>
+              <p:cNvSpPr txBox="1">
+                <a:spLocks noRot="1" noChangeAspect="1" noMove="1" noResize="1" noEditPoints="1" noAdjustHandles="1" noChangeArrowheads="1" noChangeShapeType="1" noTextEdit="1"/>
+              </p:cNvSpPr>
+              <p:nvPr/>
+            </p:nvSpPr>
+            <p:spPr>
+              <a:xfrm>
+                <a:off x="7907867" y="711199"/>
+                <a:ext cx="4038600" cy="369332"/>
+              </a:xfrm>
+              <a:prstGeom prst="rect">
+                <a:avLst/>
+              </a:prstGeom>
+              <a:blipFill>
+                <a:blip r:embed="rId11"/>
+                <a:stretch>
+                  <a:fillRect t="-6667" r="-3318"/>
+                </a:stretch>
+              </a:blipFill>
+            </p:spPr>
+            <p:txBody>
+              <a:bodyPr/>
+              <a:lstStyle/>
+              <a:p>
+                <a:r>
+                  <a:rPr lang="en-US">
+                    <a:noFill/>
+                  </a:rPr>
+                  <a:t> </a:t>
+                </a:r>
+              </a:p>
+            </p:txBody>
+          </p:sp>
+        </mc:Fallback>
+      </mc:AlternateContent>
+      <mc:AlternateContent xmlns:mc="http://schemas.openxmlformats.org/markup-compatibility/2006">
+        <mc:Choice xmlns:a14="http://schemas.microsoft.com/office/drawing/2010/main" Requires="a14">
+          <p:sp>
+            <p:nvSpPr>
+              <p:cNvPr id="13" name="Rectangle 12"/>
+              <p:cNvSpPr/>
+              <p:nvPr/>
+            </p:nvSpPr>
+            <p:spPr>
+              <a:xfrm>
+                <a:off x="1448269" y="4580675"/>
+                <a:ext cx="6111994" cy="676917"/>
+              </a:xfrm>
+              <a:prstGeom prst="rect">
+                <a:avLst/>
+              </a:prstGeom>
+            </p:spPr>
+            <p:txBody>
+              <a:bodyPr wrap="none">
+                <a:spAutoFit/>
+              </a:bodyPr>
+              <a:lstStyle/>
+              <a:p>
+                <a14:m>
+                  <m:oMathPara xmlns:m="http://schemas.openxmlformats.org/officeDocument/2006/math">
+                    <m:oMathParaPr>
+                      <m:jc m:val="centerGroup"/>
+                    </m:oMathParaPr>
+                    <m:oMath xmlns:m="http://schemas.openxmlformats.org/officeDocument/2006/math">
+                      <m:r>
+                        <a:rPr lang="en-US" i="1">
+                          <a:latin typeface="Cambria Math" panose="02040503050406030204" pitchFamily="18" charset="0"/>
+                        </a:rPr>
+                        <m:t>⇒</m:t>
+                      </m:r>
+                      <m:sSub>
+                        <m:sSubPr>
+                          <m:ctrlPr>
+                            <a:rPr lang="en-US" i="1">
+                              <a:latin typeface="Cambria Math" panose="02040503050406030204" pitchFamily="18" charset="0"/>
+                            </a:rPr>
+                          </m:ctrlPr>
+                        </m:sSubPr>
+                        <m:e>
+                          <m:r>
+                            <a:rPr lang="en-US" i="1">
+                              <a:latin typeface="Cambria Math" panose="02040503050406030204" pitchFamily="18" charset="0"/>
+                            </a:rPr>
+                            <m:t>𝑥</m:t>
+                          </m:r>
+                        </m:e>
+                        <m:sub>
+                          <m:r>
+                            <a:rPr lang="en-US" i="1">
+                              <a:latin typeface="Cambria Math" panose="02040503050406030204" pitchFamily="18" charset="0"/>
+                            </a:rPr>
+                            <m:t>2</m:t>
+                          </m:r>
+                        </m:sub>
+                      </m:sSub>
+                      <m:r>
+                        <a:rPr lang="en-US" i="1">
+                          <a:latin typeface="Cambria Math" panose="02040503050406030204" pitchFamily="18" charset="0"/>
+                        </a:rPr>
+                        <m:t>+</m:t>
+                      </m:r>
+                      <m:sSub>
+                        <m:sSubPr>
+                          <m:ctrlPr>
+                            <a:rPr lang="en-US" i="1">
+                              <a:latin typeface="Cambria Math" panose="02040503050406030204" pitchFamily="18" charset="0"/>
+                            </a:rPr>
+                          </m:ctrlPr>
+                        </m:sSubPr>
+                        <m:e>
+                          <m:r>
+                            <a:rPr lang="en-US" i="1">
+                              <a:latin typeface="Cambria Math" panose="02040503050406030204" pitchFamily="18" charset="0"/>
+                            </a:rPr>
+                            <m:t>𝑥</m:t>
+                          </m:r>
+                        </m:e>
+                        <m:sub>
+                          <m:r>
+                            <a:rPr lang="en-US" i="1">
+                              <a:latin typeface="Cambria Math" panose="02040503050406030204" pitchFamily="18" charset="0"/>
+                            </a:rPr>
+                            <m:t>5</m:t>
+                          </m:r>
+                        </m:sub>
+                      </m:sSub>
+                      <m:r>
+                        <a:rPr lang="en-US" i="1">
+                          <a:latin typeface="Cambria Math" panose="02040503050406030204" pitchFamily="18" charset="0"/>
+                        </a:rPr>
+                        <m:t>=</m:t>
+                      </m:r>
+                      <m:d>
+                        <m:dPr>
+                          <m:ctrlPr>
+                            <a:rPr lang="en-US" i="1">
+                              <a:latin typeface="Cambria Math" panose="02040503050406030204" pitchFamily="18" charset="0"/>
+                            </a:rPr>
+                          </m:ctrlPr>
+                        </m:dPr>
+                        <m:e>
+                          <m:sSub>
+                            <m:sSubPr>
+                              <m:ctrlPr>
+                                <a:rPr lang="en-US" i="1">
+                                  <a:latin typeface="Cambria Math" panose="02040503050406030204" pitchFamily="18" charset="0"/>
+                                </a:rPr>
+                              </m:ctrlPr>
+                            </m:sSubPr>
+                            <m:e>
+                              <m:r>
+                                <a:rPr lang="en-US" i="1">
+                                  <a:latin typeface="Cambria Math" panose="02040503050406030204" pitchFamily="18" charset="0"/>
+                                </a:rPr>
+                                <m:t>𝑥</m:t>
+                              </m:r>
+                            </m:e>
+                            <m:sub>
+                              <m:r>
+                                <a:rPr lang="en-US" i="1">
+                                  <a:latin typeface="Cambria Math" panose="02040503050406030204" pitchFamily="18" charset="0"/>
+                                </a:rPr>
+                                <m:t>1</m:t>
+                              </m:r>
+                            </m:sub>
+                          </m:sSub>
+                          <m:r>
+                            <a:rPr lang="en-US" i="1">
+                              <a:latin typeface="Cambria Math" panose="02040503050406030204" pitchFamily="18" charset="0"/>
+                            </a:rPr>
+                            <m:t>+</m:t>
+                          </m:r>
+                          <m:sSub>
+                            <m:sSubPr>
+                              <m:ctrlPr>
+                                <a:rPr lang="en-US" i="1">
+                                  <a:latin typeface="Cambria Math" panose="02040503050406030204" pitchFamily="18" charset="0"/>
+                                </a:rPr>
+                              </m:ctrlPr>
+                            </m:sSubPr>
+                            <m:e>
+                              <m:r>
+                                <a:rPr lang="en-US" i="1">
+                                  <a:latin typeface="Cambria Math" panose="02040503050406030204" pitchFamily="18" charset="0"/>
+                                </a:rPr>
+                                <m:t>𝑥</m:t>
+                              </m:r>
+                            </m:e>
+                            <m:sub>
+                              <m:r>
+                                <a:rPr lang="en-US" i="1">
+                                  <a:latin typeface="Cambria Math" panose="02040503050406030204" pitchFamily="18" charset="0"/>
+                                </a:rPr>
+                                <m:t>2</m:t>
+                              </m:r>
+                            </m:sub>
+                          </m:sSub>
+                          <m:r>
+                            <a:rPr lang="en-US" i="1">
+                              <a:latin typeface="Cambria Math" panose="02040503050406030204" pitchFamily="18" charset="0"/>
+                            </a:rPr>
+                            <m:t>+</m:t>
+                          </m:r>
+                          <m:sSub>
+                            <m:sSubPr>
+                              <m:ctrlPr>
+                                <a:rPr lang="en-US" i="1">
+                                  <a:latin typeface="Cambria Math" panose="02040503050406030204" pitchFamily="18" charset="0"/>
+                                </a:rPr>
+                              </m:ctrlPr>
+                            </m:sSubPr>
+                            <m:e>
+                              <m:r>
+                                <a:rPr lang="en-US" i="1">
+                                  <a:latin typeface="Cambria Math" panose="02040503050406030204" pitchFamily="18" charset="0"/>
+                                </a:rPr>
+                                <m:t>𝑥</m:t>
+                              </m:r>
+                            </m:e>
+                            <m:sub>
+                              <m:r>
+                                <a:rPr lang="en-US" i="1">
+                                  <a:latin typeface="Cambria Math" panose="02040503050406030204" pitchFamily="18" charset="0"/>
+                                </a:rPr>
+                                <m:t>4</m:t>
+                              </m:r>
+                            </m:sub>
+                          </m:sSub>
+                          <m:r>
+                            <a:rPr lang="en-US" i="1">
+                              <a:latin typeface="Cambria Math" panose="02040503050406030204" pitchFamily="18" charset="0"/>
+                            </a:rPr>
+                            <m:t>+</m:t>
+                          </m:r>
+                          <m:sSub>
+                            <m:sSubPr>
+                              <m:ctrlPr>
+                                <a:rPr lang="en-US" i="1">
+                                  <a:latin typeface="Cambria Math" panose="02040503050406030204" pitchFamily="18" charset="0"/>
+                                </a:rPr>
+                              </m:ctrlPr>
+                            </m:sSubPr>
+                            <m:e>
+                              <m:r>
+                                <a:rPr lang="en-US" i="1">
+                                  <a:latin typeface="Cambria Math" panose="02040503050406030204" pitchFamily="18" charset="0"/>
+                                </a:rPr>
+                                <m:t>𝑥</m:t>
+                              </m:r>
+                            </m:e>
+                            <m:sub>
+                              <m:r>
+                                <a:rPr lang="en-US" i="1">
+                                  <a:latin typeface="Cambria Math" panose="02040503050406030204" pitchFamily="18" charset="0"/>
+                                </a:rPr>
+                                <m:t>5</m:t>
+                              </m:r>
+                            </m:sub>
+                          </m:sSub>
+                        </m:e>
+                      </m:d>
+                      <m:acc>
+                        <m:accPr>
+                          <m:chr m:val="̂"/>
+                          <m:ctrlPr>
+                            <a:rPr lang="en-US" i="1">
+                              <a:latin typeface="Cambria Math" panose="02040503050406030204" pitchFamily="18" charset="0"/>
+                            </a:rPr>
+                          </m:ctrlPr>
+                        </m:accPr>
+                        <m:e>
+                          <m:r>
+                            <a:rPr lang="en-US" i="1">
+                              <a:latin typeface="Cambria Math" panose="02040503050406030204" pitchFamily="18" charset="0"/>
+                            </a:rPr>
+                            <m:t>𝜋</m:t>
+                          </m:r>
+                        </m:e>
+                      </m:acc>
+                      <m:r>
+                        <a:rPr lang="en-US" i="1">
+                          <a:latin typeface="Cambria Math" panose="02040503050406030204" pitchFamily="18" charset="0"/>
+                        </a:rPr>
+                        <m:t>⇒</m:t>
+                      </m:r>
+                      <m:acc>
+                        <m:accPr>
+                          <m:chr m:val="̂"/>
+                          <m:ctrlPr>
+                            <a:rPr lang="en-US" i="1">
+                              <a:latin typeface="Cambria Math" panose="02040503050406030204" pitchFamily="18" charset="0"/>
+                            </a:rPr>
+                          </m:ctrlPr>
+                        </m:accPr>
+                        <m:e>
+                          <m:r>
+                            <a:rPr lang="en-US" i="1">
+                              <a:latin typeface="Cambria Math" panose="02040503050406030204" pitchFamily="18" charset="0"/>
+                            </a:rPr>
+                            <m:t>𝜋</m:t>
+                          </m:r>
+                        </m:e>
+                      </m:acc>
+                      <m:r>
+                        <a:rPr lang="en-US" i="1">
+                          <a:latin typeface="Cambria Math" panose="02040503050406030204" pitchFamily="18" charset="0"/>
+                        </a:rPr>
+                        <m:t>=</m:t>
+                      </m:r>
+                      <m:f>
+                        <m:fPr>
+                          <m:ctrlPr>
+                            <a:rPr lang="en-US" i="1">
+                              <a:latin typeface="Cambria Math" panose="02040503050406030204" pitchFamily="18" charset="0"/>
+                            </a:rPr>
+                          </m:ctrlPr>
+                        </m:fPr>
+                        <m:num>
+                          <m:d>
+                            <m:dPr>
+                              <m:ctrlPr>
+                                <a:rPr lang="en-US" i="1">
+                                  <a:latin typeface="Cambria Math" panose="02040503050406030204" pitchFamily="18" charset="0"/>
+                                </a:rPr>
+                              </m:ctrlPr>
+                            </m:dPr>
+                            <m:e>
+                              <m:sSub>
+                                <m:sSubPr>
+                                  <m:ctrlPr>
+                                    <a:rPr lang="en-US" i="1">
+                                      <a:latin typeface="Cambria Math" panose="02040503050406030204" pitchFamily="18" charset="0"/>
+                                    </a:rPr>
+                                  </m:ctrlPr>
+                                </m:sSubPr>
+                                <m:e>
+                                  <m:r>
+                                    <a:rPr lang="en-US" i="1">
+                                      <a:latin typeface="Cambria Math" panose="02040503050406030204" pitchFamily="18" charset="0"/>
+                                    </a:rPr>
+                                    <m:t>𝑥</m:t>
+                                  </m:r>
+                                </m:e>
+                                <m:sub>
+                                  <m:r>
+                                    <a:rPr lang="en-US" i="1">
+                                      <a:latin typeface="Cambria Math" panose="02040503050406030204" pitchFamily="18" charset="0"/>
+                                    </a:rPr>
+                                    <m:t>2</m:t>
+                                  </m:r>
+                                </m:sub>
+                              </m:sSub>
+                              <m:r>
+                                <a:rPr lang="en-US" i="1">
+                                  <a:latin typeface="Cambria Math" panose="02040503050406030204" pitchFamily="18" charset="0"/>
+                                </a:rPr>
+                                <m:t>+</m:t>
+                              </m:r>
                               <m:sSub>
                                 <m:sSubPr>
                                   <m:ctrlPr>
@@ -21316,147 +22737,128 @@
                                   </m:r>
                                 </m:sub>
                               </m:sSub>
-                            </m:num>
-                            <m:den>
-                              <m:sSub>
-                                <m:sSubPr>
-                                  <m:ctrlPr>
-                                    <a:rPr lang="en-US" i="1">
-                                      <a:latin typeface="Cambria Math" panose="02040503050406030204" pitchFamily="18" charset="0"/>
-                                    </a:rPr>
-                                  </m:ctrlPr>
-                                </m:sSubPr>
-                                <m:e>
-                                  <m:r>
-                                    <a:rPr lang="en-US" i="1">
-                                      <a:latin typeface="Cambria Math" panose="02040503050406030204" pitchFamily="18" charset="0"/>
-                                    </a:rPr>
-                                    <m:t>𝑥</m:t>
-                                  </m:r>
-                                </m:e>
-                                <m:sub>
-                                  <m:r>
-                                    <a:rPr lang="en-US" i="1">
-                                      <a:latin typeface="Cambria Math" panose="02040503050406030204" pitchFamily="18" charset="0"/>
-                                    </a:rPr>
-                                    <m:t>1</m:t>
-                                  </m:r>
-                                </m:sub>
-                              </m:sSub>
+                            </m:e>
+                          </m:d>
+                        </m:num>
+                        <m:den>
+                          <m:sSub>
+                            <m:sSubPr>
+                              <m:ctrlPr>
+                                <a:rPr lang="en-US" i="1">
+                                  <a:latin typeface="Cambria Math" panose="02040503050406030204" pitchFamily="18" charset="0"/>
+                                </a:rPr>
+                              </m:ctrlPr>
+                            </m:sSubPr>
+                            <m:e>
                               <m:r>
                                 <a:rPr lang="en-US" i="1">
                                   <a:latin typeface="Cambria Math" panose="02040503050406030204" pitchFamily="18" charset="0"/>
                                 </a:rPr>
-                                <m:t>+</m:t>
+                                <m:t>𝑥</m:t>
                               </m:r>
-                              <m:sSub>
-                                <m:sSubPr>
-                                  <m:ctrlPr>
-                                    <a:rPr lang="en-US" i="1">
-                                      <a:latin typeface="Cambria Math" panose="02040503050406030204" pitchFamily="18" charset="0"/>
-                                    </a:rPr>
-                                  </m:ctrlPr>
-                                </m:sSubPr>
-                                <m:e>
-                                  <m:r>
-                                    <a:rPr lang="en-US" i="1">
-                                      <a:latin typeface="Cambria Math" panose="02040503050406030204" pitchFamily="18" charset="0"/>
-                                    </a:rPr>
-                                    <m:t>𝑥</m:t>
-                                  </m:r>
-                                </m:e>
-                                <m:sub>
-                                  <m:r>
-                                    <a:rPr lang="en-US" i="1">
-                                      <a:latin typeface="Cambria Math" panose="02040503050406030204" pitchFamily="18" charset="0"/>
-                                    </a:rPr>
-                                    <m:t>4</m:t>
-                                  </m:r>
-                                </m:sub>
-                              </m:sSub>
-                            </m:den>
-                          </m:f>
-                        </m:den>
-                      </m:f>
-                      <m:r>
-                        <a:rPr lang="en-US" b="0" i="1" smtClean="0">
-                          <a:latin typeface="Cambria Math" panose="02040503050406030204" pitchFamily="18" charset="0"/>
-                        </a:rPr>
-                        <m:t>=</m:t>
-                      </m:r>
-                      <m:f>
-                        <m:fPr>
-                          <m:ctrlPr>
-                            <a:rPr lang="en-US" b="0" i="1" smtClean="0">
-                              <a:latin typeface="Cambria Math" panose="02040503050406030204" pitchFamily="18" charset="0"/>
-                            </a:rPr>
-                          </m:ctrlPr>
-                        </m:fPr>
-                        <m:num>
+                            </m:e>
+                            <m:sub>
+                              <m:r>
+                                <a:rPr lang="en-US" i="1">
+                                  <a:latin typeface="Cambria Math" panose="02040503050406030204" pitchFamily="18" charset="0"/>
+                                </a:rPr>
+                                <m:t>1</m:t>
+                              </m:r>
+                            </m:sub>
+                          </m:sSub>
                           <m:r>
-                            <a:rPr lang="en-US" b="0" i="1" smtClean="0">
-                              <a:latin typeface="Cambria Math" panose="02040503050406030204" pitchFamily="18" charset="0"/>
-                            </a:rPr>
-                            <m:t>1</m:t>
+                            <a:rPr lang="en-US" i="1">
+                              <a:latin typeface="Cambria Math" panose="02040503050406030204" pitchFamily="18" charset="0"/>
+                            </a:rPr>
+                            <m:t>+</m:t>
                           </m:r>
-                        </m:num>
-                        <m:den>
+                          <m:sSub>
+                            <m:sSubPr>
+                              <m:ctrlPr>
+                                <a:rPr lang="en-US" i="1">
+                                  <a:latin typeface="Cambria Math" panose="02040503050406030204" pitchFamily="18" charset="0"/>
+                                </a:rPr>
+                              </m:ctrlPr>
+                            </m:sSubPr>
+                            <m:e>
+                              <m:r>
+                                <a:rPr lang="en-US" i="1">
+                                  <a:latin typeface="Cambria Math" panose="02040503050406030204" pitchFamily="18" charset="0"/>
+                                </a:rPr>
+                                <m:t>𝑥</m:t>
+                              </m:r>
+                            </m:e>
+                            <m:sub>
+                              <m:r>
+                                <a:rPr lang="en-US" i="1">
+                                  <a:latin typeface="Cambria Math" panose="02040503050406030204" pitchFamily="18" charset="0"/>
+                                </a:rPr>
+                                <m:t>2</m:t>
+                              </m:r>
+                            </m:sub>
+                          </m:sSub>
                           <m:r>
-                            <a:rPr lang="en-US" b="0" i="1" smtClean="0">
-                              <a:latin typeface="Cambria Math" panose="02040503050406030204" pitchFamily="18" charset="0"/>
-                            </a:rPr>
-                            <m:t>1+</m:t>
+                            <a:rPr lang="en-US" i="1">
+                              <a:latin typeface="Cambria Math" panose="02040503050406030204" pitchFamily="18" charset="0"/>
+                            </a:rPr>
+                            <m:t>+</m:t>
                           </m:r>
-                          <m:f>
-                            <m:fPr>
+                          <m:sSub>
+                            <m:sSubPr>
                               <m:ctrlPr>
-                                <a:rPr lang="en-US" b="0" i="1" smtClean="0">
+                                <a:rPr lang="en-US" i="1">
                                   <a:latin typeface="Cambria Math" panose="02040503050406030204" pitchFamily="18" charset="0"/>
                                 </a:rPr>
                               </m:ctrlPr>
-                            </m:fPr>
-                            <m:num>
-                              <m:sSub>
-                                <m:sSubPr>
-                                  <m:ctrlPr>
-                                    <a:rPr lang="en-US" b="0" i="1" smtClean="0">
-                                      <a:latin typeface="Cambria Math" panose="02040503050406030204" pitchFamily="18" charset="0"/>
-                                    </a:rPr>
-                                  </m:ctrlPr>
-                                </m:sSubPr>
-                                <m:e>
-                                  <m:r>
-                                    <a:rPr lang="en-US" b="0" i="1" smtClean="0">
-                                      <a:latin typeface="Cambria Math" panose="02040503050406030204" pitchFamily="18" charset="0"/>
-                                    </a:rPr>
-                                    <m:t>𝑥</m:t>
-                                  </m:r>
-                                </m:e>
-                                <m:sub>
-                                  <m:r>
-                                    <a:rPr lang="en-US" b="0" i="1" smtClean="0">
-                                      <a:latin typeface="Cambria Math" panose="02040503050406030204" pitchFamily="18" charset="0"/>
-                                    </a:rPr>
-                                    <m:t>2</m:t>
-                                  </m:r>
-                                </m:sub>
-                              </m:sSub>
+                            </m:sSubPr>
+                            <m:e>
                               <m:r>
-                                <a:rPr lang="en-US" b="0" i="1" smtClean="0">
-                                  <a:latin typeface="Cambria Math" panose="02040503050406030204" pitchFamily="18" charset="0"/>
-                                </a:rPr>
-                                <m:t>+34</m:t>
+                                <a:rPr lang="en-US" i="1">
+                                  <a:latin typeface="Cambria Math" panose="02040503050406030204" pitchFamily="18" charset="0"/>
+                                </a:rPr>
+                                <m:t>𝑥</m:t>
                               </m:r>
-                            </m:num>
-                            <m:den>
+                            </m:e>
+                            <m:sub>
                               <m:r>
-                                <a:rPr lang="en-US" b="0" i="1" smtClean="0">
-                                  <a:latin typeface="Cambria Math" panose="02040503050406030204" pitchFamily="18" charset="0"/>
-                                </a:rPr>
-                                <m:t>38</m:t>
+                                <a:rPr lang="en-US" i="1">
+                                  <a:latin typeface="Cambria Math" panose="02040503050406030204" pitchFamily="18" charset="0"/>
+                                </a:rPr>
+                                <m:t>4</m:t>
                               </m:r>
-                            </m:den>
-                          </m:f>
+                            </m:sub>
+                          </m:sSub>
+                          <m:r>
+                            <a:rPr lang="en-US" i="1">
+                              <a:latin typeface="Cambria Math" panose="02040503050406030204" pitchFamily="18" charset="0"/>
+                            </a:rPr>
+                            <m:t>+</m:t>
+                          </m:r>
+                          <m:sSub>
+                            <m:sSubPr>
+                              <m:ctrlPr>
+                                <a:rPr lang="en-US" i="1">
+                                  <a:latin typeface="Cambria Math" panose="02040503050406030204" pitchFamily="18" charset="0"/>
+                                </a:rPr>
+                              </m:ctrlPr>
+                            </m:sSubPr>
+                            <m:e>
+                              <m:r>
+                                <a:rPr lang="en-US" i="1">
+                                  <a:latin typeface="Cambria Math" panose="02040503050406030204" pitchFamily="18" charset="0"/>
+                                </a:rPr>
+                                <m:t>𝑥</m:t>
+                              </m:r>
+                            </m:e>
+                            <m:sub>
+                              <m:r>
+                                <a:rPr lang="en-US" i="1">
+                                  <a:latin typeface="Cambria Math" panose="02040503050406030204" pitchFamily="18" charset="0"/>
+                                </a:rPr>
+                                <m:t>5</m:t>
+                              </m:r>
+                            </m:sub>
+                          </m:sSub>
                         </m:den>
                       </m:f>
                     </m:oMath>
@@ -21470,7 +22872,413 @@
         <mc:Fallback>
           <p:sp>
             <p:nvSpPr>
-              <p:cNvPr id="10" name="TextBox 9"/>
+              <p:cNvPr id="13" name="Rectangle 12"/>
+              <p:cNvSpPr>
+                <a:spLocks noRot="1" noChangeAspect="1" noMove="1" noResize="1" noEditPoints="1" noAdjustHandles="1" noChangeArrowheads="1" noChangeShapeType="1" noTextEdit="1"/>
+              </p:cNvSpPr>
+              <p:nvPr/>
+            </p:nvSpPr>
+            <p:spPr>
+              <a:xfrm>
+                <a:off x="1448269" y="4580675"/>
+                <a:ext cx="6111994" cy="676917"/>
+              </a:xfrm>
+              <a:prstGeom prst="rect">
+                <a:avLst/>
+              </a:prstGeom>
+              <a:blipFill>
+                <a:blip r:embed="rId12"/>
+                <a:stretch>
+                  <a:fillRect/>
+                </a:stretch>
+              </a:blipFill>
+            </p:spPr>
+            <p:txBody>
+              <a:bodyPr/>
+              <a:lstStyle/>
+              <a:p>
+                <a:r>
+                  <a:rPr lang="en-US">
+                    <a:noFill/>
+                  </a:rPr>
+                  <a:t> </a:t>
+                </a:r>
+              </a:p>
+            </p:txBody>
+          </p:sp>
+        </mc:Fallback>
+      </mc:AlternateContent>
+      <mc:AlternateContent xmlns:mc="http://schemas.openxmlformats.org/markup-compatibility/2006">
+        <mc:Choice xmlns:a14="http://schemas.microsoft.com/office/drawing/2010/main" Requires="a14">
+          <p:sp>
+            <p:nvSpPr>
+              <p:cNvPr id="15" name="TextBox 14"/>
+              <p:cNvSpPr txBox="1"/>
+              <p:nvPr/>
+            </p:nvSpPr>
+            <p:spPr>
+              <a:xfrm>
+                <a:off x="3031065" y="5215466"/>
+                <a:ext cx="4758267" cy="825932"/>
+              </a:xfrm>
+              <a:prstGeom prst="rect">
+                <a:avLst/>
+              </a:prstGeom>
+              <a:noFill/>
+            </p:spPr>
+            <p:txBody>
+              <a:bodyPr wrap="square" rtlCol="0">
+                <a:spAutoFit/>
+              </a:bodyPr>
+              <a:lstStyle/>
+              <a:p>
+                <a14:m>
+                  <m:oMathPara xmlns:m="http://schemas.openxmlformats.org/officeDocument/2006/math">
+                    <m:oMathParaPr>
+                      <m:jc m:val="centerGroup"/>
+                    </m:oMathParaPr>
+                    <m:oMath xmlns:m="http://schemas.openxmlformats.org/officeDocument/2006/math">
+                      <m:d>
+                        <m:dPr>
+                          <m:ctrlPr>
+                            <a:rPr lang="en-US" b="0" i="1" smtClean="0">
+                              <a:latin typeface="Cambria Math" panose="02040503050406030204" pitchFamily="18" charset="0"/>
+                            </a:rPr>
+                          </m:ctrlPr>
+                        </m:dPr>
+                        <m:e>
+                          <m:m>
+                            <m:mPr>
+                              <m:mcs>
+                                <m:mc>
+                                  <m:mcPr>
+                                    <m:count m:val="1"/>
+                                    <m:mcJc m:val="center"/>
+                                  </m:mcPr>
+                                </m:mc>
+                              </m:mcs>
+                              <m:ctrlPr>
+                                <a:rPr lang="en-US" b="0" i="1" smtClean="0">
+                                  <a:latin typeface="Cambria Math" panose="02040503050406030204" pitchFamily="18" charset="0"/>
+                                </a:rPr>
+                              </m:ctrlPr>
+                            </m:mPr>
+                            <m:mr>
+                              <m:e>
+                                <m:sSub>
+                                  <m:sSubPr>
+                                    <m:ctrlPr>
+                                      <a:rPr lang="en-US" b="0" i="1" smtClean="0">
+                                        <a:latin typeface="Cambria Math" panose="02040503050406030204" pitchFamily="18" charset="0"/>
+                                      </a:rPr>
+                                    </m:ctrlPr>
+                                  </m:sSubPr>
+                                  <m:e>
+                                    <m:r>
+                                      <m:rPr>
+                                        <m:brk m:alnAt="7"/>
+                                      </m:rPr>
+                                      <a:rPr lang="en-US" b="0" i="1" smtClean="0">
+                                        <a:latin typeface="Cambria Math" panose="02040503050406030204" pitchFamily="18" charset="0"/>
+                                      </a:rPr>
+                                      <m:t>𝑥</m:t>
+                                    </m:r>
+                                  </m:e>
+                                  <m:sub>
+                                    <m:r>
+                                      <m:rPr>
+                                        <m:brk m:alnAt="7"/>
+                                      </m:rPr>
+                                      <a:rPr lang="en-US" b="0" i="1" smtClean="0">
+                                        <a:latin typeface="Cambria Math" panose="02040503050406030204" pitchFamily="18" charset="0"/>
+                                      </a:rPr>
+                                      <m:t>1</m:t>
+                                    </m:r>
+                                  </m:sub>
+                                </m:sSub>
+                              </m:e>
+                            </m:mr>
+                            <m:mr>
+                              <m:e>
+                                <m:sSub>
+                                  <m:sSubPr>
+                                    <m:ctrlPr>
+                                      <a:rPr lang="en-US" b="0" i="1" smtClean="0">
+                                        <a:latin typeface="Cambria Math" panose="02040503050406030204" pitchFamily="18" charset="0"/>
+                                      </a:rPr>
+                                    </m:ctrlPr>
+                                  </m:sSubPr>
+                                  <m:e>
+                                    <m:r>
+                                      <a:rPr lang="en-US" b="0" i="1" smtClean="0">
+                                        <a:latin typeface="Cambria Math" panose="02040503050406030204" pitchFamily="18" charset="0"/>
+                                      </a:rPr>
+                                      <m:t>𝑥</m:t>
+                                    </m:r>
+                                  </m:e>
+                                  <m:sub>
+                                    <m:r>
+                                      <a:rPr lang="en-US" b="0" i="1" smtClean="0">
+                                        <a:latin typeface="Cambria Math" panose="02040503050406030204" pitchFamily="18" charset="0"/>
+                                      </a:rPr>
+                                      <m:t>4</m:t>
+                                    </m:r>
+                                  </m:sub>
+                                </m:sSub>
+                              </m:e>
+                            </m:mr>
+                            <m:mr>
+                              <m:e>
+                                <m:sSub>
+                                  <m:sSubPr>
+                                    <m:ctrlPr>
+                                      <a:rPr lang="en-US" b="0" i="1" smtClean="0">
+                                        <a:latin typeface="Cambria Math" panose="02040503050406030204" pitchFamily="18" charset="0"/>
+                                      </a:rPr>
+                                    </m:ctrlPr>
+                                  </m:sSubPr>
+                                  <m:e>
+                                    <m:r>
+                                      <a:rPr lang="en-US" b="0" i="1" smtClean="0">
+                                        <a:latin typeface="Cambria Math" panose="02040503050406030204" pitchFamily="18" charset="0"/>
+                                      </a:rPr>
+                                      <m:t>𝑥</m:t>
+                                    </m:r>
+                                  </m:e>
+                                  <m:sub>
+                                    <m:r>
+                                      <a:rPr lang="en-US" b="0" i="1" smtClean="0">
+                                        <a:latin typeface="Cambria Math" panose="02040503050406030204" pitchFamily="18" charset="0"/>
+                                      </a:rPr>
+                                      <m:t>5</m:t>
+                                    </m:r>
+                                  </m:sub>
+                                </m:sSub>
+                              </m:e>
+                            </m:mr>
+                          </m:m>
+                        </m:e>
+                      </m:d>
+                      <m:r>
+                        <a:rPr lang="en-US" b="0" i="1" smtClean="0">
+                          <a:latin typeface="Cambria Math" panose="02040503050406030204" pitchFamily="18" charset="0"/>
+                        </a:rPr>
+                        <m:t>=</m:t>
+                      </m:r>
+                      <m:d>
+                        <m:dPr>
+                          <m:ctrlPr>
+                            <a:rPr lang="en-US" b="0" i="1" smtClean="0">
+                              <a:latin typeface="Cambria Math" panose="02040503050406030204" pitchFamily="18" charset="0"/>
+                            </a:rPr>
+                          </m:ctrlPr>
+                        </m:dPr>
+                        <m:e>
+                          <m:m>
+                            <m:mPr>
+                              <m:mcs>
+                                <m:mc>
+                                  <m:mcPr>
+                                    <m:count m:val="1"/>
+                                    <m:mcJc m:val="center"/>
+                                  </m:mcPr>
+                                </m:mc>
+                              </m:mcs>
+                              <m:ctrlPr>
+                                <a:rPr lang="en-US" b="0" i="1" smtClean="0">
+                                  <a:latin typeface="Cambria Math" panose="02040503050406030204" pitchFamily="18" charset="0"/>
+                                </a:rPr>
+                              </m:ctrlPr>
+                            </m:mPr>
+                            <m:mr>
+                              <m:e>
+                                <m:r>
+                                  <m:rPr>
+                                    <m:brk m:alnAt="7"/>
+                                  </m:rPr>
+                                  <a:rPr lang="en-US" b="0" i="1" smtClean="0">
+                                    <a:latin typeface="Cambria Math" panose="02040503050406030204" pitchFamily="18" charset="0"/>
+                                  </a:rPr>
+                                  <m:t>18</m:t>
+                                </m:r>
+                              </m:e>
+                            </m:mr>
+                            <m:mr>
+                              <m:e>
+                                <m:r>
+                                  <a:rPr lang="en-US" b="0" i="1" smtClean="0">
+                                    <a:latin typeface="Cambria Math" panose="02040503050406030204" pitchFamily="18" charset="0"/>
+                                  </a:rPr>
+                                  <m:t>20</m:t>
+                                </m:r>
+                              </m:e>
+                            </m:mr>
+                            <m:mr>
+                              <m:e>
+                                <m:r>
+                                  <a:rPr lang="en-US" b="0" i="1" smtClean="0">
+                                    <a:latin typeface="Cambria Math" panose="02040503050406030204" pitchFamily="18" charset="0"/>
+                                  </a:rPr>
+                                  <m:t>34</m:t>
+                                </m:r>
+                              </m:e>
+                            </m:mr>
+                          </m:m>
+                        </m:e>
+                      </m:d>
+                      <m:r>
+                        <a:rPr lang="en-US" b="0" i="1" smtClean="0">
+                          <a:latin typeface="Cambria Math" panose="02040503050406030204" pitchFamily="18" charset="0"/>
+                        </a:rPr>
+                        <m:t>⇒</m:t>
+                      </m:r>
+                      <m:acc>
+                        <m:accPr>
+                          <m:chr m:val="̂"/>
+                          <m:ctrlPr>
+                            <a:rPr lang="en-US" b="0" i="1" smtClean="0">
+                              <a:latin typeface="Cambria Math" panose="02040503050406030204" pitchFamily="18" charset="0"/>
+                            </a:rPr>
+                          </m:ctrlPr>
+                        </m:accPr>
+                        <m:e>
+                          <m:r>
+                            <a:rPr lang="en-US" b="0" i="1" smtClean="0">
+                              <a:latin typeface="Cambria Math" panose="02040503050406030204" pitchFamily="18" charset="0"/>
+                            </a:rPr>
+                            <m:t>𝜋</m:t>
+                          </m:r>
+                        </m:e>
+                      </m:acc>
+                      <m:r>
+                        <a:rPr lang="en-US" b="0" i="1" smtClean="0">
+                          <a:latin typeface="Cambria Math" panose="02040503050406030204" pitchFamily="18" charset="0"/>
+                        </a:rPr>
+                        <m:t>=</m:t>
+                      </m:r>
+                      <m:f>
+                        <m:fPr>
+                          <m:ctrlPr>
+                            <a:rPr lang="en-US" b="0" i="1" smtClean="0">
+                              <a:latin typeface="Cambria Math" panose="02040503050406030204" pitchFamily="18" charset="0"/>
+                            </a:rPr>
+                          </m:ctrlPr>
+                        </m:fPr>
+                        <m:num>
+                          <m:sSub>
+                            <m:sSubPr>
+                              <m:ctrlPr>
+                                <a:rPr lang="en-US" b="0" i="1" smtClean="0">
+                                  <a:latin typeface="Cambria Math" panose="02040503050406030204" pitchFamily="18" charset="0"/>
+                                </a:rPr>
+                              </m:ctrlPr>
+                            </m:sSubPr>
+                            <m:e>
+                              <m:r>
+                                <a:rPr lang="en-US" b="0" i="1" smtClean="0">
+                                  <a:latin typeface="Cambria Math" panose="02040503050406030204" pitchFamily="18" charset="0"/>
+                                </a:rPr>
+                                <m:t>𝑥</m:t>
+                              </m:r>
+                            </m:e>
+                            <m:sub>
+                              <m:r>
+                                <a:rPr lang="en-US" b="0" i="1" smtClean="0">
+                                  <a:latin typeface="Cambria Math" panose="02040503050406030204" pitchFamily="18" charset="0"/>
+                                </a:rPr>
+                                <m:t>2</m:t>
+                              </m:r>
+                            </m:sub>
+                          </m:sSub>
+                          <m:r>
+                            <a:rPr lang="en-US" b="0" i="1" smtClean="0">
+                              <a:latin typeface="Cambria Math" panose="02040503050406030204" pitchFamily="18" charset="0"/>
+                            </a:rPr>
+                            <m:t>+</m:t>
+                          </m:r>
+                          <m:r>
+                            <a:rPr lang="en-US" b="0" i="1" smtClean="0">
+                              <a:latin typeface="Cambria Math" panose="02040503050406030204" pitchFamily="18" charset="0"/>
+                            </a:rPr>
+                            <m:t>34</m:t>
+                          </m:r>
+                        </m:num>
+                        <m:den>
+                          <m:r>
+                            <a:rPr lang="en-US" b="0" i="1" smtClean="0">
+                              <a:latin typeface="Cambria Math" panose="02040503050406030204" pitchFamily="18" charset="0"/>
+                            </a:rPr>
+                            <m:t>18</m:t>
+                          </m:r>
+                          <m:r>
+                            <a:rPr lang="en-US" b="0" i="1" smtClean="0">
+                              <a:latin typeface="Cambria Math" panose="02040503050406030204" pitchFamily="18" charset="0"/>
+                            </a:rPr>
+                            <m:t>+</m:t>
+                          </m:r>
+                          <m:sSub>
+                            <m:sSubPr>
+                              <m:ctrlPr>
+                                <a:rPr lang="en-US" b="0" i="1" smtClean="0">
+                                  <a:latin typeface="Cambria Math" panose="02040503050406030204" pitchFamily="18" charset="0"/>
+                                </a:rPr>
+                              </m:ctrlPr>
+                            </m:sSubPr>
+                            <m:e>
+                              <m:r>
+                                <a:rPr lang="en-US" b="0" i="1" smtClean="0">
+                                  <a:latin typeface="Cambria Math" panose="02040503050406030204" pitchFamily="18" charset="0"/>
+                                </a:rPr>
+                                <m:t>𝑥</m:t>
+                              </m:r>
+                            </m:e>
+                            <m:sub>
+                              <m:r>
+                                <a:rPr lang="en-US" b="0" i="1" smtClean="0">
+                                  <a:latin typeface="Cambria Math" panose="02040503050406030204" pitchFamily="18" charset="0"/>
+                                </a:rPr>
+                                <m:t>2</m:t>
+                              </m:r>
+                            </m:sub>
+                          </m:sSub>
+                          <m:r>
+                            <a:rPr lang="en-US" b="0" i="1" smtClean="0">
+                              <a:latin typeface="Cambria Math" panose="02040503050406030204" pitchFamily="18" charset="0"/>
+                            </a:rPr>
+                            <m:t>+</m:t>
+                          </m:r>
+                          <m:r>
+                            <a:rPr lang="en-US" b="0" i="1" smtClean="0">
+                              <a:latin typeface="Cambria Math" panose="02040503050406030204" pitchFamily="18" charset="0"/>
+                            </a:rPr>
+                            <m:t>20</m:t>
+                          </m:r>
+                          <m:r>
+                            <a:rPr lang="en-US" b="0" i="1" smtClean="0">
+                              <a:latin typeface="Cambria Math" panose="02040503050406030204" pitchFamily="18" charset="0"/>
+                            </a:rPr>
+                            <m:t>+</m:t>
+                          </m:r>
+                          <m:r>
+                            <a:rPr lang="en-US" b="0" i="1" smtClean="0">
+                              <a:latin typeface="Cambria Math" panose="02040503050406030204" pitchFamily="18" charset="0"/>
+                            </a:rPr>
+                            <m:t>34</m:t>
+                          </m:r>
+                        </m:den>
+                      </m:f>
+                    </m:oMath>
+                  </m:oMathPara>
+                </a14:m>
+                <a:endParaRPr lang="en-US" dirty="0"/>
+              </a:p>
+            </p:txBody>
+          </p:sp>
+        </mc:Choice>
+        <mc:Fallback>
+          <p:sp>
+            <p:nvSpPr>
+              <p:cNvPr id="15" name="TextBox 14"/>
               <p:cNvSpPr txBox="1">
                 <a:spLocks noRot="1" noChangeAspect="1" noMove="1" noResize="1" noEditPoints="1" noAdjustHandles="1" noChangeArrowheads="1" noChangeShapeType="1" noTextEdit="1"/>
               </p:cNvSpPr>
@@ -21478,14 +23286,14 @@
             </p:nvSpPr>
             <p:spPr>
               <a:xfrm>
-                <a:off x="2952750" y="5743575"/>
-                <a:ext cx="5343525" cy="878317"/>
+                <a:off x="3031065" y="5215466"/>
+                <a:ext cx="4758267" cy="825932"/>
               </a:xfrm>
               <a:prstGeom prst="rect">
                 <a:avLst/>
               </a:prstGeom>
               <a:blipFill>
-                <a:blip r:embed="rId8"/>
+                <a:blip r:embed="rId13"/>
                 <a:stretch>
                   <a:fillRect/>
                 </a:stretch>
@@ -21646,8 +23454,8 @@
             <a:chExt cx="5362575" cy="1459550"/>
           </a:xfrm>
         </p:grpSpPr>
-        <mc:AlternateContent xmlns:mc="http://schemas.openxmlformats.org/markup-compatibility/2006">
-          <mc:Choice xmlns:a14="http://schemas.microsoft.com/office/drawing/2010/main" Requires="a14">
+        <mc:AlternateContent xmlns:mc="http://schemas.openxmlformats.org/markup-compatibility/2006" xmlns:a14="http://schemas.microsoft.com/office/drawing/2010/main">
+          <mc:Choice Requires="a14">
             <p:sp>
               <p:nvSpPr>
                 <p:cNvPr id="3" name="TextBox 2"/>
@@ -21670,6 +23478,7 @@
                 </a:bodyPr>
                 <a:lstStyle/>
                 <a:p>
+                  <a:pPr/>
                   <a14:m>
                     <m:oMathPara xmlns:m="http://schemas.openxmlformats.org/officeDocument/2006/math">
                       <m:oMathParaPr>
@@ -22111,7 +23920,7 @@
               </p:txBody>
             </p:sp>
           </mc:Choice>
-          <mc:Fallback>
+          <mc:Fallback xmlns="">
             <p:sp>
               <p:nvSpPr>
                 <p:cNvPr id="3" name="TextBox 2"/>
@@ -22150,8 +23959,8 @@
             </p:sp>
           </mc:Fallback>
         </mc:AlternateContent>
-        <mc:AlternateContent xmlns:mc="http://schemas.openxmlformats.org/markup-compatibility/2006">
-          <mc:Choice xmlns:a14="http://schemas.microsoft.com/office/drawing/2010/main" Requires="a14">
+        <mc:AlternateContent xmlns:mc="http://schemas.openxmlformats.org/markup-compatibility/2006" xmlns:a14="http://schemas.microsoft.com/office/drawing/2010/main">
+          <mc:Choice Requires="a14">
             <p:sp>
               <p:nvSpPr>
                 <p:cNvPr id="4" name="TextBox 3"/>
@@ -22174,6 +23983,7 @@
                 </a:bodyPr>
                 <a:lstStyle/>
                 <a:p>
+                  <a:pPr/>
                   <a14:m>
                     <m:oMathPara xmlns:m="http://schemas.openxmlformats.org/officeDocument/2006/math">
                       <m:oMathParaPr>
@@ -22557,7 +24367,7 @@
               </p:txBody>
             </p:sp>
           </mc:Choice>
-          <mc:Fallback>
+          <mc:Fallback xmlns="">
             <p:sp>
               <p:nvSpPr>
                 <p:cNvPr id="4" name="TextBox 3"/>
@@ -22629,8 +24439,8 @@
           </p:txBody>
         </p:sp>
       </p:grpSp>
-      <mc:AlternateContent xmlns:mc="http://schemas.openxmlformats.org/markup-compatibility/2006">
-        <mc:Choice xmlns:a14="http://schemas.microsoft.com/office/drawing/2010/main" Requires="a14">
+      <mc:AlternateContent xmlns:mc="http://schemas.openxmlformats.org/markup-compatibility/2006" xmlns:a14="http://schemas.microsoft.com/office/drawing/2010/main">
+        <mc:Choice Requires="a14">
           <p:sp>
             <p:nvSpPr>
               <p:cNvPr id="6" name="TextBox 5"/>
@@ -22893,7 +24703,7 @@
             </p:txBody>
           </p:sp>
         </mc:Choice>
-        <mc:Fallback>
+        <mc:Fallback xmlns="">
           <p:sp>
             <p:nvSpPr>
               <p:cNvPr id="6" name="TextBox 5"/>
@@ -23003,7 +24813,7 @@
             <p:spPr>
               <a:xfrm>
                 <a:off x="1800225" y="3571875"/>
-                <a:ext cx="5343525" cy="878317"/>
+                <a:ext cx="5343525" cy="922112"/>
               </a:xfrm>
               <a:prstGeom prst="rect">
                 <a:avLst/>
@@ -23016,6 +24826,7 @@
               </a:bodyPr>
               <a:lstStyle/>
               <a:p>
+                <a:pPr/>
                 <a14:m>
                   <m:oMathPara xmlns:m="http://schemas.openxmlformats.org/officeDocument/2006/math">
                     <m:oMathParaPr>
@@ -23138,6 +24949,17 @@
                               </m:ctrlPr>
                             </m:fPr>
                             <m:num>
+                              <m:r>
+                                <a:rPr lang="en-US" b="0" i="1" smtClean="0">
+                                  <a:solidFill>
+                                    <a:srgbClr val="000000"/>
+                                  </a:solidFill>
+                                  <a:latin typeface="Cambria Math" panose="02040503050406030204" pitchFamily="18" charset="0"/>
+                                </a:rPr>
+                                <m:t>38</m:t>
+                              </m:r>
+                            </m:num>
+                            <m:den>
                               <m:sSub>
                                 <m:sSubPr>
                                   <m:ctrlPr>
@@ -23286,24 +25108,13 @@
                                 <m:t>)</m:t>
                               </m:r>
                               <m:r>
-                                <a:rPr lang="en-US" b="0" i="1" smtClean="0">
+                                <a:rPr lang="en-US" i="1">
                                   <a:solidFill>
                                     <a:srgbClr val="000000"/>
                                   </a:solidFill>
                                   <a:latin typeface="Cambria Math" panose="02040503050406030204" pitchFamily="18" charset="0"/>
                                 </a:rPr>
                                 <m:t>+34</m:t>
-                              </m:r>
-                            </m:num>
-                            <m:den>
-                              <m:r>
-                                <a:rPr lang="en-US" b="0" i="1" smtClean="0">
-                                  <a:solidFill>
-                                    <a:srgbClr val="000000"/>
-                                  </a:solidFill>
-                                  <a:latin typeface="Cambria Math" panose="02040503050406030204" pitchFamily="18" charset="0"/>
-                                </a:rPr>
-                                <m:t>38</m:t>
                               </m:r>
                             </m:den>
                           </m:f>
@@ -23333,7 +25144,7 @@
             <p:spPr>
               <a:xfrm>
                 <a:off x="1800225" y="3571875"/>
-                <a:ext cx="5343525" cy="878317"/>
+                <a:ext cx="5343525" cy="922112"/>
               </a:xfrm>
               <a:prstGeom prst="rect">
                 <a:avLst/>
@@ -23360,8 +25171,8 @@
           </p:sp>
         </mc:Fallback>
       </mc:AlternateContent>
-      <mc:AlternateContent xmlns:mc="http://schemas.openxmlformats.org/markup-compatibility/2006">
-        <mc:Choice xmlns:a14="http://schemas.microsoft.com/office/drawing/2010/main" Requires="a14">
+      <mc:AlternateContent xmlns:mc="http://schemas.openxmlformats.org/markup-compatibility/2006" xmlns:a14="http://schemas.microsoft.com/office/drawing/2010/main">
+        <mc:Choice Requires="a14">
           <p:sp>
             <p:nvSpPr>
               <p:cNvPr id="11" name="TextBox 10"/>
@@ -23498,7 +25309,7 @@
             </p:txBody>
           </p:sp>
         </mc:Choice>
-        <mc:Fallback>
+        <mc:Fallback xmlns="">
           <p:sp>
             <p:nvSpPr>
               <p:cNvPr id="11" name="TextBox 10"/>
@@ -23561,6 +25372,7 @@
               </a:bodyPr>
               <a:lstStyle/>
               <a:p>
+                <a:pPr/>
                 <a14:m>
                   <m:oMathPara xmlns:m="http://schemas.openxmlformats.org/officeDocument/2006/math">
                     <m:oMathParaPr>
@@ -23635,6 +25447,17 @@
                                       </m:ctrlPr>
                                     </m:fPr>
                                     <m:num>
+                                      <m:r>
+                                        <a:rPr lang="en-US" b="0" i="1" smtClean="0">
+                                          <a:solidFill>
+                                            <a:srgbClr val="000000"/>
+                                          </a:solidFill>
+                                          <a:latin typeface="Cambria Math" panose="02040503050406030204" pitchFamily="18" charset="0"/>
+                                        </a:rPr>
+                                        <m:t>38</m:t>
+                                      </m:r>
+                                    </m:num>
+                                    <m:den>
                                       <m:sSub>
                                         <m:sSubPr>
                                           <m:ctrlPr>
@@ -23776,17 +25599,6 @@
                                         </a:rPr>
                                         <m:t>+34</m:t>
                                       </m:r>
-                                    </m:num>
-                                    <m:den>
-                                      <m:r>
-                                        <a:rPr lang="en-US" i="1">
-                                          <a:solidFill>
-                                            <a:srgbClr val="000000"/>
-                                          </a:solidFill>
-                                          <a:latin typeface="Cambria Math" panose="02040503050406030204" pitchFamily="18" charset="0"/>
-                                        </a:rPr>
-                                        <m:t>38</m:t>
-                                      </m:r>
                                     </m:den>
                                   </m:f>
                                 </m:den>
@@ -23844,6 +25656,17 @@
                                       </m:ctrlPr>
                                     </m:fPr>
                                     <m:num>
+                                      <m:r>
+                                        <a:rPr lang="en-US" b="0" i="1" smtClean="0">
+                                          <a:solidFill>
+                                            <a:srgbClr val="000000"/>
+                                          </a:solidFill>
+                                          <a:latin typeface="Cambria Math" panose="02040503050406030204" pitchFamily="18" charset="0"/>
+                                        </a:rPr>
+                                        <m:t>38</m:t>
+                                      </m:r>
+                                    </m:num>
+                                    <m:den>
                                       <m:sSub>
                                         <m:sSubPr>
                                           <m:ctrlPr>
@@ -23889,7 +25712,7 @@
                                                 <m:t>𝑝</m:t>
                                               </m:r>
                                               <m:r>
-                                                <a:rPr lang="en-US" b="0" i="1" smtClean="0">
+                                                <a:rPr lang="en-US" i="1">
                                                   <a:solidFill>
                                                     <a:srgbClr val="000000"/>
                                                   </a:solidFill>
@@ -23993,17 +25816,6 @@
                                           <a:latin typeface="Cambria Math" panose="02040503050406030204" pitchFamily="18" charset="0"/>
                                         </a:rPr>
                                         <m:t>+34</m:t>
-                                      </m:r>
-                                    </m:num>
-                                    <m:den>
-                                      <m:r>
-                                        <a:rPr lang="en-US" i="1">
-                                          <a:solidFill>
-                                            <a:srgbClr val="000000"/>
-                                          </a:solidFill>
-                                          <a:latin typeface="Cambria Math" panose="02040503050406030204" pitchFamily="18" charset="0"/>
-                                        </a:rPr>
-                                        <m:t>38</m:t>
                                       </m:r>
                                     </m:den>
                                   </m:f>
@@ -24510,8 +26322,8 @@
         </p:nvSpPr>
         <p:spPr>
           <a:xfrm>
-            <a:off x="473626" y="1305196"/>
-            <a:ext cx="11578459" cy="5078313"/>
+            <a:off x="407124" y="1321821"/>
+            <a:ext cx="11578459" cy="5632311"/>
           </a:xfrm>
           <a:prstGeom prst="rect">
             <a:avLst/>
@@ -24523,6 +26335,73 @@
             <a:spAutoFit/>
           </a:bodyPr>
           <a:lstStyle/>
+          <a:p>
+            <a:pPr marL="285750" marR="0" lvl="0" indent="-285750" algn="l" defTabSz="914400" rtl="0" eaLnBrk="1" fontAlgn="auto" latinLnBrk="0" hangingPunct="1">
+              <a:lnSpc>
+                <a:spcPct val="100000"/>
+              </a:lnSpc>
+              <a:spcBef>
+                <a:spcPts val="0"/>
+              </a:spcBef>
+              <a:spcAft>
+                <a:spcPts val="0"/>
+              </a:spcAft>
+              <a:buClrTx/>
+              <a:buSzTx/>
+              <a:buFont typeface="Arial" panose="020B0604020202020204" pitchFamily="34" charset="0"/>
+              <a:buChar char="•"/>
+              <a:tabLst/>
+              <a:defRPr/>
+            </a:pPr>
+            <a:r>
+              <a:rPr kumimoji="0" lang="en-US" sz="1800" b="0" i="1" u="none" strike="noStrike" kern="1200" cap="none" spc="0" normalizeH="0" baseline="0" noProof="0" dirty="0" smtClean="0">
+                <a:ln>
+                  <a:noFill/>
+                </a:ln>
+                <a:solidFill>
+                  <a:srgbClr val="626462"/>
+                </a:solidFill>
+                <a:effectLst/>
+                <a:uLnTx/>
+                <a:uFillTx/>
+                <a:latin typeface="Times New Roman" panose="02020603050405020304" pitchFamily="18" charset="0"/>
+                <a:ea typeface="+mn-ea"/>
+                <a:cs typeface="Times New Roman" panose="02020603050405020304" pitchFamily="18" charset="0"/>
+              </a:rPr>
+              <a:t>Day</a:t>
+            </a:r>
+            <a:r>
+              <a:rPr kumimoji="0" lang="en-US" sz="1800" b="0" i="1" u="none" strike="noStrike" kern="1200" cap="none" spc="0" normalizeH="0" noProof="0" dirty="0" smtClean="0">
+                <a:ln>
+                  <a:noFill/>
+                </a:ln>
+                <a:solidFill>
+                  <a:srgbClr val="626462"/>
+                </a:solidFill>
+                <a:effectLst/>
+                <a:uLnTx/>
+                <a:uFillTx/>
+                <a:latin typeface="Times New Roman" panose="02020603050405020304" pitchFamily="18" charset="0"/>
+                <a:ea typeface="+mn-ea"/>
+                <a:cs typeface="Times New Roman" panose="02020603050405020304" pitchFamily="18" charset="0"/>
+              </a:rPr>
+              <a:t> 1</a:t>
+            </a:r>
+            <a:endParaRPr kumimoji="0" lang="en-US" sz="1800" b="0" i="1" u="none" strike="noStrike" kern="1200" cap="none" spc="0" normalizeH="0" baseline="0" noProof="0" dirty="0" smtClean="0">
+              <a:ln>
+                <a:noFill/>
+              </a:ln>
+              <a:solidFill>
+                <a:srgbClr val="626462"/>
+              </a:solidFill>
+              <a:effectLst/>
+              <a:uLnTx/>
+              <a:uFillTx/>
+              <a:latin typeface="Times New Roman" panose="02020603050405020304" pitchFamily="18" charset="0"/>
+              <a:ea typeface="+mn-ea"/>
+              <a:cs typeface="Times New Roman" panose="02020603050405020304" pitchFamily="18" charset="0"/>
+            </a:endParaRPr>
+          </a:p>
           <a:p>
             <a:pPr marL="285750" marR="0" lvl="0" indent="-285750" algn="l" defTabSz="914400" rtl="0" eaLnBrk="1" fontAlgn="auto" latinLnBrk="0" hangingPunct="1">
               <a:lnSpc>
@@ -24616,20 +26495,11 @@
             </a:r>
           </a:p>
           <a:p>
-            <a:pPr marL="742950" lvl="1" indent="-285750">
+            <a:pPr marL="285750" lvl="0" indent="-285750">
               <a:buFont typeface="Arial" panose="020B0604020202020204" pitchFamily="34" charset="0"/>
               <a:buChar char="•"/>
+              <a:defRPr/>
             </a:pPr>
-            <a:r>
-              <a:rPr lang="en-US" i="1" baseline="0" dirty="0" smtClean="0">
-                <a:solidFill>
-                  <a:srgbClr val="626462"/>
-                </a:solidFill>
-                <a:latin typeface="Times New Roman" panose="02020603050405020304" pitchFamily="18" charset="0"/>
-                <a:cs typeface="Times New Roman" panose="02020603050405020304" pitchFamily="18" charset="0"/>
-              </a:rPr>
-              <a:t>What</a:t>
-            </a:r>
             <a:r>
               <a:rPr lang="en-US" i="1" dirty="0" smtClean="0">
                 <a:solidFill>
@@ -24638,7 +26508,88 @@
                 <a:latin typeface="Times New Roman" panose="02020603050405020304" pitchFamily="18" charset="0"/>
                 <a:cs typeface="Times New Roman" panose="02020603050405020304" pitchFamily="18" charset="0"/>
               </a:rPr>
-              <a:t> is Expectation Maximization </a:t>
+              <a:t>Some Practical Considerations:</a:t>
+            </a:r>
+          </a:p>
+          <a:p>
+            <a:pPr marL="742950" lvl="1" indent="-285750">
+              <a:buFont typeface="Arial" panose="020B0604020202020204" pitchFamily="34" charset="0"/>
+              <a:buChar char="•"/>
+            </a:pPr>
+            <a:r>
+              <a:rPr lang="en-US" i="1" dirty="0" smtClean="0">
+                <a:solidFill>
+                  <a:srgbClr val="626462"/>
+                </a:solidFill>
+                <a:latin typeface="Times New Roman" panose="02020603050405020304" pitchFamily="18" charset="0"/>
+                <a:cs typeface="Times New Roman" panose="02020603050405020304" pitchFamily="18" charset="0"/>
+              </a:rPr>
+              <a:t>What is </a:t>
+            </a:r>
+            <a:r>
+              <a:rPr lang="en-US" i="1" dirty="0" err="1" smtClean="0">
+                <a:solidFill>
+                  <a:srgbClr val="626462"/>
+                </a:solidFill>
+                <a:latin typeface="Times New Roman" panose="02020603050405020304" pitchFamily="18" charset="0"/>
+                <a:cs typeface="Times New Roman" panose="02020603050405020304" pitchFamily="18" charset="0"/>
+              </a:rPr>
+              <a:t>Kallisto</a:t>
+            </a:r>
+            <a:endParaRPr lang="en-US" i="1" dirty="0" smtClean="0">
+              <a:solidFill>
+                <a:srgbClr val="626462"/>
+              </a:solidFill>
+              <a:latin typeface="Times New Roman" panose="02020603050405020304" pitchFamily="18" charset="0"/>
+              <a:cs typeface="Times New Roman" panose="02020603050405020304" pitchFamily="18" charset="0"/>
+            </a:endParaRPr>
+          </a:p>
+          <a:p>
+            <a:pPr marL="742950" lvl="1" indent="-285750">
+              <a:buFont typeface="Arial" panose="020B0604020202020204" pitchFamily="34" charset="0"/>
+              <a:buChar char="•"/>
+            </a:pPr>
+            <a:r>
+              <a:rPr lang="en-US" i="1" dirty="0" smtClean="0">
+                <a:solidFill>
+                  <a:srgbClr val="626462"/>
+                </a:solidFill>
+                <a:latin typeface="Times New Roman" panose="02020603050405020304" pitchFamily="18" charset="0"/>
+                <a:cs typeface="Times New Roman" panose="02020603050405020304" pitchFamily="18" charset="0"/>
+              </a:rPr>
+              <a:t>What is Salmon </a:t>
+            </a:r>
+          </a:p>
+          <a:p>
+            <a:pPr marL="742950" lvl="1" indent="-285750">
+              <a:buFont typeface="Arial" panose="020B0604020202020204" pitchFamily="34" charset="0"/>
+              <a:buChar char="•"/>
+            </a:pPr>
+            <a:r>
+              <a:rPr lang="en-US" i="1" dirty="0" smtClean="0">
+                <a:solidFill>
+                  <a:srgbClr val="626462"/>
+                </a:solidFill>
+                <a:latin typeface="Times New Roman" panose="02020603050405020304" pitchFamily="18" charset="0"/>
+                <a:cs typeface="Times New Roman" panose="02020603050405020304" pitchFamily="18" charset="0"/>
+              </a:rPr>
+              <a:t>What is H2Q</a:t>
+            </a:r>
+          </a:p>
+          <a:p>
+            <a:pPr marL="285750" indent="-285750">
+              <a:buFont typeface="Arial" panose="020B0604020202020204" pitchFamily="34" charset="0"/>
+              <a:buChar char="•"/>
+            </a:pPr>
+            <a:r>
+              <a:rPr lang="en-US" i="1" dirty="0" smtClean="0">
+                <a:solidFill>
+                  <a:srgbClr val="626462"/>
+                </a:solidFill>
+                <a:latin typeface="Times New Roman" panose="02020603050405020304" pitchFamily="18" charset="0"/>
+                <a:cs typeface="Times New Roman" panose="02020603050405020304" pitchFamily="18" charset="0"/>
+              </a:rPr>
+              <a:t>Day 2</a:t>
             </a:r>
           </a:p>
           <a:p>
@@ -24720,6 +26671,32 @@
               <a:ea typeface="+mn-ea"/>
               <a:cs typeface="Times New Roman" panose="02020603050405020304" pitchFamily="18" charset="0"/>
             </a:endParaRPr>
+          </a:p>
+          <a:p>
+            <a:pPr marL="742950" lvl="1" indent="-285750">
+              <a:buFont typeface="Arial" panose="020B0604020202020204" pitchFamily="34" charset="0"/>
+              <a:buChar char="•"/>
+            </a:pPr>
+            <a:r>
+              <a:rPr lang="en-US" i="1" baseline="0" dirty="0" smtClean="0">
+                <a:solidFill>
+                  <a:srgbClr val="626462"/>
+                </a:solidFill>
+                <a:latin typeface="Times New Roman" panose="02020603050405020304" pitchFamily="18" charset="0"/>
+                <a:cs typeface="Times New Roman" panose="02020603050405020304" pitchFamily="18" charset="0"/>
+              </a:rPr>
+              <a:t>What</a:t>
+            </a:r>
+            <a:r>
+              <a:rPr lang="en-US" i="1" dirty="0" smtClean="0">
+                <a:solidFill>
+                  <a:srgbClr val="626462"/>
+                </a:solidFill>
+                <a:latin typeface="Times New Roman" panose="02020603050405020304" pitchFamily="18" charset="0"/>
+                <a:cs typeface="Times New Roman" panose="02020603050405020304" pitchFamily="18" charset="0"/>
+              </a:rPr>
+              <a:t> is Expectation Maximization </a:t>
+            </a:r>
           </a:p>
           <a:p>
             <a:pPr marL="285750" marR="0" lvl="0" indent="-285750" algn="l" defTabSz="914400" rtl="0" eaLnBrk="1" fontAlgn="auto" latinLnBrk="0" hangingPunct="1">
@@ -24825,180 +26802,6 @@
               <a:defRPr/>
             </a:pPr>
             <a:endParaRPr kumimoji="0" lang="en-US" sz="1800" b="0" i="1" u="none" strike="noStrike" kern="1200" cap="none" spc="0" normalizeH="0" baseline="0" noProof="0" dirty="0" smtClean="0">
-              <a:ln>
-                <a:noFill/>
-              </a:ln>
-              <a:solidFill>
-                <a:srgbClr val="626462"/>
-              </a:solidFill>
-              <a:effectLst/>
-              <a:uLnTx/>
-              <a:uFillTx/>
-              <a:latin typeface="Times New Roman" panose="02020603050405020304" pitchFamily="18" charset="0"/>
-              <a:ea typeface="+mn-ea"/>
-              <a:cs typeface="Times New Roman" panose="02020603050405020304" pitchFamily="18" charset="0"/>
-            </a:endParaRPr>
-          </a:p>
-          <a:p>
-            <a:pPr marL="285750" marR="0" lvl="0" indent="-285750" algn="l" defTabSz="914400" rtl="0" eaLnBrk="1" fontAlgn="auto" latinLnBrk="0" hangingPunct="1">
-              <a:lnSpc>
-                <a:spcPct val="100000"/>
-              </a:lnSpc>
-              <a:spcBef>
-                <a:spcPts val="0"/>
-              </a:spcBef>
-              <a:spcAft>
-                <a:spcPts val="0"/>
-              </a:spcAft>
-              <a:buClrTx/>
-              <a:buSzTx/>
-              <a:buFont typeface="Arial" panose="020B0604020202020204" pitchFamily="34" charset="0"/>
-              <a:buChar char="•"/>
-              <a:tabLst/>
-              <a:defRPr/>
-            </a:pPr>
-            <a:r>
-              <a:rPr kumimoji="0" lang="en-US" sz="1800" b="0" i="1" u="none" strike="noStrike" kern="1200" cap="none" spc="0" normalizeH="0" baseline="0" noProof="0" dirty="0" smtClean="0">
-                <a:ln>
-                  <a:noFill/>
-                </a:ln>
-                <a:solidFill>
-                  <a:srgbClr val="626462"/>
-                </a:solidFill>
-                <a:effectLst/>
-                <a:uLnTx/>
-                <a:uFillTx/>
-                <a:latin typeface="Times New Roman" panose="02020603050405020304" pitchFamily="18" charset="0"/>
-                <a:ea typeface="+mn-ea"/>
-                <a:cs typeface="Times New Roman" panose="02020603050405020304" pitchFamily="18" charset="0"/>
-              </a:rPr>
-              <a:t>Some</a:t>
-            </a:r>
-            <a:r>
-              <a:rPr kumimoji="0" lang="en-US" sz="1800" b="0" i="1" u="none" strike="noStrike" kern="1200" cap="none" spc="0" normalizeH="0" noProof="0" dirty="0" smtClean="0">
-                <a:ln>
-                  <a:noFill/>
-                </a:ln>
-                <a:solidFill>
-                  <a:srgbClr val="626462"/>
-                </a:solidFill>
-                <a:effectLst/>
-                <a:uLnTx/>
-                <a:uFillTx/>
-                <a:latin typeface="Times New Roman" panose="02020603050405020304" pitchFamily="18" charset="0"/>
-                <a:ea typeface="+mn-ea"/>
-                <a:cs typeface="Times New Roman" panose="02020603050405020304" pitchFamily="18" charset="0"/>
-              </a:rPr>
-              <a:t> Practical Considerations:</a:t>
-            </a:r>
-            <a:endParaRPr kumimoji="0" lang="en-US" sz="1800" b="0" i="1" u="none" strike="noStrike" kern="1200" cap="none" spc="0" normalizeH="0" baseline="0" noProof="0" dirty="0" smtClean="0">
-              <a:ln>
-                <a:noFill/>
-              </a:ln>
-              <a:solidFill>
-                <a:srgbClr val="626462"/>
-              </a:solidFill>
-              <a:effectLst/>
-              <a:uLnTx/>
-              <a:uFillTx/>
-              <a:latin typeface="Times New Roman" panose="02020603050405020304" pitchFamily="18" charset="0"/>
-              <a:ea typeface="+mn-ea"/>
-              <a:cs typeface="Times New Roman" panose="02020603050405020304" pitchFamily="18" charset="0"/>
-            </a:endParaRPr>
-          </a:p>
-          <a:p>
-            <a:pPr marL="742950" lvl="1" indent="-285750">
-              <a:buFont typeface="Arial" panose="020B0604020202020204" pitchFamily="34" charset="0"/>
-              <a:buChar char="•"/>
-            </a:pPr>
-            <a:r>
-              <a:rPr kumimoji="0" lang="en-US" b="0" i="1" u="none" strike="noStrike" kern="1200" cap="none" spc="0" normalizeH="0" baseline="0" noProof="0" dirty="0" smtClean="0">
-                <a:ln>
-                  <a:noFill/>
-                </a:ln>
-                <a:solidFill>
-                  <a:srgbClr val="626462"/>
-                </a:solidFill>
-                <a:effectLst/>
-                <a:uLnTx/>
-                <a:uFillTx/>
-                <a:latin typeface="Times New Roman" panose="02020603050405020304" pitchFamily="18" charset="0"/>
-                <a:ea typeface="+mn-ea"/>
-                <a:cs typeface="Times New Roman" panose="02020603050405020304" pitchFamily="18" charset="0"/>
-              </a:rPr>
-              <a:t>What is </a:t>
-            </a:r>
-            <a:r>
-              <a:rPr kumimoji="0" lang="en-US" b="0" i="1" u="none" strike="noStrike" kern="1200" cap="none" spc="0" normalizeH="0" baseline="0" noProof="0" dirty="0" err="1" smtClean="0">
-                <a:ln>
-                  <a:noFill/>
-                </a:ln>
-                <a:solidFill>
-                  <a:srgbClr val="626462"/>
-                </a:solidFill>
-                <a:effectLst/>
-                <a:uLnTx/>
-                <a:uFillTx/>
-                <a:latin typeface="Times New Roman" panose="02020603050405020304" pitchFamily="18" charset="0"/>
-                <a:ea typeface="+mn-ea"/>
-                <a:cs typeface="Times New Roman" panose="02020603050405020304" pitchFamily="18" charset="0"/>
-              </a:rPr>
-              <a:t>Kallisto</a:t>
-            </a:r>
-            <a:endParaRPr kumimoji="0" lang="en-US" b="0" i="1" u="none" strike="noStrike" kern="1200" cap="none" spc="0" normalizeH="0" baseline="0" noProof="0" dirty="0" smtClean="0">
-              <a:ln>
-                <a:noFill/>
-              </a:ln>
-              <a:solidFill>
-                <a:srgbClr val="626462"/>
-              </a:solidFill>
-              <a:effectLst/>
-              <a:uLnTx/>
-              <a:uFillTx/>
-              <a:latin typeface="Times New Roman" panose="02020603050405020304" pitchFamily="18" charset="0"/>
-              <a:ea typeface="+mn-ea"/>
-              <a:cs typeface="Times New Roman" panose="02020603050405020304" pitchFamily="18" charset="0"/>
-            </a:endParaRPr>
-          </a:p>
-          <a:p>
-            <a:pPr marL="742950" lvl="1" indent="-285750">
-              <a:buFont typeface="Arial" panose="020B0604020202020204" pitchFamily="34" charset="0"/>
-              <a:buChar char="•"/>
-            </a:pPr>
-            <a:r>
-              <a:rPr lang="en-US" i="1" dirty="0" smtClean="0">
-                <a:solidFill>
-                  <a:srgbClr val="626462"/>
-                </a:solidFill>
-                <a:latin typeface="Times New Roman" panose="02020603050405020304" pitchFamily="18" charset="0"/>
-                <a:cs typeface="Times New Roman" panose="02020603050405020304" pitchFamily="18" charset="0"/>
-              </a:rPr>
-              <a:t>What is Salmon </a:t>
-            </a:r>
-          </a:p>
-          <a:p>
-            <a:pPr marL="742950" lvl="1" indent="-285750">
-              <a:buFont typeface="Arial" panose="020B0604020202020204" pitchFamily="34" charset="0"/>
-              <a:buChar char="•"/>
-            </a:pPr>
-            <a:r>
-              <a:rPr kumimoji="0" lang="en-US" b="0" i="1" u="none" strike="noStrike" kern="1200" cap="none" spc="0" normalizeH="0" baseline="0" noProof="0" dirty="0" smtClean="0">
-                <a:ln>
-                  <a:noFill/>
-                </a:ln>
-                <a:solidFill>
-                  <a:srgbClr val="626462"/>
-                </a:solidFill>
-                <a:effectLst/>
-                <a:uLnTx/>
-                <a:uFillTx/>
-                <a:latin typeface="Times New Roman" panose="02020603050405020304" pitchFamily="18" charset="0"/>
-                <a:ea typeface="+mn-ea"/>
-                <a:cs typeface="Times New Roman" panose="02020603050405020304" pitchFamily="18" charset="0"/>
-              </a:rPr>
-              <a:t>What is H2Q</a:t>
-            </a:r>
-            <a:endParaRPr kumimoji="0" lang="en-US" b="0" i="1" u="none" strike="noStrike" kern="1200" cap="none" spc="0" normalizeH="0" baseline="0" noProof="0" dirty="0">
               <a:ln>
                 <a:noFill/>
               </a:ln>
@@ -29017,8 +30820,8 @@
           </a:p>
         </p:txBody>
       </p:sp>
-      <mc:AlternateContent xmlns:mc="http://schemas.openxmlformats.org/markup-compatibility/2006">
-        <mc:Choice xmlns:a14="http://schemas.microsoft.com/office/drawing/2010/main" Requires="a14">
+      <mc:AlternateContent xmlns:mc="http://schemas.openxmlformats.org/markup-compatibility/2006" xmlns:a14="http://schemas.microsoft.com/office/drawing/2010/main">
+        <mc:Choice Requires="a14">
           <p:sp>
             <p:nvSpPr>
               <p:cNvPr id="3" name="TextBox 2"/>
@@ -29554,6 +31357,7 @@
                 </a:endParaRPr>
               </a:p>
               <a:p>
+                <a:pPr/>
                 <a14:m>
                   <m:oMathPara xmlns:m="http://schemas.openxmlformats.org/officeDocument/2006/math">
                     <m:oMathParaPr>
@@ -29801,7 +31605,7 @@
             </p:txBody>
           </p:sp>
         </mc:Choice>
-        <mc:Fallback>
+        <mc:Fallback xmlns="">
           <p:sp>
             <p:nvSpPr>
               <p:cNvPr id="3" name="TextBox 2"/>
@@ -29854,8 +31658,8 @@
             <a:chExt cx="2350770" cy="1876858"/>
           </a:xfrm>
         </p:grpSpPr>
-        <mc:AlternateContent xmlns:mc="http://schemas.openxmlformats.org/markup-compatibility/2006">
-          <mc:Choice xmlns:a14="http://schemas.microsoft.com/office/drawing/2010/main" Requires="a14">
+        <mc:AlternateContent xmlns:mc="http://schemas.openxmlformats.org/markup-compatibility/2006" xmlns:a14="http://schemas.microsoft.com/office/drawing/2010/main">
+          <mc:Choice Requires="a14">
             <p:sp>
               <p:nvSpPr>
                 <p:cNvPr id="33" name="TextBox 32"/>
@@ -29878,6 +31682,7 @@
                 </a:bodyPr>
                 <a:lstStyle/>
                 <a:p>
+                  <a:pPr/>
                   <a14:m>
                     <m:oMathPara xmlns:m="http://schemas.openxmlformats.org/officeDocument/2006/math">
                       <m:oMathParaPr>
@@ -29898,7 +31703,7 @@
               </p:txBody>
             </p:sp>
           </mc:Choice>
-          <mc:Fallback>
+          <mc:Fallback xmlns="">
             <p:sp>
               <p:nvSpPr>
                 <p:cNvPr id="33" name="TextBox 32"/>
@@ -30612,8 +32417,8 @@
               </a:fontRef>
             </p:style>
           </p:cxnSp>
-          <mc:AlternateContent xmlns:mc="http://schemas.openxmlformats.org/markup-compatibility/2006">
-            <mc:Choice xmlns:a14="http://schemas.microsoft.com/office/drawing/2010/main" Requires="a14">
+          <mc:AlternateContent xmlns:mc="http://schemas.openxmlformats.org/markup-compatibility/2006" xmlns:a14="http://schemas.microsoft.com/office/drawing/2010/main">
+            <mc:Choice Requires="a14">
               <p:sp>
                 <p:nvSpPr>
                   <p:cNvPr id="34" name="TextBox 33"/>
@@ -30636,6 +32441,7 @@
                   </a:bodyPr>
                   <a:lstStyle/>
                   <a:p>
+                    <a:pPr/>
                     <a14:m>
                       <m:oMathPara xmlns:m="http://schemas.openxmlformats.org/officeDocument/2006/math">
                         <m:oMathParaPr>
@@ -30656,7 +32462,7 @@
                 </p:txBody>
               </p:sp>
             </mc:Choice>
-            <mc:Fallback>
+            <mc:Fallback xmlns="">
               <p:sp>
                 <p:nvSpPr>
                   <p:cNvPr id="34" name="TextBox 33"/>
@@ -31100,8 +32906,8 @@
           </a:p>
         </p:txBody>
       </p:sp>
-      <mc:AlternateContent xmlns:mc="http://schemas.openxmlformats.org/markup-compatibility/2006">
-        <mc:Choice xmlns:a14="http://schemas.microsoft.com/office/drawing/2010/main" Requires="a14">
+      <mc:AlternateContent xmlns:mc="http://schemas.openxmlformats.org/markup-compatibility/2006" xmlns:a14="http://schemas.microsoft.com/office/drawing/2010/main">
+        <mc:Choice Requires="a14">
           <p:sp>
             <p:nvSpPr>
               <p:cNvPr id="122" name="TextBox 121"/>
@@ -31345,7 +33151,7 @@
             </p:txBody>
           </p:sp>
         </mc:Choice>
-        <mc:Fallback>
+        <mc:Fallback xmlns="">
           <p:sp>
             <p:nvSpPr>
               <p:cNvPr id="122" name="TextBox 121"/>
@@ -31617,8 +33423,8 @@
           </a:p>
         </p:txBody>
       </p:sp>
-      <mc:AlternateContent xmlns:mc="http://schemas.openxmlformats.org/markup-compatibility/2006">
-        <mc:Choice xmlns:a14="http://schemas.microsoft.com/office/drawing/2010/main" Requires="a14">
+      <mc:AlternateContent xmlns:mc="http://schemas.openxmlformats.org/markup-compatibility/2006" xmlns:a14="http://schemas.microsoft.com/office/drawing/2010/main">
+        <mc:Choice Requires="a14">
           <p:sp>
             <p:nvSpPr>
               <p:cNvPr id="4" name="TextBox 3"/>
@@ -31794,6 +33600,7 @@
                 </a:endParaRPr>
               </a:p>
               <a:p>
+                <a:pPr/>
                 <a14:m>
                   <m:oMathPara xmlns:m="http://schemas.openxmlformats.org/officeDocument/2006/math">
                     <m:oMathParaPr>
@@ -32094,6 +33901,7 @@
                 </a:endParaRPr>
               </a:p>
               <a:p>
+                <a:pPr/>
                 <a14:m>
                   <m:oMathPara xmlns:m="http://schemas.openxmlformats.org/officeDocument/2006/math">
                     <m:oMathParaPr>
@@ -32219,7 +34027,7 @@
             </p:txBody>
           </p:sp>
         </mc:Choice>
-        <mc:Fallback>
+        <mc:Fallback xmlns="">
           <p:sp>
             <p:nvSpPr>
               <p:cNvPr id="4" name="TextBox 3"/>
